--- a/docs/InstallationCourse.pptx
+++ b/docs/InstallationCourse.pptx
@@ -53,7 +53,13 @@
     <p:sldId id="297" r:id="rId47"/>
     <p:sldId id="298" r:id="rId48"/>
     <p:sldId id="299" r:id="rId49"/>
-    <p:sldId id="300" r:id="rId50"/>
+    <p:sldId id="306" r:id="rId50"/>
+    <p:sldId id="309" r:id="rId51"/>
+    <p:sldId id="300" r:id="rId52"/>
+    <p:sldId id="308" r:id="rId53"/>
+    <p:sldId id="310" r:id="rId54"/>
+    <p:sldId id="311" r:id="rId55"/>
+    <p:sldId id="312" r:id="rId56"/>
   </p:sldIdLst>
   <p:sldSz cx="12192000" cy="6858000"/>
   <p:notesSz cx="6858000" cy="9144000"/>
@@ -289,7 +295,7 @@
           <a:p>
             <a:fld id="{352C0B74-1FE1-4FB7-82E7-0D2FF5E15FE0}" type="datetimeFigureOut">
               <a:rPr lang="nb-NO" smtClean="0"/>
-              <a:t>03.06.2019</a:t>
+              <a:t>06.06.2019</a:t>
             </a:fld>
             <a:endParaRPr lang="nb-NO"/>
           </a:p>
@@ -457,7 +463,7 @@
           <a:p>
             <a:fld id="{352C0B74-1FE1-4FB7-82E7-0D2FF5E15FE0}" type="datetimeFigureOut">
               <a:rPr lang="nb-NO" smtClean="0"/>
-              <a:t>03.06.2019</a:t>
+              <a:t>06.06.2019</a:t>
             </a:fld>
             <a:endParaRPr lang="nb-NO"/>
           </a:p>
@@ -635,7 +641,7 @@
           <a:p>
             <a:fld id="{352C0B74-1FE1-4FB7-82E7-0D2FF5E15FE0}" type="datetimeFigureOut">
               <a:rPr lang="nb-NO" smtClean="0"/>
-              <a:t>03.06.2019</a:t>
+              <a:t>06.06.2019</a:t>
             </a:fld>
             <a:endParaRPr lang="nb-NO"/>
           </a:p>
@@ -803,7 +809,7 @@
           <a:p>
             <a:fld id="{352C0B74-1FE1-4FB7-82E7-0D2FF5E15FE0}" type="datetimeFigureOut">
               <a:rPr lang="nb-NO" smtClean="0"/>
-              <a:t>03.06.2019</a:t>
+              <a:t>06.06.2019</a:t>
             </a:fld>
             <a:endParaRPr lang="nb-NO"/>
           </a:p>
@@ -1048,7 +1054,7 @@
           <a:p>
             <a:fld id="{352C0B74-1FE1-4FB7-82E7-0D2FF5E15FE0}" type="datetimeFigureOut">
               <a:rPr lang="nb-NO" smtClean="0"/>
-              <a:t>03.06.2019</a:t>
+              <a:t>06.06.2019</a:t>
             </a:fld>
             <a:endParaRPr lang="nb-NO"/>
           </a:p>
@@ -1277,7 +1283,7 @@
           <a:p>
             <a:fld id="{352C0B74-1FE1-4FB7-82E7-0D2FF5E15FE0}" type="datetimeFigureOut">
               <a:rPr lang="nb-NO" smtClean="0"/>
-              <a:t>03.06.2019</a:t>
+              <a:t>06.06.2019</a:t>
             </a:fld>
             <a:endParaRPr lang="nb-NO"/>
           </a:p>
@@ -1641,7 +1647,7 @@
           <a:p>
             <a:fld id="{352C0B74-1FE1-4FB7-82E7-0D2FF5E15FE0}" type="datetimeFigureOut">
               <a:rPr lang="nb-NO" smtClean="0"/>
-              <a:t>03.06.2019</a:t>
+              <a:t>06.06.2019</a:t>
             </a:fld>
             <a:endParaRPr lang="nb-NO"/>
           </a:p>
@@ -1758,7 +1764,7 @@
           <a:p>
             <a:fld id="{352C0B74-1FE1-4FB7-82E7-0D2FF5E15FE0}" type="datetimeFigureOut">
               <a:rPr lang="nb-NO" smtClean="0"/>
-              <a:t>03.06.2019</a:t>
+              <a:t>06.06.2019</a:t>
             </a:fld>
             <a:endParaRPr lang="nb-NO"/>
           </a:p>
@@ -1853,7 +1859,7 @@
           <a:p>
             <a:fld id="{352C0B74-1FE1-4FB7-82E7-0D2FF5E15FE0}" type="datetimeFigureOut">
               <a:rPr lang="nb-NO" smtClean="0"/>
-              <a:t>03.06.2019</a:t>
+              <a:t>06.06.2019</a:t>
             </a:fld>
             <a:endParaRPr lang="nb-NO"/>
           </a:p>
@@ -2128,7 +2134,7 @@
           <a:p>
             <a:fld id="{352C0B74-1FE1-4FB7-82E7-0D2FF5E15FE0}" type="datetimeFigureOut">
               <a:rPr lang="nb-NO" smtClean="0"/>
-              <a:t>03.06.2019</a:t>
+              <a:t>06.06.2019</a:t>
             </a:fld>
             <a:endParaRPr lang="nb-NO"/>
           </a:p>
@@ -2380,7 +2386,7 @@
           <a:p>
             <a:fld id="{352C0B74-1FE1-4FB7-82E7-0D2FF5E15FE0}" type="datetimeFigureOut">
               <a:rPr lang="nb-NO" smtClean="0"/>
-              <a:t>03.06.2019</a:t>
+              <a:t>06.06.2019</a:t>
             </a:fld>
             <a:endParaRPr lang="nb-NO"/>
           </a:p>
@@ -2591,7 +2597,7 @@
           <a:p>
             <a:fld id="{352C0B74-1FE1-4FB7-82E7-0D2FF5E15FE0}" type="datetimeFigureOut">
               <a:rPr lang="nb-NO" smtClean="0"/>
-              <a:t>03.06.2019</a:t>
+              <a:t>06.06.2019</a:t>
             </a:fld>
             <a:endParaRPr lang="nb-NO"/>
           </a:p>
@@ -9326,7 +9332,6 @@
               <a:rPr lang="nb-NO" dirty="0"/>
               <a:t>Setup.ps1</a:t>
             </a:r>
-            <a:endParaRPr lang="nb-NO" dirty="0"/>
           </a:p>
         </p:txBody>
       </p:sp>
@@ -9659,6 +9664,22 @@
               <a:rPr lang="nb-NO" dirty="0" err="1" smtClean="0"/>
               <a:t>programpackage</a:t>
             </a:r>
+            <a:r>
+              <a:rPr lang="nb-NO" dirty="0" smtClean="0"/>
+              <a:t> (</a:t>
+            </a:r>
+            <a:r>
+              <a:rPr lang="nb-NO" dirty="0" err="1" smtClean="0"/>
+              <a:t>artifact</a:t>
+            </a:r>
+            <a:r>
+              <a:rPr lang="nb-NO" dirty="0" err="1" smtClean="0"/>
+              <a:t>s</a:t>
+            </a:r>
+            <a:r>
+              <a:rPr lang="nb-NO" dirty="0" smtClean="0"/>
+              <a:t>)</a:t>
+            </a:r>
             <a:endParaRPr lang="nb-NO" dirty="0" smtClean="0"/>
           </a:p>
           <a:p>
@@ -9746,7 +9767,9 @@
         </p:nvSpPr>
         <p:spPr/>
         <p:txBody>
-          <a:bodyPr/>
+          <a:bodyPr>
+            <a:normAutofit lnSpcReduction="10000"/>
+          </a:bodyPr>
           <a:lstStyle/>
           <a:p>
             <a:r>
@@ -9771,6 +9794,14 @@
             </a:r>
             <a:r>
               <a:rPr lang="nb-NO" dirty="0" err="1" smtClean="0"/>
+              <a:t>proprietary</a:t>
+            </a:r>
+            <a:r>
+              <a:rPr lang="nb-NO" dirty="0" smtClean="0"/>
+              <a:t> and </a:t>
+            </a:r>
+            <a:r>
+              <a:rPr lang="nb-NO" dirty="0" err="1" smtClean="0"/>
               <a:t>customized</a:t>
             </a:r>
             <a:r>
@@ -9834,8 +9865,51 @@
             </a:r>
             <a:r>
               <a:rPr lang="nb-NO" dirty="0" smtClean="0"/>
-              <a:t> for database</a:t>
-            </a:r>
+              <a:t> for </a:t>
+            </a:r>
+            <a:r>
+              <a:rPr lang="nb-NO" dirty="0" smtClean="0"/>
+              <a:t>database</a:t>
+            </a:r>
+          </a:p>
+          <a:p>
+            <a:r>
+              <a:rPr lang="nb-NO" dirty="0" smtClean="0"/>
+              <a:t>Chocolatey is </a:t>
+            </a:r>
+            <a:r>
+              <a:rPr lang="nb-NO" dirty="0" err="1" smtClean="0"/>
+              <a:t>intended</a:t>
+            </a:r>
+            <a:r>
+              <a:rPr lang="nb-NO" dirty="0" smtClean="0"/>
+              <a:t> for </a:t>
+            </a:r>
+            <a:r>
+              <a:rPr lang="nb-NO" dirty="0" err="1" smtClean="0"/>
+              <a:t>software</a:t>
+            </a:r>
+            <a:r>
+              <a:rPr lang="nb-NO" dirty="0" smtClean="0"/>
+              <a:t> </a:t>
+            </a:r>
+            <a:r>
+              <a:rPr lang="nb-NO" dirty="0" err="1" smtClean="0"/>
+              <a:t>that</a:t>
+            </a:r>
+            <a:r>
+              <a:rPr lang="nb-NO" dirty="0" smtClean="0"/>
+              <a:t> is </a:t>
+            </a:r>
+            <a:r>
+              <a:rPr lang="nb-NO" dirty="0" err="1" smtClean="0"/>
+              <a:t>installed</a:t>
+            </a:r>
+            <a:r>
+              <a:rPr lang="nb-NO" dirty="0" smtClean="0"/>
+              <a:t> to disk, not database</a:t>
+            </a:r>
+            <a:endParaRPr lang="nb-NO" dirty="0" smtClean="0"/>
           </a:p>
           <a:p>
             <a:r>
@@ -9895,15 +9969,11 @@
             </a:r>
             <a:r>
               <a:rPr lang="nb-NO" dirty="0" smtClean="0"/>
-              <a:t> </a:t>
-            </a:r>
-            <a:r>
-              <a:rPr lang="nb-NO" dirty="0" err="1" smtClean="0"/>
-              <a:t>directly</a:t>
-            </a:r>
-            <a:r>
-              <a:rPr lang="nb-NO" dirty="0" smtClean="0"/>
-              <a:t>. A </a:t>
+              <a:t> to disk. </a:t>
+            </a:r>
+            <a:r>
+              <a:rPr lang="nb-NO" dirty="0" smtClean="0"/>
+              <a:t>A </a:t>
             </a:r>
             <a:r>
               <a:rPr lang="nb-NO" dirty="0" err="1" smtClean="0"/>
@@ -9924,6 +9994,82 @@
             <a:r>
               <a:rPr lang="nb-NO" dirty="0" err="1" smtClean="0"/>
               <a:t>required</a:t>
+            </a:r>
+            <a:r>
+              <a:rPr lang="nb-NO" dirty="0" smtClean="0"/>
+              <a:t> to </a:t>
+            </a:r>
+            <a:r>
+              <a:rPr lang="nb-NO" dirty="0" err="1" smtClean="0"/>
+              <a:t>mirror</a:t>
+            </a:r>
+            <a:r>
+              <a:rPr lang="nb-NO" dirty="0" smtClean="0"/>
+              <a:t> </a:t>
+            </a:r>
+            <a:r>
+              <a:rPr lang="nb-NO" dirty="0" err="1" smtClean="0"/>
+              <a:t>the</a:t>
+            </a:r>
+            <a:r>
+              <a:rPr lang="nb-NO" dirty="0"/>
+              <a:t> </a:t>
+            </a:r>
+            <a:r>
+              <a:rPr lang="nb-NO" dirty="0" err="1" smtClean="0"/>
+              <a:t>packages</a:t>
+            </a:r>
+            <a:r>
+              <a:rPr lang="nb-NO" dirty="0" smtClean="0"/>
+              <a:t> in </a:t>
+            </a:r>
+            <a:r>
+              <a:rPr lang="nb-NO" dirty="0" err="1" smtClean="0"/>
+              <a:t>the</a:t>
+            </a:r>
+            <a:r>
+              <a:rPr lang="nb-NO" dirty="0" smtClean="0"/>
+              <a:t> database to disk so </a:t>
+            </a:r>
+            <a:r>
+              <a:rPr lang="nb-NO" dirty="0" err="1" smtClean="0"/>
+              <a:t>that</a:t>
+            </a:r>
+            <a:r>
+              <a:rPr lang="nb-NO" dirty="0" smtClean="0"/>
+              <a:t> </a:t>
+            </a:r>
+            <a:r>
+              <a:rPr lang="nb-NO" dirty="0" err="1" smtClean="0"/>
+              <a:t>chocolatey</a:t>
+            </a:r>
+            <a:r>
+              <a:rPr lang="nb-NO" dirty="0" smtClean="0"/>
+              <a:t> </a:t>
+            </a:r>
+            <a:r>
+              <a:rPr lang="nb-NO" dirty="0" err="1" smtClean="0"/>
+              <a:t>can</a:t>
+            </a:r>
+            <a:r>
+              <a:rPr lang="nb-NO" dirty="0" smtClean="0"/>
+              <a:t> </a:t>
+            </a:r>
+            <a:r>
+              <a:rPr lang="nb-NO" dirty="0" err="1" smtClean="0"/>
+              <a:t>work</a:t>
+            </a:r>
+            <a:r>
+              <a:rPr lang="nb-NO" dirty="0" smtClean="0"/>
+              <a:t> </a:t>
+            </a:r>
+            <a:r>
+              <a:rPr lang="nb-NO" dirty="0" err="1" smtClean="0"/>
+              <a:t>with</a:t>
+            </a:r>
+            <a:r>
+              <a:rPr lang="nb-NO" dirty="0" smtClean="0"/>
+              <a:t> it.</a:t>
             </a:r>
             <a:endParaRPr lang="nb-NO" dirty="0" smtClean="0"/>
           </a:p>
@@ -10030,11 +10176,127 @@
           <a:p>
             <a:r>
               <a:rPr lang="nb-NO" dirty="0" err="1" smtClean="0"/>
+              <a:t>dips-dbupgrade</a:t>
+            </a:r>
+            <a:r>
+              <a:rPr lang="nb-NO" dirty="0" smtClean="0"/>
+              <a:t> is a </a:t>
+            </a:r>
+            <a:r>
+              <a:rPr lang="nb-NO" dirty="0" err="1" smtClean="0"/>
+              <a:t>chocolateypackage</a:t>
+            </a:r>
+            <a:r>
+              <a:rPr lang="nb-NO" dirty="0" smtClean="0"/>
+              <a:t> </a:t>
+            </a:r>
+            <a:r>
+              <a:rPr lang="nb-NO" dirty="0" err="1" smtClean="0"/>
+              <a:t>that</a:t>
+            </a:r>
+            <a:r>
+              <a:rPr lang="nb-NO" dirty="0" smtClean="0"/>
+              <a:t> </a:t>
+            </a:r>
+            <a:r>
+              <a:rPr lang="nb-NO" dirty="0" err="1" smtClean="0"/>
+              <a:t>installs</a:t>
+            </a:r>
+            <a:r>
+              <a:rPr lang="nb-NO" dirty="0" smtClean="0"/>
+              <a:t> a </a:t>
+            </a:r>
+            <a:r>
+              <a:rPr lang="nb-NO" dirty="0" err="1" smtClean="0"/>
+              <a:t>powershell</a:t>
+            </a:r>
+            <a:r>
+              <a:rPr lang="nb-NO" dirty="0" smtClean="0"/>
+              <a:t> </a:t>
+            </a:r>
+            <a:r>
+              <a:rPr lang="nb-NO" dirty="0" err="1" smtClean="0"/>
+              <a:t>module</a:t>
+            </a:r>
+            <a:r>
+              <a:rPr lang="nb-NO" dirty="0" smtClean="0"/>
+              <a:t> </a:t>
+            </a:r>
+            <a:r>
+              <a:rPr lang="nb-NO" dirty="0" err="1" smtClean="0"/>
+              <a:t>name</a:t>
+            </a:r>
+            <a:r>
+              <a:rPr lang="nb-NO" dirty="0" smtClean="0"/>
+              <a:t> </a:t>
+            </a:r>
+            <a:r>
+              <a:rPr lang="nb-NO" dirty="0" err="1" smtClean="0"/>
+              <a:t>DIPSDBupgrade</a:t>
+            </a:r>
+            <a:r>
+              <a:rPr lang="nb-NO" dirty="0" smtClean="0"/>
+              <a:t>.</a:t>
+            </a:r>
+          </a:p>
+          <a:p>
+            <a:r>
+              <a:rPr lang="nb-NO" dirty="0" smtClean="0"/>
+              <a:t>The </a:t>
+            </a:r>
+            <a:r>
+              <a:rPr lang="nb-NO" dirty="0" err="1" smtClean="0"/>
+              <a:t>module</a:t>
+            </a:r>
+            <a:r>
+              <a:rPr lang="nb-NO" dirty="0" smtClean="0"/>
+              <a:t> </a:t>
+            </a:r>
+            <a:r>
+              <a:rPr lang="nb-NO" dirty="0" err="1" smtClean="0"/>
+              <a:t>contains</a:t>
+            </a:r>
+            <a:r>
+              <a:rPr lang="nb-NO" dirty="0" smtClean="0"/>
+              <a:t> </a:t>
+            </a:r>
+            <a:r>
+              <a:rPr lang="nb-NO" dirty="0" err="1" smtClean="0"/>
+              <a:t>the</a:t>
+            </a:r>
+            <a:r>
+              <a:rPr lang="nb-NO" dirty="0" smtClean="0"/>
+              <a:t> </a:t>
+            </a:r>
+            <a:r>
+              <a:rPr lang="nb-NO" dirty="0" err="1" smtClean="0"/>
+              <a:t>function</a:t>
+            </a:r>
+            <a:r>
+              <a:rPr lang="nb-NO" dirty="0" smtClean="0"/>
+              <a:t>: </a:t>
+            </a:r>
+            <a:r>
+              <a:rPr lang="nb-NO" dirty="0" err="1" smtClean="0"/>
+              <a:t>Install-Databasepackages</a:t>
+            </a:r>
+            <a:endParaRPr lang="nb-NO" dirty="0" smtClean="0"/>
+          </a:p>
+          <a:p>
+            <a:endParaRPr lang="nb-NO" dirty="0"/>
+          </a:p>
+          <a:p>
+            <a:r>
+              <a:rPr lang="nb-NO" dirty="0" err="1" smtClean="0"/>
               <a:t>Install-DatabasePackages</a:t>
             </a:r>
             <a:r>
               <a:rPr lang="nb-NO" dirty="0" smtClean="0"/>
-              <a:t> –</a:t>
+              <a:t> </a:t>
+            </a:r>
+            <a:r>
+              <a:rPr lang="nb-NO" dirty="0" smtClean="0"/>
+              <a:t>–</a:t>
             </a:r>
             <a:r>
               <a:rPr lang="nb-NO" dirty="0" err="1" smtClean="0"/>
@@ -10487,7 +10749,7 @@
             </a:r>
             <a:r>
               <a:rPr lang="nb-NO" dirty="0" smtClean="0"/>
-              <a:t>\</a:t>
+              <a:t>\database-date-time\</a:t>
             </a:r>
             <a:r>
               <a:rPr lang="nb-NO" dirty="0" err="1" smtClean="0"/>
@@ -10597,7 +10859,9 @@
         </p:nvSpPr>
         <p:spPr/>
         <p:txBody>
-          <a:bodyPr/>
+          <a:bodyPr>
+            <a:normAutofit/>
+          </a:bodyPr>
           <a:lstStyle/>
           <a:p>
             <a:pPr marL="514350" indent="-514350">
@@ -10629,31 +10893,23 @@
               <a:t> :$</a:t>
             </a:r>
             <a:r>
-              <a:rPr lang="nb-NO" dirty="0" err="1"/>
+              <a:rPr lang="nb-NO" dirty="0" err="1" smtClean="0"/>
               <a:t>InstallDir</a:t>
             </a:r>
             <a:r>
-              <a:rPr lang="nb-NO" dirty="0"/>
+              <a:rPr lang="nb-NO" dirty="0" smtClean="0"/>
+              <a:t>\database-date-time\</a:t>
+            </a:r>
+            <a:r>
+              <a:rPr lang="nb-NO" dirty="0" err="1" smtClean="0"/>
+              <a:t>choco</a:t>
+            </a:r>
+            <a:r>
+              <a:rPr lang="nb-NO" dirty="0" smtClean="0"/>
               <a:t>\</a:t>
             </a:r>
             <a:r>
-              <a:rPr lang="nb-NO" dirty="0" err="1"/>
-              <a:t>choco</a:t>
-            </a:r>
-            <a:r>
-              <a:rPr lang="nb-NO" dirty="0"/>
-              <a:t>\</a:t>
-            </a:r>
-            <a:r>
-              <a:rPr lang="nb-NO" dirty="0" err="1"/>
-              <a:t>chocolatey</a:t>
-            </a:r>
-            <a:r>
-              <a:rPr lang="nb-NO" dirty="0"/>
-              <a:t>\</a:t>
-            </a:r>
-            <a:r>
-              <a:rPr lang="nb-NO" dirty="0" err="1"/>
+              <a:rPr lang="nb-NO" dirty="0" err="1" smtClean="0"/>
               <a:t>lib</a:t>
             </a:r>
             <a:endParaRPr lang="nb-NO" dirty="0"/>
@@ -10689,14 +10945,7 @@
             </a:r>
           </a:p>
           <a:p>
-            <a:pPr marL="971550" lvl="1" indent="-514350">
-              <a:buFont typeface="+mj-lt"/>
-              <a:buAutoNum type="arabicPeriod" startAt="7"/>
-            </a:pPr>
-            <a:r>
-              <a:rPr lang="nb-NO" dirty="0" smtClean="0"/>
-              <a:t> </a:t>
-            </a:r>
+            <a:pPr lvl="1"/>
             <a:r>
               <a:rPr lang="nb-NO" dirty="0" err="1" smtClean="0"/>
               <a:t>installed</a:t>
@@ -10737,12 +10986,10 @@
               <a:rPr lang="nb-NO" dirty="0" smtClean="0"/>
               <a:t> </a:t>
             </a:r>
-          </a:p>
-          <a:p>
-            <a:pPr marL="971550" lvl="1" indent="-514350">
-              <a:buFont typeface="+mj-lt"/>
-              <a:buAutoNum type="arabicPeriod" startAt="7"/>
-            </a:pPr>
+            <a:endParaRPr lang="nb-NO" dirty="0" smtClean="0"/>
+          </a:p>
+          <a:p>
+            <a:pPr lvl="1"/>
             <a:r>
               <a:rPr lang="nb-NO" dirty="0" err="1" smtClean="0"/>
               <a:t>written</a:t>
@@ -10767,12 +11014,10 @@
               <a:rPr lang="nb-NO" dirty="0" smtClean="0"/>
               <a:t>\moduleOrder.txt</a:t>
             </a:r>
-          </a:p>
-          <a:p>
-            <a:pPr marL="971550" lvl="1" indent="-514350">
-              <a:buFont typeface="+mj-lt"/>
-              <a:buAutoNum type="arabicPeriod" startAt="7"/>
-            </a:pPr>
+            <a:endParaRPr lang="nb-NO" dirty="0" smtClean="0"/>
+          </a:p>
+          <a:p>
+            <a:pPr lvl="1"/>
             <a:r>
               <a:rPr lang="nb-NO" dirty="0" err="1" smtClean="0"/>
               <a:t>copied</a:t>
@@ -10802,15 +11047,15 @@
               <a:t>$</a:t>
             </a:r>
             <a:r>
-              <a:rPr lang="nb-NO" dirty="0" err="1"/>
+              <a:rPr lang="nb-NO" dirty="0" err="1" smtClean="0"/>
               <a:t>InstallDir</a:t>
             </a:r>
             <a:r>
-              <a:rPr lang="nb-NO" dirty="0"/>
+              <a:rPr lang="nb-NO" dirty="0" smtClean="0"/>
               <a:t>\</a:t>
             </a:r>
             <a:r>
-              <a:rPr lang="nb-NO" dirty="0" err="1"/>
+              <a:rPr lang="nb-NO" dirty="0" err="1" smtClean="0"/>
               <a:t>json</a:t>
             </a:r>
             <a:r>
@@ -11377,19 +11622,19 @@
           <a:lstStyle/>
           <a:p>
             <a:r>
-              <a:rPr lang="nb-NO" dirty="0" smtClean="0"/>
+              <a:rPr lang="nb-NO" dirty="0"/>
               <a:t>Database </a:t>
             </a:r>
             <a:r>
-              <a:rPr lang="nb-NO" dirty="0" err="1" smtClean="0"/>
+              <a:rPr lang="nb-NO" dirty="0" err="1"/>
               <a:t>package</a:t>
             </a:r>
             <a:r>
-              <a:rPr lang="nb-NO" dirty="0" smtClean="0"/>
-              <a:t> </a:t>
-            </a:r>
-            <a:r>
-              <a:rPr lang="nb-NO" dirty="0" err="1" smtClean="0"/>
+              <a:rPr lang="nb-NO" dirty="0"/>
+              <a:t> </a:t>
+            </a:r>
+            <a:r>
+              <a:rPr lang="nb-NO" dirty="0" err="1"/>
               <a:t>versioning</a:t>
             </a:r>
             <a:endParaRPr lang="nb-NO" dirty="0"/>
@@ -11411,111 +11656,302 @@
           <a:bodyPr/>
           <a:lstStyle/>
           <a:p>
-            <a:pPr marL="0" indent="0">
-              <a:buNone/>
-            </a:pPr>
-            <a:r>
-              <a:rPr lang="nb-NO" dirty="0" smtClean="0"/>
-              <a:t>To separate </a:t>
-            </a:r>
-            <a:r>
-              <a:rPr lang="nb-NO" dirty="0" err="1" smtClean="0"/>
-              <a:t>we</a:t>
-            </a:r>
-            <a:r>
-              <a:rPr lang="nb-NO" dirty="0" smtClean="0"/>
-              <a:t> </a:t>
-            </a:r>
-            <a:r>
-              <a:rPr lang="nb-NO" dirty="0" err="1" smtClean="0"/>
-              <a:t>can</a:t>
-            </a:r>
-            <a:r>
-              <a:rPr lang="nb-NO" dirty="0" smtClean="0"/>
-              <a:t> </a:t>
-            </a:r>
-            <a:r>
-              <a:rPr lang="nb-NO" dirty="0" err="1" smtClean="0"/>
-              <a:t>use</a:t>
-            </a:r>
-            <a:r>
-              <a:rPr lang="nb-NO" dirty="0" smtClean="0"/>
-              <a:t> </a:t>
-            </a:r>
-            <a:r>
-              <a:rPr lang="nb-NO" dirty="0" err="1" smtClean="0"/>
-              <a:t>programversion</a:t>
-            </a:r>
-            <a:r>
-              <a:rPr lang="nb-NO" dirty="0" smtClean="0"/>
-              <a:t> and </a:t>
-            </a:r>
-            <a:r>
-              <a:rPr lang="nb-NO" dirty="0" err="1" smtClean="0"/>
-              <a:t>nugetversion</a:t>
-            </a:r>
-            <a:endParaRPr lang="nb-NO" dirty="0" smtClean="0"/>
-          </a:p>
-          <a:p>
-            <a:pPr marL="0" indent="0">
-              <a:buNone/>
-            </a:pPr>
-            <a:endParaRPr lang="nb-NO" dirty="0" smtClean="0"/>
-          </a:p>
-          <a:p>
-            <a:pPr marL="0" indent="0">
-              <a:buNone/>
-            </a:pPr>
-            <a:r>
-              <a:rPr lang="nb-NO" dirty="0" smtClean="0"/>
-              <a:t>Id: </a:t>
-            </a:r>
-            <a:r>
-              <a:rPr lang="nb-NO" dirty="0" err="1" smtClean="0"/>
-              <a:t>dipa</a:t>
-            </a:r>
-            <a:r>
-              <a:rPr lang="nb-NO" dirty="0" smtClean="0"/>
-              <a:t>-arena-</a:t>
-            </a:r>
-            <a:r>
-              <a:rPr lang="nb-NO" dirty="0" err="1" smtClean="0"/>
-              <a:t>programpackage</a:t>
-            </a:r>
-            <a:r>
-              <a:rPr lang="nb-NO" dirty="0" smtClean="0"/>
-              <a:t>-database-$</a:t>
-            </a:r>
-            <a:r>
-              <a:rPr lang="nb-NO" dirty="0" err="1" smtClean="0"/>
-              <a:t>programversion</a:t>
-            </a:r>
-            <a:endParaRPr lang="nb-NO" dirty="0" smtClean="0"/>
-          </a:p>
-          <a:p>
-            <a:pPr marL="0" indent="0">
-              <a:buNone/>
-            </a:pPr>
-            <a:r>
-              <a:rPr lang="nb-NO" dirty="0" smtClean="0"/>
-              <a:t>Version: $</a:t>
-            </a:r>
-            <a:r>
-              <a:rPr lang="nb-NO" dirty="0" err="1" smtClean="0"/>
-              <a:t>nugetversion</a:t>
-            </a:r>
-            <a:endParaRPr lang="nb-NO" dirty="0" smtClean="0"/>
-          </a:p>
-          <a:p>
-            <a:pPr marL="0" indent="0">
-              <a:buNone/>
-            </a:pPr>
-            <a:endParaRPr lang="nb-NO" dirty="0"/>
-          </a:p>
-          <a:p>
-            <a:pPr marL="0" indent="0">
-              <a:buNone/>
-            </a:pPr>
+            <a:r>
+              <a:rPr lang="nb-NO" dirty="0" err="1" smtClean="0"/>
+              <a:t>Unlike</a:t>
+            </a:r>
+            <a:r>
+              <a:rPr lang="nb-NO" dirty="0" smtClean="0"/>
+              <a:t> server and </a:t>
+            </a:r>
+            <a:r>
+              <a:rPr lang="nb-NO" dirty="0" err="1" smtClean="0"/>
+              <a:t>client</a:t>
+            </a:r>
+            <a:r>
+              <a:rPr lang="nb-NO" dirty="0" smtClean="0"/>
+              <a:t>, </a:t>
+            </a:r>
+            <a:r>
+              <a:rPr lang="nb-NO" dirty="0" err="1" smtClean="0"/>
+              <a:t>which</a:t>
+            </a:r>
+            <a:r>
+              <a:rPr lang="nb-NO" dirty="0" smtClean="0"/>
+              <a:t> </a:t>
+            </a:r>
+            <a:r>
+              <a:rPr lang="nb-NO" dirty="0" err="1" smtClean="0"/>
+              <a:t>are</a:t>
+            </a:r>
+            <a:r>
+              <a:rPr lang="nb-NO" dirty="0" smtClean="0"/>
+              <a:t> </a:t>
+            </a:r>
+            <a:r>
+              <a:rPr lang="nb-NO" dirty="0" err="1" smtClean="0"/>
+              <a:t>replaced</a:t>
+            </a:r>
+            <a:r>
+              <a:rPr lang="nb-NO" dirty="0" smtClean="0"/>
+              <a:t> </a:t>
+            </a:r>
+            <a:r>
+              <a:rPr lang="nb-NO" dirty="0" err="1" smtClean="0"/>
+              <a:t>when</a:t>
+            </a:r>
+            <a:r>
+              <a:rPr lang="nb-NO" dirty="0" smtClean="0"/>
+              <a:t> a </a:t>
+            </a:r>
+            <a:r>
+              <a:rPr lang="nb-NO" dirty="0" err="1" smtClean="0"/>
+              <a:t>new</a:t>
+            </a:r>
+            <a:r>
+              <a:rPr lang="nb-NO" dirty="0" smtClean="0"/>
+              <a:t> </a:t>
+            </a:r>
+            <a:r>
+              <a:rPr lang="nb-NO" dirty="0" err="1" smtClean="0"/>
+              <a:t>version</a:t>
+            </a:r>
+            <a:r>
+              <a:rPr lang="nb-NO" dirty="0" smtClean="0"/>
+              <a:t> is </a:t>
+            </a:r>
+            <a:r>
+              <a:rPr lang="nb-NO" dirty="0" err="1" smtClean="0"/>
+              <a:t>installed</a:t>
+            </a:r>
+            <a:r>
+              <a:rPr lang="nb-NO" dirty="0" smtClean="0"/>
+              <a:t>, database is </a:t>
+            </a:r>
+            <a:r>
+              <a:rPr lang="nb-NO" dirty="0" err="1" smtClean="0"/>
+              <a:t>upgraded</a:t>
+            </a:r>
+            <a:r>
+              <a:rPr lang="nb-NO" dirty="0" smtClean="0"/>
+              <a:t> by </a:t>
+            </a:r>
+            <a:r>
+              <a:rPr lang="nb-NO" dirty="0" err="1" smtClean="0"/>
+              <a:t>running</a:t>
+            </a:r>
+            <a:r>
+              <a:rPr lang="nb-NO" dirty="0" smtClean="0"/>
+              <a:t> </a:t>
+            </a:r>
+            <a:r>
+              <a:rPr lang="nb-NO" dirty="0" err="1" smtClean="0"/>
+              <a:t>sqls</a:t>
+            </a:r>
+            <a:r>
+              <a:rPr lang="nb-NO" dirty="0" smtClean="0"/>
+              <a:t> </a:t>
+            </a:r>
+            <a:r>
+              <a:rPr lang="nb-NO" dirty="0" err="1" smtClean="0"/>
+              <a:t>on</a:t>
+            </a:r>
+            <a:r>
+              <a:rPr lang="nb-NO" dirty="0" smtClean="0"/>
+              <a:t> </a:t>
+            </a:r>
+            <a:r>
+              <a:rPr lang="nb-NO" dirty="0" err="1" smtClean="0"/>
+              <a:t>the</a:t>
+            </a:r>
+            <a:r>
+              <a:rPr lang="nb-NO" dirty="0" smtClean="0"/>
+              <a:t> database. </a:t>
+            </a:r>
+          </a:p>
+          <a:p>
+            <a:r>
+              <a:rPr lang="nb-NO" dirty="0" err="1" smtClean="0"/>
+              <a:t>Each</a:t>
+            </a:r>
+            <a:r>
+              <a:rPr lang="nb-NO" dirty="0" smtClean="0"/>
+              <a:t> database </a:t>
+            </a:r>
+            <a:r>
+              <a:rPr lang="nb-NO" dirty="0" err="1" smtClean="0"/>
+              <a:t>package</a:t>
+            </a:r>
+            <a:r>
+              <a:rPr lang="nb-NO" dirty="0"/>
+              <a:t> </a:t>
+            </a:r>
+            <a:r>
+              <a:rPr lang="nb-NO" dirty="0" err="1" smtClean="0"/>
+              <a:t>contains</a:t>
+            </a:r>
+            <a:r>
+              <a:rPr lang="nb-NO" dirty="0" smtClean="0"/>
+              <a:t> </a:t>
+            </a:r>
+            <a:r>
+              <a:rPr lang="nb-NO" dirty="0" err="1" smtClean="0"/>
+              <a:t>only</a:t>
+            </a:r>
+            <a:r>
+              <a:rPr lang="nb-NO" dirty="0" smtClean="0"/>
+              <a:t> </a:t>
+            </a:r>
+            <a:r>
+              <a:rPr lang="nb-NO" dirty="0" err="1" smtClean="0"/>
+              <a:t>the</a:t>
+            </a:r>
+            <a:r>
+              <a:rPr lang="nb-NO" dirty="0" smtClean="0"/>
+              <a:t> </a:t>
+            </a:r>
+            <a:r>
+              <a:rPr lang="nb-NO" dirty="0" err="1" smtClean="0"/>
+              <a:t>sql</a:t>
+            </a:r>
+            <a:r>
+              <a:rPr lang="nb-NO" dirty="0" smtClean="0"/>
+              <a:t> (</a:t>
+            </a:r>
+            <a:r>
+              <a:rPr lang="nb-NO" dirty="0" err="1" smtClean="0"/>
+              <a:t>dupfiles</a:t>
+            </a:r>
+            <a:r>
+              <a:rPr lang="nb-NO" dirty="0" smtClean="0"/>
+              <a:t>) to </a:t>
+            </a:r>
+            <a:r>
+              <a:rPr lang="nb-NO" dirty="0" err="1" smtClean="0"/>
+              <a:t>upgrade</a:t>
+            </a:r>
+            <a:r>
+              <a:rPr lang="nb-NO" dirty="0" smtClean="0"/>
+              <a:t> from </a:t>
+            </a:r>
+            <a:r>
+              <a:rPr lang="nb-NO" dirty="0" err="1" smtClean="0"/>
+              <a:t>one</a:t>
+            </a:r>
+            <a:r>
+              <a:rPr lang="nb-NO" dirty="0" smtClean="0"/>
+              <a:t> </a:t>
+            </a:r>
+            <a:r>
+              <a:rPr lang="nb-NO" dirty="0" err="1" smtClean="0"/>
+              <a:t>version</a:t>
+            </a:r>
+            <a:r>
+              <a:rPr lang="nb-NO" dirty="0" smtClean="0"/>
+              <a:t> to </a:t>
+            </a:r>
+            <a:r>
+              <a:rPr lang="nb-NO" dirty="0" err="1" smtClean="0"/>
+              <a:t>the</a:t>
+            </a:r>
+            <a:r>
+              <a:rPr lang="nb-NO" dirty="0" smtClean="0"/>
+              <a:t> </a:t>
+            </a:r>
+            <a:r>
+              <a:rPr lang="nb-NO" dirty="0" err="1" smtClean="0"/>
+              <a:t>next</a:t>
+            </a:r>
+            <a:r>
+              <a:rPr lang="nb-NO" dirty="0" smtClean="0"/>
+              <a:t>. Not </a:t>
+            </a:r>
+            <a:r>
+              <a:rPr lang="nb-NO" dirty="0" err="1" smtClean="0"/>
+              <a:t>sqls</a:t>
+            </a:r>
+            <a:r>
+              <a:rPr lang="nb-NO" dirty="0" smtClean="0"/>
+              <a:t> to </a:t>
+            </a:r>
+            <a:r>
+              <a:rPr lang="nb-NO" dirty="0" err="1" smtClean="0"/>
+              <a:t>upgrade</a:t>
+            </a:r>
+            <a:r>
+              <a:rPr lang="nb-NO" dirty="0" smtClean="0"/>
+              <a:t> from an </a:t>
+            </a:r>
+            <a:r>
+              <a:rPr lang="nb-NO" dirty="0" err="1" smtClean="0"/>
+              <a:t>empty</a:t>
+            </a:r>
+            <a:r>
+              <a:rPr lang="nb-NO" dirty="0" smtClean="0"/>
+              <a:t> database.</a:t>
+            </a:r>
+          </a:p>
+          <a:p>
+            <a:r>
+              <a:rPr lang="nb-NO" dirty="0" smtClean="0"/>
+              <a:t>The </a:t>
+            </a:r>
+            <a:r>
+              <a:rPr lang="nb-NO" dirty="0" err="1" smtClean="0"/>
+              <a:t>package</a:t>
+            </a:r>
+            <a:r>
+              <a:rPr lang="nb-NO" dirty="0" smtClean="0"/>
+              <a:t> has a </a:t>
+            </a:r>
+            <a:r>
+              <a:rPr lang="nb-NO" dirty="0" err="1" smtClean="0"/>
+              <a:t>dependency</a:t>
+            </a:r>
+            <a:r>
+              <a:rPr lang="nb-NO" dirty="0" smtClean="0"/>
+              <a:t> to </a:t>
+            </a:r>
+            <a:r>
+              <a:rPr lang="nb-NO" dirty="0" err="1" smtClean="0"/>
+              <a:t>the</a:t>
+            </a:r>
+            <a:r>
+              <a:rPr lang="nb-NO" dirty="0" smtClean="0"/>
+              <a:t> </a:t>
+            </a:r>
+            <a:r>
+              <a:rPr lang="nb-NO" dirty="0" err="1" smtClean="0"/>
+              <a:t>package</a:t>
+            </a:r>
+            <a:r>
+              <a:rPr lang="nb-NO" dirty="0" smtClean="0"/>
+              <a:t> for </a:t>
+            </a:r>
+            <a:r>
+              <a:rPr lang="nb-NO" dirty="0" err="1" smtClean="0"/>
+              <a:t>the</a:t>
+            </a:r>
+            <a:r>
+              <a:rPr lang="nb-NO" dirty="0" smtClean="0"/>
+              <a:t> </a:t>
+            </a:r>
+            <a:r>
+              <a:rPr lang="nb-NO" dirty="0" err="1" smtClean="0"/>
+              <a:t>previous</a:t>
+            </a:r>
+            <a:r>
+              <a:rPr lang="nb-NO" dirty="0" smtClean="0"/>
+              <a:t> </a:t>
+            </a:r>
+            <a:r>
+              <a:rPr lang="nb-NO" dirty="0" err="1" smtClean="0"/>
+              <a:t>version</a:t>
+            </a:r>
+            <a:r>
+              <a:rPr lang="nb-NO" dirty="0" smtClean="0"/>
+              <a:t>.</a:t>
+            </a:r>
             <a:endParaRPr lang="nb-NO" dirty="0"/>
           </a:p>
         </p:txBody>
@@ -11523,7 +11959,7 @@
     </p:spTree>
     <p:extLst>
       <p:ext uri="{BB962C8B-B14F-4D97-AF65-F5344CB8AC3E}">
-        <p14:creationId xmlns:p14="http://schemas.microsoft.com/office/powerpoint/2010/main" val="1321381453"/>
+        <p14:creationId xmlns:p14="http://schemas.microsoft.com/office/powerpoint/2010/main" val="2526172106"/>
       </p:ext>
     </p:extLst>
   </p:cSld>
@@ -11807,6 +12243,1889 @@
 </p:sld>
 </file>
 
+<file path=ppt/slides/slide50.xml><?xml version="1.0" encoding="utf-8"?>
+<p:sld xmlns:a="http://schemas.openxmlformats.org/drawingml/2006/main" xmlns:r="http://schemas.openxmlformats.org/officeDocument/2006/relationships" xmlns:p="http://schemas.openxmlformats.org/presentationml/2006/main">
+  <p:cSld>
+    <p:spTree>
+      <p:nvGrpSpPr>
+        <p:cNvPr id="1" name=""/>
+        <p:cNvGrpSpPr/>
+        <p:nvPr/>
+      </p:nvGrpSpPr>
+      <p:grpSpPr>
+        <a:xfrm>
+          <a:off x="0" y="0"/>
+          <a:ext cx="0" cy="0"/>
+          <a:chOff x="0" y="0"/>
+          <a:chExt cx="0" cy="0"/>
+        </a:xfrm>
+      </p:grpSpPr>
+      <p:sp>
+        <p:nvSpPr>
+          <p:cNvPr id="2" name="Title 1"/>
+          <p:cNvSpPr>
+            <a:spLocks noGrp="1"/>
+          </p:cNvSpPr>
+          <p:nvPr>
+            <p:ph type="title"/>
+          </p:nvPr>
+        </p:nvSpPr>
+        <p:spPr/>
+        <p:txBody>
+          <a:bodyPr/>
+          <a:lstStyle/>
+          <a:p>
+            <a:r>
+              <a:rPr lang="nb-NO" dirty="0" smtClean="0"/>
+              <a:t>Database </a:t>
+            </a:r>
+            <a:r>
+              <a:rPr lang="nb-NO" dirty="0" err="1" smtClean="0"/>
+              <a:t>package</a:t>
+            </a:r>
+            <a:r>
+              <a:rPr lang="nb-NO" dirty="0" smtClean="0"/>
+              <a:t> </a:t>
+            </a:r>
+            <a:r>
+              <a:rPr lang="nb-NO" dirty="0" err="1" smtClean="0"/>
+              <a:t>versioning</a:t>
+            </a:r>
+            <a:endParaRPr lang="nb-NO" dirty="0"/>
+          </a:p>
+        </p:txBody>
+      </p:sp>
+      <p:sp>
+        <p:nvSpPr>
+          <p:cNvPr id="3" name="Content Placeholder 2"/>
+          <p:cNvSpPr>
+            <a:spLocks noGrp="1"/>
+          </p:cNvSpPr>
+          <p:nvPr>
+            <p:ph idx="1"/>
+          </p:nvPr>
+        </p:nvSpPr>
+        <p:spPr/>
+        <p:txBody>
+          <a:bodyPr/>
+          <a:lstStyle/>
+          <a:p>
+            <a:endParaRPr lang="nb-NO" dirty="0" smtClean="0"/>
+          </a:p>
+          <a:p>
+            <a:pPr marL="0" indent="0">
+              <a:buNone/>
+            </a:pPr>
+            <a:endParaRPr lang="nb-NO" dirty="0"/>
+          </a:p>
+        </p:txBody>
+      </p:sp>
+      <p:pic>
+        <p:nvPicPr>
+          <p:cNvPr id="4" name="Picture 3"/>
+          <p:cNvPicPr>
+            <a:picLocks noChangeAspect="1"/>
+          </p:cNvPicPr>
+          <p:nvPr/>
+        </p:nvPicPr>
+        <p:blipFill>
+          <a:blip r:embed="rId2">
+            <a:extLst>
+              <a:ext uri="{28A0092B-C50C-407E-A947-70E740481C1C}">
+                <a14:useLocalDpi xmlns:a14="http://schemas.microsoft.com/office/drawing/2010/main" val="0"/>
+              </a:ext>
+            </a:extLst>
+          </a:blip>
+          <a:stretch>
+            <a:fillRect/>
+          </a:stretch>
+        </p:blipFill>
+        <p:spPr>
+          <a:xfrm>
+            <a:off x="3525029" y="1542877"/>
+            <a:ext cx="2712115" cy="4634086"/>
+          </a:xfrm>
+          <a:prstGeom prst="rect">
+            <a:avLst/>
+          </a:prstGeom>
+        </p:spPr>
+      </p:pic>
+    </p:spTree>
+    <p:extLst>
+      <p:ext uri="{BB962C8B-B14F-4D97-AF65-F5344CB8AC3E}">
+        <p14:creationId xmlns:p14="http://schemas.microsoft.com/office/powerpoint/2010/main" val="1730602914"/>
+      </p:ext>
+    </p:extLst>
+  </p:cSld>
+  <p:clrMapOvr>
+    <a:masterClrMapping/>
+  </p:clrMapOvr>
+</p:sld>
+</file>
+
+<file path=ppt/slides/slide51.xml><?xml version="1.0" encoding="utf-8"?>
+<p:sld xmlns:a="http://schemas.openxmlformats.org/drawingml/2006/main" xmlns:r="http://schemas.openxmlformats.org/officeDocument/2006/relationships" xmlns:p="http://schemas.openxmlformats.org/presentationml/2006/main">
+  <p:cSld>
+    <p:spTree>
+      <p:nvGrpSpPr>
+        <p:cNvPr id="1" name=""/>
+        <p:cNvGrpSpPr/>
+        <p:nvPr/>
+      </p:nvGrpSpPr>
+      <p:grpSpPr>
+        <a:xfrm>
+          <a:off x="0" y="0"/>
+          <a:ext cx="0" cy="0"/>
+          <a:chOff x="0" y="0"/>
+          <a:chExt cx="0" cy="0"/>
+        </a:xfrm>
+      </p:grpSpPr>
+      <p:sp>
+        <p:nvSpPr>
+          <p:cNvPr id="2" name="Title 1"/>
+          <p:cNvSpPr>
+            <a:spLocks noGrp="1"/>
+          </p:cNvSpPr>
+          <p:nvPr>
+            <p:ph type="title"/>
+          </p:nvPr>
+        </p:nvSpPr>
+        <p:spPr/>
+        <p:txBody>
+          <a:bodyPr/>
+          <a:lstStyle/>
+          <a:p>
+            <a:r>
+              <a:rPr lang="nb-NO" dirty="0" smtClean="0"/>
+              <a:t>Database </a:t>
+            </a:r>
+            <a:r>
+              <a:rPr lang="nb-NO" dirty="0" err="1" smtClean="0"/>
+              <a:t>package</a:t>
+            </a:r>
+            <a:r>
+              <a:rPr lang="nb-NO" dirty="0" smtClean="0"/>
+              <a:t> </a:t>
+            </a:r>
+            <a:r>
+              <a:rPr lang="nb-NO" dirty="0" err="1" smtClean="0"/>
+              <a:t>versioning</a:t>
+            </a:r>
+            <a:endParaRPr lang="nb-NO" dirty="0"/>
+          </a:p>
+        </p:txBody>
+      </p:sp>
+      <p:sp>
+        <p:nvSpPr>
+          <p:cNvPr id="3" name="Content Placeholder 2"/>
+          <p:cNvSpPr>
+            <a:spLocks noGrp="1"/>
+          </p:cNvSpPr>
+          <p:nvPr>
+            <p:ph idx="1"/>
+          </p:nvPr>
+        </p:nvSpPr>
+        <p:spPr/>
+        <p:txBody>
+          <a:bodyPr/>
+          <a:lstStyle/>
+          <a:p>
+            <a:pPr marL="0" indent="0">
+              <a:buNone/>
+            </a:pPr>
+            <a:r>
+              <a:rPr lang="nb-NO" dirty="0" smtClean="0"/>
+              <a:t>To separate </a:t>
+            </a:r>
+            <a:r>
+              <a:rPr lang="nb-NO" dirty="0" err="1" smtClean="0"/>
+              <a:t>we</a:t>
+            </a:r>
+            <a:r>
+              <a:rPr lang="nb-NO" dirty="0" smtClean="0"/>
+              <a:t> </a:t>
+            </a:r>
+            <a:r>
+              <a:rPr lang="nb-NO" dirty="0" err="1" smtClean="0"/>
+              <a:t>can</a:t>
+            </a:r>
+            <a:r>
+              <a:rPr lang="nb-NO" dirty="0" smtClean="0"/>
+              <a:t> </a:t>
+            </a:r>
+            <a:r>
+              <a:rPr lang="nb-NO" dirty="0" err="1" smtClean="0"/>
+              <a:t>use</a:t>
+            </a:r>
+            <a:r>
+              <a:rPr lang="nb-NO" dirty="0" smtClean="0"/>
+              <a:t> </a:t>
+            </a:r>
+            <a:r>
+              <a:rPr lang="nb-NO" dirty="0" err="1" smtClean="0"/>
+              <a:t>programversion</a:t>
+            </a:r>
+            <a:r>
+              <a:rPr lang="nb-NO" dirty="0" smtClean="0"/>
+              <a:t> and </a:t>
+            </a:r>
+            <a:r>
+              <a:rPr lang="nb-NO" dirty="0" err="1" smtClean="0"/>
+              <a:t>nugetversion</a:t>
+            </a:r>
+            <a:endParaRPr lang="nb-NO" dirty="0" smtClean="0"/>
+          </a:p>
+          <a:p>
+            <a:pPr marL="0" indent="0">
+              <a:buNone/>
+            </a:pPr>
+            <a:endParaRPr lang="nb-NO" dirty="0" smtClean="0"/>
+          </a:p>
+          <a:p>
+            <a:pPr marL="0" indent="0">
+              <a:buNone/>
+            </a:pPr>
+            <a:r>
+              <a:rPr lang="nb-NO" dirty="0" smtClean="0"/>
+              <a:t>Id: </a:t>
+            </a:r>
+            <a:r>
+              <a:rPr lang="nb-NO" dirty="0" err="1" smtClean="0"/>
+              <a:t>dips</a:t>
+            </a:r>
+            <a:r>
+              <a:rPr lang="nb-NO" dirty="0" smtClean="0"/>
+              <a:t>-arena-</a:t>
+            </a:r>
+            <a:r>
+              <a:rPr lang="nb-NO" dirty="0" err="1" smtClean="0"/>
+              <a:t>programpackage</a:t>
+            </a:r>
+            <a:r>
+              <a:rPr lang="nb-NO" dirty="0" smtClean="0"/>
+              <a:t>-database-</a:t>
+            </a:r>
+            <a:r>
+              <a:rPr lang="nb-NO" dirty="0" smtClean="0"/>
+              <a:t>$</a:t>
+            </a:r>
+            <a:r>
+              <a:rPr lang="nb-NO" dirty="0" err="1" smtClean="0"/>
+              <a:t>programversion</a:t>
+            </a:r>
+            <a:endParaRPr lang="nb-NO" dirty="0" smtClean="0"/>
+          </a:p>
+          <a:p>
+            <a:pPr marL="0" indent="0">
+              <a:buNone/>
+            </a:pPr>
+            <a:r>
+              <a:rPr lang="nb-NO" dirty="0" smtClean="0"/>
+              <a:t>Version: $</a:t>
+            </a:r>
+            <a:r>
+              <a:rPr lang="nb-NO" dirty="0" err="1" smtClean="0"/>
+              <a:t>nugetversion</a:t>
+            </a:r>
+            <a:endParaRPr lang="nb-NO" dirty="0" smtClean="0"/>
+          </a:p>
+          <a:p>
+            <a:pPr marL="0" indent="0">
+              <a:buNone/>
+            </a:pPr>
+            <a:endParaRPr lang="nb-NO" dirty="0"/>
+          </a:p>
+          <a:p>
+            <a:pPr marL="0" indent="0">
+              <a:buNone/>
+            </a:pPr>
+            <a:endParaRPr lang="nb-NO" dirty="0"/>
+          </a:p>
+        </p:txBody>
+      </p:sp>
+    </p:spTree>
+    <p:extLst>
+      <p:ext uri="{BB962C8B-B14F-4D97-AF65-F5344CB8AC3E}">
+        <p14:creationId xmlns:p14="http://schemas.microsoft.com/office/powerpoint/2010/main" val="1321381453"/>
+      </p:ext>
+    </p:extLst>
+  </p:cSld>
+  <p:clrMapOvr>
+    <a:masterClrMapping/>
+  </p:clrMapOvr>
+</p:sld>
+</file>
+
+<file path=ppt/slides/slide52.xml><?xml version="1.0" encoding="utf-8"?>
+<p:sld xmlns:a="http://schemas.openxmlformats.org/drawingml/2006/main" xmlns:r="http://schemas.openxmlformats.org/officeDocument/2006/relationships" xmlns:p="http://schemas.openxmlformats.org/presentationml/2006/main">
+  <p:cSld>
+    <p:spTree>
+      <p:nvGrpSpPr>
+        <p:cNvPr id="1" name=""/>
+        <p:cNvGrpSpPr/>
+        <p:nvPr/>
+      </p:nvGrpSpPr>
+      <p:grpSpPr>
+        <a:xfrm>
+          <a:off x="0" y="0"/>
+          <a:ext cx="0" cy="0"/>
+          <a:chOff x="0" y="0"/>
+          <a:chExt cx="0" cy="0"/>
+        </a:xfrm>
+      </p:grpSpPr>
+      <p:sp>
+        <p:nvSpPr>
+          <p:cNvPr id="2" name="Title 1"/>
+          <p:cNvSpPr>
+            <a:spLocks noGrp="1"/>
+          </p:cNvSpPr>
+          <p:nvPr>
+            <p:ph type="title"/>
+          </p:nvPr>
+        </p:nvSpPr>
+        <p:spPr/>
+        <p:txBody>
+          <a:bodyPr/>
+          <a:lstStyle/>
+          <a:p>
+            <a:r>
+              <a:rPr lang="nb-NO" dirty="0" smtClean="0"/>
+              <a:t>Database </a:t>
+            </a:r>
+            <a:r>
+              <a:rPr lang="nb-NO" dirty="0" err="1" smtClean="0"/>
+              <a:t>package</a:t>
+            </a:r>
+            <a:r>
+              <a:rPr lang="nb-NO" dirty="0" smtClean="0"/>
+              <a:t> normal </a:t>
+            </a:r>
+            <a:r>
+              <a:rPr lang="nb-NO" dirty="0" err="1" smtClean="0"/>
+              <a:t>installation</a:t>
+            </a:r>
+            <a:endParaRPr lang="nb-NO" dirty="0"/>
+          </a:p>
+        </p:txBody>
+      </p:sp>
+      <p:sp>
+        <p:nvSpPr>
+          <p:cNvPr id="3" name="Content Placeholder 2"/>
+          <p:cNvSpPr>
+            <a:spLocks noGrp="1"/>
+          </p:cNvSpPr>
+          <p:nvPr>
+            <p:ph idx="1"/>
+          </p:nvPr>
+        </p:nvSpPr>
+        <p:spPr/>
+        <p:txBody>
+          <a:bodyPr/>
+          <a:lstStyle/>
+          <a:p>
+            <a:r>
+              <a:rPr lang="nb-NO" dirty="0" smtClean="0"/>
+              <a:t>A database </a:t>
+            </a:r>
+            <a:r>
+              <a:rPr lang="nb-NO" dirty="0" err="1" smtClean="0"/>
+              <a:t>chocolatey</a:t>
+            </a:r>
+            <a:r>
+              <a:rPr lang="nb-NO" dirty="0" smtClean="0"/>
+              <a:t> </a:t>
+            </a:r>
+            <a:r>
+              <a:rPr lang="nb-NO" dirty="0" err="1" smtClean="0"/>
+              <a:t>package</a:t>
+            </a:r>
+            <a:r>
+              <a:rPr lang="nb-NO" dirty="0" smtClean="0"/>
+              <a:t> </a:t>
+            </a:r>
+            <a:r>
+              <a:rPr lang="nb-NO" dirty="0" err="1" smtClean="0"/>
+              <a:t>will</a:t>
+            </a:r>
+            <a:r>
+              <a:rPr lang="nb-NO" dirty="0"/>
+              <a:t> </a:t>
+            </a:r>
+            <a:r>
+              <a:rPr lang="nb-NO" dirty="0" smtClean="0"/>
+              <a:t>register </a:t>
+            </a:r>
+            <a:r>
+              <a:rPr lang="nb-NO" dirty="0" err="1" smtClean="0"/>
+              <a:t>itself</a:t>
+            </a:r>
+            <a:r>
+              <a:rPr lang="nb-NO" dirty="0" smtClean="0"/>
+              <a:t> </a:t>
+            </a:r>
+            <a:r>
+              <a:rPr lang="nb-NO" dirty="0" err="1" smtClean="0"/>
+              <a:t>into</a:t>
+            </a:r>
+            <a:r>
+              <a:rPr lang="nb-NO" dirty="0" smtClean="0"/>
+              <a:t> </a:t>
+            </a:r>
+            <a:r>
+              <a:rPr lang="nb-NO" dirty="0" err="1" smtClean="0"/>
+              <a:t>dwdbversjonlogg</a:t>
+            </a:r>
+            <a:r>
+              <a:rPr lang="nb-NO" dirty="0" smtClean="0"/>
+              <a:t> in </a:t>
+            </a:r>
+            <a:r>
+              <a:rPr lang="nb-NO" dirty="0" err="1" smtClean="0"/>
+              <a:t>the</a:t>
+            </a:r>
+            <a:r>
+              <a:rPr lang="nb-NO" dirty="0" smtClean="0"/>
+              <a:t> database</a:t>
+            </a:r>
+          </a:p>
+          <a:p>
+            <a:r>
+              <a:rPr lang="nb-NO" dirty="0" smtClean="0"/>
+              <a:t>A </a:t>
+            </a:r>
+            <a:r>
+              <a:rPr lang="nb-NO" dirty="0"/>
+              <a:t>database </a:t>
+            </a:r>
+            <a:r>
+              <a:rPr lang="nb-NO" dirty="0" err="1"/>
+              <a:t>chocolatey</a:t>
+            </a:r>
+            <a:r>
+              <a:rPr lang="nb-NO" dirty="0"/>
+              <a:t> </a:t>
+            </a:r>
+            <a:r>
+              <a:rPr lang="nb-NO" dirty="0" err="1"/>
+              <a:t>package</a:t>
+            </a:r>
+            <a:r>
+              <a:rPr lang="nb-NO" dirty="0"/>
+              <a:t> </a:t>
+            </a:r>
+            <a:r>
+              <a:rPr lang="nb-NO" dirty="0" err="1" smtClean="0"/>
+              <a:t>can</a:t>
+            </a:r>
+            <a:r>
+              <a:rPr lang="nb-NO" dirty="0" smtClean="0"/>
+              <a:t> </a:t>
+            </a:r>
+            <a:r>
+              <a:rPr lang="nb-NO" dirty="0" err="1" smtClean="0"/>
+              <a:t>only</a:t>
+            </a:r>
+            <a:r>
+              <a:rPr lang="nb-NO" dirty="0" smtClean="0"/>
+              <a:t> be </a:t>
+            </a:r>
+            <a:r>
+              <a:rPr lang="nb-NO" dirty="0" err="1" smtClean="0"/>
+              <a:t>installed</a:t>
+            </a:r>
+            <a:r>
+              <a:rPr lang="nb-NO" dirty="0" smtClean="0"/>
+              <a:t> </a:t>
+            </a:r>
+            <a:r>
+              <a:rPr lang="nb-NO" dirty="0" err="1" smtClean="0"/>
+              <a:t>into</a:t>
+            </a:r>
+            <a:r>
+              <a:rPr lang="nb-NO" dirty="0" smtClean="0"/>
+              <a:t> </a:t>
+            </a:r>
+            <a:r>
+              <a:rPr lang="nb-NO" dirty="0" err="1" smtClean="0"/>
+              <a:t>the</a:t>
+            </a:r>
+            <a:r>
+              <a:rPr lang="nb-NO" dirty="0" smtClean="0"/>
+              <a:t> database </a:t>
+            </a:r>
+            <a:r>
+              <a:rPr lang="nb-NO" dirty="0" err="1" smtClean="0"/>
+              <a:t>one</a:t>
+            </a:r>
+            <a:r>
+              <a:rPr lang="nb-NO" dirty="0" smtClean="0"/>
+              <a:t> time.</a:t>
+            </a:r>
+          </a:p>
+          <a:p>
+            <a:r>
+              <a:rPr lang="nb-NO" dirty="0" err="1" smtClean="0"/>
+              <a:t>Therefore</a:t>
+            </a:r>
+            <a:r>
+              <a:rPr lang="nb-NO" dirty="0" smtClean="0"/>
+              <a:t>, </a:t>
+            </a:r>
+            <a:r>
+              <a:rPr lang="nb-NO" dirty="0" err="1"/>
+              <a:t>w</a:t>
+            </a:r>
+            <a:r>
+              <a:rPr lang="nb-NO" dirty="0" err="1" smtClean="0"/>
+              <a:t>hen</a:t>
+            </a:r>
+            <a:r>
+              <a:rPr lang="nb-NO" dirty="0" smtClean="0"/>
+              <a:t> a </a:t>
+            </a:r>
+            <a:r>
+              <a:rPr lang="nb-NO" dirty="0" err="1" smtClean="0"/>
+              <a:t>specific</a:t>
+            </a:r>
+            <a:r>
+              <a:rPr lang="nb-NO" dirty="0" smtClean="0"/>
+              <a:t> database </a:t>
+            </a:r>
+            <a:r>
+              <a:rPr lang="nb-NO" dirty="0" err="1" smtClean="0"/>
+              <a:t>package</a:t>
+            </a:r>
+            <a:r>
+              <a:rPr lang="nb-NO" dirty="0" smtClean="0"/>
+              <a:t> id has </a:t>
+            </a:r>
+            <a:r>
+              <a:rPr lang="nb-NO" dirty="0" err="1" smtClean="0"/>
+              <a:t>been</a:t>
+            </a:r>
+            <a:r>
+              <a:rPr lang="nb-NO" dirty="0" smtClean="0"/>
+              <a:t> </a:t>
+            </a:r>
+            <a:r>
+              <a:rPr lang="nb-NO" dirty="0" err="1" smtClean="0"/>
+              <a:t>released</a:t>
+            </a:r>
+            <a:r>
+              <a:rPr lang="nb-NO" dirty="0" smtClean="0"/>
+              <a:t> </a:t>
+            </a:r>
+            <a:r>
+              <a:rPr lang="nb-NO" dirty="0" err="1" smtClean="0"/>
+              <a:t>its</a:t>
+            </a:r>
+            <a:r>
+              <a:rPr lang="nb-NO" dirty="0" smtClean="0"/>
+              <a:t> </a:t>
+            </a:r>
+            <a:r>
+              <a:rPr lang="nb-NO" dirty="0" err="1" smtClean="0"/>
+              <a:t>content</a:t>
+            </a:r>
+            <a:r>
+              <a:rPr lang="nb-NO" dirty="0" smtClean="0"/>
+              <a:t> </a:t>
+            </a:r>
+            <a:r>
+              <a:rPr lang="nb-NO" dirty="0" err="1" smtClean="0"/>
+              <a:t>can</a:t>
+            </a:r>
+            <a:r>
+              <a:rPr lang="nb-NO" dirty="0" smtClean="0"/>
+              <a:t> not be </a:t>
+            </a:r>
+            <a:r>
+              <a:rPr lang="nb-NO" dirty="0" err="1" smtClean="0"/>
+              <a:t>changed</a:t>
+            </a:r>
+            <a:r>
+              <a:rPr lang="nb-NO" dirty="0" smtClean="0"/>
+              <a:t> in a </a:t>
+            </a:r>
+            <a:r>
+              <a:rPr lang="nb-NO" dirty="0" err="1" smtClean="0"/>
+              <a:t>way</a:t>
+            </a:r>
+            <a:r>
+              <a:rPr lang="nb-NO" dirty="0" smtClean="0"/>
+              <a:t> </a:t>
+            </a:r>
+            <a:r>
+              <a:rPr lang="nb-NO" dirty="0" err="1" smtClean="0"/>
+              <a:t>that</a:t>
+            </a:r>
+            <a:r>
+              <a:rPr lang="nb-NO" dirty="0" smtClean="0"/>
+              <a:t> </a:t>
+            </a:r>
+            <a:r>
+              <a:rPr lang="nb-NO" dirty="0" err="1" smtClean="0"/>
+              <a:t>upgrades</a:t>
+            </a:r>
+            <a:r>
+              <a:rPr lang="nb-NO" dirty="0" smtClean="0"/>
+              <a:t> </a:t>
+            </a:r>
+            <a:r>
+              <a:rPr lang="nb-NO" dirty="0" err="1" smtClean="0"/>
+              <a:t>the</a:t>
+            </a:r>
+            <a:r>
+              <a:rPr lang="nb-NO" dirty="0" smtClean="0"/>
+              <a:t> database </a:t>
+            </a:r>
+            <a:r>
+              <a:rPr lang="nb-NO" dirty="0" err="1" smtClean="0"/>
+              <a:t>differently</a:t>
+            </a:r>
+            <a:r>
+              <a:rPr lang="nb-NO" dirty="0" smtClean="0"/>
+              <a:t> (alters </a:t>
+            </a:r>
+            <a:r>
+              <a:rPr lang="nb-NO" dirty="0" err="1" smtClean="0"/>
+              <a:t>state</a:t>
+            </a:r>
+            <a:r>
+              <a:rPr lang="nb-NO" dirty="0" smtClean="0"/>
+              <a:t>).</a:t>
+            </a:r>
+          </a:p>
+          <a:p>
+            <a:r>
+              <a:rPr lang="nb-NO" dirty="0" err="1" smtClean="0"/>
+              <a:t>Changes</a:t>
+            </a:r>
+            <a:r>
+              <a:rPr lang="nb-NO" dirty="0" smtClean="0"/>
+              <a:t> </a:t>
+            </a:r>
+            <a:r>
+              <a:rPr lang="nb-NO" dirty="0" err="1" smtClean="0"/>
+              <a:t>that</a:t>
+            </a:r>
+            <a:r>
+              <a:rPr lang="nb-NO" dirty="0" smtClean="0"/>
+              <a:t> makes </a:t>
+            </a:r>
+            <a:r>
+              <a:rPr lang="nb-NO" dirty="0" err="1" smtClean="0"/>
+              <a:t>the</a:t>
+            </a:r>
+            <a:r>
+              <a:rPr lang="nb-NO" dirty="0" smtClean="0"/>
+              <a:t> </a:t>
+            </a:r>
+            <a:r>
+              <a:rPr lang="nb-NO" dirty="0" err="1" smtClean="0"/>
+              <a:t>package</a:t>
+            </a:r>
+            <a:r>
+              <a:rPr lang="nb-NO" dirty="0" smtClean="0"/>
+              <a:t> (</a:t>
+            </a:r>
+            <a:r>
+              <a:rPr lang="nb-NO" dirty="0" err="1" smtClean="0"/>
+              <a:t>dupfiles</a:t>
+            </a:r>
+            <a:r>
+              <a:rPr lang="nb-NO" dirty="0" smtClean="0"/>
+              <a:t>) more robust to </a:t>
+            </a:r>
+            <a:r>
+              <a:rPr lang="nb-NO" dirty="0" err="1" smtClean="0"/>
+              <a:t>execution</a:t>
+            </a:r>
+            <a:r>
+              <a:rPr lang="nb-NO" dirty="0" smtClean="0"/>
+              <a:t> </a:t>
+            </a:r>
+            <a:r>
+              <a:rPr lang="nb-NO" dirty="0" err="1" smtClean="0"/>
+              <a:t>errors</a:t>
+            </a:r>
+            <a:r>
+              <a:rPr lang="nb-NO" dirty="0" smtClean="0"/>
+              <a:t> </a:t>
+            </a:r>
+            <a:r>
+              <a:rPr lang="nb-NO" dirty="0" err="1" smtClean="0"/>
+              <a:t>are</a:t>
+            </a:r>
+            <a:r>
+              <a:rPr lang="nb-NO" dirty="0" smtClean="0"/>
+              <a:t> </a:t>
+            </a:r>
+            <a:r>
+              <a:rPr lang="nb-NO" dirty="0" err="1" smtClean="0"/>
+              <a:t>allowed</a:t>
+            </a:r>
+            <a:r>
+              <a:rPr lang="nb-NO" dirty="0" smtClean="0"/>
+              <a:t> </a:t>
+            </a:r>
+            <a:r>
+              <a:rPr lang="nb-NO" dirty="0" err="1" smtClean="0"/>
+              <a:t>because</a:t>
+            </a:r>
+            <a:r>
+              <a:rPr lang="nb-NO" dirty="0" smtClean="0"/>
+              <a:t> </a:t>
+            </a:r>
+            <a:r>
+              <a:rPr lang="nb-NO" dirty="0" err="1" smtClean="0"/>
+              <a:t>they</a:t>
+            </a:r>
+            <a:r>
+              <a:rPr lang="nb-NO" dirty="0" smtClean="0"/>
+              <a:t> do not </a:t>
+            </a:r>
+            <a:r>
+              <a:rPr lang="nb-NO" dirty="0" err="1" smtClean="0"/>
+              <a:t>cause</a:t>
+            </a:r>
+            <a:r>
+              <a:rPr lang="nb-NO" dirty="0" smtClean="0"/>
+              <a:t> </a:t>
+            </a:r>
+            <a:r>
+              <a:rPr lang="nb-NO" dirty="0" err="1" smtClean="0"/>
+              <a:t>any</a:t>
+            </a:r>
+            <a:r>
+              <a:rPr lang="nb-NO" dirty="0" smtClean="0"/>
+              <a:t> different </a:t>
+            </a:r>
+            <a:r>
+              <a:rPr lang="nb-NO" dirty="0" err="1" smtClean="0"/>
+              <a:t>content</a:t>
+            </a:r>
+            <a:r>
+              <a:rPr lang="nb-NO" dirty="0" smtClean="0"/>
+              <a:t> in </a:t>
+            </a:r>
+            <a:r>
+              <a:rPr lang="nb-NO" dirty="0" err="1" smtClean="0"/>
+              <a:t>the</a:t>
+            </a:r>
+            <a:r>
+              <a:rPr lang="nb-NO" dirty="0" smtClean="0"/>
+              <a:t> database.</a:t>
+            </a:r>
+            <a:endParaRPr lang="nb-NO" dirty="0"/>
+          </a:p>
+        </p:txBody>
+      </p:sp>
+    </p:spTree>
+    <p:extLst>
+      <p:ext uri="{BB962C8B-B14F-4D97-AF65-F5344CB8AC3E}">
+        <p14:creationId xmlns:p14="http://schemas.microsoft.com/office/powerpoint/2010/main" val="772227438"/>
+      </p:ext>
+    </p:extLst>
+  </p:cSld>
+  <p:clrMapOvr>
+    <a:masterClrMapping/>
+  </p:clrMapOvr>
+</p:sld>
+</file>
+
+<file path=ppt/slides/slide53.xml><?xml version="1.0" encoding="utf-8"?>
+<p:sld xmlns:a="http://schemas.openxmlformats.org/drawingml/2006/main" xmlns:r="http://schemas.openxmlformats.org/officeDocument/2006/relationships" xmlns:p="http://schemas.openxmlformats.org/presentationml/2006/main">
+  <p:cSld>
+    <p:spTree>
+      <p:nvGrpSpPr>
+        <p:cNvPr id="1" name=""/>
+        <p:cNvGrpSpPr/>
+        <p:nvPr/>
+      </p:nvGrpSpPr>
+      <p:grpSpPr>
+        <a:xfrm>
+          <a:off x="0" y="0"/>
+          <a:ext cx="0" cy="0"/>
+          <a:chOff x="0" y="0"/>
+          <a:chExt cx="0" cy="0"/>
+        </a:xfrm>
+      </p:grpSpPr>
+      <p:sp>
+        <p:nvSpPr>
+          <p:cNvPr id="2" name="Title 1"/>
+          <p:cNvSpPr>
+            <a:spLocks noGrp="1"/>
+          </p:cNvSpPr>
+          <p:nvPr>
+            <p:ph type="title"/>
+          </p:nvPr>
+        </p:nvSpPr>
+        <p:spPr/>
+        <p:txBody>
+          <a:bodyPr/>
+          <a:lstStyle/>
+          <a:p>
+            <a:r>
+              <a:rPr lang="nb-NO" dirty="0" smtClean="0"/>
+              <a:t>Database </a:t>
+            </a:r>
+            <a:r>
+              <a:rPr lang="nb-NO" dirty="0" err="1" smtClean="0"/>
+              <a:t>package</a:t>
+            </a:r>
+            <a:r>
+              <a:rPr lang="nb-NO" dirty="0" smtClean="0"/>
+              <a:t> </a:t>
+            </a:r>
+            <a:r>
+              <a:rPr lang="nb-NO" dirty="0" err="1" smtClean="0"/>
+              <a:t>versioning</a:t>
+            </a:r>
+            <a:endParaRPr lang="nb-NO" dirty="0"/>
+          </a:p>
+        </p:txBody>
+      </p:sp>
+      <p:sp>
+        <p:nvSpPr>
+          <p:cNvPr id="3" name="Content Placeholder 2"/>
+          <p:cNvSpPr>
+            <a:spLocks noGrp="1"/>
+          </p:cNvSpPr>
+          <p:nvPr>
+            <p:ph idx="1"/>
+          </p:nvPr>
+        </p:nvSpPr>
+        <p:spPr/>
+        <p:txBody>
+          <a:bodyPr/>
+          <a:lstStyle/>
+          <a:p>
+            <a:pPr marL="0" indent="0">
+              <a:buNone/>
+            </a:pPr>
+            <a:endParaRPr lang="nb-NO" i="1" dirty="0"/>
+          </a:p>
+        </p:txBody>
+      </p:sp>
+      <p:sp>
+        <p:nvSpPr>
+          <p:cNvPr id="5" name="Flowchart: Process 4"/>
+          <p:cNvSpPr/>
+          <p:nvPr/>
+        </p:nvSpPr>
+        <p:spPr>
+          <a:xfrm>
+            <a:off x="1209502" y="3152086"/>
+            <a:ext cx="2427317" cy="540327"/>
+          </a:xfrm>
+          <a:prstGeom prst="flowChartProcess">
+            <a:avLst/>
+          </a:prstGeom>
+        </p:spPr>
+        <p:style>
+          <a:lnRef idx="2">
+            <a:schemeClr val="accent1">
+              <a:shade val="50000"/>
+            </a:schemeClr>
+          </a:lnRef>
+          <a:fillRef idx="1">
+            <a:schemeClr val="accent1"/>
+          </a:fillRef>
+          <a:effectRef idx="0">
+            <a:schemeClr val="accent1"/>
+          </a:effectRef>
+          <a:fontRef idx="minor">
+            <a:schemeClr val="lt1"/>
+          </a:fontRef>
+        </p:style>
+        <p:txBody>
+          <a:bodyPr rtlCol="0" anchor="ctr"/>
+          <a:lstStyle/>
+          <a:p>
+            <a:pPr algn="ctr"/>
+            <a:r>
+              <a:rPr lang="nb-NO" sz="1100" dirty="0" smtClean="0"/>
+              <a:t>dips-arena-framework-database-19.1.0</a:t>
+            </a:r>
+          </a:p>
+          <a:p>
+            <a:pPr algn="ctr"/>
+            <a:r>
+              <a:rPr lang="nb-NO" sz="1100" dirty="0" smtClean="0"/>
+              <a:t>1.0.0</a:t>
+            </a:r>
+            <a:endParaRPr lang="nb-NO" sz="1100" dirty="0"/>
+          </a:p>
+        </p:txBody>
+      </p:sp>
+      <p:sp>
+        <p:nvSpPr>
+          <p:cNvPr id="7" name="Flowchart: Process 6"/>
+          <p:cNvSpPr/>
+          <p:nvPr/>
+        </p:nvSpPr>
+        <p:spPr>
+          <a:xfrm>
+            <a:off x="3660370" y="3856950"/>
+            <a:ext cx="2435630" cy="540327"/>
+          </a:xfrm>
+          <a:prstGeom prst="flowChartProcess">
+            <a:avLst/>
+          </a:prstGeom>
+        </p:spPr>
+        <p:style>
+          <a:lnRef idx="2">
+            <a:schemeClr val="accent1">
+              <a:shade val="50000"/>
+            </a:schemeClr>
+          </a:lnRef>
+          <a:fillRef idx="1">
+            <a:schemeClr val="accent1"/>
+          </a:fillRef>
+          <a:effectRef idx="0">
+            <a:schemeClr val="accent1"/>
+          </a:effectRef>
+          <a:fontRef idx="minor">
+            <a:schemeClr val="lt1"/>
+          </a:fontRef>
+        </p:style>
+        <p:txBody>
+          <a:bodyPr rtlCol="0" anchor="ctr"/>
+          <a:lstStyle/>
+          <a:p>
+            <a:pPr algn="ctr"/>
+            <a:r>
+              <a:rPr lang="nb-NO" sz="1100" dirty="0" smtClean="0"/>
+              <a:t>dips-arena-framework-database-19.1.0</a:t>
+            </a:r>
+          </a:p>
+          <a:p>
+            <a:pPr algn="ctr"/>
+            <a:r>
+              <a:rPr lang="nb-NO" sz="1100" dirty="0" smtClean="0"/>
+              <a:t>1.0.1</a:t>
+            </a:r>
+            <a:endParaRPr lang="nb-NO" sz="1100" dirty="0"/>
+          </a:p>
+        </p:txBody>
+      </p:sp>
+      <p:sp>
+        <p:nvSpPr>
+          <p:cNvPr id="8" name="Flowchart: Process 7"/>
+          <p:cNvSpPr/>
+          <p:nvPr/>
+        </p:nvSpPr>
+        <p:spPr>
+          <a:xfrm>
+            <a:off x="6123709" y="4576220"/>
+            <a:ext cx="2435630" cy="540327"/>
+          </a:xfrm>
+          <a:prstGeom prst="flowChartProcess">
+            <a:avLst/>
+          </a:prstGeom>
+        </p:spPr>
+        <p:style>
+          <a:lnRef idx="2">
+            <a:schemeClr val="accent1">
+              <a:shade val="50000"/>
+            </a:schemeClr>
+          </a:lnRef>
+          <a:fillRef idx="1">
+            <a:schemeClr val="accent1"/>
+          </a:fillRef>
+          <a:effectRef idx="0">
+            <a:schemeClr val="accent1"/>
+          </a:effectRef>
+          <a:fontRef idx="minor">
+            <a:schemeClr val="lt1"/>
+          </a:fontRef>
+        </p:style>
+        <p:txBody>
+          <a:bodyPr rtlCol="0" anchor="ctr"/>
+          <a:lstStyle/>
+          <a:p>
+            <a:pPr algn="ctr"/>
+            <a:r>
+              <a:rPr lang="nb-NO" sz="1100" dirty="0" smtClean="0"/>
+              <a:t>dips-arena-framework-database-19.1.0</a:t>
+            </a:r>
+          </a:p>
+          <a:p>
+            <a:pPr algn="ctr"/>
+            <a:r>
+              <a:rPr lang="nb-NO" sz="1100" dirty="0" smtClean="0"/>
+              <a:t>1.0.2</a:t>
+            </a:r>
+            <a:endParaRPr lang="nb-NO" sz="1100" dirty="0"/>
+          </a:p>
+        </p:txBody>
+      </p:sp>
+      <p:sp>
+        <p:nvSpPr>
+          <p:cNvPr id="9" name="Flowchart: Process 8"/>
+          <p:cNvSpPr/>
+          <p:nvPr/>
+        </p:nvSpPr>
+        <p:spPr>
+          <a:xfrm>
+            <a:off x="8588431" y="5247655"/>
+            <a:ext cx="2793077" cy="540327"/>
+          </a:xfrm>
+          <a:prstGeom prst="flowChartProcess">
+            <a:avLst/>
+          </a:prstGeom>
+        </p:spPr>
+        <p:style>
+          <a:lnRef idx="2">
+            <a:schemeClr val="accent1">
+              <a:shade val="50000"/>
+            </a:schemeClr>
+          </a:lnRef>
+          <a:fillRef idx="1">
+            <a:schemeClr val="accent1"/>
+          </a:fillRef>
+          <a:effectRef idx="0">
+            <a:schemeClr val="accent1"/>
+          </a:effectRef>
+          <a:fontRef idx="minor">
+            <a:schemeClr val="lt1"/>
+          </a:fontRef>
+        </p:style>
+        <p:txBody>
+          <a:bodyPr rtlCol="0" anchor="ctr"/>
+          <a:lstStyle/>
+          <a:p>
+            <a:pPr algn="ctr"/>
+            <a:r>
+              <a:rPr lang="nb-NO" sz="1100" dirty="0" smtClean="0"/>
+              <a:t>dips-arena-framework-database-19.1.0</a:t>
+            </a:r>
+          </a:p>
+          <a:p>
+            <a:pPr algn="ctr"/>
+            <a:r>
+              <a:rPr lang="nb-NO" sz="1100" dirty="0" smtClean="0"/>
+              <a:t>1.0.3</a:t>
+            </a:r>
+            <a:endParaRPr lang="nb-NO" sz="1100" dirty="0"/>
+          </a:p>
+        </p:txBody>
+      </p:sp>
+      <p:cxnSp>
+        <p:nvCxnSpPr>
+          <p:cNvPr id="12" name="Straight Connector 11"/>
+          <p:cNvCxnSpPr/>
+          <p:nvPr/>
+        </p:nvCxnSpPr>
+        <p:spPr>
+          <a:xfrm>
+            <a:off x="1205345" y="2590850"/>
+            <a:ext cx="0" cy="3474720"/>
+          </a:xfrm>
+          <a:prstGeom prst="line">
+            <a:avLst/>
+          </a:prstGeom>
+          <a:ln w="28575">
+            <a:prstDash val="dash"/>
+          </a:ln>
+        </p:spPr>
+        <p:style>
+          <a:lnRef idx="1">
+            <a:schemeClr val="accent1"/>
+          </a:lnRef>
+          <a:fillRef idx="0">
+            <a:schemeClr val="accent1"/>
+          </a:fillRef>
+          <a:effectRef idx="0">
+            <a:schemeClr val="accent1"/>
+          </a:effectRef>
+          <a:fontRef idx="minor">
+            <a:schemeClr val="tx1"/>
+          </a:fontRef>
+        </p:style>
+      </p:cxnSp>
+      <p:cxnSp>
+        <p:nvCxnSpPr>
+          <p:cNvPr id="13" name="Straight Connector 12"/>
+          <p:cNvCxnSpPr/>
+          <p:nvPr/>
+        </p:nvCxnSpPr>
+        <p:spPr>
+          <a:xfrm>
+            <a:off x="6096000" y="2773514"/>
+            <a:ext cx="0" cy="3186711"/>
+          </a:xfrm>
+          <a:prstGeom prst="line">
+            <a:avLst/>
+          </a:prstGeom>
+          <a:ln w="28575">
+            <a:prstDash val="dash"/>
+          </a:ln>
+        </p:spPr>
+        <p:style>
+          <a:lnRef idx="1">
+            <a:schemeClr val="accent1"/>
+          </a:lnRef>
+          <a:fillRef idx="0">
+            <a:schemeClr val="accent1"/>
+          </a:fillRef>
+          <a:effectRef idx="0">
+            <a:schemeClr val="accent1"/>
+          </a:effectRef>
+          <a:fontRef idx="minor">
+            <a:schemeClr val="tx1"/>
+          </a:fontRef>
+        </p:style>
+      </p:cxnSp>
+      <p:sp>
+        <p:nvSpPr>
+          <p:cNvPr id="16" name="TextBox 15"/>
+          <p:cNvSpPr txBox="1"/>
+          <p:nvPr/>
+        </p:nvSpPr>
+        <p:spPr>
+          <a:xfrm>
+            <a:off x="910588" y="1825625"/>
+            <a:ext cx="4218365" cy="646331"/>
+          </a:xfrm>
+          <a:prstGeom prst="rect">
+            <a:avLst/>
+          </a:prstGeom>
+          <a:noFill/>
+        </p:spPr>
+        <p:txBody>
+          <a:bodyPr wrap="square" rtlCol="0">
+            <a:spAutoFit/>
+          </a:bodyPr>
+          <a:lstStyle/>
+          <a:p>
+            <a:r>
+              <a:rPr lang="nb-NO" b="1" u="sng" dirty="0" smtClean="0"/>
+              <a:t>Development</a:t>
+            </a:r>
+            <a:r>
+              <a:rPr lang="nb-NO" dirty="0" smtClean="0"/>
+              <a:t/>
+            </a:r>
+            <a:br>
+              <a:rPr lang="nb-NO" dirty="0" smtClean="0"/>
+            </a:br>
+            <a:r>
+              <a:rPr lang="nb-NO" dirty="0" smtClean="0"/>
+              <a:t>The </a:t>
+            </a:r>
+            <a:r>
+              <a:rPr lang="nb-NO" dirty="0" err="1" smtClean="0"/>
+              <a:t>package</a:t>
+            </a:r>
+            <a:r>
+              <a:rPr lang="nb-NO" dirty="0" smtClean="0"/>
+              <a:t> </a:t>
+            </a:r>
+            <a:r>
+              <a:rPr lang="nb-NO" dirty="0" err="1" smtClean="0"/>
+              <a:t>content</a:t>
+            </a:r>
+            <a:r>
+              <a:rPr lang="nb-NO" dirty="0" smtClean="0"/>
+              <a:t> is </a:t>
+            </a:r>
+            <a:r>
+              <a:rPr lang="nb-NO" dirty="0" err="1" smtClean="0"/>
+              <a:t>changed</a:t>
+            </a:r>
+            <a:r>
+              <a:rPr lang="nb-NO" dirty="0" smtClean="0"/>
+              <a:t> </a:t>
+            </a:r>
+            <a:r>
+              <a:rPr lang="nb-NO" dirty="0" err="1" smtClean="0"/>
+              <a:t>frequently</a:t>
+            </a:r>
+            <a:endParaRPr lang="nb-NO" dirty="0"/>
+          </a:p>
+        </p:txBody>
+      </p:sp>
+      <p:sp>
+        <p:nvSpPr>
+          <p:cNvPr id="17" name="TextBox 16"/>
+          <p:cNvSpPr txBox="1"/>
+          <p:nvPr/>
+        </p:nvSpPr>
+        <p:spPr>
+          <a:xfrm>
+            <a:off x="6068292" y="1796358"/>
+            <a:ext cx="2094808" cy="2031325"/>
+          </a:xfrm>
+          <a:prstGeom prst="rect">
+            <a:avLst/>
+          </a:prstGeom>
+          <a:noFill/>
+        </p:spPr>
+        <p:txBody>
+          <a:bodyPr wrap="square" rtlCol="0">
+            <a:spAutoFit/>
+          </a:bodyPr>
+          <a:lstStyle/>
+          <a:p>
+            <a:r>
+              <a:rPr lang="nb-NO" b="1" i="1" dirty="0" err="1" smtClean="0"/>
+              <a:t>Release</a:t>
+            </a:r>
+            <a:endParaRPr lang="nb-NO" b="1" i="1" dirty="0"/>
+          </a:p>
+          <a:p>
+            <a:r>
+              <a:rPr lang="nb-NO" dirty="0" smtClean="0"/>
+              <a:t>No more database </a:t>
+            </a:r>
+            <a:r>
+              <a:rPr lang="nb-NO" dirty="0" err="1" smtClean="0"/>
+              <a:t>changes</a:t>
+            </a:r>
+            <a:r>
+              <a:rPr lang="nb-NO" dirty="0" smtClean="0"/>
+              <a:t>. The </a:t>
+            </a:r>
+            <a:r>
+              <a:rPr lang="nb-NO" dirty="0" err="1" smtClean="0"/>
+              <a:t>package</a:t>
+            </a:r>
+            <a:r>
+              <a:rPr lang="nb-NO" dirty="0" smtClean="0"/>
+              <a:t> </a:t>
+            </a:r>
+            <a:r>
+              <a:rPr lang="nb-NO" dirty="0" err="1" smtClean="0"/>
+              <a:t>represents</a:t>
+            </a:r>
+            <a:r>
+              <a:rPr lang="nb-NO" dirty="0" smtClean="0"/>
+              <a:t> a </a:t>
+            </a:r>
+            <a:r>
+              <a:rPr lang="nb-NO" dirty="0" err="1" smtClean="0"/>
+              <a:t>version</a:t>
+            </a:r>
+            <a:r>
+              <a:rPr lang="nb-NO" dirty="0" smtClean="0"/>
+              <a:t> </a:t>
+            </a:r>
+            <a:r>
+              <a:rPr lang="nb-NO" dirty="0" err="1" smtClean="0"/>
+              <a:t>with</a:t>
+            </a:r>
+            <a:r>
+              <a:rPr lang="nb-NO" dirty="0" smtClean="0"/>
+              <a:t> a </a:t>
+            </a:r>
+            <a:r>
+              <a:rPr lang="nb-NO" dirty="0" err="1" smtClean="0"/>
+              <a:t>fixed</a:t>
+            </a:r>
+            <a:r>
+              <a:rPr lang="nb-NO" dirty="0" smtClean="0"/>
+              <a:t> </a:t>
+            </a:r>
+            <a:r>
+              <a:rPr lang="nb-NO" dirty="0" err="1" smtClean="0"/>
+              <a:t>content</a:t>
+            </a:r>
+            <a:endParaRPr lang="nb-NO" dirty="0" smtClean="0"/>
+          </a:p>
+          <a:p>
+            <a:endParaRPr lang="nb-NO" dirty="0"/>
+          </a:p>
+        </p:txBody>
+      </p:sp>
+      <p:sp>
+        <p:nvSpPr>
+          <p:cNvPr id="19" name="TextBox 18"/>
+          <p:cNvSpPr txBox="1"/>
+          <p:nvPr/>
+        </p:nvSpPr>
+        <p:spPr>
+          <a:xfrm>
+            <a:off x="8761269" y="4256857"/>
+            <a:ext cx="2094808" cy="923330"/>
+          </a:xfrm>
+          <a:prstGeom prst="rect">
+            <a:avLst/>
+          </a:prstGeom>
+          <a:noFill/>
+        </p:spPr>
+        <p:txBody>
+          <a:bodyPr wrap="square" rtlCol="0">
+            <a:spAutoFit/>
+          </a:bodyPr>
+          <a:lstStyle/>
+          <a:p>
+            <a:r>
+              <a:rPr lang="nb-NO" dirty="0" err="1" smtClean="0"/>
+              <a:t>Package</a:t>
+            </a:r>
+            <a:r>
+              <a:rPr lang="nb-NO" dirty="0" smtClean="0"/>
+              <a:t> </a:t>
+            </a:r>
+            <a:r>
+              <a:rPr lang="nb-NO" dirty="0" err="1" smtClean="0"/>
+              <a:t>changed</a:t>
+            </a:r>
+            <a:r>
+              <a:rPr lang="nb-NO" dirty="0" smtClean="0"/>
+              <a:t> to make it more robust to </a:t>
+            </a:r>
+            <a:r>
+              <a:rPr lang="nb-NO" dirty="0" err="1" smtClean="0"/>
+              <a:t>execution</a:t>
+            </a:r>
+            <a:r>
+              <a:rPr lang="nb-NO" dirty="0" smtClean="0"/>
+              <a:t> </a:t>
+            </a:r>
+            <a:r>
+              <a:rPr lang="nb-NO" dirty="0" err="1" smtClean="0"/>
+              <a:t>errors</a:t>
+            </a:r>
+            <a:endParaRPr lang="nb-NO" dirty="0"/>
+          </a:p>
+        </p:txBody>
+      </p:sp>
+      <p:sp>
+        <p:nvSpPr>
+          <p:cNvPr id="21" name="TextBox 20"/>
+          <p:cNvSpPr txBox="1"/>
+          <p:nvPr/>
+        </p:nvSpPr>
+        <p:spPr>
+          <a:xfrm>
+            <a:off x="3660370" y="3420150"/>
+            <a:ext cx="2094808" cy="369332"/>
+          </a:xfrm>
+          <a:prstGeom prst="rect">
+            <a:avLst/>
+          </a:prstGeom>
+          <a:noFill/>
+        </p:spPr>
+        <p:txBody>
+          <a:bodyPr wrap="square" rtlCol="0">
+            <a:spAutoFit/>
+          </a:bodyPr>
+          <a:lstStyle/>
+          <a:p>
+            <a:r>
+              <a:rPr lang="nb-NO" dirty="0" smtClean="0"/>
+              <a:t>Database </a:t>
+            </a:r>
+            <a:r>
+              <a:rPr lang="nb-NO" dirty="0" err="1" smtClean="0"/>
+              <a:t>changes</a:t>
+            </a:r>
+            <a:endParaRPr lang="nb-NO" dirty="0"/>
+          </a:p>
+        </p:txBody>
+      </p:sp>
+    </p:spTree>
+    <p:extLst>
+      <p:ext uri="{BB962C8B-B14F-4D97-AF65-F5344CB8AC3E}">
+        <p14:creationId xmlns:p14="http://schemas.microsoft.com/office/powerpoint/2010/main" val="553706900"/>
+      </p:ext>
+    </p:extLst>
+  </p:cSld>
+  <p:clrMapOvr>
+    <a:masterClrMapping/>
+  </p:clrMapOvr>
+</p:sld>
+</file>
+
+<file path=ppt/slides/slide54.xml><?xml version="1.0" encoding="utf-8"?>
+<p:sld xmlns:a="http://schemas.openxmlformats.org/drawingml/2006/main" xmlns:r="http://schemas.openxmlformats.org/officeDocument/2006/relationships" xmlns:p="http://schemas.openxmlformats.org/presentationml/2006/main">
+  <p:cSld>
+    <p:spTree>
+      <p:nvGrpSpPr>
+        <p:cNvPr id="1" name=""/>
+        <p:cNvGrpSpPr/>
+        <p:nvPr/>
+      </p:nvGrpSpPr>
+      <p:grpSpPr>
+        <a:xfrm>
+          <a:off x="0" y="0"/>
+          <a:ext cx="0" cy="0"/>
+          <a:chOff x="0" y="0"/>
+          <a:chExt cx="0" cy="0"/>
+        </a:xfrm>
+      </p:grpSpPr>
+      <p:sp>
+        <p:nvSpPr>
+          <p:cNvPr id="2" name="Title 1"/>
+          <p:cNvSpPr>
+            <a:spLocks noGrp="1"/>
+          </p:cNvSpPr>
+          <p:nvPr>
+            <p:ph type="title"/>
+          </p:nvPr>
+        </p:nvSpPr>
+        <p:spPr/>
+        <p:txBody>
+          <a:bodyPr/>
+          <a:lstStyle/>
+          <a:p>
+            <a:r>
+              <a:rPr lang="nb-NO" dirty="0" smtClean="0"/>
+              <a:t>Database </a:t>
+            </a:r>
+            <a:r>
+              <a:rPr lang="nb-NO" dirty="0" err="1" smtClean="0"/>
+              <a:t>deliverypackages</a:t>
+            </a:r>
+            <a:endParaRPr lang="nb-NO" dirty="0"/>
+          </a:p>
+        </p:txBody>
+      </p:sp>
+      <p:sp>
+        <p:nvSpPr>
+          <p:cNvPr id="3" name="Content Placeholder 2"/>
+          <p:cNvSpPr>
+            <a:spLocks noGrp="1"/>
+          </p:cNvSpPr>
+          <p:nvPr>
+            <p:ph idx="1"/>
+          </p:nvPr>
+        </p:nvSpPr>
+        <p:spPr/>
+        <p:txBody>
+          <a:bodyPr/>
+          <a:lstStyle/>
+          <a:p>
+            <a:r>
+              <a:rPr lang="nb-NO" dirty="0" smtClean="0"/>
+              <a:t>Delivery </a:t>
+            </a:r>
+            <a:r>
+              <a:rPr lang="nb-NO" dirty="0" err="1" smtClean="0"/>
+              <a:t>packages</a:t>
+            </a:r>
+            <a:r>
+              <a:rPr lang="nb-NO" dirty="0" smtClean="0"/>
+              <a:t> for database </a:t>
+            </a:r>
+            <a:r>
+              <a:rPr lang="nb-NO" dirty="0" err="1" smtClean="0"/>
+              <a:t>will</a:t>
+            </a:r>
+            <a:r>
+              <a:rPr lang="nb-NO" dirty="0" smtClean="0"/>
+              <a:t> </a:t>
+            </a:r>
+            <a:r>
+              <a:rPr lang="nb-NO" dirty="0" err="1" smtClean="0"/>
+              <a:t>grow</a:t>
+            </a:r>
+            <a:r>
+              <a:rPr lang="nb-NO" dirty="0" smtClean="0"/>
+              <a:t> in </a:t>
+            </a:r>
+            <a:r>
+              <a:rPr lang="nb-NO" dirty="0" err="1" smtClean="0"/>
+              <a:t>size</a:t>
+            </a:r>
+            <a:r>
+              <a:rPr lang="nb-NO" dirty="0" smtClean="0"/>
+              <a:t> for </a:t>
+            </a:r>
+            <a:r>
+              <a:rPr lang="nb-NO" dirty="0" err="1" smtClean="0"/>
+              <a:t>each</a:t>
+            </a:r>
+            <a:r>
+              <a:rPr lang="nb-NO" dirty="0" smtClean="0"/>
+              <a:t> Arena </a:t>
+            </a:r>
+            <a:r>
+              <a:rPr lang="nb-NO" dirty="0" err="1" smtClean="0"/>
+              <a:t>version</a:t>
+            </a:r>
+            <a:r>
+              <a:rPr lang="nb-NO" dirty="0" smtClean="0"/>
+              <a:t>, </a:t>
+            </a:r>
+            <a:r>
+              <a:rPr lang="nb-NO" dirty="0" err="1" smtClean="0"/>
+              <a:t>because</a:t>
+            </a:r>
+            <a:r>
+              <a:rPr lang="nb-NO" dirty="0" smtClean="0"/>
+              <a:t> </a:t>
+            </a:r>
+            <a:r>
+              <a:rPr lang="nb-NO" dirty="0" err="1" smtClean="0"/>
+              <a:t>of</a:t>
+            </a:r>
+            <a:r>
+              <a:rPr lang="nb-NO" dirty="0" smtClean="0"/>
+              <a:t> </a:t>
+            </a:r>
+            <a:r>
+              <a:rPr lang="nb-NO" dirty="0" err="1" smtClean="0"/>
+              <a:t>dependencies</a:t>
+            </a:r>
+            <a:r>
+              <a:rPr lang="nb-NO" dirty="0" smtClean="0"/>
+              <a:t> to </a:t>
+            </a:r>
+            <a:r>
+              <a:rPr lang="nb-NO" dirty="0" err="1" smtClean="0"/>
+              <a:t>previous</a:t>
+            </a:r>
+            <a:r>
+              <a:rPr lang="nb-NO" dirty="0" smtClean="0"/>
+              <a:t> </a:t>
+            </a:r>
+            <a:r>
+              <a:rPr lang="nb-NO" dirty="0" err="1" smtClean="0"/>
+              <a:t>packages</a:t>
+            </a:r>
+            <a:endParaRPr lang="nb-NO" dirty="0" smtClean="0"/>
+          </a:p>
+          <a:p>
+            <a:r>
+              <a:rPr lang="nb-NO" dirty="0" smtClean="0"/>
+              <a:t>A </a:t>
+            </a:r>
+            <a:r>
+              <a:rPr lang="nb-NO" dirty="0" err="1" smtClean="0"/>
+              <a:t>delivery</a:t>
+            </a:r>
+            <a:r>
+              <a:rPr lang="nb-NO" dirty="0" smtClean="0"/>
+              <a:t> </a:t>
+            </a:r>
+            <a:r>
+              <a:rPr lang="nb-NO" dirty="0" err="1" smtClean="0"/>
+              <a:t>package</a:t>
+            </a:r>
+            <a:r>
+              <a:rPr lang="nb-NO" dirty="0" smtClean="0"/>
+              <a:t> for 19.1.0 </a:t>
+            </a:r>
+            <a:r>
+              <a:rPr lang="nb-NO" dirty="0" err="1" smtClean="0"/>
+              <a:t>will</a:t>
+            </a:r>
+            <a:r>
+              <a:rPr lang="nb-NO" dirty="0" smtClean="0"/>
+              <a:t> </a:t>
+            </a:r>
+            <a:r>
+              <a:rPr lang="nb-NO" dirty="0" err="1" smtClean="0"/>
+              <a:t>normally</a:t>
+            </a:r>
+            <a:r>
+              <a:rPr lang="nb-NO" dirty="0" smtClean="0"/>
+              <a:t> </a:t>
+            </a:r>
+            <a:r>
+              <a:rPr lang="nb-NO" dirty="0" err="1" smtClean="0"/>
+              <a:t>contain</a:t>
+            </a:r>
+            <a:r>
+              <a:rPr lang="nb-NO" dirty="0" smtClean="0"/>
+              <a:t> all </a:t>
+            </a:r>
+            <a:r>
+              <a:rPr lang="nb-NO" dirty="0" err="1" smtClean="0"/>
+              <a:t>packages</a:t>
+            </a:r>
+            <a:r>
+              <a:rPr lang="nb-NO" dirty="0" smtClean="0"/>
+              <a:t> from 18.1 </a:t>
+            </a:r>
+            <a:r>
+              <a:rPr lang="nb-NO" dirty="0" err="1" smtClean="0"/>
+              <a:t>plus</a:t>
+            </a:r>
+            <a:r>
+              <a:rPr lang="nb-NO" dirty="0" smtClean="0"/>
+              <a:t> </a:t>
+            </a:r>
+            <a:r>
+              <a:rPr lang="nb-NO" dirty="0" err="1" smtClean="0"/>
+              <a:t>the</a:t>
+            </a:r>
+            <a:r>
+              <a:rPr lang="nb-NO" dirty="0" smtClean="0"/>
+              <a:t> </a:t>
+            </a:r>
+            <a:r>
+              <a:rPr lang="nb-NO" dirty="0" err="1" smtClean="0"/>
+              <a:t>new</a:t>
+            </a:r>
+            <a:r>
+              <a:rPr lang="nb-NO" dirty="0" smtClean="0"/>
+              <a:t> </a:t>
+            </a:r>
+            <a:r>
+              <a:rPr lang="nb-NO" dirty="0" err="1" smtClean="0"/>
+              <a:t>packages</a:t>
+            </a:r>
+            <a:r>
+              <a:rPr lang="nb-NO" dirty="0" smtClean="0"/>
+              <a:t> for 19.1</a:t>
+            </a:r>
+          </a:p>
+        </p:txBody>
+      </p:sp>
+    </p:spTree>
+    <p:extLst>
+      <p:ext uri="{BB962C8B-B14F-4D97-AF65-F5344CB8AC3E}">
+        <p14:creationId xmlns:p14="http://schemas.microsoft.com/office/powerpoint/2010/main" val="182237764"/>
+      </p:ext>
+    </p:extLst>
+  </p:cSld>
+  <p:clrMapOvr>
+    <a:masterClrMapping/>
+  </p:clrMapOvr>
+</p:sld>
+</file>
+
+<file path=ppt/slides/slide55.xml><?xml version="1.0" encoding="utf-8"?>
+<p:sld xmlns:a="http://schemas.openxmlformats.org/drawingml/2006/main" xmlns:r="http://schemas.openxmlformats.org/officeDocument/2006/relationships" xmlns:p="http://schemas.openxmlformats.org/presentationml/2006/main">
+  <p:cSld>
+    <p:spTree>
+      <p:nvGrpSpPr>
+        <p:cNvPr id="1" name=""/>
+        <p:cNvGrpSpPr/>
+        <p:nvPr/>
+      </p:nvGrpSpPr>
+      <p:grpSpPr>
+        <a:xfrm>
+          <a:off x="0" y="0"/>
+          <a:ext cx="0" cy="0"/>
+          <a:chOff x="0" y="0"/>
+          <a:chExt cx="0" cy="0"/>
+        </a:xfrm>
+      </p:grpSpPr>
+      <p:sp>
+        <p:nvSpPr>
+          <p:cNvPr id="2" name="Title 1"/>
+          <p:cNvSpPr>
+            <a:spLocks noGrp="1"/>
+          </p:cNvSpPr>
+          <p:nvPr>
+            <p:ph type="title"/>
+          </p:nvPr>
+        </p:nvSpPr>
+        <p:spPr/>
+        <p:txBody>
+          <a:bodyPr/>
+          <a:lstStyle/>
+          <a:p>
+            <a:r>
+              <a:rPr lang="nb-NO" dirty="0" smtClean="0"/>
+              <a:t>Database </a:t>
+            </a:r>
+            <a:r>
+              <a:rPr lang="nb-NO" dirty="0" err="1" smtClean="0"/>
+              <a:t>delivery</a:t>
+            </a:r>
+            <a:r>
+              <a:rPr lang="nb-NO" dirty="0" smtClean="0"/>
+              <a:t> diff-released.txt</a:t>
+            </a:r>
+            <a:endParaRPr lang="nb-NO" dirty="0"/>
+          </a:p>
+        </p:txBody>
+      </p:sp>
+      <p:sp>
+        <p:nvSpPr>
+          <p:cNvPr id="3" name="Content Placeholder 2"/>
+          <p:cNvSpPr>
+            <a:spLocks noGrp="1"/>
+          </p:cNvSpPr>
+          <p:nvPr>
+            <p:ph idx="1"/>
+          </p:nvPr>
+        </p:nvSpPr>
+        <p:spPr/>
+        <p:txBody>
+          <a:bodyPr/>
+          <a:lstStyle/>
+          <a:p>
+            <a:r>
+              <a:rPr lang="nb-NO" dirty="0" smtClean="0"/>
+              <a:t>Shows </a:t>
+            </a:r>
+            <a:r>
+              <a:rPr lang="nb-NO" dirty="0" err="1" smtClean="0"/>
+              <a:t>diff</a:t>
+            </a:r>
+            <a:r>
+              <a:rPr lang="nb-NO" dirty="0" smtClean="0"/>
+              <a:t> </a:t>
+            </a:r>
+            <a:r>
+              <a:rPr lang="nb-NO" dirty="0" err="1" smtClean="0"/>
+              <a:t>vs</a:t>
+            </a:r>
+            <a:r>
+              <a:rPr lang="nb-NO" dirty="0" smtClean="0"/>
+              <a:t> </a:t>
+            </a:r>
+            <a:r>
+              <a:rPr lang="nb-NO" dirty="0" err="1" smtClean="0"/>
+              <a:t>the</a:t>
+            </a:r>
+            <a:r>
+              <a:rPr lang="nb-NO" dirty="0" smtClean="0"/>
+              <a:t> </a:t>
+            </a:r>
+            <a:r>
+              <a:rPr lang="nb-NO" dirty="0" err="1" smtClean="0"/>
+              <a:t>released</a:t>
+            </a:r>
+            <a:r>
+              <a:rPr lang="nb-NO" dirty="0" smtClean="0"/>
+              <a:t> </a:t>
+            </a:r>
+            <a:r>
+              <a:rPr lang="nb-NO" dirty="0" err="1" smtClean="0"/>
+              <a:t>package</a:t>
+            </a:r>
+            <a:r>
+              <a:rPr lang="nb-NO" dirty="0" smtClean="0"/>
+              <a:t> </a:t>
+            </a:r>
+            <a:r>
+              <a:rPr lang="nb-NO" dirty="0" err="1" smtClean="0"/>
+              <a:t>specified</a:t>
+            </a:r>
+            <a:r>
+              <a:rPr lang="nb-NO" dirty="0" smtClean="0"/>
+              <a:t> in </a:t>
+            </a:r>
+            <a:r>
+              <a:rPr lang="nb-NO" dirty="0" err="1" smtClean="0"/>
+              <a:t>the</a:t>
+            </a:r>
+            <a:r>
+              <a:rPr lang="nb-NO" dirty="0" smtClean="0"/>
+              <a:t> </a:t>
+            </a:r>
+            <a:r>
+              <a:rPr lang="nb-NO" dirty="0" err="1" smtClean="0"/>
+              <a:t>delivery</a:t>
+            </a:r>
+            <a:r>
+              <a:rPr lang="nb-NO" dirty="0" smtClean="0"/>
+              <a:t> </a:t>
+            </a:r>
+            <a:r>
+              <a:rPr lang="nb-NO" dirty="0" err="1" smtClean="0"/>
+              <a:t>configuration</a:t>
+            </a:r>
+            <a:endParaRPr lang="nb-NO" dirty="0" smtClean="0"/>
+          </a:p>
+          <a:p>
+            <a:r>
+              <a:rPr lang="nb-NO" dirty="0" err="1" smtClean="0"/>
+              <a:t>Upgraded</a:t>
+            </a:r>
+            <a:r>
+              <a:rPr lang="nb-NO" dirty="0" smtClean="0"/>
+              <a:t> </a:t>
+            </a:r>
+            <a:r>
+              <a:rPr lang="nb-NO" dirty="0" err="1" smtClean="0"/>
+              <a:t>packages</a:t>
+            </a:r>
+            <a:r>
+              <a:rPr lang="nb-NO" dirty="0" smtClean="0"/>
+              <a:t>: </a:t>
+            </a:r>
+            <a:r>
+              <a:rPr lang="nb-NO" dirty="0" err="1" smtClean="0"/>
+              <a:t>packages</a:t>
+            </a:r>
+            <a:r>
+              <a:rPr lang="nb-NO" dirty="0" smtClean="0"/>
+              <a:t> from 18.1 </a:t>
+            </a:r>
+            <a:r>
+              <a:rPr lang="nb-NO" dirty="0" err="1" smtClean="0"/>
+              <a:t>with</a:t>
+            </a:r>
+            <a:r>
+              <a:rPr lang="nb-NO" dirty="0" smtClean="0"/>
+              <a:t> </a:t>
+            </a:r>
+            <a:r>
+              <a:rPr lang="nb-NO" dirty="0" err="1" smtClean="0"/>
+              <a:t>upgraded</a:t>
+            </a:r>
+            <a:r>
+              <a:rPr lang="nb-NO" dirty="0" smtClean="0"/>
+              <a:t> </a:t>
+            </a:r>
+            <a:r>
+              <a:rPr lang="nb-NO" dirty="0" err="1" smtClean="0"/>
+              <a:t>nugetversion</a:t>
+            </a:r>
+            <a:endParaRPr lang="nb-NO" dirty="0" smtClean="0"/>
+          </a:p>
+          <a:p>
+            <a:r>
+              <a:rPr lang="nb-NO" dirty="0" err="1" smtClean="0"/>
+              <a:t>Added</a:t>
+            </a:r>
+            <a:r>
+              <a:rPr lang="nb-NO" dirty="0" smtClean="0"/>
+              <a:t> </a:t>
+            </a:r>
+            <a:r>
+              <a:rPr lang="nb-NO" dirty="0" err="1" smtClean="0"/>
+              <a:t>packages</a:t>
+            </a:r>
+            <a:r>
+              <a:rPr lang="nb-NO" dirty="0" smtClean="0"/>
+              <a:t>: dips-arena-framework-database-19.1.0</a:t>
+            </a:r>
+          </a:p>
+          <a:p>
+            <a:r>
+              <a:rPr lang="nb-NO" dirty="0" err="1" smtClean="0"/>
+              <a:t>Removed</a:t>
+            </a:r>
+            <a:r>
+              <a:rPr lang="nb-NO" dirty="0" smtClean="0"/>
+              <a:t> </a:t>
+            </a:r>
+            <a:r>
+              <a:rPr lang="nb-NO" dirty="0" err="1" smtClean="0"/>
+              <a:t>packages</a:t>
+            </a:r>
+            <a:r>
+              <a:rPr lang="nb-NO" dirty="0" smtClean="0"/>
+              <a:t>:</a:t>
+            </a:r>
+            <a:endParaRPr lang="nb-NO" dirty="0"/>
+          </a:p>
+        </p:txBody>
+      </p:sp>
+    </p:spTree>
+    <p:extLst>
+      <p:ext uri="{BB962C8B-B14F-4D97-AF65-F5344CB8AC3E}">
+        <p14:creationId xmlns:p14="http://schemas.microsoft.com/office/powerpoint/2010/main" val="1885423006"/>
+      </p:ext>
+    </p:extLst>
+  </p:cSld>
+  <p:clrMapOvr>
+    <a:masterClrMapping/>
+  </p:clrMapOvr>
+</p:sld>
+</file>
+
 <file path=ppt/slides/slide6.xml><?xml version="1.0" encoding="utf-8"?>
 <p:sld xmlns:a="http://schemas.openxmlformats.org/drawingml/2006/main" xmlns:r="http://schemas.openxmlformats.org/officeDocument/2006/relationships" xmlns:p="http://schemas.openxmlformats.org/presentationml/2006/main">
   <p:cSld>
@@ -11913,7 +14232,6 @@
               <a:rPr lang="nb-NO" dirty="0"/>
               <a:t>Chocolatey Software, Inc.</a:t>
             </a:r>
-            <a:endParaRPr lang="nb-NO" dirty="0"/>
           </a:p>
         </p:txBody>
       </p:sp>

--- a/docs/InstallationCourse.pptx
+++ b/docs/InstallationCourse.pptx
@@ -26,10 +26,10 @@
     <p:sldId id="263" r:id="rId20"/>
     <p:sldId id="264" r:id="rId21"/>
     <p:sldId id="284" r:id="rId22"/>
-    <p:sldId id="266" r:id="rId23"/>
-    <p:sldId id="268" r:id="rId24"/>
-    <p:sldId id="303" r:id="rId25"/>
-    <p:sldId id="283" r:id="rId26"/>
+    <p:sldId id="268" r:id="rId23"/>
+    <p:sldId id="325" r:id="rId24"/>
+    <p:sldId id="283" r:id="rId25"/>
+    <p:sldId id="266" r:id="rId26"/>
     <p:sldId id="265" r:id="rId27"/>
     <p:sldId id="323" r:id="rId28"/>
     <p:sldId id="324" r:id="rId29"/>
@@ -47,30 +47,32 @@
     <p:sldId id="277" r:id="rId41"/>
     <p:sldId id="321" r:id="rId42"/>
     <p:sldId id="322" r:id="rId43"/>
-    <p:sldId id="305" r:id="rId44"/>
-    <p:sldId id="285" r:id="rId45"/>
-    <p:sldId id="286" r:id="rId46"/>
-    <p:sldId id="287" r:id="rId47"/>
-    <p:sldId id="292" r:id="rId48"/>
-    <p:sldId id="288" r:id="rId49"/>
-    <p:sldId id="289" r:id="rId50"/>
-    <p:sldId id="290" r:id="rId51"/>
-    <p:sldId id="291" r:id="rId52"/>
-    <p:sldId id="278" r:id="rId53"/>
-    <p:sldId id="293" r:id="rId54"/>
-    <p:sldId id="294" r:id="rId55"/>
-    <p:sldId id="295" r:id="rId56"/>
-    <p:sldId id="296" r:id="rId57"/>
-    <p:sldId id="297" r:id="rId58"/>
-    <p:sldId id="298" r:id="rId59"/>
-    <p:sldId id="299" r:id="rId60"/>
-    <p:sldId id="306" r:id="rId61"/>
-    <p:sldId id="309" r:id="rId62"/>
-    <p:sldId id="300" r:id="rId63"/>
-    <p:sldId id="308" r:id="rId64"/>
-    <p:sldId id="310" r:id="rId65"/>
-    <p:sldId id="311" r:id="rId66"/>
-    <p:sldId id="312" r:id="rId67"/>
+    <p:sldId id="303" r:id="rId44"/>
+    <p:sldId id="305" r:id="rId45"/>
+    <p:sldId id="285" r:id="rId46"/>
+    <p:sldId id="286" r:id="rId47"/>
+    <p:sldId id="287" r:id="rId48"/>
+    <p:sldId id="292" r:id="rId49"/>
+    <p:sldId id="288" r:id="rId50"/>
+    <p:sldId id="289" r:id="rId51"/>
+    <p:sldId id="290" r:id="rId52"/>
+    <p:sldId id="291" r:id="rId53"/>
+    <p:sldId id="278" r:id="rId54"/>
+    <p:sldId id="293" r:id="rId55"/>
+    <p:sldId id="294" r:id="rId56"/>
+    <p:sldId id="295" r:id="rId57"/>
+    <p:sldId id="326" r:id="rId58"/>
+    <p:sldId id="296" r:id="rId59"/>
+    <p:sldId id="297" r:id="rId60"/>
+    <p:sldId id="298" r:id="rId61"/>
+    <p:sldId id="299" r:id="rId62"/>
+    <p:sldId id="306" r:id="rId63"/>
+    <p:sldId id="309" r:id="rId64"/>
+    <p:sldId id="300" r:id="rId65"/>
+    <p:sldId id="308" r:id="rId66"/>
+    <p:sldId id="310" r:id="rId67"/>
+    <p:sldId id="311" r:id="rId68"/>
+    <p:sldId id="312" r:id="rId69"/>
   </p:sldIdLst>
   <p:sldSz cx="12192000" cy="6858000"/>
   <p:notesSz cx="6858000" cy="9144000"/>
@@ -306,7 +308,7 @@
           <a:p>
             <a:fld id="{352C0B74-1FE1-4FB7-82E7-0D2FF5E15FE0}" type="datetimeFigureOut">
               <a:rPr lang="nb-NO" smtClean="0"/>
-              <a:t>06.06.2019</a:t>
+              <a:t>07.06.2019</a:t>
             </a:fld>
             <a:endParaRPr lang="nb-NO"/>
           </a:p>
@@ -474,7 +476,7 @@
           <a:p>
             <a:fld id="{352C0B74-1FE1-4FB7-82E7-0D2FF5E15FE0}" type="datetimeFigureOut">
               <a:rPr lang="nb-NO" smtClean="0"/>
-              <a:t>06.06.2019</a:t>
+              <a:t>07.06.2019</a:t>
             </a:fld>
             <a:endParaRPr lang="nb-NO"/>
           </a:p>
@@ -652,7 +654,7 @@
           <a:p>
             <a:fld id="{352C0B74-1FE1-4FB7-82E7-0D2FF5E15FE0}" type="datetimeFigureOut">
               <a:rPr lang="nb-NO" smtClean="0"/>
-              <a:t>06.06.2019</a:t>
+              <a:t>07.06.2019</a:t>
             </a:fld>
             <a:endParaRPr lang="nb-NO"/>
           </a:p>
@@ -820,7 +822,7 @@
           <a:p>
             <a:fld id="{352C0B74-1FE1-4FB7-82E7-0D2FF5E15FE0}" type="datetimeFigureOut">
               <a:rPr lang="nb-NO" smtClean="0"/>
-              <a:t>06.06.2019</a:t>
+              <a:t>07.06.2019</a:t>
             </a:fld>
             <a:endParaRPr lang="nb-NO"/>
           </a:p>
@@ -1065,7 +1067,7 @@
           <a:p>
             <a:fld id="{352C0B74-1FE1-4FB7-82E7-0D2FF5E15FE0}" type="datetimeFigureOut">
               <a:rPr lang="nb-NO" smtClean="0"/>
-              <a:t>06.06.2019</a:t>
+              <a:t>07.06.2019</a:t>
             </a:fld>
             <a:endParaRPr lang="nb-NO"/>
           </a:p>
@@ -1294,7 +1296,7 @@
           <a:p>
             <a:fld id="{352C0B74-1FE1-4FB7-82E7-0D2FF5E15FE0}" type="datetimeFigureOut">
               <a:rPr lang="nb-NO" smtClean="0"/>
-              <a:t>06.06.2019</a:t>
+              <a:t>07.06.2019</a:t>
             </a:fld>
             <a:endParaRPr lang="nb-NO"/>
           </a:p>
@@ -1658,7 +1660,7 @@
           <a:p>
             <a:fld id="{352C0B74-1FE1-4FB7-82E7-0D2FF5E15FE0}" type="datetimeFigureOut">
               <a:rPr lang="nb-NO" smtClean="0"/>
-              <a:t>06.06.2019</a:t>
+              <a:t>07.06.2019</a:t>
             </a:fld>
             <a:endParaRPr lang="nb-NO"/>
           </a:p>
@@ -1775,7 +1777,7 @@
           <a:p>
             <a:fld id="{352C0B74-1FE1-4FB7-82E7-0D2FF5E15FE0}" type="datetimeFigureOut">
               <a:rPr lang="nb-NO" smtClean="0"/>
-              <a:t>06.06.2019</a:t>
+              <a:t>07.06.2019</a:t>
             </a:fld>
             <a:endParaRPr lang="nb-NO"/>
           </a:p>
@@ -1870,7 +1872,7 @@
           <a:p>
             <a:fld id="{352C0B74-1FE1-4FB7-82E7-0D2FF5E15FE0}" type="datetimeFigureOut">
               <a:rPr lang="nb-NO" smtClean="0"/>
-              <a:t>06.06.2019</a:t>
+              <a:t>07.06.2019</a:t>
             </a:fld>
             <a:endParaRPr lang="nb-NO"/>
           </a:p>
@@ -2145,7 +2147,7 @@
           <a:p>
             <a:fld id="{352C0B74-1FE1-4FB7-82E7-0D2FF5E15FE0}" type="datetimeFigureOut">
               <a:rPr lang="nb-NO" smtClean="0"/>
-              <a:t>06.06.2019</a:t>
+              <a:t>07.06.2019</a:t>
             </a:fld>
             <a:endParaRPr lang="nb-NO"/>
           </a:p>
@@ -2397,7 +2399,7 @@
           <a:p>
             <a:fld id="{352C0B74-1FE1-4FB7-82E7-0D2FF5E15FE0}" type="datetimeFigureOut">
               <a:rPr lang="nb-NO" smtClean="0"/>
-              <a:t>06.06.2019</a:t>
+              <a:t>07.06.2019</a:t>
             </a:fld>
             <a:endParaRPr lang="nb-NO"/>
           </a:p>
@@ -2608,7 +2610,7 @@
           <a:p>
             <a:fld id="{352C0B74-1FE1-4FB7-82E7-0D2FF5E15FE0}" type="datetimeFigureOut">
               <a:rPr lang="nb-NO" smtClean="0"/>
-              <a:t>06.06.2019</a:t>
+              <a:t>07.06.2019</a:t>
             </a:fld>
             <a:endParaRPr lang="nb-NO"/>
           </a:p>
@@ -3439,6 +3441,20 @@
             </a:r>
           </a:p>
           <a:p>
+            <a:r>
+              <a:rPr lang="nb-NO" dirty="0" smtClean="0"/>
+              <a:t>«</a:t>
+            </a:r>
+            <a:r>
+              <a:rPr lang="en-US" b="1" dirty="0"/>
+              <a:t>The sane way to manage software on Windows</a:t>
+            </a:r>
+            <a:r>
+              <a:rPr lang="nb-NO" dirty="0" smtClean="0"/>
+              <a:t>»</a:t>
+            </a:r>
+          </a:p>
+          <a:p>
             <a:endParaRPr lang="nb-NO" dirty="0"/>
           </a:p>
           <a:p>
@@ -3894,6 +3910,41 @@
             <a:endParaRPr lang="nb-NO" dirty="0" smtClean="0"/>
           </a:p>
           <a:p>
+            <a:r>
+              <a:rPr lang="nb-NO" dirty="0" err="1" smtClean="0"/>
+              <a:t>Packages</a:t>
+            </a:r>
+            <a:r>
+              <a:rPr lang="nb-NO" dirty="0" smtClean="0"/>
+              <a:t> </a:t>
+            </a:r>
+            <a:r>
+              <a:rPr lang="nb-NO" dirty="0" err="1" smtClean="0"/>
+              <a:t>stored</a:t>
+            </a:r>
+            <a:r>
+              <a:rPr lang="nb-NO" dirty="0" smtClean="0"/>
+              <a:t> in a </a:t>
+            </a:r>
+            <a:r>
+              <a:rPr lang="nb-NO" dirty="0" err="1" smtClean="0"/>
+              <a:t>package</a:t>
+            </a:r>
+            <a:r>
+              <a:rPr lang="nb-NO" dirty="0" smtClean="0"/>
+              <a:t> </a:t>
+            </a:r>
+            <a:r>
+              <a:rPr lang="nb-NO" dirty="0" err="1" smtClean="0"/>
+              <a:t>repository</a:t>
+            </a:r>
+            <a:r>
+              <a:rPr lang="nb-NO" dirty="0" smtClean="0"/>
+              <a:t> (http://dips-nuget)</a:t>
+            </a:r>
+            <a:endParaRPr lang="nb-NO" dirty="0" smtClean="0"/>
+          </a:p>
+          <a:p>
             <a:endParaRPr lang="nb-NO" dirty="0" smtClean="0"/>
           </a:p>
           <a:p>
@@ -5542,40 +5593,35 @@
             <a:pPr marL="0" indent="0">
               <a:buNone/>
             </a:pPr>
+            <a:r>
+              <a:rPr lang="nb-NO" dirty="0" smtClean="0"/>
+              <a:t>PS</a:t>
+            </a:r>
+            <a:r>
+              <a:rPr lang="nb-NO" dirty="0" smtClean="0"/>
+              <a:t>&gt; </a:t>
+            </a:r>
+            <a:r>
+              <a:rPr lang="nb-NO" dirty="0" err="1" smtClean="0"/>
+              <a:t>choco</a:t>
+            </a:r>
+            <a:r>
+              <a:rPr lang="nb-NO" dirty="0" smtClean="0"/>
+              <a:t> </a:t>
+            </a:r>
+            <a:r>
+              <a:rPr lang="nb-NO" dirty="0" err="1" smtClean="0"/>
+              <a:t>install</a:t>
+            </a:r>
+            <a:r>
+              <a:rPr lang="nb-NO" dirty="0" smtClean="0"/>
+              <a:t> </a:t>
+            </a:r>
+            <a:r>
+              <a:rPr lang="nb-NO" dirty="0" err="1" smtClean="0"/>
+              <a:t>notepadplusplus</a:t>
+            </a:r>
             <a:endParaRPr lang="nb-NO" dirty="0" smtClean="0"/>
-          </a:p>
-          <a:p>
-            <a:pPr marL="0" indent="0">
-              <a:buNone/>
-            </a:pPr>
-            <a:r>
-              <a:rPr lang="nb-NO" dirty="0" smtClean="0"/>
-              <a:t>PS&gt; </a:t>
-            </a:r>
-            <a:r>
-              <a:rPr lang="nb-NO" dirty="0" err="1" smtClean="0"/>
-              <a:t>choco</a:t>
-            </a:r>
-            <a:r>
-              <a:rPr lang="nb-NO" dirty="0" smtClean="0"/>
-              <a:t> </a:t>
-            </a:r>
-            <a:r>
-              <a:rPr lang="nb-NO" dirty="0" err="1" smtClean="0"/>
-              <a:t>install</a:t>
-            </a:r>
-            <a:r>
-              <a:rPr lang="nb-NO" dirty="0" smtClean="0"/>
-              <a:t> </a:t>
-            </a:r>
-            <a:r>
-              <a:rPr lang="nb-NO" dirty="0" err="1" smtClean="0"/>
-              <a:t>notepadplusplus</a:t>
-            </a:r>
-            <a:endParaRPr lang="nb-NO" dirty="0" smtClean="0"/>
-          </a:p>
-          <a:p>
-            <a:endParaRPr lang="nb-NO" dirty="0"/>
           </a:p>
           <a:p>
             <a:pPr marL="514350" indent="-514350">
@@ -5761,7 +5807,19 @@
             </a:r>
             <a:r>
               <a:rPr lang="nb-NO" dirty="0" smtClean="0"/>
-              <a:t>:</a:t>
+              <a:t> </a:t>
+            </a:r>
+            <a:r>
+              <a:rPr lang="nb-NO" dirty="0" err="1" smtClean="0"/>
+              <a:t>if</a:t>
+            </a:r>
+            <a:r>
+              <a:rPr lang="nb-NO" dirty="0" smtClean="0"/>
+              <a:t> present:</a:t>
+            </a:r>
+            <a:r>
+              <a:rPr lang="nb-NO" dirty="0" smtClean="0"/>
+              <a:t/>
             </a:r>
             <a:br>
               <a:rPr lang="nb-NO" dirty="0" smtClean="0"/>
@@ -5830,16 +5888,8 @@
           <a:lstStyle/>
           <a:p>
             <a:r>
-              <a:rPr lang="nb-NO" dirty="0" err="1" smtClean="0"/>
-              <a:t>Package</a:t>
-            </a:r>
-            <a:r>
-              <a:rPr lang="nb-NO" dirty="0" smtClean="0"/>
-              <a:t> </a:t>
-            </a:r>
-            <a:r>
-              <a:rPr lang="nb-NO" dirty="0" err="1" smtClean="0"/>
-              <a:t>dependencies</a:t>
+              <a:rPr lang="nb-NO" dirty="0" smtClean="0"/>
+              <a:t>chocolateyInstall.ps1</a:t>
             </a:r>
             <a:endParaRPr lang="nb-NO" dirty="0"/>
           </a:p>
@@ -5862,7 +5912,23 @@
           <a:p>
             <a:r>
               <a:rPr lang="nb-NO" dirty="0" smtClean="0"/>
-              <a:t>A </a:t>
+              <a:t>chocolateyInstall.ps1 is </a:t>
+            </a:r>
+            <a:r>
+              <a:rPr lang="nb-NO" dirty="0" err="1" smtClean="0"/>
+              <a:t>the</a:t>
+            </a:r>
+            <a:r>
+              <a:rPr lang="nb-NO" dirty="0" smtClean="0"/>
+              <a:t> powershellscript </a:t>
+            </a:r>
+            <a:r>
+              <a:rPr lang="nb-NO" dirty="0" err="1" smtClean="0"/>
+              <a:t>that</a:t>
+            </a:r>
+            <a:r>
+              <a:rPr lang="nb-NO" dirty="0" smtClean="0"/>
+              <a:t> </a:t>
             </a:r>
             <a:r>
               <a:rPr lang="nb-NO" dirty="0" err="1" smtClean="0"/>
@@ -5874,39 +5940,104 @@
             </a:r>
             <a:r>
               <a:rPr lang="nb-NO" dirty="0" err="1" smtClean="0"/>
+              <a:t>will</a:t>
+            </a:r>
+            <a:r>
+              <a:rPr lang="nb-NO" dirty="0" smtClean="0"/>
+              <a:t> </a:t>
+            </a:r>
+            <a:r>
+              <a:rPr lang="nb-NO" dirty="0" err="1" smtClean="0"/>
+              <a:t>execute</a:t>
+            </a:r>
+            <a:r>
+              <a:rPr lang="nb-NO" dirty="0" smtClean="0"/>
+              <a:t> </a:t>
+            </a:r>
+            <a:r>
+              <a:rPr lang="nb-NO" dirty="0" err="1" smtClean="0"/>
+              <a:t>after</a:t>
+            </a:r>
+            <a:r>
+              <a:rPr lang="nb-NO" dirty="0" smtClean="0"/>
+              <a:t> </a:t>
+            </a:r>
+            <a:r>
+              <a:rPr lang="nb-NO" dirty="0" err="1" smtClean="0"/>
+              <a:t>the</a:t>
+            </a:r>
+            <a:r>
+              <a:rPr lang="nb-NO" dirty="0" smtClean="0"/>
+              <a:t> </a:t>
+            </a:r>
+            <a:r>
+              <a:rPr lang="nb-NO" dirty="0" err="1" smtClean="0"/>
               <a:t>package</a:t>
             </a:r>
             <a:r>
               <a:rPr lang="nb-NO" dirty="0" smtClean="0"/>
-              <a:t> </a:t>
-            </a:r>
-            <a:r>
-              <a:rPr lang="nb-NO" dirty="0" err="1" smtClean="0"/>
-              <a:t>can</a:t>
-            </a:r>
-            <a:r>
-              <a:rPr lang="nb-NO" dirty="0" smtClean="0"/>
-              <a:t> have </a:t>
-            </a:r>
-            <a:r>
-              <a:rPr lang="nb-NO" dirty="0" err="1" smtClean="0"/>
-              <a:t>dependencies</a:t>
-            </a:r>
-            <a:r>
-              <a:rPr lang="nb-NO" dirty="0" smtClean="0"/>
-              <a:t> to </a:t>
-            </a:r>
-            <a:r>
-              <a:rPr lang="nb-NO" dirty="0" err="1" smtClean="0"/>
-              <a:t>other</a:t>
-            </a:r>
-            <a:r>
-              <a:rPr lang="nb-NO" dirty="0" smtClean="0"/>
-              <a:t> </a:t>
-            </a:r>
-            <a:r>
-              <a:rPr lang="nb-NO" dirty="0" err="1" smtClean="0"/>
-              <a:t>chocolatey</a:t>
+              <a:t> has </a:t>
+            </a:r>
+            <a:r>
+              <a:rPr lang="nb-NO" dirty="0" err="1" smtClean="0"/>
+              <a:t>been</a:t>
+            </a:r>
+            <a:r>
+              <a:rPr lang="nb-NO" dirty="0" smtClean="0"/>
+              <a:t> </a:t>
+            </a:r>
+            <a:r>
+              <a:rPr lang="nb-NO" dirty="0" err="1" smtClean="0"/>
+              <a:t>installed</a:t>
+            </a:r>
+            <a:r>
+              <a:rPr lang="nb-NO" dirty="0" smtClean="0"/>
+              <a:t> to c:\Programdata\chocolatey\lib\packageid</a:t>
+            </a:r>
+          </a:p>
+          <a:p>
+            <a:r>
+              <a:rPr lang="nb-NO" dirty="0" smtClean="0"/>
+              <a:t>Is </a:t>
+            </a:r>
+            <a:r>
+              <a:rPr lang="nb-NO" dirty="0" err="1" smtClean="0"/>
+              <a:t>included</a:t>
+            </a:r>
+            <a:r>
+              <a:rPr lang="nb-NO" dirty="0" smtClean="0"/>
+              <a:t> in </a:t>
+            </a:r>
+            <a:r>
+              <a:rPr lang="nb-NO" dirty="0" err="1" smtClean="0"/>
+              <a:t>the</a:t>
+            </a:r>
+            <a:r>
+              <a:rPr lang="nb-NO" dirty="0" smtClean="0"/>
+              <a:t> </a:t>
+            </a:r>
+            <a:r>
+              <a:rPr lang="nb-NO" dirty="0" err="1" smtClean="0"/>
+              <a:t>package</a:t>
+            </a:r>
+            <a:endParaRPr lang="nb-NO" dirty="0" smtClean="0"/>
+          </a:p>
+          <a:p>
+            <a:r>
+              <a:rPr lang="nb-NO" dirty="0" smtClean="0"/>
+              <a:t>Is not </a:t>
+            </a:r>
+            <a:r>
+              <a:rPr lang="nb-NO" dirty="0" err="1" smtClean="0"/>
+              <a:t>required</a:t>
+            </a:r>
+            <a:r>
+              <a:rPr lang="nb-NO" dirty="0" smtClean="0"/>
+              <a:t> (</a:t>
+            </a:r>
+            <a:r>
+              <a:rPr lang="nb-NO" dirty="0" err="1" smtClean="0"/>
+              <a:t>some</a:t>
             </a:r>
             <a:r>
               <a:rPr lang="nb-NO" dirty="0" smtClean="0"/>
@@ -5918,13 +6049,27 @@
             </a:r>
             <a:r>
               <a:rPr lang="nb-NO" dirty="0" smtClean="0"/>
-              <a:t>.</a:t>
-            </a:r>
-          </a:p>
-          <a:p>
-            <a:r>
-              <a:rPr lang="nb-NO" dirty="0" err="1" smtClean="0"/>
-              <a:t>Dependencies</a:t>
+              <a:t> </a:t>
+            </a:r>
+            <a:r>
+              <a:rPr lang="nb-NO" dirty="0" err="1" smtClean="0"/>
+              <a:t>installs</a:t>
+            </a:r>
+            <a:r>
+              <a:rPr lang="nb-NO" dirty="0" smtClean="0"/>
+              <a:t> </a:t>
+            </a:r>
+            <a:r>
+              <a:rPr lang="nb-NO" dirty="0" err="1" smtClean="0"/>
+              <a:t>executables</a:t>
+            </a:r>
+            <a:r>
+              <a:rPr lang="nb-NO" dirty="0" smtClean="0"/>
+              <a:t> </a:t>
+            </a:r>
+            <a:r>
+              <a:rPr lang="nb-NO" dirty="0" err="1" smtClean="0"/>
+              <a:t>that</a:t>
             </a:r>
             <a:r>
               <a:rPr lang="nb-NO" dirty="0" smtClean="0"/>
@@ -5940,7 +6085,85 @@
             </a:r>
             <a:r>
               <a:rPr lang="nb-NO" dirty="0" err="1" smtClean="0"/>
-              <a:t>automaticly</a:t>
+              <a:t>available</a:t>
+            </a:r>
+            <a:r>
+              <a:rPr lang="nb-NO" dirty="0" smtClean="0"/>
+              <a:t> </a:t>
+            </a:r>
+            <a:r>
+              <a:rPr lang="nb-NO" dirty="0" err="1" smtClean="0"/>
+              <a:t>on</a:t>
+            </a:r>
+            <a:r>
+              <a:rPr lang="nb-NO" dirty="0" smtClean="0"/>
+              <a:t> </a:t>
+            </a:r>
+            <a:r>
+              <a:rPr lang="nb-NO" dirty="0" err="1" smtClean="0"/>
+              <a:t>the</a:t>
+            </a:r>
+            <a:r>
+              <a:rPr lang="nb-NO" dirty="0" smtClean="0"/>
+              <a:t> </a:t>
+            </a:r>
+            <a:r>
+              <a:rPr lang="nb-NO" dirty="0" err="1" smtClean="0"/>
+              <a:t>path</a:t>
+            </a:r>
+            <a:r>
+              <a:rPr lang="nb-NO" dirty="0" smtClean="0"/>
+              <a:t>)</a:t>
+            </a:r>
+          </a:p>
+          <a:p>
+            <a:r>
+              <a:rPr lang="nb-NO" dirty="0" smtClean="0"/>
+              <a:t>If it is </a:t>
+            </a:r>
+            <a:r>
+              <a:rPr lang="nb-NO" dirty="0" err="1" smtClean="0"/>
+              <a:t>included</a:t>
+            </a:r>
+            <a:r>
+              <a:rPr lang="nb-NO" dirty="0" smtClean="0"/>
+              <a:t> and not </a:t>
+            </a:r>
+            <a:r>
+              <a:rPr lang="nb-NO" dirty="0" err="1" smtClean="0"/>
+              <a:t>executed</a:t>
+            </a:r>
+            <a:r>
+              <a:rPr lang="nb-NO" dirty="0" smtClean="0"/>
+              <a:t> </a:t>
+            </a:r>
+            <a:r>
+              <a:rPr lang="nb-NO" dirty="0" err="1" smtClean="0"/>
+              <a:t>the</a:t>
+            </a:r>
+            <a:r>
+              <a:rPr lang="nb-NO" dirty="0" smtClean="0"/>
+              <a:t> </a:t>
+            </a:r>
+            <a:r>
+              <a:rPr lang="nb-NO" dirty="0" err="1" smtClean="0"/>
+              <a:t>software</a:t>
+            </a:r>
+            <a:r>
+              <a:rPr lang="nb-NO" dirty="0" smtClean="0"/>
+              <a:t> is </a:t>
+            </a:r>
+            <a:r>
+              <a:rPr lang="nb-NO" dirty="0" err="1" smtClean="0"/>
+              <a:t>usually</a:t>
+            </a:r>
+            <a:r>
+              <a:rPr lang="nb-NO" dirty="0" smtClean="0"/>
+              <a:t> not </a:t>
+            </a:r>
+            <a:r>
+              <a:rPr lang="nb-NO" dirty="0" err="1" smtClean="0"/>
+              <a:t>completely</a:t>
             </a:r>
             <a:r>
               <a:rPr lang="nb-NO" dirty="0" smtClean="0"/>
@@ -5952,35 +6175,15 @@
             </a:r>
             <a:r>
               <a:rPr lang="nb-NO" dirty="0" smtClean="0"/>
-              <a:t> </a:t>
-            </a:r>
-            <a:r>
-              <a:rPr lang="nb-NO" dirty="0" err="1" smtClean="0"/>
-              <a:t>before</a:t>
-            </a:r>
-            <a:r>
-              <a:rPr lang="nb-NO" dirty="0" smtClean="0"/>
-              <a:t> </a:t>
-            </a:r>
-            <a:r>
-              <a:rPr lang="nb-NO" dirty="0" err="1" smtClean="0"/>
-              <a:t>the</a:t>
-            </a:r>
-            <a:r>
-              <a:rPr lang="nb-NO" dirty="0" smtClean="0"/>
-              <a:t> </a:t>
-            </a:r>
-            <a:r>
-              <a:rPr lang="nb-NO" dirty="0" err="1" smtClean="0"/>
-              <a:t>specified</a:t>
-            </a:r>
-            <a:r>
-              <a:rPr lang="nb-NO" dirty="0" smtClean="0"/>
-              <a:t> </a:t>
-            </a:r>
-            <a:r>
-              <a:rPr lang="nb-NO" dirty="0" err="1" smtClean="0"/>
-              <a:t>package</a:t>
+              <a:t> or </a:t>
+            </a:r>
+            <a:r>
+              <a:rPr lang="nb-NO" dirty="0" err="1" smtClean="0"/>
+              <a:t>configured</a:t>
+            </a:r>
+            <a:r>
+              <a:rPr lang="nb-NO" dirty="0" smtClean="0"/>
+              <a:t> (-skippowershell)</a:t>
             </a:r>
             <a:endParaRPr lang="nb-NO" dirty="0"/>
           </a:p>
@@ -5989,7 +6192,7 @@
     </p:spTree>
     <p:extLst>
       <p:ext uri="{BB962C8B-B14F-4D97-AF65-F5344CB8AC3E}">
-        <p14:creationId xmlns:p14="http://schemas.microsoft.com/office/powerpoint/2010/main" val="3282587797"/>
+        <p14:creationId xmlns:p14="http://schemas.microsoft.com/office/powerpoint/2010/main" val="2911816416"/>
       </p:ext>
     </p:extLst>
   </p:cSld>
@@ -6033,7 +6236,7 @@
           <a:p>
             <a:r>
               <a:rPr lang="nb-NO" dirty="0" smtClean="0"/>
-              <a:t>chocolateyInstall.ps1</a:t>
+              <a:t>All scripts</a:t>
             </a:r>
             <a:endParaRPr lang="nb-NO" dirty="0"/>
           </a:p>
@@ -6056,7 +6259,69 @@
           <a:p>
             <a:r>
               <a:rPr lang="nb-NO" dirty="0" smtClean="0"/>
-              <a:t>chocolateyInstall.ps1 is </a:t>
+              <a:t>chocolateyInstall.ps1: </a:t>
+            </a:r>
+            <a:r>
+              <a:rPr lang="nb-NO" dirty="0" err="1" smtClean="0"/>
+              <a:t>Executed</a:t>
+            </a:r>
+            <a:r>
+              <a:rPr lang="nb-NO" dirty="0" smtClean="0"/>
+              <a:t> at </a:t>
+            </a:r>
+            <a:r>
+              <a:rPr lang="nb-NO" dirty="0" err="1" smtClean="0"/>
+              <a:t>package</a:t>
+            </a:r>
+            <a:r>
+              <a:rPr lang="nb-NO" dirty="0" smtClean="0"/>
+              <a:t> </a:t>
+            </a:r>
+            <a:r>
+              <a:rPr lang="nb-NO" dirty="0" err="1" smtClean="0"/>
+              <a:t>install</a:t>
+            </a:r>
+            <a:endParaRPr lang="nb-NO" dirty="0" smtClean="0"/>
+          </a:p>
+          <a:p>
+            <a:r>
+              <a:rPr lang="nb-NO" dirty="0" smtClean="0"/>
+              <a:t>chocolateyUninstall.ps1: </a:t>
+            </a:r>
+            <a:r>
+              <a:rPr lang="nb-NO" dirty="0" err="1" smtClean="0"/>
+              <a:t>Executed</a:t>
+            </a:r>
+            <a:r>
+              <a:rPr lang="nb-NO" dirty="0" smtClean="0"/>
+              <a:t> </a:t>
+            </a:r>
+            <a:r>
+              <a:rPr lang="nb-NO" dirty="0" err="1" smtClean="0"/>
+              <a:t>when</a:t>
+            </a:r>
+            <a:r>
+              <a:rPr lang="nb-NO" dirty="0" smtClean="0"/>
+              <a:t> </a:t>
+            </a:r>
+            <a:r>
+              <a:rPr lang="nb-NO" dirty="0" err="1" smtClean="0"/>
+              <a:t>package</a:t>
+            </a:r>
+            <a:r>
+              <a:rPr lang="nb-NO" dirty="0" smtClean="0"/>
+              <a:t> is </a:t>
+            </a:r>
+            <a:r>
+              <a:rPr lang="nb-NO" dirty="0" err="1" smtClean="0"/>
+              <a:t>uninstalled</a:t>
+            </a:r>
+            <a:endParaRPr lang="nb-NO" dirty="0" smtClean="0"/>
+          </a:p>
+          <a:p>
+            <a:r>
+              <a:rPr lang="nb-NO" dirty="0" smtClean="0"/>
+              <a:t>beforeModify.ps1: script in </a:t>
             </a:r>
             <a:r>
               <a:rPr lang="nb-NO" dirty="0" err="1" smtClean="0"/>
@@ -6064,7 +6329,23 @@
             </a:r>
             <a:r>
               <a:rPr lang="nb-NO" dirty="0" smtClean="0"/>
-              <a:t> powershellscript </a:t>
+              <a:t> </a:t>
+            </a:r>
+            <a:r>
+              <a:rPr lang="nb-NO" dirty="0" err="1" smtClean="0"/>
+              <a:t>installed</a:t>
+            </a:r>
+            <a:r>
+              <a:rPr lang="nb-NO" dirty="0" smtClean="0"/>
+              <a:t> </a:t>
+            </a:r>
+            <a:r>
+              <a:rPr lang="nb-NO" dirty="0" err="1" smtClean="0"/>
+              <a:t>package</a:t>
+            </a:r>
+            <a:r>
+              <a:rPr lang="nb-NO" dirty="0" smtClean="0"/>
+              <a:t> </a:t>
             </a:r>
             <a:r>
               <a:rPr lang="nb-NO" dirty="0" err="1" smtClean="0"/>
@@ -6072,206 +6353,7 @@
             </a:r>
             <a:r>
               <a:rPr lang="nb-NO" dirty="0" smtClean="0"/>
-              <a:t> </a:t>
-            </a:r>
-            <a:r>
-              <a:rPr lang="nb-NO" dirty="0" err="1" smtClean="0"/>
-              <a:t>chocolatey</a:t>
-            </a:r>
-            <a:r>
-              <a:rPr lang="nb-NO" dirty="0" smtClean="0"/>
-              <a:t> </a:t>
-            </a:r>
-            <a:r>
-              <a:rPr lang="nb-NO" dirty="0" err="1" smtClean="0"/>
-              <a:t>will</a:t>
-            </a:r>
-            <a:r>
-              <a:rPr lang="nb-NO" dirty="0" smtClean="0"/>
-              <a:t> </a:t>
-            </a:r>
-            <a:r>
-              <a:rPr lang="nb-NO" dirty="0" err="1" smtClean="0"/>
-              <a:t>execute</a:t>
-            </a:r>
-            <a:r>
-              <a:rPr lang="nb-NO" dirty="0" smtClean="0"/>
-              <a:t> </a:t>
-            </a:r>
-            <a:r>
-              <a:rPr lang="nb-NO" dirty="0" err="1" smtClean="0"/>
-              <a:t>after</a:t>
-            </a:r>
-            <a:r>
-              <a:rPr lang="nb-NO" dirty="0" smtClean="0"/>
-              <a:t> </a:t>
-            </a:r>
-            <a:r>
-              <a:rPr lang="nb-NO" dirty="0" err="1" smtClean="0"/>
-              <a:t>the</a:t>
-            </a:r>
-            <a:r>
-              <a:rPr lang="nb-NO" dirty="0" smtClean="0"/>
-              <a:t> </a:t>
-            </a:r>
-            <a:r>
-              <a:rPr lang="nb-NO" dirty="0" err="1" smtClean="0"/>
-              <a:t>package</a:t>
-            </a:r>
-            <a:r>
-              <a:rPr lang="nb-NO" dirty="0" smtClean="0"/>
-              <a:t> has </a:t>
-            </a:r>
-            <a:r>
-              <a:rPr lang="nb-NO" dirty="0" err="1" smtClean="0"/>
-              <a:t>been</a:t>
-            </a:r>
-            <a:r>
-              <a:rPr lang="nb-NO" dirty="0" smtClean="0"/>
-              <a:t> </a:t>
-            </a:r>
-            <a:r>
-              <a:rPr lang="nb-NO" dirty="0" err="1" smtClean="0"/>
-              <a:t>installed</a:t>
-            </a:r>
-            <a:r>
-              <a:rPr lang="nb-NO" dirty="0" smtClean="0"/>
-              <a:t> to c:\Programdata\chocolatey\lib\packageid</a:t>
-            </a:r>
-          </a:p>
-          <a:p>
-            <a:r>
-              <a:rPr lang="nb-NO" dirty="0" smtClean="0"/>
-              <a:t>Is </a:t>
-            </a:r>
-            <a:r>
-              <a:rPr lang="nb-NO" dirty="0" err="1" smtClean="0"/>
-              <a:t>included</a:t>
-            </a:r>
-            <a:r>
-              <a:rPr lang="nb-NO" dirty="0" smtClean="0"/>
-              <a:t> in </a:t>
-            </a:r>
-            <a:r>
-              <a:rPr lang="nb-NO" dirty="0" err="1" smtClean="0"/>
-              <a:t>the</a:t>
-            </a:r>
-            <a:r>
-              <a:rPr lang="nb-NO" dirty="0" smtClean="0"/>
-              <a:t> </a:t>
-            </a:r>
-            <a:r>
-              <a:rPr lang="nb-NO" dirty="0" err="1" smtClean="0"/>
-              <a:t>package</a:t>
-            </a:r>
-            <a:endParaRPr lang="nb-NO" dirty="0" smtClean="0"/>
-          </a:p>
-          <a:p>
-            <a:r>
-              <a:rPr lang="nb-NO" dirty="0" smtClean="0"/>
-              <a:t>Is not </a:t>
-            </a:r>
-            <a:r>
-              <a:rPr lang="nb-NO" dirty="0" err="1" smtClean="0"/>
-              <a:t>required</a:t>
-            </a:r>
-            <a:r>
-              <a:rPr lang="nb-NO" dirty="0" smtClean="0"/>
-              <a:t> (</a:t>
-            </a:r>
-            <a:r>
-              <a:rPr lang="nb-NO" dirty="0" err="1" smtClean="0"/>
-              <a:t>some</a:t>
-            </a:r>
-            <a:r>
-              <a:rPr lang="nb-NO" dirty="0" smtClean="0"/>
-              <a:t> </a:t>
-            </a:r>
-            <a:r>
-              <a:rPr lang="nb-NO" dirty="0" err="1" smtClean="0"/>
-              <a:t>packages</a:t>
-            </a:r>
-            <a:r>
-              <a:rPr lang="nb-NO" dirty="0" smtClean="0"/>
-              <a:t> </a:t>
-            </a:r>
-            <a:r>
-              <a:rPr lang="nb-NO" dirty="0" err="1" smtClean="0"/>
-              <a:t>installs</a:t>
-            </a:r>
-            <a:r>
-              <a:rPr lang="nb-NO" dirty="0" smtClean="0"/>
-              <a:t> </a:t>
-            </a:r>
-            <a:r>
-              <a:rPr lang="nb-NO" dirty="0" err="1" smtClean="0"/>
-              <a:t>executables</a:t>
-            </a:r>
-            <a:r>
-              <a:rPr lang="nb-NO" dirty="0" smtClean="0"/>
-              <a:t> </a:t>
-            </a:r>
-            <a:r>
-              <a:rPr lang="nb-NO" dirty="0" err="1" smtClean="0"/>
-              <a:t>that</a:t>
-            </a:r>
-            <a:r>
-              <a:rPr lang="nb-NO" dirty="0" smtClean="0"/>
-              <a:t> </a:t>
-            </a:r>
-            <a:r>
-              <a:rPr lang="nb-NO" dirty="0" err="1" smtClean="0"/>
-              <a:t>are</a:t>
-            </a:r>
-            <a:r>
-              <a:rPr lang="nb-NO" dirty="0" smtClean="0"/>
-              <a:t> </a:t>
-            </a:r>
-            <a:r>
-              <a:rPr lang="nb-NO" dirty="0" err="1" smtClean="0"/>
-              <a:t>available</a:t>
-            </a:r>
-            <a:r>
-              <a:rPr lang="nb-NO" dirty="0" smtClean="0"/>
-              <a:t> </a:t>
-            </a:r>
-            <a:r>
-              <a:rPr lang="nb-NO" dirty="0" err="1" smtClean="0"/>
-              <a:t>on</a:t>
-            </a:r>
-            <a:r>
-              <a:rPr lang="nb-NO" dirty="0" smtClean="0"/>
-              <a:t> </a:t>
-            </a:r>
-            <a:r>
-              <a:rPr lang="nb-NO" dirty="0" err="1" smtClean="0"/>
-              <a:t>the</a:t>
-            </a:r>
-            <a:r>
-              <a:rPr lang="nb-NO" dirty="0" smtClean="0"/>
-              <a:t> </a:t>
-            </a:r>
-            <a:r>
-              <a:rPr lang="nb-NO" dirty="0" err="1" smtClean="0"/>
-              <a:t>path</a:t>
-            </a:r>
-            <a:r>
-              <a:rPr lang="nb-NO" dirty="0" smtClean="0"/>
-              <a:t>)</a:t>
-            </a:r>
-          </a:p>
-          <a:p>
-            <a:r>
-              <a:rPr lang="nb-NO" dirty="0" smtClean="0"/>
-              <a:t>If it is </a:t>
-            </a:r>
-            <a:r>
-              <a:rPr lang="nb-NO" dirty="0" err="1" smtClean="0"/>
-              <a:t>included</a:t>
-            </a:r>
-            <a:r>
-              <a:rPr lang="nb-NO" dirty="0" smtClean="0"/>
-              <a:t> and not </a:t>
+              <a:t> is </a:t>
             </a:r>
             <a:r>
               <a:rPr lang="nb-NO" dirty="0" err="1" smtClean="0"/>
@@ -6283,51 +6365,31 @@
             </a:r>
             <a:r>
               <a:rPr lang="nb-NO" dirty="0" err="1" smtClean="0"/>
-              <a:t>the</a:t>
-            </a:r>
-            <a:r>
-              <a:rPr lang="nb-NO" dirty="0" smtClean="0"/>
-              <a:t> </a:t>
-            </a:r>
-            <a:r>
-              <a:rPr lang="nb-NO" dirty="0" err="1" smtClean="0"/>
-              <a:t>software</a:t>
-            </a:r>
-            <a:r>
-              <a:rPr lang="nb-NO" dirty="0" smtClean="0"/>
-              <a:t> is </a:t>
-            </a:r>
-            <a:r>
-              <a:rPr lang="nb-NO" dirty="0" err="1" smtClean="0"/>
-              <a:t>usually</a:t>
-            </a:r>
-            <a:r>
-              <a:rPr lang="nb-NO" dirty="0" smtClean="0"/>
-              <a:t> not </a:t>
-            </a:r>
-            <a:r>
-              <a:rPr lang="nb-NO" dirty="0" err="1" smtClean="0"/>
-              <a:t>completely</a:t>
-            </a:r>
-            <a:r>
-              <a:rPr lang="nb-NO" dirty="0" smtClean="0"/>
-              <a:t> </a:t>
-            </a:r>
-            <a:r>
-              <a:rPr lang="nb-NO" dirty="0" err="1" smtClean="0"/>
-              <a:t>installed</a:t>
-            </a:r>
-            <a:r>
-              <a:rPr lang="nb-NO" dirty="0" smtClean="0"/>
-              <a:t> or </a:t>
-            </a:r>
-            <a:r>
-              <a:rPr lang="nb-NO" dirty="0" err="1" smtClean="0"/>
-              <a:t>configured</a:t>
-            </a:r>
-            <a:r>
-              <a:rPr lang="nb-NO" dirty="0" smtClean="0"/>
-              <a:t> (-skippowershell)</a:t>
+              <a:t>when</a:t>
+            </a:r>
+            <a:r>
+              <a:rPr lang="nb-NO" dirty="0" smtClean="0"/>
+              <a:t> </a:t>
+            </a:r>
+            <a:r>
+              <a:rPr lang="nb-NO" dirty="0" err="1" smtClean="0"/>
+              <a:t>runining</a:t>
+            </a:r>
+            <a:r>
+              <a:rPr lang="nb-NO" dirty="0" smtClean="0"/>
+              <a:t> PS&gt;</a:t>
+            </a:r>
+            <a:r>
+              <a:rPr lang="nb-NO" dirty="0" err="1" smtClean="0"/>
+              <a:t>choco</a:t>
+            </a:r>
+            <a:r>
+              <a:rPr lang="nb-NO" dirty="0" smtClean="0"/>
+              <a:t> </a:t>
+            </a:r>
+            <a:r>
+              <a:rPr lang="nb-NO" dirty="0" err="1" smtClean="0"/>
+              <a:t>upgrade</a:t>
             </a:r>
             <a:endParaRPr lang="nb-NO" dirty="0"/>
           </a:p>
@@ -6336,7 +6398,7 @@
     </p:spTree>
     <p:extLst>
       <p:ext uri="{BB962C8B-B14F-4D97-AF65-F5344CB8AC3E}">
-        <p14:creationId xmlns:p14="http://schemas.microsoft.com/office/powerpoint/2010/main" val="2911816416"/>
+        <p14:creationId xmlns:p14="http://schemas.microsoft.com/office/powerpoint/2010/main" val="969742449"/>
       </p:ext>
     </p:extLst>
   </p:cSld>
@@ -6347,90 +6409,6 @@
 </file>
 
 <file path=ppt/slides/slide24.xml><?xml version="1.0" encoding="utf-8"?>
-<p:sld xmlns:a="http://schemas.openxmlformats.org/drawingml/2006/main" xmlns:r="http://schemas.openxmlformats.org/officeDocument/2006/relationships" xmlns:p="http://schemas.openxmlformats.org/presentationml/2006/main">
-  <p:cSld>
-    <p:spTree>
-      <p:nvGrpSpPr>
-        <p:cNvPr id="1" name=""/>
-        <p:cNvGrpSpPr/>
-        <p:nvPr/>
-      </p:nvGrpSpPr>
-      <p:grpSpPr>
-        <a:xfrm>
-          <a:off x="0" y="0"/>
-          <a:ext cx="0" cy="0"/>
-          <a:chOff x="0" y="0"/>
-          <a:chExt cx="0" cy="0"/>
-        </a:xfrm>
-      </p:grpSpPr>
-      <p:sp>
-        <p:nvSpPr>
-          <p:cNvPr id="2" name="Title 1"/>
-          <p:cNvSpPr>
-            <a:spLocks noGrp="1"/>
-          </p:cNvSpPr>
-          <p:nvPr>
-            <p:ph type="title"/>
-          </p:nvPr>
-        </p:nvSpPr>
-        <p:spPr/>
-        <p:txBody>
-          <a:bodyPr/>
-          <a:lstStyle/>
-          <a:p>
-            <a:r>
-              <a:rPr lang="nb-NO" dirty="0" smtClean="0"/>
-              <a:t>TODO: Se på chocolateyInstall.ps1</a:t>
-            </a:r>
-            <a:endParaRPr lang="nb-NO" dirty="0"/>
-          </a:p>
-        </p:txBody>
-      </p:sp>
-      <p:sp>
-        <p:nvSpPr>
-          <p:cNvPr id="3" name="Content Placeholder 2"/>
-          <p:cNvSpPr>
-            <a:spLocks noGrp="1"/>
-          </p:cNvSpPr>
-          <p:nvPr>
-            <p:ph idx="1"/>
-          </p:nvPr>
-        </p:nvSpPr>
-        <p:spPr/>
-        <p:txBody>
-          <a:bodyPr/>
-          <a:lstStyle/>
-          <a:p>
-            <a:r>
-              <a:rPr lang="nb-NO" dirty="0" smtClean="0"/>
-              <a:t>Eksempler fra klient og server, se hvordan de fungerer med </a:t>
-            </a:r>
-            <a:r>
-              <a:rPr lang="nb-NO" dirty="0" err="1" smtClean="0"/>
-              <a:t>config</a:t>
-            </a:r>
-            <a:r>
-              <a:rPr lang="nb-NO" dirty="0" smtClean="0"/>
-              <a:t> og IIS, filkopiering…</a:t>
-            </a:r>
-            <a:endParaRPr lang="nb-NO" dirty="0"/>
-          </a:p>
-        </p:txBody>
-      </p:sp>
-    </p:spTree>
-    <p:extLst>
-      <p:ext uri="{BB962C8B-B14F-4D97-AF65-F5344CB8AC3E}">
-        <p14:creationId xmlns:p14="http://schemas.microsoft.com/office/powerpoint/2010/main" val="1540962915"/>
-      </p:ext>
-    </p:extLst>
-  </p:cSld>
-  <p:clrMapOvr>
-    <a:masterClrMapping/>
-  </p:clrMapOvr>
-</p:sld>
-</file>
-
-<file path=ppt/slides/slide25.xml><?xml version="1.0" encoding="utf-8"?>
 <p:sld xmlns:a="http://schemas.openxmlformats.org/drawingml/2006/main" xmlns:r="http://schemas.openxmlformats.org/officeDocument/2006/relationships" xmlns:p="http://schemas.openxmlformats.org/presentationml/2006/main">
   <p:cSld>
     <p:spTree>
@@ -6607,6 +6585,208 @@
 </p:sld>
 </file>
 
+<file path=ppt/slides/slide25.xml><?xml version="1.0" encoding="utf-8"?>
+<p:sld xmlns:a="http://schemas.openxmlformats.org/drawingml/2006/main" xmlns:r="http://schemas.openxmlformats.org/officeDocument/2006/relationships" xmlns:p="http://schemas.openxmlformats.org/presentationml/2006/main">
+  <p:cSld>
+    <p:spTree>
+      <p:nvGrpSpPr>
+        <p:cNvPr id="1" name=""/>
+        <p:cNvGrpSpPr/>
+        <p:nvPr/>
+      </p:nvGrpSpPr>
+      <p:grpSpPr>
+        <a:xfrm>
+          <a:off x="0" y="0"/>
+          <a:ext cx="0" cy="0"/>
+          <a:chOff x="0" y="0"/>
+          <a:chExt cx="0" cy="0"/>
+        </a:xfrm>
+      </p:grpSpPr>
+      <p:sp>
+        <p:nvSpPr>
+          <p:cNvPr id="2" name="Title 1"/>
+          <p:cNvSpPr>
+            <a:spLocks noGrp="1"/>
+          </p:cNvSpPr>
+          <p:nvPr>
+            <p:ph type="title"/>
+          </p:nvPr>
+        </p:nvSpPr>
+        <p:spPr/>
+        <p:txBody>
+          <a:bodyPr/>
+          <a:lstStyle/>
+          <a:p>
+            <a:r>
+              <a:rPr lang="nb-NO" dirty="0" err="1" smtClean="0"/>
+              <a:t>Package</a:t>
+            </a:r>
+            <a:r>
+              <a:rPr lang="nb-NO" dirty="0" smtClean="0"/>
+              <a:t> </a:t>
+            </a:r>
+            <a:r>
+              <a:rPr lang="nb-NO" dirty="0" err="1" smtClean="0"/>
+              <a:t>dependencies</a:t>
+            </a:r>
+            <a:endParaRPr lang="nb-NO" dirty="0"/>
+          </a:p>
+        </p:txBody>
+      </p:sp>
+      <p:sp>
+        <p:nvSpPr>
+          <p:cNvPr id="3" name="Content Placeholder 2"/>
+          <p:cNvSpPr>
+            <a:spLocks noGrp="1"/>
+          </p:cNvSpPr>
+          <p:nvPr>
+            <p:ph idx="1"/>
+          </p:nvPr>
+        </p:nvSpPr>
+        <p:spPr/>
+        <p:txBody>
+          <a:bodyPr/>
+          <a:lstStyle/>
+          <a:p>
+            <a:r>
+              <a:rPr lang="nb-NO" dirty="0" smtClean="0"/>
+              <a:t>A </a:t>
+            </a:r>
+            <a:r>
+              <a:rPr lang="nb-NO" dirty="0" err="1" smtClean="0"/>
+              <a:t>chocolatey</a:t>
+            </a:r>
+            <a:r>
+              <a:rPr lang="nb-NO" dirty="0" smtClean="0"/>
+              <a:t> </a:t>
+            </a:r>
+            <a:r>
+              <a:rPr lang="nb-NO" dirty="0" err="1" smtClean="0"/>
+              <a:t>package</a:t>
+            </a:r>
+            <a:r>
+              <a:rPr lang="nb-NO" dirty="0" smtClean="0"/>
+              <a:t> </a:t>
+            </a:r>
+            <a:r>
+              <a:rPr lang="nb-NO" dirty="0" err="1" smtClean="0"/>
+              <a:t>can</a:t>
+            </a:r>
+            <a:r>
+              <a:rPr lang="nb-NO" dirty="0" smtClean="0"/>
+              <a:t> have </a:t>
+            </a:r>
+            <a:r>
+              <a:rPr lang="nb-NO" dirty="0" err="1" smtClean="0"/>
+              <a:t>dependencies</a:t>
+            </a:r>
+            <a:r>
+              <a:rPr lang="nb-NO" dirty="0" smtClean="0"/>
+              <a:t> to </a:t>
+            </a:r>
+            <a:r>
+              <a:rPr lang="nb-NO" dirty="0" err="1" smtClean="0"/>
+              <a:t>other</a:t>
+            </a:r>
+            <a:r>
+              <a:rPr lang="nb-NO" dirty="0" smtClean="0"/>
+              <a:t> </a:t>
+            </a:r>
+            <a:r>
+              <a:rPr lang="nb-NO" dirty="0" err="1" smtClean="0"/>
+              <a:t>chocolatey</a:t>
+            </a:r>
+            <a:r>
+              <a:rPr lang="nb-NO" dirty="0" smtClean="0"/>
+              <a:t> </a:t>
+            </a:r>
+            <a:r>
+              <a:rPr lang="nb-NO" dirty="0" err="1" smtClean="0"/>
+              <a:t>packages</a:t>
+            </a:r>
+            <a:r>
+              <a:rPr lang="nb-NO" dirty="0" smtClean="0"/>
+              <a:t>.</a:t>
+            </a:r>
+          </a:p>
+          <a:p>
+            <a:r>
+              <a:rPr lang="nb-NO" dirty="0" err="1" smtClean="0"/>
+              <a:t>Dependencies</a:t>
+            </a:r>
+            <a:r>
+              <a:rPr lang="nb-NO" dirty="0" smtClean="0"/>
+              <a:t> </a:t>
+            </a:r>
+            <a:r>
+              <a:rPr lang="nb-NO" dirty="0" err="1" smtClean="0"/>
+              <a:t>are</a:t>
+            </a:r>
+            <a:r>
+              <a:rPr lang="nb-NO" dirty="0" smtClean="0"/>
+              <a:t> </a:t>
+            </a:r>
+            <a:r>
+              <a:rPr lang="nb-NO" dirty="0" err="1" smtClean="0"/>
+              <a:t>automaticly</a:t>
+            </a:r>
+            <a:r>
+              <a:rPr lang="nb-NO" dirty="0" smtClean="0"/>
+              <a:t> </a:t>
+            </a:r>
+            <a:r>
+              <a:rPr lang="nb-NO" dirty="0" err="1" smtClean="0"/>
+              <a:t>installed</a:t>
+            </a:r>
+            <a:r>
+              <a:rPr lang="nb-NO" dirty="0" smtClean="0"/>
+              <a:t> </a:t>
+            </a:r>
+            <a:r>
+              <a:rPr lang="nb-NO" dirty="0" err="1" smtClean="0"/>
+              <a:t>before</a:t>
+            </a:r>
+            <a:r>
+              <a:rPr lang="nb-NO" dirty="0" smtClean="0"/>
+              <a:t> </a:t>
+            </a:r>
+            <a:r>
+              <a:rPr lang="nb-NO" dirty="0" err="1" smtClean="0"/>
+              <a:t>the</a:t>
+            </a:r>
+            <a:r>
+              <a:rPr lang="nb-NO" dirty="0" smtClean="0"/>
+              <a:t> </a:t>
+            </a:r>
+            <a:r>
+              <a:rPr lang="nb-NO" dirty="0" err="1" smtClean="0"/>
+              <a:t>specified</a:t>
+            </a:r>
+            <a:r>
+              <a:rPr lang="nb-NO" dirty="0" smtClean="0"/>
+              <a:t> </a:t>
+            </a:r>
+            <a:r>
+              <a:rPr lang="nb-NO" dirty="0" err="1" smtClean="0"/>
+              <a:t>package</a:t>
+            </a:r>
+            <a:endParaRPr lang="nb-NO" dirty="0"/>
+          </a:p>
+        </p:txBody>
+      </p:sp>
+    </p:spTree>
+    <p:extLst>
+      <p:ext uri="{BB962C8B-B14F-4D97-AF65-F5344CB8AC3E}">
+        <p14:creationId xmlns:p14="http://schemas.microsoft.com/office/powerpoint/2010/main" val="3282587797"/>
+      </p:ext>
+    </p:extLst>
+  </p:cSld>
+  <p:clrMapOvr>
+    <a:masterClrMapping/>
+  </p:clrMapOvr>
+</p:sld>
+</file>
+
 <file path=ppt/slides/slide26.xml><?xml version="1.0" encoding="utf-8"?>
 <p:sld xmlns:a="http://schemas.openxmlformats.org/drawingml/2006/main" xmlns:r="http://schemas.openxmlformats.org/officeDocument/2006/relationships" xmlns:p="http://schemas.openxmlformats.org/presentationml/2006/main">
   <p:cSld>
@@ -6839,7 +7019,9 @@
         </p:nvSpPr>
         <p:spPr/>
         <p:txBody>
-          <a:bodyPr/>
+          <a:bodyPr>
+            <a:normAutofit/>
+          </a:bodyPr>
           <a:lstStyle/>
           <a:p>
             <a:r>
@@ -6947,6 +7129,89 @@
               <a:t>command</a:t>
             </a:r>
             <a:endParaRPr lang="nb-NO" dirty="0" smtClean="0"/>
+          </a:p>
+          <a:p>
+            <a:pPr marL="0" indent="0">
+              <a:buNone/>
+            </a:pPr>
+            <a:r>
+              <a:rPr lang="nb-NO" dirty="0" smtClean="0"/>
+              <a:t> </a:t>
+            </a:r>
+            <a:r>
+              <a:rPr lang="nb-NO" sz="1900" dirty="0"/>
+              <a:t>&lt;</a:t>
+            </a:r>
+            <a:r>
+              <a:rPr lang="nb-NO" sz="1900" dirty="0" err="1"/>
+              <a:t>dependencies</a:t>
+            </a:r>
+            <a:r>
+              <a:rPr lang="nb-NO" sz="1900" dirty="0"/>
+              <a:t>&gt;</a:t>
+            </a:r>
+          </a:p>
+          <a:p>
+            <a:pPr marL="0" indent="0">
+              <a:buNone/>
+            </a:pPr>
+            <a:r>
+              <a:rPr lang="nb-NO" sz="1900" dirty="0" smtClean="0"/>
+              <a:t>      </a:t>
+            </a:r>
+            <a:r>
+              <a:rPr lang="nb-NO" sz="1900" dirty="0"/>
+              <a:t>&lt;</a:t>
+            </a:r>
+            <a:r>
+              <a:rPr lang="nb-NO" sz="1900" dirty="0" err="1"/>
+              <a:t>dependency</a:t>
+            </a:r>
+            <a:r>
+              <a:rPr lang="nb-NO" sz="1900" dirty="0"/>
+              <a:t> id="</a:t>
+            </a:r>
+            <a:r>
+              <a:rPr lang="nb-NO" sz="1900" dirty="0" err="1"/>
+              <a:t>dips-choco-utility</a:t>
+            </a:r>
+            <a:r>
+              <a:rPr lang="nb-NO" sz="1900" dirty="0"/>
+              <a:t>" </a:t>
+            </a:r>
+            <a:r>
+              <a:rPr lang="nb-NO" sz="1900" dirty="0" err="1"/>
+              <a:t>version</a:t>
+            </a:r>
+            <a:r>
+              <a:rPr lang="nb-NO" sz="1900" dirty="0" smtClean="0"/>
+              <a:t>=«1.0.0</a:t>
+            </a:r>
+            <a:r>
+              <a:rPr lang="nb-NO" sz="1900" dirty="0"/>
+              <a:t>" /&gt;</a:t>
+            </a:r>
+          </a:p>
+          <a:p>
+            <a:pPr marL="0" indent="0">
+              <a:buNone/>
+            </a:pPr>
+            <a:r>
+              <a:rPr lang="nb-NO" sz="1900" dirty="0"/>
+              <a:t>  </a:t>
+            </a:r>
+            <a:r>
+              <a:rPr lang="nb-NO" sz="1900" dirty="0" smtClean="0"/>
+              <a:t>&lt;/</a:t>
+            </a:r>
+            <a:r>
+              <a:rPr lang="nb-NO" sz="1900" dirty="0" err="1"/>
+              <a:t>dependencies</a:t>
+            </a:r>
+            <a:r>
+              <a:rPr lang="nb-NO" sz="1900" dirty="0"/>
+              <a:t>&gt;</a:t>
+            </a:r>
           </a:p>
           <a:p>
             <a:r>
@@ -7838,19 +8103,29 @@
             </a:r>
             <a:r>
               <a:rPr lang="nb-NO" sz="2400" dirty="0" smtClean="0"/>
-              <a:t> </a:t>
+              <a:t>: </a:t>
             </a:r>
             <a:r>
               <a:rPr lang="nb-NO" sz="2400" dirty="0" err="1" smtClean="0"/>
-              <a:t>vs</a:t>
+              <a:t>n.n.n.n</a:t>
+            </a:r>
+            <a:endParaRPr lang="nb-NO" sz="2400" dirty="0" smtClean="0"/>
+          </a:p>
+          <a:p>
+            <a:pPr marL="0" indent="0">
+              <a:buNone/>
+            </a:pPr>
+            <a:r>
+              <a:rPr lang="nb-NO" sz="2400" dirty="0" err="1" smtClean="0"/>
+              <a:t>Prelease</a:t>
             </a:r>
             <a:r>
               <a:rPr lang="nb-NO" sz="2400" dirty="0" smtClean="0"/>
-              <a:t> </a:t>
+              <a:t>: </a:t>
             </a:r>
             <a:r>
               <a:rPr lang="nb-NO" sz="2400" dirty="0" err="1" smtClean="0"/>
-              <a:t>prerelease</a:t>
+              <a:t>n.n.n.n-buildNNN</a:t>
             </a:r>
             <a:endParaRPr lang="nb-NO" sz="2400" dirty="0" smtClean="0"/>
           </a:p>
@@ -7865,36 +8140,89 @@
               <a:buNone/>
             </a:pPr>
             <a:r>
+              <a:rPr lang="nb-NO" sz="2400" dirty="0" smtClean="0"/>
+              <a:t>If </a:t>
+            </a:r>
+            <a:r>
               <a:rPr lang="nb-NO" sz="2400" dirty="0" err="1" smtClean="0"/>
-              <a:t>Release</a:t>
+              <a:t>the</a:t>
             </a:r>
             <a:r>
               <a:rPr lang="nb-NO" sz="2400" dirty="0" smtClean="0"/>
-              <a:t>: </a:t>
+              <a:t> </a:t>
             </a:r>
             <a:r>
               <a:rPr lang="nb-NO" sz="2400" dirty="0" err="1" smtClean="0"/>
-              <a:t>n.n.n.n</a:t>
-            </a:r>
-            <a:endParaRPr lang="nb-NO" sz="2400" dirty="0" smtClean="0"/>
-          </a:p>
-          <a:p>
-            <a:pPr marL="0" indent="0">
-              <a:buNone/>
-            </a:pPr>
+              <a:t>version</a:t>
+            </a:r>
+            <a:r>
+              <a:rPr lang="nb-NO" sz="2400" dirty="0" smtClean="0"/>
+              <a:t> </a:t>
+            </a:r>
             <a:r>
               <a:rPr lang="nb-NO" sz="2400" dirty="0" err="1" smtClean="0"/>
-              <a:t>Prelease</a:t>
+              <a:t>ends</a:t>
             </a:r>
             <a:r>
               <a:rPr lang="nb-NO" sz="2400" dirty="0" smtClean="0"/>
-              <a:t>: </a:t>
+              <a:t> </a:t>
             </a:r>
             <a:r>
               <a:rPr lang="nb-NO" sz="2400" dirty="0" err="1" smtClean="0"/>
-              <a:t>n.n.n.n-buildNNN</a:t>
-            </a:r>
-            <a:endParaRPr lang="nb-NO" sz="2400" dirty="0" smtClean="0"/>
+              <a:t>with</a:t>
+            </a:r>
+            <a:r>
+              <a:rPr lang="nb-NO" sz="2400" dirty="0" smtClean="0"/>
+              <a:t> «-</a:t>
+            </a:r>
+            <a:r>
+              <a:rPr lang="nb-NO" sz="2400" dirty="0" err="1" smtClean="0"/>
+              <a:t>SometextNNN</a:t>
+            </a:r>
+            <a:r>
+              <a:rPr lang="nb-NO" sz="2400" dirty="0" smtClean="0"/>
+              <a:t>» </a:t>
+            </a:r>
+            <a:r>
+              <a:rPr lang="nb-NO" sz="2400" dirty="0" err="1" smtClean="0"/>
+              <a:t>nuget</a:t>
+            </a:r>
+            <a:r>
+              <a:rPr lang="nb-NO" sz="2400" dirty="0" smtClean="0"/>
+              <a:t> </a:t>
+            </a:r>
+            <a:r>
+              <a:rPr lang="nb-NO" sz="2400" dirty="0" err="1" smtClean="0"/>
+              <a:t>threats</a:t>
+            </a:r>
+            <a:r>
+              <a:rPr lang="nb-NO" sz="2400" dirty="0" smtClean="0"/>
+              <a:t> </a:t>
+            </a:r>
+            <a:r>
+              <a:rPr lang="nb-NO" sz="2400" dirty="0" err="1" smtClean="0"/>
+              <a:t>the</a:t>
+            </a:r>
+            <a:r>
+              <a:rPr lang="nb-NO" sz="2400" dirty="0" smtClean="0"/>
+              <a:t> </a:t>
+            </a:r>
+            <a:r>
+              <a:rPr lang="nb-NO" sz="2400" dirty="0" err="1" smtClean="0"/>
+              <a:t>package</a:t>
+            </a:r>
+            <a:r>
+              <a:rPr lang="nb-NO" sz="2400" dirty="0" smtClean="0"/>
+              <a:t> as </a:t>
+            </a:r>
+            <a:r>
+              <a:rPr lang="nb-NO" sz="2400" dirty="0" err="1" smtClean="0"/>
+              <a:t>prerelease</a:t>
+            </a:r>
+            <a:r>
+              <a:rPr lang="nb-NO" sz="2400" dirty="0" smtClean="0"/>
+              <a:t>.</a:t>
+            </a:r>
           </a:p>
           <a:p>
             <a:pPr marL="0" indent="0">
@@ -7908,19 +8236,19 @@
             </a:pPr>
             <a:r>
               <a:rPr lang="nb-NO" sz="2400" dirty="0" smtClean="0"/>
-              <a:t>If </a:t>
+              <a:t>Chocolatey </a:t>
             </a:r>
             <a:r>
               <a:rPr lang="nb-NO" sz="2400" dirty="0" err="1" smtClean="0"/>
-              <a:t>the</a:t>
+              <a:t>does</a:t>
             </a:r>
             <a:r>
               <a:rPr lang="nb-NO" sz="2400" dirty="0" smtClean="0"/>
-              <a:t> </a:t>
+              <a:t> not </a:t>
             </a:r>
             <a:r>
               <a:rPr lang="nb-NO" sz="2400" dirty="0" err="1" smtClean="0"/>
-              <a:t>version</a:t>
+              <a:t>automatically</a:t>
             </a:r>
             <a:r>
               <a:rPr lang="nb-NO" sz="2400" dirty="0" smtClean="0"/>
@@ -7928,59 +8256,11 @@
             </a:r>
             <a:r>
               <a:rPr lang="nb-NO" sz="2400" dirty="0" err="1" smtClean="0"/>
-              <a:t>ends</a:t>
+              <a:t>accept</a:t>
             </a:r>
             <a:r>
               <a:rPr lang="nb-NO" sz="2400" dirty="0" smtClean="0"/>
               <a:t> </a:t>
-            </a:r>
-            <a:r>
-              <a:rPr lang="nb-NO" sz="2400" dirty="0" err="1" smtClean="0"/>
-              <a:t>with</a:t>
-            </a:r>
-            <a:r>
-              <a:rPr lang="nb-NO" sz="2400" dirty="0" smtClean="0"/>
-              <a:t> «-</a:t>
-            </a:r>
-            <a:r>
-              <a:rPr lang="nb-NO" sz="2400" dirty="0" err="1" smtClean="0"/>
-              <a:t>SometextNNN</a:t>
-            </a:r>
-            <a:r>
-              <a:rPr lang="nb-NO" sz="2400" dirty="0" smtClean="0"/>
-              <a:t>» </a:t>
-            </a:r>
-            <a:r>
-              <a:rPr lang="nb-NO" sz="2400" dirty="0" err="1" smtClean="0"/>
-              <a:t>nuget</a:t>
-            </a:r>
-            <a:r>
-              <a:rPr lang="nb-NO" sz="2400" dirty="0" smtClean="0"/>
-              <a:t> </a:t>
-            </a:r>
-            <a:r>
-              <a:rPr lang="nb-NO" sz="2400" dirty="0" err="1" smtClean="0"/>
-              <a:t>threats</a:t>
-            </a:r>
-            <a:r>
-              <a:rPr lang="nb-NO" sz="2400" dirty="0" smtClean="0"/>
-              <a:t> </a:t>
-            </a:r>
-            <a:r>
-              <a:rPr lang="nb-NO" sz="2400" dirty="0" err="1" smtClean="0"/>
-              <a:t>the</a:t>
-            </a:r>
-            <a:r>
-              <a:rPr lang="nb-NO" sz="2400" dirty="0" smtClean="0"/>
-              <a:t> </a:t>
-            </a:r>
-            <a:r>
-              <a:rPr lang="nb-NO" sz="2400" dirty="0" err="1" smtClean="0"/>
-              <a:t>package</a:t>
-            </a:r>
-            <a:r>
-              <a:rPr lang="nb-NO" sz="2400" dirty="0" smtClean="0"/>
-              <a:t> as </a:t>
             </a:r>
             <a:r>
               <a:rPr lang="nb-NO" sz="2400" dirty="0" err="1" smtClean="0"/>
@@ -7988,68 +8268,100 @@
             </a:r>
             <a:r>
               <a:rPr lang="nb-NO" sz="2400" dirty="0" smtClean="0"/>
-              <a:t>.</a:t>
-            </a:r>
+              <a:t> </a:t>
+            </a:r>
+            <a:r>
+              <a:rPr lang="nb-NO" sz="2400" dirty="0" err="1" smtClean="0"/>
+              <a:t>packages</a:t>
+            </a:r>
+            <a:r>
+              <a:rPr lang="nb-NO" sz="2400" dirty="0" smtClean="0"/>
+              <a:t>. </a:t>
+            </a:r>
+            <a:endParaRPr lang="nb-NO" sz="2400" dirty="0" smtClean="0"/>
           </a:p>
           <a:p>
             <a:pPr marL="0" indent="0">
               <a:buNone/>
             </a:pPr>
-            <a:endParaRPr lang="nb-NO" sz="2400" dirty="0"/>
+            <a:r>
+              <a:rPr lang="nb-NO" sz="2400" dirty="0" smtClean="0"/>
+              <a:t>To </a:t>
+            </a:r>
+            <a:r>
+              <a:rPr lang="nb-NO" sz="2400" dirty="0" err="1" smtClean="0"/>
+              <a:t>install</a:t>
+            </a:r>
+            <a:r>
+              <a:rPr lang="nb-NO" sz="2400" dirty="0" smtClean="0"/>
+              <a:t> a pre-</a:t>
+            </a:r>
+            <a:r>
+              <a:rPr lang="nb-NO" sz="2400" dirty="0" err="1" smtClean="0"/>
+              <a:t>release</a:t>
+            </a:r>
+            <a:r>
+              <a:rPr lang="nb-NO" sz="2400" dirty="0" smtClean="0"/>
+              <a:t> </a:t>
+            </a:r>
+            <a:r>
+              <a:rPr lang="nb-NO" sz="2400" dirty="0" err="1" smtClean="0"/>
+              <a:t>package</a:t>
+            </a:r>
+            <a:r>
+              <a:rPr lang="nb-NO" sz="2400" dirty="0" smtClean="0"/>
+              <a:t> </a:t>
+            </a:r>
+            <a:r>
+              <a:rPr lang="nb-NO" sz="2400" dirty="0" err="1" smtClean="0"/>
+              <a:t>use</a:t>
+            </a:r>
+            <a:r>
+              <a:rPr lang="nb-NO" sz="2400" dirty="0" smtClean="0"/>
+              <a:t> </a:t>
+            </a:r>
+            <a:r>
+              <a:rPr lang="nb-NO" sz="2400" dirty="0" err="1" smtClean="0"/>
+              <a:t>the</a:t>
+            </a:r>
+            <a:r>
+              <a:rPr lang="nb-NO" sz="2400" dirty="0" smtClean="0"/>
+              <a:t> argument «-pre»</a:t>
+            </a:r>
+            <a:endParaRPr lang="nb-NO" sz="2400" dirty="0" smtClean="0"/>
           </a:p>
           <a:p>
             <a:pPr marL="0" indent="0">
               <a:buNone/>
             </a:pPr>
             <a:r>
-              <a:rPr lang="nb-NO" sz="2400" dirty="0" smtClean="0"/>
-              <a:t>Chocolatey </a:t>
-            </a:r>
-            <a:r>
-              <a:rPr lang="nb-NO" sz="2400" dirty="0" err="1" smtClean="0"/>
-              <a:t>does</a:t>
-            </a:r>
-            <a:r>
-              <a:rPr lang="nb-NO" sz="2400" dirty="0" smtClean="0"/>
-              <a:t> not </a:t>
-            </a:r>
-            <a:r>
-              <a:rPr lang="nb-NO" sz="2400" dirty="0" err="1" smtClean="0"/>
-              <a:t>automatically</a:t>
-            </a:r>
-            <a:r>
-              <a:rPr lang="nb-NO" sz="2400" dirty="0" smtClean="0"/>
-              <a:t> </a:t>
-            </a:r>
-            <a:r>
-              <a:rPr lang="nb-NO" sz="2400" dirty="0" err="1" smtClean="0"/>
-              <a:t>accept</a:t>
-            </a:r>
-            <a:r>
-              <a:rPr lang="nb-NO" sz="2400" dirty="0" smtClean="0"/>
-              <a:t> </a:t>
-            </a:r>
-            <a:r>
-              <a:rPr lang="nb-NO" sz="2400" dirty="0" err="1" smtClean="0"/>
-              <a:t>prerelease</a:t>
-            </a:r>
-            <a:r>
-              <a:rPr lang="nb-NO" sz="2400" dirty="0" smtClean="0"/>
-              <a:t> </a:t>
-            </a:r>
-            <a:r>
-              <a:rPr lang="nb-NO" sz="2400" dirty="0" err="1" smtClean="0"/>
-              <a:t>packages</a:t>
-            </a:r>
-            <a:r>
-              <a:rPr lang="nb-NO" sz="2400" dirty="0" smtClean="0"/>
-              <a:t>. </a:t>
-            </a:r>
-          </a:p>
-          <a:p>
-            <a:pPr marL="0" indent="0">
-              <a:buNone/>
-            </a:pPr>
+              <a:rPr lang="nb-NO" dirty="0" smtClean="0"/>
+              <a:t>PS&gt; </a:t>
+            </a:r>
+            <a:r>
+              <a:rPr lang="nb-NO" dirty="0" err="1" smtClean="0"/>
+              <a:t>choco</a:t>
+            </a:r>
+            <a:r>
+              <a:rPr lang="nb-NO" dirty="0" smtClean="0"/>
+              <a:t> </a:t>
+            </a:r>
+            <a:r>
+              <a:rPr lang="nb-NO" dirty="0" err="1" smtClean="0"/>
+              <a:t>install</a:t>
+            </a:r>
+            <a:r>
+              <a:rPr lang="nb-NO" dirty="0" smtClean="0"/>
+              <a:t> </a:t>
+            </a:r>
+            <a:r>
+              <a:rPr lang="nb-NO" dirty="0" err="1" smtClean="0"/>
+              <a:t>packageid</a:t>
+            </a:r>
+            <a:r>
+              <a:rPr lang="nb-NO" dirty="0" smtClean="0"/>
+              <a:t> -pre</a:t>
+            </a:r>
             <a:endParaRPr lang="nb-NO" dirty="0"/>
           </a:p>
         </p:txBody>
@@ -8292,7 +8604,11 @@
             </a:r>
             <a:r>
               <a:rPr lang="nb-NO" sz="2400" dirty="0" smtClean="0"/>
-              <a:t> script by </a:t>
+              <a:t> script </a:t>
+            </a:r>
+            <a:r>
+              <a:rPr lang="nb-NO" sz="2400" dirty="0" smtClean="0"/>
+              <a:t>from </a:t>
             </a:r>
             <a:r>
               <a:rPr lang="nb-NO" sz="2400" dirty="0" err="1" smtClean="0"/>
@@ -8313,6 +8629,24 @@
             <a:r>
               <a:rPr lang="nb-NO" sz="2400" dirty="0" err="1" smtClean="0"/>
               <a:t>Env:ChocolateyPackageParameters</a:t>
+            </a:r>
+            <a:endParaRPr lang="nb-NO" sz="2400" dirty="0" smtClean="0"/>
+          </a:p>
+          <a:p>
+            <a:pPr marL="0" indent="0">
+              <a:buNone/>
+            </a:pPr>
+            <a:r>
+              <a:rPr lang="nb-NO" sz="2400" dirty="0" smtClean="0"/>
+              <a:t>Must be </a:t>
+            </a:r>
+            <a:r>
+              <a:rPr lang="nb-NO" sz="2400" dirty="0" err="1" smtClean="0"/>
+              <a:t>parsed</a:t>
+            </a:r>
+            <a:r>
+              <a:rPr lang="nb-NO" sz="2400" dirty="0" smtClean="0"/>
+              <a:t>.</a:t>
             </a:r>
             <a:endParaRPr lang="nb-NO" sz="2400" dirty="0"/>
           </a:p>
@@ -10688,12 +11022,8 @@
           <a:lstStyle/>
           <a:p>
             <a:r>
-              <a:rPr lang="nb-NO" dirty="0" err="1" smtClean="0"/>
-              <a:t>Exercise</a:t>
-            </a:r>
-            <a:r>
-              <a:rPr lang="nb-NO" dirty="0" smtClean="0"/>
-              <a:t> 03</a:t>
+              <a:rPr lang="nb-NO" dirty="0" smtClean="0"/>
+              <a:t>TODO: Se på chocolateyInstall.ps1</a:t>
             </a:r>
             <a:endParaRPr lang="nb-NO" dirty="0"/>
           </a:p>
@@ -10715,83 +11045,16 @@
           <a:lstStyle/>
           <a:p>
             <a:r>
-              <a:rPr lang="nb-NO" dirty="0" err="1" smtClean="0"/>
-              <a:t>Create</a:t>
-            </a:r>
-            <a:r>
-              <a:rPr lang="nb-NO" dirty="0" smtClean="0"/>
-              <a:t> a </a:t>
-            </a:r>
-            <a:r>
-              <a:rPr lang="nb-NO" dirty="0" err="1" smtClean="0"/>
-              <a:t>package</a:t>
-            </a:r>
-            <a:r>
-              <a:rPr lang="nb-NO" dirty="0"/>
-              <a:t> </a:t>
-            </a:r>
-            <a:r>
-              <a:rPr lang="nb-NO" dirty="0" err="1" smtClean="0"/>
-              <a:t>that</a:t>
-            </a:r>
-            <a:r>
-              <a:rPr lang="nb-NO" dirty="0" smtClean="0"/>
-              <a:t> </a:t>
-            </a:r>
-            <a:r>
-              <a:rPr lang="nb-NO" dirty="0" err="1" smtClean="0"/>
-              <a:t>requires</a:t>
-            </a:r>
-            <a:r>
-              <a:rPr lang="nb-NO" dirty="0" smtClean="0"/>
-              <a:t> a </a:t>
-            </a:r>
-            <a:r>
-              <a:rPr lang="nb-NO" dirty="0" err="1" smtClean="0"/>
-              <a:t>new</a:t>
-            </a:r>
-            <a:r>
-              <a:rPr lang="nb-NO" dirty="0" smtClean="0"/>
-              <a:t> </a:t>
-            </a:r>
-            <a:r>
-              <a:rPr lang="nb-NO" dirty="0" err="1" smtClean="0"/>
-              <a:t>nuspec</a:t>
-            </a:r>
-            <a:r>
-              <a:rPr lang="nb-NO" dirty="0" smtClean="0"/>
-              <a:t> and </a:t>
-            </a:r>
-            <a:r>
-              <a:rPr lang="nb-NO" dirty="0" err="1" smtClean="0"/>
-              <a:t>installscript</a:t>
-            </a:r>
-            <a:endParaRPr lang="nb-NO" dirty="0" smtClean="0"/>
-          </a:p>
-          <a:p>
-            <a:r>
-              <a:rPr lang="nb-NO" dirty="0" err="1" smtClean="0"/>
-              <a:t>Dependency</a:t>
-            </a:r>
-            <a:r>
-              <a:rPr lang="nb-NO" dirty="0" smtClean="0"/>
-              <a:t> to a </a:t>
-            </a:r>
-            <a:r>
-              <a:rPr lang="nb-NO" dirty="0" err="1" smtClean="0"/>
-              <a:t>premade</a:t>
-            </a:r>
-            <a:r>
-              <a:rPr lang="nb-NO" dirty="0" smtClean="0"/>
-              <a:t> </a:t>
-            </a:r>
-            <a:r>
-              <a:rPr lang="nb-NO" dirty="0" err="1" smtClean="0"/>
-              <a:t>package</a:t>
-            </a:r>
-            <a:r>
-              <a:rPr lang="nb-NO" dirty="0" smtClean="0"/>
-              <a:t> </a:t>
+              <a:rPr lang="nb-NO" dirty="0" smtClean="0"/>
+              <a:t>Eksempler fra klient og server, se hvordan de fungerer med </a:t>
+            </a:r>
+            <a:r>
+              <a:rPr lang="nb-NO" dirty="0" err="1" smtClean="0"/>
+              <a:t>config</a:t>
+            </a:r>
+            <a:r>
+              <a:rPr lang="nb-NO" dirty="0" smtClean="0"/>
+              <a:t> og IIS, filkopiering…</a:t>
             </a:r>
             <a:endParaRPr lang="nb-NO" dirty="0"/>
           </a:p>
@@ -10800,7 +11063,7 @@
     </p:spTree>
     <p:extLst>
       <p:ext uri="{BB962C8B-B14F-4D97-AF65-F5344CB8AC3E}">
-        <p14:creationId xmlns:p14="http://schemas.microsoft.com/office/powerpoint/2010/main" val="3329572298"/>
+        <p14:creationId xmlns:p14="http://schemas.microsoft.com/office/powerpoint/2010/main" val="1540962915"/>
       </p:ext>
     </p:extLst>
   </p:cSld>
@@ -10843,12 +11106,12 @@
           <a:lstStyle/>
           <a:p>
             <a:r>
-              <a:rPr lang="nb-NO" dirty="0" smtClean="0"/>
-              <a:t>Windows </a:t>
-            </a:r>
-            <a:r>
-              <a:rPr lang="nb-NO" dirty="0" err="1" smtClean="0"/>
-              <a:t>Powershell</a:t>
+              <a:rPr lang="nb-NO" dirty="0" err="1" smtClean="0"/>
+              <a:t>Exercise</a:t>
+            </a:r>
+            <a:r>
+              <a:rPr lang="nb-NO" dirty="0" smtClean="0"/>
+              <a:t> 03</a:t>
             </a:r>
             <a:endParaRPr lang="nb-NO" dirty="0"/>
           </a:p>
@@ -10870,16 +11133,96 @@
           <a:lstStyle/>
           <a:p>
             <a:r>
+              <a:rPr lang="nb-NO" dirty="0" err="1" smtClean="0"/>
+              <a:t>Create</a:t>
+            </a:r>
+            <a:r>
+              <a:rPr lang="nb-NO" dirty="0" smtClean="0"/>
+              <a:t> a </a:t>
+            </a:r>
+            <a:r>
+              <a:rPr lang="nb-NO" dirty="0" err="1" smtClean="0"/>
+              <a:t>package</a:t>
+            </a:r>
+            <a:r>
               <a:rPr lang="nb-NO" dirty="0"/>
-              <a:t>https://docs.microsoft.com/en-us/powershell/scripting/getting-started/getting-started-with-windows-powershell?view=powershell-6</a:t>
-            </a:r>
+              <a:t> </a:t>
+            </a:r>
+            <a:r>
+              <a:rPr lang="nb-NO" dirty="0" err="1" smtClean="0"/>
+              <a:t>that</a:t>
+            </a:r>
+            <a:r>
+              <a:rPr lang="nb-NO" dirty="0" smtClean="0"/>
+              <a:t> </a:t>
+            </a:r>
+            <a:r>
+              <a:rPr lang="nb-NO" dirty="0" err="1" smtClean="0"/>
+              <a:t>requires</a:t>
+            </a:r>
+            <a:r>
+              <a:rPr lang="nb-NO" dirty="0" smtClean="0"/>
+              <a:t> a </a:t>
+            </a:r>
+            <a:r>
+              <a:rPr lang="nb-NO" dirty="0" err="1" smtClean="0"/>
+              <a:t>new</a:t>
+            </a:r>
+            <a:r>
+              <a:rPr lang="nb-NO" dirty="0" smtClean="0"/>
+              <a:t> </a:t>
+            </a:r>
+            <a:r>
+              <a:rPr lang="nb-NO" dirty="0" err="1" smtClean="0"/>
+              <a:t>nuspec</a:t>
+            </a:r>
+            <a:r>
+              <a:rPr lang="nb-NO" dirty="0" smtClean="0"/>
+              <a:t> and </a:t>
+            </a:r>
+            <a:r>
+              <a:rPr lang="nb-NO" dirty="0" err="1" smtClean="0"/>
+              <a:t>installscript</a:t>
+            </a:r>
+            <a:endParaRPr lang="nb-NO" dirty="0" smtClean="0"/>
+          </a:p>
+          <a:p>
+            <a:r>
+              <a:rPr lang="nb-NO" dirty="0" err="1" smtClean="0"/>
+              <a:t>Dependency</a:t>
+            </a:r>
+            <a:r>
+              <a:rPr lang="nb-NO" dirty="0" smtClean="0"/>
+              <a:t> </a:t>
+            </a:r>
+            <a:r>
+              <a:rPr lang="nb-NO" dirty="0" smtClean="0"/>
+              <a:t>to </a:t>
+            </a:r>
+            <a:r>
+              <a:rPr lang="nb-NO" dirty="0" err="1" smtClean="0"/>
+              <a:t>dips-choco-utility</a:t>
+            </a:r>
+            <a:r>
+              <a:rPr lang="nb-NO" dirty="0" smtClean="0"/>
+              <a:t> minimum </a:t>
+            </a:r>
+            <a:r>
+              <a:rPr lang="nb-NO" dirty="0" err="1" smtClean="0"/>
+              <a:t>version</a:t>
+            </a:r>
+            <a:r>
+              <a:rPr lang="nb-NO" dirty="0" smtClean="0"/>
+              <a:t> 1.6.0</a:t>
+            </a:r>
+            <a:endParaRPr lang="nb-NO" dirty="0"/>
           </a:p>
         </p:txBody>
       </p:sp>
     </p:spTree>
     <p:extLst>
       <p:ext uri="{BB962C8B-B14F-4D97-AF65-F5344CB8AC3E}">
-        <p14:creationId xmlns:p14="http://schemas.microsoft.com/office/powerpoint/2010/main" val="2970491129"/>
+        <p14:creationId xmlns:p14="http://schemas.microsoft.com/office/powerpoint/2010/main" val="3329572298"/>
       </p:ext>
     </p:extLst>
   </p:cSld>
@@ -10922,13 +11265,13 @@
           <a:lstStyle/>
           <a:p>
             <a:r>
+              <a:rPr lang="nb-NO" dirty="0" smtClean="0"/>
+              <a:t>Windows </a:t>
+            </a:r>
+            <a:r>
               <a:rPr lang="nb-NO" dirty="0" err="1" smtClean="0"/>
               <a:t>Powershell</a:t>
             </a:r>
-            <a:r>
-              <a:rPr lang="nb-NO" dirty="0" smtClean="0"/>
-              <a:t> scripts</a:t>
-            </a:r>
             <a:endParaRPr lang="nb-NO" dirty="0"/>
           </a:p>
         </p:txBody>
@@ -10949,87 +11292,16 @@
           <a:lstStyle/>
           <a:p>
             <a:r>
-              <a:rPr lang="nb-NO" dirty="0" err="1" smtClean="0"/>
-              <a:t>Contained</a:t>
-            </a:r>
-            <a:r>
-              <a:rPr lang="nb-NO" dirty="0" smtClean="0"/>
-              <a:t> in files </a:t>
-            </a:r>
-            <a:r>
-              <a:rPr lang="nb-NO" dirty="0" err="1" smtClean="0"/>
-              <a:t>named</a:t>
-            </a:r>
-            <a:r>
-              <a:rPr lang="nb-NO" dirty="0" smtClean="0"/>
-              <a:t> *.ps1</a:t>
-            </a:r>
-          </a:p>
-          <a:p>
-            <a:r>
-              <a:rPr lang="nb-NO" dirty="0" err="1" smtClean="0"/>
-              <a:t>Can</a:t>
-            </a:r>
-            <a:r>
-              <a:rPr lang="nb-NO" dirty="0" smtClean="0"/>
-              <a:t> </a:t>
-            </a:r>
-            <a:r>
-              <a:rPr lang="nb-NO" dirty="0" err="1" smtClean="0"/>
-              <a:t>take</a:t>
-            </a:r>
-            <a:r>
-              <a:rPr lang="nb-NO" dirty="0" smtClean="0"/>
-              <a:t> parameters</a:t>
-            </a:r>
-          </a:p>
-          <a:p>
-            <a:r>
-              <a:rPr lang="nb-NO" dirty="0" err="1" smtClean="0"/>
-              <a:t>Executed</a:t>
-            </a:r>
-            <a:r>
-              <a:rPr lang="nb-NO" dirty="0" smtClean="0"/>
-              <a:t> from </a:t>
-            </a:r>
-            <a:r>
-              <a:rPr lang="nb-NO" dirty="0" err="1" smtClean="0"/>
-              <a:t>powershell</a:t>
-            </a:r>
-            <a:r>
-              <a:rPr lang="nb-NO" dirty="0" smtClean="0"/>
-              <a:t>: PS&gt; .MyScript.ps1</a:t>
-            </a:r>
-          </a:p>
-          <a:p>
-            <a:r>
-              <a:rPr lang="nb-NO" dirty="0" smtClean="0"/>
-              <a:t>With parameters: PS&gt; .MyScript.ps1 –</a:t>
-            </a:r>
-            <a:r>
-              <a:rPr lang="nb-NO" dirty="0" err="1" smtClean="0"/>
-              <a:t>Hostname</a:t>
-            </a:r>
-            <a:r>
-              <a:rPr lang="nb-NO" dirty="0" smtClean="0"/>
-              <a:t> </a:t>
-            </a:r>
-            <a:r>
-              <a:rPr lang="nb-NO" dirty="0" err="1" smtClean="0"/>
-              <a:t>vt</a:t>
-            </a:r>
-            <a:r>
-              <a:rPr lang="nb-NO" dirty="0" smtClean="0"/>
-              <a:t>-arenaserver</a:t>
-            </a:r>
-            <a:endParaRPr lang="nb-NO" dirty="0"/>
+              <a:rPr lang="nb-NO" dirty="0"/>
+              <a:t>https://docs.microsoft.com/en-us/powershell/scripting/getting-started/getting-started-with-windows-powershell?view=powershell-6</a:t>
+            </a:r>
           </a:p>
         </p:txBody>
       </p:sp>
     </p:spTree>
     <p:extLst>
       <p:ext uri="{BB962C8B-B14F-4D97-AF65-F5344CB8AC3E}">
-        <p14:creationId xmlns:p14="http://schemas.microsoft.com/office/powerpoint/2010/main" val="1779122630"/>
+        <p14:creationId xmlns:p14="http://schemas.microsoft.com/office/powerpoint/2010/main" val="2970491129"/>
       </p:ext>
     </p:extLst>
   </p:cSld>
@@ -11077,11 +11349,7 @@
             </a:r>
             <a:r>
               <a:rPr lang="nb-NO" dirty="0" smtClean="0"/>
-              <a:t> </a:t>
-            </a:r>
-            <a:r>
-              <a:rPr lang="nb-NO" dirty="0" err="1" smtClean="0"/>
-              <a:t>Modules</a:t>
+              <a:t> scripts</a:t>
             </a:r>
             <a:endParaRPr lang="nb-NO" dirty="0"/>
           </a:p>
@@ -11099,302 +11367,52 @@
         </p:nvSpPr>
         <p:spPr/>
         <p:txBody>
-          <a:bodyPr>
-            <a:normAutofit lnSpcReduction="10000"/>
-          </a:bodyPr>
-          <a:lstStyle/>
-          <a:p>
-            <a:r>
-              <a:rPr lang="nb-NO" dirty="0" err="1" smtClean="0"/>
-              <a:t>Powershell</a:t>
-            </a:r>
-            <a:r>
-              <a:rPr lang="nb-NO" dirty="0" smtClean="0"/>
-              <a:t> </a:t>
-            </a:r>
-            <a:r>
-              <a:rPr lang="nb-NO" dirty="0" err="1" smtClean="0"/>
-              <a:t>modules</a:t>
-            </a:r>
-            <a:r>
-              <a:rPr lang="nb-NO" dirty="0" smtClean="0"/>
-              <a:t> </a:t>
-            </a:r>
-            <a:r>
-              <a:rPr lang="nb-NO" dirty="0" err="1" smtClean="0"/>
-              <a:t>are</a:t>
-            </a:r>
-            <a:r>
-              <a:rPr lang="nb-NO" dirty="0" smtClean="0"/>
-              <a:t> </a:t>
-            </a:r>
-            <a:r>
-              <a:rPr lang="nb-NO" dirty="0" err="1" smtClean="0"/>
-              <a:t>installed</a:t>
-            </a:r>
-            <a:r>
-              <a:rPr lang="nb-NO" dirty="0" smtClean="0"/>
-              <a:t> </a:t>
-            </a:r>
-            <a:r>
-              <a:rPr lang="nb-NO" dirty="0" err="1" smtClean="0"/>
-              <a:t>on</a:t>
-            </a:r>
-            <a:r>
-              <a:rPr lang="nb-NO" dirty="0" smtClean="0"/>
-              <a:t> </a:t>
-            </a:r>
-            <a:r>
-              <a:rPr lang="nb-NO" dirty="0" err="1" smtClean="0"/>
-              <a:t>the</a:t>
-            </a:r>
-            <a:r>
-              <a:rPr lang="nb-NO" dirty="0" smtClean="0"/>
-              <a:t> </a:t>
-            </a:r>
-            <a:r>
-              <a:rPr lang="nb-NO" dirty="0" err="1" smtClean="0"/>
-              <a:t>machine</a:t>
-            </a:r>
-            <a:r>
-              <a:rPr lang="nb-NO" dirty="0"/>
-              <a:t> at C:\Program </a:t>
-            </a:r>
-            <a:r>
-              <a:rPr lang="nb-NO" dirty="0" smtClean="0"/>
-              <a:t>Files\</a:t>
-            </a:r>
-            <a:r>
-              <a:rPr lang="nb-NO" dirty="0" err="1" smtClean="0"/>
-              <a:t>WindowsPowerShell</a:t>
-            </a:r>
-            <a:r>
-              <a:rPr lang="nb-NO" dirty="0" smtClean="0"/>
-              <a:t>\</a:t>
-            </a:r>
-            <a:r>
-              <a:rPr lang="nb-NO" dirty="0" err="1" smtClean="0"/>
-              <a:t>Modules</a:t>
-            </a:r>
-            <a:endParaRPr lang="nb-NO" dirty="0" smtClean="0"/>
-          </a:p>
-          <a:p>
-            <a:r>
-              <a:rPr lang="nb-NO" dirty="0" smtClean="0"/>
-              <a:t>A </a:t>
-            </a:r>
-            <a:r>
-              <a:rPr lang="nb-NO" dirty="0" err="1" smtClean="0"/>
-              <a:t>module</a:t>
-            </a:r>
-            <a:r>
-              <a:rPr lang="nb-NO" dirty="0" smtClean="0"/>
-              <a:t> </a:t>
-            </a:r>
-            <a:r>
-              <a:rPr lang="nb-NO" dirty="0" err="1" smtClean="0"/>
-              <a:t>contain</a:t>
-            </a:r>
-            <a:r>
-              <a:rPr lang="nb-NO" dirty="0" smtClean="0"/>
-              <a:t> a </a:t>
-            </a:r>
-            <a:r>
-              <a:rPr lang="nb-NO" dirty="0" err="1" smtClean="0"/>
-              <a:t>collection</a:t>
-            </a:r>
-            <a:r>
-              <a:rPr lang="nb-NO" dirty="0" smtClean="0"/>
-              <a:t> </a:t>
-            </a:r>
-            <a:r>
-              <a:rPr lang="nb-NO" dirty="0" err="1" smtClean="0"/>
-              <a:t>of</a:t>
-            </a:r>
-            <a:r>
-              <a:rPr lang="nb-NO" dirty="0" smtClean="0"/>
-              <a:t> </a:t>
-            </a:r>
-            <a:r>
-              <a:rPr lang="nb-NO" dirty="0" err="1" smtClean="0"/>
-              <a:t>functions</a:t>
-            </a:r>
-            <a:r>
-              <a:rPr lang="nb-NO" dirty="0" smtClean="0"/>
-              <a:t> </a:t>
-            </a:r>
-            <a:r>
-              <a:rPr lang="nb-NO" dirty="0" err="1" smtClean="0"/>
-              <a:t>that</a:t>
-            </a:r>
-            <a:r>
-              <a:rPr lang="nb-NO" dirty="0" smtClean="0"/>
-              <a:t> </a:t>
-            </a:r>
-            <a:r>
-              <a:rPr lang="nb-NO" dirty="0" err="1" smtClean="0"/>
-              <a:t>are</a:t>
-            </a:r>
-            <a:r>
-              <a:rPr lang="nb-NO" dirty="0" smtClean="0"/>
-              <a:t> </a:t>
-            </a:r>
-            <a:r>
-              <a:rPr lang="nb-NO" dirty="0" err="1" smtClean="0"/>
-              <a:t>globally</a:t>
-            </a:r>
-            <a:r>
-              <a:rPr lang="nb-NO" dirty="0" smtClean="0"/>
-              <a:t> </a:t>
-            </a:r>
-            <a:r>
-              <a:rPr lang="nb-NO" dirty="0" err="1" smtClean="0"/>
-              <a:t>available</a:t>
-            </a:r>
-            <a:r>
-              <a:rPr lang="nb-NO" dirty="0" smtClean="0"/>
-              <a:t> </a:t>
-            </a:r>
-            <a:r>
-              <a:rPr lang="nb-NO" dirty="0" err="1" smtClean="0"/>
-              <a:t>on</a:t>
-            </a:r>
-            <a:r>
-              <a:rPr lang="nb-NO" dirty="0" smtClean="0"/>
-              <a:t> </a:t>
-            </a:r>
-            <a:r>
-              <a:rPr lang="nb-NO" dirty="0" err="1" smtClean="0"/>
-              <a:t>the</a:t>
-            </a:r>
-            <a:r>
-              <a:rPr lang="nb-NO" dirty="0" smtClean="0"/>
-              <a:t> </a:t>
-            </a:r>
-            <a:r>
-              <a:rPr lang="nb-NO" dirty="0" err="1" smtClean="0"/>
-              <a:t>machine</a:t>
-            </a:r>
-            <a:endParaRPr lang="nb-NO" dirty="0" smtClean="0"/>
-          </a:p>
-          <a:p>
-            <a:r>
-              <a:rPr lang="nb-NO" dirty="0" smtClean="0"/>
-              <a:t>Ex: </a:t>
-            </a:r>
-            <a:r>
-              <a:rPr lang="nb-NO" dirty="0" err="1" smtClean="0"/>
-              <a:t>the</a:t>
-            </a:r>
-            <a:r>
-              <a:rPr lang="nb-NO" dirty="0" smtClean="0"/>
-              <a:t> </a:t>
-            </a:r>
-            <a:r>
-              <a:rPr lang="nb-NO" dirty="0" err="1" smtClean="0"/>
-              <a:t>module</a:t>
-            </a:r>
-            <a:r>
-              <a:rPr lang="nb-NO" dirty="0" smtClean="0"/>
-              <a:t> </a:t>
-            </a:r>
-            <a:r>
-              <a:rPr lang="nb-NO" dirty="0" err="1" smtClean="0"/>
-              <a:t>DIPSChoco</a:t>
-            </a:r>
-            <a:r>
-              <a:rPr lang="nb-NO" dirty="0" smtClean="0"/>
-              <a:t> </a:t>
-            </a:r>
-            <a:r>
-              <a:rPr lang="nb-NO" dirty="0" err="1" smtClean="0"/>
-              <a:t>contains</a:t>
-            </a:r>
-            <a:r>
-              <a:rPr lang="nb-NO" dirty="0" smtClean="0"/>
-              <a:t> </a:t>
-            </a:r>
-            <a:r>
-              <a:rPr lang="nb-NO" dirty="0" err="1" smtClean="0"/>
-              <a:t>functions</a:t>
-            </a:r>
-            <a:r>
-              <a:rPr lang="nb-NO" dirty="0" smtClean="0"/>
-              <a:t> for </a:t>
-            </a:r>
-            <a:r>
-              <a:rPr lang="nb-NO" dirty="0" err="1" smtClean="0"/>
-              <a:t>copying</a:t>
-            </a:r>
-            <a:r>
-              <a:rPr lang="nb-NO" dirty="0" smtClean="0"/>
-              <a:t> files from a </a:t>
-            </a:r>
-            <a:r>
-              <a:rPr lang="nb-NO" dirty="0" err="1" smtClean="0"/>
-              <a:t>chocolateypackage</a:t>
-            </a:r>
-            <a:r>
-              <a:rPr lang="nb-NO" dirty="0" smtClean="0"/>
-              <a:t> to a </a:t>
-            </a:r>
-            <a:r>
-              <a:rPr lang="nb-NO" dirty="0" err="1" smtClean="0"/>
-              <a:t>specified</a:t>
-            </a:r>
-            <a:r>
-              <a:rPr lang="nb-NO" dirty="0" smtClean="0"/>
-              <a:t> </a:t>
-            </a:r>
-            <a:r>
-              <a:rPr lang="nb-NO" dirty="0" err="1" smtClean="0"/>
-              <a:t>destination</a:t>
-            </a:r>
-            <a:r>
-              <a:rPr lang="nb-NO" dirty="0" smtClean="0"/>
-              <a:t>.</a:t>
-            </a:r>
-          </a:p>
-          <a:p>
-            <a:r>
-              <a:rPr lang="nb-NO" dirty="0" err="1" smtClean="0"/>
-              <a:t>Module</a:t>
-            </a:r>
-            <a:r>
-              <a:rPr lang="nb-NO" dirty="0" smtClean="0"/>
-              <a:t> </a:t>
-            </a:r>
-            <a:r>
-              <a:rPr lang="nb-NO" dirty="0" err="1" smtClean="0"/>
-              <a:t>functions</a:t>
-            </a:r>
-            <a:r>
-              <a:rPr lang="nb-NO" dirty="0" smtClean="0"/>
-              <a:t> </a:t>
-            </a:r>
-            <a:r>
-              <a:rPr lang="nb-NO" dirty="0" err="1" smtClean="0"/>
-              <a:t>can</a:t>
-            </a:r>
-            <a:r>
-              <a:rPr lang="nb-NO" dirty="0" smtClean="0"/>
-              <a:t> be </a:t>
-            </a:r>
-            <a:r>
-              <a:rPr lang="nb-NO" dirty="0" err="1" smtClean="0"/>
-              <a:t>defined</a:t>
-            </a:r>
-            <a:r>
-              <a:rPr lang="nb-NO" dirty="0" smtClean="0"/>
-              <a:t> in </a:t>
-            </a:r>
-            <a:r>
-              <a:rPr lang="nb-NO" dirty="0" err="1" smtClean="0"/>
-              <a:t>dll’s</a:t>
-            </a:r>
-            <a:r>
-              <a:rPr lang="nb-NO" dirty="0" smtClean="0"/>
-              <a:t> or in </a:t>
+          <a:bodyPr/>
+          <a:lstStyle/>
+          <a:p>
+            <a:r>
+              <a:rPr lang="nb-NO" dirty="0" err="1" smtClean="0"/>
+              <a:t>Contained</a:t>
+            </a:r>
+            <a:r>
+              <a:rPr lang="nb-NO" dirty="0" smtClean="0"/>
+              <a:t> in files </a:t>
+            </a:r>
+            <a:r>
+              <a:rPr lang="nb-NO" dirty="0" err="1" smtClean="0"/>
+              <a:t>named</a:t>
+            </a:r>
+            <a:r>
+              <a:rPr lang="nb-NO" dirty="0" smtClean="0"/>
+              <a:t> *.ps1</a:t>
+            </a:r>
+          </a:p>
+          <a:p>
+            <a:r>
+              <a:rPr lang="nb-NO" dirty="0" err="1" smtClean="0"/>
+              <a:t>Can</a:t>
+            </a:r>
+            <a:r>
+              <a:rPr lang="nb-NO" dirty="0" smtClean="0"/>
+              <a:t> </a:t>
+            </a:r>
+            <a:r>
+              <a:rPr lang="nb-NO" dirty="0" err="1" smtClean="0"/>
+              <a:t>take</a:t>
+            </a:r>
+            <a:r>
+              <a:rPr lang="nb-NO" dirty="0" smtClean="0"/>
+              <a:t> parameters</a:t>
+            </a:r>
+          </a:p>
+          <a:p>
+            <a:r>
+              <a:rPr lang="nb-NO" dirty="0" err="1" smtClean="0"/>
+              <a:t>Executed</a:t>
+            </a:r>
+            <a:r>
+              <a:rPr lang="nb-NO" dirty="0" smtClean="0"/>
+              <a:t> from </a:t>
             </a:r>
             <a:r>
               <a:rPr lang="nb-NO" dirty="0" err="1" smtClean="0"/>
@@ -11402,76 +11420,29 @@
             </a:r>
             <a:r>
               <a:rPr lang="nb-NO" dirty="0" smtClean="0"/>
-              <a:t> scripts (*.psm1)</a:t>
-            </a:r>
-          </a:p>
-          <a:p>
-            <a:r>
-              <a:rPr lang="nb-NO" dirty="0" smtClean="0"/>
-              <a:t>To </a:t>
-            </a:r>
-            <a:r>
-              <a:rPr lang="nb-NO" dirty="0" err="1" smtClean="0"/>
-              <a:t>get</a:t>
-            </a:r>
-            <a:r>
-              <a:rPr lang="nb-NO" dirty="0" smtClean="0"/>
-              <a:t> a list </a:t>
-            </a:r>
-            <a:r>
-              <a:rPr lang="nb-NO" dirty="0" err="1" smtClean="0"/>
-              <a:t>of</a:t>
-            </a:r>
-            <a:r>
-              <a:rPr lang="nb-NO" dirty="0" smtClean="0"/>
-              <a:t> all </a:t>
-            </a:r>
-            <a:r>
-              <a:rPr lang="nb-NO" dirty="0" err="1" smtClean="0"/>
-              <a:t>installed</a:t>
-            </a:r>
-            <a:r>
-              <a:rPr lang="nb-NO" dirty="0" smtClean="0"/>
-              <a:t> </a:t>
-            </a:r>
-            <a:r>
-              <a:rPr lang="nb-NO" dirty="0" err="1" smtClean="0"/>
-              <a:t>modules</a:t>
-            </a:r>
-            <a:r>
-              <a:rPr lang="nb-NO" dirty="0" smtClean="0"/>
-              <a:t> and </a:t>
-            </a:r>
-            <a:r>
-              <a:rPr lang="nb-NO" dirty="0" err="1" smtClean="0"/>
-              <a:t>their</a:t>
-            </a:r>
-            <a:r>
-              <a:rPr lang="nb-NO" dirty="0" smtClean="0"/>
-              <a:t> </a:t>
-            </a:r>
-            <a:r>
-              <a:rPr lang="nb-NO" dirty="0" err="1" smtClean="0"/>
-              <a:t>functions</a:t>
-            </a:r>
-            <a:r>
-              <a:rPr lang="nb-NO" dirty="0" smtClean="0"/>
-              <a:t>:</a:t>
-            </a:r>
-          </a:p>
-          <a:p>
-            <a:pPr lvl="1"/>
-            <a:r>
-              <a:rPr lang="nb-NO" dirty="0" err="1" smtClean="0"/>
-              <a:t>Get-Module</a:t>
-            </a:r>
-            <a:r>
-              <a:rPr lang="nb-NO" dirty="0" smtClean="0"/>
-              <a:t> -</a:t>
-            </a:r>
-            <a:r>
-              <a:rPr lang="nb-NO" dirty="0" err="1" smtClean="0"/>
-              <a:t>Listavailable</a:t>
+              <a:t>: PS&gt; .MyScript.ps1</a:t>
+            </a:r>
+          </a:p>
+          <a:p>
+            <a:r>
+              <a:rPr lang="nb-NO" dirty="0" smtClean="0"/>
+              <a:t>With parameters: PS&gt; .MyScript.ps1 –</a:t>
+            </a:r>
+            <a:r>
+              <a:rPr lang="nb-NO" dirty="0" err="1" smtClean="0"/>
+              <a:t>Hostname</a:t>
+            </a:r>
+            <a:r>
+              <a:rPr lang="nb-NO" dirty="0" smtClean="0"/>
+              <a:t> </a:t>
+            </a:r>
+            <a:r>
+              <a:rPr lang="nb-NO" dirty="0" err="1" smtClean="0"/>
+              <a:t>vt</a:t>
+            </a:r>
+            <a:r>
+              <a:rPr lang="nb-NO" dirty="0" smtClean="0"/>
+              <a:t>-arenaserver</a:t>
             </a:r>
             <a:endParaRPr lang="nb-NO" dirty="0"/>
           </a:p>
@@ -11480,7 +11451,7 @@
     </p:spTree>
     <p:extLst>
       <p:ext uri="{BB962C8B-B14F-4D97-AF65-F5344CB8AC3E}">
-        <p14:creationId xmlns:p14="http://schemas.microsoft.com/office/powerpoint/2010/main" val="895653466"/>
+        <p14:creationId xmlns:p14="http://schemas.microsoft.com/office/powerpoint/2010/main" val="1779122630"/>
       </p:ext>
     </p:extLst>
   </p:cSld>
@@ -11523,10 +11494,6 @@
           <a:lstStyle/>
           <a:p>
             <a:r>
-              <a:rPr lang="nb-NO" dirty="0" smtClean="0"/>
-              <a:t>DIPS </a:t>
-            </a:r>
-            <a:r>
               <a:rPr lang="nb-NO" dirty="0" err="1" smtClean="0"/>
               <a:t>Powershell</a:t>
             </a:r>
@@ -11536,64 +11503,397 @@
             </a:r>
             <a:r>
               <a:rPr lang="nb-NO" dirty="0" err="1" smtClean="0"/>
+              <a:t>Modules</a:t>
+            </a:r>
+            <a:endParaRPr lang="nb-NO" dirty="0"/>
+          </a:p>
+        </p:txBody>
+      </p:sp>
+      <p:sp>
+        <p:nvSpPr>
+          <p:cNvPr id="3" name="Content Placeholder 2"/>
+          <p:cNvSpPr>
+            <a:spLocks noGrp="1"/>
+          </p:cNvSpPr>
+          <p:nvPr>
+            <p:ph idx="1"/>
+          </p:nvPr>
+        </p:nvSpPr>
+        <p:spPr/>
+        <p:txBody>
+          <a:bodyPr>
+            <a:normAutofit lnSpcReduction="10000"/>
+          </a:bodyPr>
+          <a:lstStyle/>
+          <a:p>
+            <a:r>
+              <a:rPr lang="nb-NO" dirty="0" err="1" smtClean="0"/>
+              <a:t>Powershell</a:t>
+            </a:r>
+            <a:r>
+              <a:rPr lang="nb-NO" dirty="0" smtClean="0"/>
+              <a:t> </a:t>
+            </a:r>
+            <a:r>
+              <a:rPr lang="nb-NO" dirty="0" err="1" smtClean="0"/>
               <a:t>modules</a:t>
             </a:r>
-            <a:endParaRPr lang="nb-NO" dirty="0"/>
-          </a:p>
-        </p:txBody>
-      </p:sp>
-      <p:sp>
-        <p:nvSpPr>
-          <p:cNvPr id="3" name="Content Placeholder 2"/>
-          <p:cNvSpPr>
-            <a:spLocks noGrp="1"/>
-          </p:cNvSpPr>
-          <p:nvPr>
-            <p:ph idx="1"/>
-          </p:nvPr>
-        </p:nvSpPr>
-        <p:spPr/>
-        <p:txBody>
-          <a:bodyPr/>
-          <a:lstStyle/>
-          <a:p>
+            <a:r>
+              <a:rPr lang="nb-NO" dirty="0" smtClean="0"/>
+              <a:t> </a:t>
+            </a:r>
+            <a:r>
+              <a:rPr lang="nb-NO" dirty="0" err="1" smtClean="0"/>
+              <a:t>are</a:t>
+            </a:r>
+            <a:r>
+              <a:rPr lang="nb-NO" dirty="0" smtClean="0"/>
+              <a:t> </a:t>
+            </a:r>
+            <a:r>
+              <a:rPr lang="nb-NO" dirty="0" err="1" smtClean="0"/>
+              <a:t>installed</a:t>
+            </a:r>
+            <a:r>
+              <a:rPr lang="nb-NO" dirty="0" smtClean="0"/>
+              <a:t> </a:t>
+            </a:r>
+            <a:r>
+              <a:rPr lang="nb-NO" dirty="0" err="1" smtClean="0"/>
+              <a:t>on</a:t>
+            </a:r>
+            <a:r>
+              <a:rPr lang="nb-NO" dirty="0" smtClean="0"/>
+              <a:t> </a:t>
+            </a:r>
+            <a:r>
+              <a:rPr lang="nb-NO" dirty="0" err="1" smtClean="0"/>
+              <a:t>the</a:t>
+            </a:r>
+            <a:r>
+              <a:rPr lang="nb-NO" dirty="0" smtClean="0"/>
+              <a:t> </a:t>
+            </a:r>
+            <a:r>
+              <a:rPr lang="nb-NO" dirty="0" err="1" smtClean="0"/>
+              <a:t>machine</a:t>
+            </a:r>
+            <a:r>
+              <a:rPr lang="nb-NO" dirty="0"/>
+              <a:t> at C:\Program </a:t>
+            </a:r>
+            <a:r>
+              <a:rPr lang="nb-NO" dirty="0" smtClean="0"/>
+              <a:t>Files\</a:t>
+            </a:r>
+            <a:r>
+              <a:rPr lang="nb-NO" dirty="0" err="1" smtClean="0"/>
+              <a:t>WindowsPowerShell</a:t>
+            </a:r>
+            <a:r>
+              <a:rPr lang="nb-NO" dirty="0" smtClean="0"/>
+              <a:t>\</a:t>
+            </a:r>
+            <a:r>
+              <a:rPr lang="nb-NO" dirty="0" err="1" smtClean="0"/>
+              <a:t>Modules</a:t>
+            </a:r>
+            <a:endParaRPr lang="nb-NO" dirty="0" smtClean="0"/>
+          </a:p>
+          <a:p>
+            <a:r>
+              <a:rPr lang="nb-NO" dirty="0" smtClean="0"/>
+              <a:t>A </a:t>
+            </a:r>
+            <a:r>
+              <a:rPr lang="nb-NO" dirty="0" err="1" smtClean="0"/>
+              <a:t>module</a:t>
+            </a:r>
+            <a:r>
+              <a:rPr lang="nb-NO" dirty="0" smtClean="0"/>
+              <a:t> </a:t>
+            </a:r>
+            <a:r>
+              <a:rPr lang="nb-NO" dirty="0" err="1" smtClean="0"/>
+              <a:t>contain</a:t>
+            </a:r>
+            <a:r>
+              <a:rPr lang="nb-NO" dirty="0" smtClean="0"/>
+              <a:t> a </a:t>
+            </a:r>
+            <a:r>
+              <a:rPr lang="nb-NO" dirty="0" err="1" smtClean="0"/>
+              <a:t>collection</a:t>
+            </a:r>
+            <a:r>
+              <a:rPr lang="nb-NO" dirty="0" smtClean="0"/>
+              <a:t> </a:t>
+            </a:r>
+            <a:r>
+              <a:rPr lang="nb-NO" dirty="0" err="1" smtClean="0"/>
+              <a:t>of</a:t>
+            </a:r>
+            <a:r>
+              <a:rPr lang="nb-NO" dirty="0" smtClean="0"/>
+              <a:t> </a:t>
+            </a:r>
+            <a:r>
+              <a:rPr lang="nb-NO" dirty="0" err="1" smtClean="0"/>
+              <a:t>functions</a:t>
+            </a:r>
+            <a:r>
+              <a:rPr lang="nb-NO" dirty="0" smtClean="0"/>
+              <a:t> </a:t>
+            </a:r>
+            <a:r>
+              <a:rPr lang="nb-NO" dirty="0" err="1" smtClean="0"/>
+              <a:t>that</a:t>
+            </a:r>
+            <a:r>
+              <a:rPr lang="nb-NO" dirty="0" smtClean="0"/>
+              <a:t> </a:t>
+            </a:r>
+            <a:r>
+              <a:rPr lang="nb-NO" dirty="0" err="1" smtClean="0"/>
+              <a:t>are</a:t>
+            </a:r>
+            <a:r>
+              <a:rPr lang="nb-NO" dirty="0" smtClean="0"/>
+              <a:t> </a:t>
+            </a:r>
+            <a:r>
+              <a:rPr lang="nb-NO" dirty="0" err="1" smtClean="0"/>
+              <a:t>globally</a:t>
+            </a:r>
+            <a:r>
+              <a:rPr lang="nb-NO" dirty="0" smtClean="0"/>
+              <a:t> </a:t>
+            </a:r>
+            <a:r>
+              <a:rPr lang="nb-NO" dirty="0" err="1" smtClean="0"/>
+              <a:t>available</a:t>
+            </a:r>
+            <a:r>
+              <a:rPr lang="nb-NO" dirty="0" smtClean="0"/>
+              <a:t> </a:t>
+            </a:r>
+            <a:r>
+              <a:rPr lang="nb-NO" dirty="0" err="1" smtClean="0"/>
+              <a:t>on</a:t>
+            </a:r>
+            <a:r>
+              <a:rPr lang="nb-NO" dirty="0" smtClean="0"/>
+              <a:t> </a:t>
+            </a:r>
+            <a:r>
+              <a:rPr lang="nb-NO" dirty="0" err="1" smtClean="0"/>
+              <a:t>the</a:t>
+            </a:r>
+            <a:r>
+              <a:rPr lang="nb-NO" dirty="0" smtClean="0"/>
+              <a:t> </a:t>
+            </a:r>
+            <a:r>
+              <a:rPr lang="nb-NO" dirty="0" err="1" smtClean="0"/>
+              <a:t>machine</a:t>
+            </a:r>
+            <a:endParaRPr lang="nb-NO" dirty="0" smtClean="0"/>
+          </a:p>
+          <a:p>
+            <a:r>
+              <a:rPr lang="nb-NO" dirty="0" smtClean="0"/>
+              <a:t>Ex: </a:t>
+            </a:r>
+            <a:r>
+              <a:rPr lang="nb-NO" dirty="0" err="1" smtClean="0"/>
+              <a:t>the</a:t>
+            </a:r>
+            <a:r>
+              <a:rPr lang="nb-NO" dirty="0" smtClean="0"/>
+              <a:t> </a:t>
+            </a:r>
+            <a:r>
+              <a:rPr lang="nb-NO" dirty="0" err="1" smtClean="0"/>
+              <a:t>module</a:t>
+            </a:r>
+            <a:r>
+              <a:rPr lang="nb-NO" dirty="0" smtClean="0"/>
+              <a:t> </a:t>
+            </a:r>
             <a:r>
               <a:rPr lang="nb-NO" dirty="0" err="1" smtClean="0"/>
               <a:t>DIPSChoco</a:t>
             </a:r>
-            <a:endParaRPr lang="nb-NO" dirty="0" smtClean="0"/>
-          </a:p>
-          <a:p>
-            <a:r>
-              <a:rPr lang="nb-NO" dirty="0" smtClean="0"/>
-              <a:t>DIPS.IIS</a:t>
-            </a:r>
-          </a:p>
-          <a:p>
-            <a:r>
-              <a:rPr lang="nb-NO" dirty="0" err="1" smtClean="0"/>
-              <a:t>DIPS.Config</a:t>
-            </a:r>
-            <a:endParaRPr lang="nb-NO" dirty="0" smtClean="0"/>
-          </a:p>
-          <a:p>
-            <a:r>
-              <a:rPr lang="nb-NO" dirty="0" err="1" smtClean="0"/>
-              <a:t>DIPSDatabaseReset</a:t>
-            </a:r>
-            <a:endParaRPr lang="nb-NO" dirty="0" smtClean="0"/>
-          </a:p>
-          <a:p>
-            <a:r>
-              <a:rPr lang="nb-NO" dirty="0" err="1" smtClean="0"/>
-              <a:t>DIPSDBUpgrade</a:t>
-            </a:r>
-            <a:endParaRPr lang="nb-NO" dirty="0" smtClean="0"/>
-          </a:p>
-          <a:p>
-            <a:r>
-              <a:rPr lang="nb-NO" dirty="0" err="1" smtClean="0"/>
-              <a:t>DIPSMartUpgrade</a:t>
+            <a:r>
+              <a:rPr lang="nb-NO" dirty="0" smtClean="0"/>
+              <a:t> </a:t>
+            </a:r>
+            <a:r>
+              <a:rPr lang="nb-NO" dirty="0" err="1" smtClean="0"/>
+              <a:t>contains</a:t>
+            </a:r>
+            <a:r>
+              <a:rPr lang="nb-NO" dirty="0" smtClean="0"/>
+              <a:t> </a:t>
+            </a:r>
+            <a:r>
+              <a:rPr lang="nb-NO" dirty="0" err="1" smtClean="0"/>
+              <a:t>functions</a:t>
+            </a:r>
+            <a:r>
+              <a:rPr lang="nb-NO" dirty="0" smtClean="0"/>
+              <a:t> for </a:t>
+            </a:r>
+            <a:r>
+              <a:rPr lang="nb-NO" dirty="0" err="1" smtClean="0"/>
+              <a:t>copying</a:t>
+            </a:r>
+            <a:r>
+              <a:rPr lang="nb-NO" dirty="0" smtClean="0"/>
+              <a:t> files from a </a:t>
+            </a:r>
+            <a:r>
+              <a:rPr lang="nb-NO" dirty="0" err="1" smtClean="0"/>
+              <a:t>chocolateypackage</a:t>
+            </a:r>
+            <a:r>
+              <a:rPr lang="nb-NO" dirty="0" smtClean="0"/>
+              <a:t> to a </a:t>
+            </a:r>
+            <a:r>
+              <a:rPr lang="nb-NO" dirty="0" err="1" smtClean="0"/>
+              <a:t>specified</a:t>
+            </a:r>
+            <a:r>
+              <a:rPr lang="nb-NO" dirty="0" smtClean="0"/>
+              <a:t> </a:t>
+            </a:r>
+            <a:r>
+              <a:rPr lang="nb-NO" dirty="0" err="1" smtClean="0"/>
+              <a:t>destination</a:t>
+            </a:r>
+            <a:r>
+              <a:rPr lang="nb-NO" dirty="0" smtClean="0"/>
+              <a:t>.</a:t>
+            </a:r>
+          </a:p>
+          <a:p>
+            <a:r>
+              <a:rPr lang="nb-NO" dirty="0" err="1" smtClean="0"/>
+              <a:t>Module</a:t>
+            </a:r>
+            <a:r>
+              <a:rPr lang="nb-NO" dirty="0" smtClean="0"/>
+              <a:t> </a:t>
+            </a:r>
+            <a:r>
+              <a:rPr lang="nb-NO" dirty="0" err="1" smtClean="0"/>
+              <a:t>functions</a:t>
+            </a:r>
+            <a:r>
+              <a:rPr lang="nb-NO" dirty="0" smtClean="0"/>
+              <a:t> </a:t>
+            </a:r>
+            <a:r>
+              <a:rPr lang="nb-NO" dirty="0" err="1" smtClean="0"/>
+              <a:t>can</a:t>
+            </a:r>
+            <a:r>
+              <a:rPr lang="nb-NO" dirty="0" smtClean="0"/>
+              <a:t> be </a:t>
+            </a:r>
+            <a:r>
+              <a:rPr lang="nb-NO" dirty="0" err="1" smtClean="0"/>
+              <a:t>defined</a:t>
+            </a:r>
+            <a:r>
+              <a:rPr lang="nb-NO" dirty="0" smtClean="0"/>
+              <a:t> in </a:t>
+            </a:r>
+            <a:r>
+              <a:rPr lang="nb-NO" dirty="0" err="1" smtClean="0"/>
+              <a:t>dll’s</a:t>
+            </a:r>
+            <a:r>
+              <a:rPr lang="nb-NO" dirty="0" smtClean="0"/>
+              <a:t> or in </a:t>
+            </a:r>
+            <a:r>
+              <a:rPr lang="nb-NO" dirty="0" err="1" smtClean="0"/>
+              <a:t>powershell</a:t>
+            </a:r>
+            <a:r>
+              <a:rPr lang="nb-NO" dirty="0" smtClean="0"/>
+              <a:t> scripts (*.psm1)</a:t>
+            </a:r>
+          </a:p>
+          <a:p>
+            <a:r>
+              <a:rPr lang="nb-NO" dirty="0" smtClean="0"/>
+              <a:t>To </a:t>
+            </a:r>
+            <a:r>
+              <a:rPr lang="nb-NO" dirty="0" err="1" smtClean="0"/>
+              <a:t>get</a:t>
+            </a:r>
+            <a:r>
+              <a:rPr lang="nb-NO" dirty="0" smtClean="0"/>
+              <a:t> a list </a:t>
+            </a:r>
+            <a:r>
+              <a:rPr lang="nb-NO" dirty="0" err="1" smtClean="0"/>
+              <a:t>of</a:t>
+            </a:r>
+            <a:r>
+              <a:rPr lang="nb-NO" dirty="0" smtClean="0"/>
+              <a:t> all </a:t>
+            </a:r>
+            <a:r>
+              <a:rPr lang="nb-NO" dirty="0" err="1" smtClean="0"/>
+              <a:t>installed</a:t>
+            </a:r>
+            <a:r>
+              <a:rPr lang="nb-NO" dirty="0" smtClean="0"/>
+              <a:t> </a:t>
+            </a:r>
+            <a:r>
+              <a:rPr lang="nb-NO" dirty="0" err="1" smtClean="0"/>
+              <a:t>modules</a:t>
+            </a:r>
+            <a:r>
+              <a:rPr lang="nb-NO" dirty="0" smtClean="0"/>
+              <a:t> and </a:t>
+            </a:r>
+            <a:r>
+              <a:rPr lang="nb-NO" dirty="0" err="1" smtClean="0"/>
+              <a:t>their</a:t>
+            </a:r>
+            <a:r>
+              <a:rPr lang="nb-NO" dirty="0" smtClean="0"/>
+              <a:t> </a:t>
+            </a:r>
+            <a:r>
+              <a:rPr lang="nb-NO" dirty="0" err="1" smtClean="0"/>
+              <a:t>functions</a:t>
+            </a:r>
+            <a:r>
+              <a:rPr lang="nb-NO" dirty="0" smtClean="0"/>
+              <a:t>:</a:t>
+            </a:r>
+          </a:p>
+          <a:p>
+            <a:pPr lvl="1"/>
+            <a:r>
+              <a:rPr lang="nb-NO" dirty="0" err="1" smtClean="0"/>
+              <a:t>Get-Module</a:t>
+            </a:r>
+            <a:r>
+              <a:rPr lang="nb-NO" dirty="0" smtClean="0"/>
+              <a:t> -</a:t>
+            </a:r>
+            <a:r>
+              <a:rPr lang="nb-NO" dirty="0" err="1" smtClean="0"/>
+              <a:t>Listavailable</a:t>
             </a:r>
             <a:endParaRPr lang="nb-NO" dirty="0"/>
           </a:p>
@@ -11602,7 +11902,7 @@
     </p:spTree>
     <p:extLst>
       <p:ext uri="{BB962C8B-B14F-4D97-AF65-F5344CB8AC3E}">
-        <p14:creationId xmlns:p14="http://schemas.microsoft.com/office/powerpoint/2010/main" val="3196229747"/>
+        <p14:creationId xmlns:p14="http://schemas.microsoft.com/office/powerpoint/2010/main" val="895653466"/>
       </p:ext>
     </p:extLst>
   </p:cSld>
@@ -11646,54 +11946,85 @@
           <a:p>
             <a:r>
               <a:rPr lang="nb-NO" dirty="0" smtClean="0"/>
-              <a:t>Script </a:t>
-            </a:r>
-            <a:r>
-              <a:rPr lang="nb-NO" dirty="0" err="1" smtClean="0"/>
-              <a:t>execution</a:t>
-            </a:r>
-            <a:r>
-              <a:rPr lang="nb-NO" dirty="0" smtClean="0"/>
-              <a:t> </a:t>
-            </a:r>
-            <a:r>
-              <a:rPr lang="nb-NO" dirty="0" err="1" smtClean="0"/>
-              <a:t>permissions</a:t>
+              <a:t>DIPS </a:t>
+            </a:r>
+            <a:r>
+              <a:rPr lang="nb-NO" dirty="0" err="1" smtClean="0"/>
+              <a:t>Powershell</a:t>
+            </a:r>
+            <a:r>
+              <a:rPr lang="nb-NO" dirty="0" smtClean="0"/>
+              <a:t> </a:t>
+            </a:r>
+            <a:r>
+              <a:rPr lang="nb-NO" dirty="0" err="1" smtClean="0"/>
+              <a:t>modules</a:t>
             </a:r>
             <a:endParaRPr lang="nb-NO" dirty="0"/>
           </a:p>
         </p:txBody>
       </p:sp>
-      <p:pic>
-        <p:nvPicPr>
-          <p:cNvPr id="4" name="Content Placeholder 3"/>
-          <p:cNvPicPr>
-            <a:picLocks noGrp="1" noChangeAspect="1"/>
-          </p:cNvPicPr>
+      <p:sp>
+        <p:nvSpPr>
+          <p:cNvPr id="3" name="Content Placeholder 2"/>
+          <p:cNvSpPr>
+            <a:spLocks noGrp="1"/>
+          </p:cNvSpPr>
           <p:nvPr>
             <p:ph idx="1"/>
           </p:nvPr>
-        </p:nvPicPr>
-        <p:blipFill>
-          <a:blip r:embed="rId2"/>
-          <a:stretch>
-            <a:fillRect/>
-          </a:stretch>
-        </p:blipFill>
-        <p:spPr>
-          <a:xfrm>
-            <a:off x="838200" y="1690688"/>
-            <a:ext cx="8115300" cy="1876425"/>
-          </a:xfrm>
-          <a:prstGeom prst="rect">
-            <a:avLst/>
-          </a:prstGeom>
-        </p:spPr>
-      </p:pic>
+        </p:nvSpPr>
+        <p:spPr/>
+        <p:txBody>
+          <a:bodyPr/>
+          <a:lstStyle/>
+          <a:p>
+            <a:r>
+              <a:rPr lang="nb-NO" dirty="0" err="1" smtClean="0"/>
+              <a:t>DIPSChoco</a:t>
+            </a:r>
+            <a:endParaRPr lang="nb-NO" dirty="0" smtClean="0"/>
+          </a:p>
+          <a:p>
+            <a:r>
+              <a:rPr lang="nb-NO" dirty="0" smtClean="0"/>
+              <a:t>DIPS.IIS</a:t>
+            </a:r>
+          </a:p>
+          <a:p>
+            <a:r>
+              <a:rPr lang="nb-NO" dirty="0" err="1" smtClean="0"/>
+              <a:t>DIPS.Config</a:t>
+            </a:r>
+            <a:endParaRPr lang="nb-NO" dirty="0" smtClean="0"/>
+          </a:p>
+          <a:p>
+            <a:r>
+              <a:rPr lang="nb-NO" dirty="0" err="1" smtClean="0"/>
+              <a:t>DIPSDatabaseReset</a:t>
+            </a:r>
+            <a:endParaRPr lang="nb-NO" dirty="0" smtClean="0"/>
+          </a:p>
+          <a:p>
+            <a:r>
+              <a:rPr lang="nb-NO" dirty="0" err="1" smtClean="0"/>
+              <a:t>DIPSDBUpgrade</a:t>
+            </a:r>
+            <a:endParaRPr lang="nb-NO" dirty="0" smtClean="0"/>
+          </a:p>
+          <a:p>
+            <a:r>
+              <a:rPr lang="nb-NO" dirty="0" err="1" smtClean="0"/>
+              <a:t>DIPSMartUpgrade</a:t>
+            </a:r>
+            <a:endParaRPr lang="nb-NO" dirty="0"/>
+          </a:p>
+        </p:txBody>
+      </p:sp>
     </p:spTree>
     <p:extLst>
       <p:ext uri="{BB962C8B-B14F-4D97-AF65-F5344CB8AC3E}">
-        <p14:creationId xmlns:p14="http://schemas.microsoft.com/office/powerpoint/2010/main" val="2409781447"/>
+        <p14:creationId xmlns:p14="http://schemas.microsoft.com/office/powerpoint/2010/main" val="3196229747"/>
       </p:ext>
     </p:extLst>
   </p:cSld>
@@ -11736,19 +12067,19 @@
           <a:lstStyle/>
           <a:p>
             <a:r>
-              <a:rPr lang="nb-NO" dirty="0"/>
+              <a:rPr lang="nb-NO" dirty="0" smtClean="0"/>
               <a:t>Script </a:t>
             </a:r>
             <a:r>
-              <a:rPr lang="nb-NO" dirty="0" err="1"/>
+              <a:rPr lang="nb-NO" dirty="0" err="1" smtClean="0"/>
               <a:t>execution</a:t>
             </a:r>
             <a:r>
-              <a:rPr lang="nb-NO" dirty="0"/>
-              <a:t> </a:t>
-            </a:r>
-            <a:r>
-              <a:rPr lang="nb-NO" dirty="0" err="1"/>
+              <a:rPr lang="nb-NO" dirty="0" smtClean="0"/>
+              <a:t> </a:t>
+            </a:r>
+            <a:r>
+              <a:rPr lang="nb-NO" dirty="0" err="1" smtClean="0"/>
               <a:t>permissions</a:t>
             </a:r>
             <a:endParaRPr lang="nb-NO" dirty="0"/>
@@ -11773,8 +12104,8 @@
         </p:blipFill>
         <p:spPr>
           <a:xfrm>
-            <a:off x="838200" y="2172494"/>
-            <a:ext cx="2914650" cy="1828800"/>
+            <a:off x="838200" y="1690688"/>
+            <a:ext cx="8115300" cy="1876425"/>
           </a:xfrm>
           <a:prstGeom prst="rect">
             <a:avLst/>
@@ -11784,7 +12115,7 @@
     </p:spTree>
     <p:extLst>
       <p:ext uri="{BB962C8B-B14F-4D97-AF65-F5344CB8AC3E}">
-        <p14:creationId xmlns:p14="http://schemas.microsoft.com/office/powerpoint/2010/main" val="1609594190"/>
+        <p14:creationId xmlns:p14="http://schemas.microsoft.com/office/powerpoint/2010/main" val="2409781447"/>
       </p:ext>
     </p:extLst>
   </p:cSld>
@@ -11978,6 +12309,97 @@
         </p:blipFill>
         <p:spPr>
           <a:xfrm>
+            <a:off x="838200" y="2172494"/>
+            <a:ext cx="2914650" cy="1828800"/>
+          </a:xfrm>
+          <a:prstGeom prst="rect">
+            <a:avLst/>
+          </a:prstGeom>
+        </p:spPr>
+      </p:pic>
+    </p:spTree>
+    <p:extLst>
+      <p:ext uri="{BB962C8B-B14F-4D97-AF65-F5344CB8AC3E}">
+        <p14:creationId xmlns:p14="http://schemas.microsoft.com/office/powerpoint/2010/main" val="1609594190"/>
+      </p:ext>
+    </p:extLst>
+  </p:cSld>
+  <p:clrMapOvr>
+    <a:masterClrMapping/>
+  </p:clrMapOvr>
+</p:sld>
+</file>
+
+<file path=ppt/slides/slide51.xml><?xml version="1.0" encoding="utf-8"?>
+<p:sld xmlns:a="http://schemas.openxmlformats.org/drawingml/2006/main" xmlns:r="http://schemas.openxmlformats.org/officeDocument/2006/relationships" xmlns:p="http://schemas.openxmlformats.org/presentationml/2006/main">
+  <p:cSld>
+    <p:spTree>
+      <p:nvGrpSpPr>
+        <p:cNvPr id="1" name=""/>
+        <p:cNvGrpSpPr/>
+        <p:nvPr/>
+      </p:nvGrpSpPr>
+      <p:grpSpPr>
+        <a:xfrm>
+          <a:off x="0" y="0"/>
+          <a:ext cx="0" cy="0"/>
+          <a:chOff x="0" y="0"/>
+          <a:chExt cx="0" cy="0"/>
+        </a:xfrm>
+      </p:grpSpPr>
+      <p:sp>
+        <p:nvSpPr>
+          <p:cNvPr id="2" name="Title 1"/>
+          <p:cNvSpPr>
+            <a:spLocks noGrp="1"/>
+          </p:cNvSpPr>
+          <p:nvPr>
+            <p:ph type="title"/>
+          </p:nvPr>
+        </p:nvSpPr>
+        <p:spPr/>
+        <p:txBody>
+          <a:bodyPr/>
+          <a:lstStyle/>
+          <a:p>
+            <a:r>
+              <a:rPr lang="nb-NO" dirty="0"/>
+              <a:t>Script </a:t>
+            </a:r>
+            <a:r>
+              <a:rPr lang="nb-NO" dirty="0" err="1"/>
+              <a:t>execution</a:t>
+            </a:r>
+            <a:r>
+              <a:rPr lang="nb-NO" dirty="0"/>
+              <a:t> </a:t>
+            </a:r>
+            <a:r>
+              <a:rPr lang="nb-NO" dirty="0" err="1"/>
+              <a:t>permissions</a:t>
+            </a:r>
+            <a:endParaRPr lang="nb-NO" dirty="0"/>
+          </a:p>
+        </p:txBody>
+      </p:sp>
+      <p:pic>
+        <p:nvPicPr>
+          <p:cNvPr id="4" name="Content Placeholder 3"/>
+          <p:cNvPicPr>
+            <a:picLocks noGrp="1" noChangeAspect="1"/>
+          </p:cNvPicPr>
+          <p:nvPr>
+            <p:ph idx="1"/>
+          </p:nvPr>
+        </p:nvPicPr>
+        <p:blipFill>
+          <a:blip r:embed="rId2"/>
+          <a:stretch>
+            <a:fillRect/>
+          </a:stretch>
+        </p:blipFill>
+        <p:spPr>
+          <a:xfrm>
             <a:off x="838200" y="2251811"/>
             <a:ext cx="8124825" cy="2019300"/>
           </a:xfrm>
@@ -11999,7 +12421,7 @@
 </p:sld>
 </file>
 
-<file path=ppt/slides/slide51.xml><?xml version="1.0" encoding="utf-8"?>
+<file path=ppt/slides/slide52.xml><?xml version="1.0" encoding="utf-8"?>
 <p:sld xmlns:a="http://schemas.openxmlformats.org/drawingml/2006/main" xmlns:r="http://schemas.openxmlformats.org/officeDocument/2006/relationships" xmlns:p="http://schemas.openxmlformats.org/presentationml/2006/main">
   <p:cSld>
     <p:spTree>
@@ -12114,212 +12536,6 @@
 </p:sld>
 </file>
 
-<file path=ppt/slides/slide52.xml><?xml version="1.0" encoding="utf-8"?>
-<p:sld xmlns:a="http://schemas.openxmlformats.org/drawingml/2006/main" xmlns:r="http://schemas.openxmlformats.org/officeDocument/2006/relationships" xmlns:p="http://schemas.openxmlformats.org/presentationml/2006/main">
-  <p:cSld>
-    <p:spTree>
-      <p:nvGrpSpPr>
-        <p:cNvPr id="1" name=""/>
-        <p:cNvGrpSpPr/>
-        <p:nvPr/>
-      </p:nvGrpSpPr>
-      <p:grpSpPr>
-        <a:xfrm>
-          <a:off x="0" y="0"/>
-          <a:ext cx="0" cy="0"/>
-          <a:chOff x="0" y="0"/>
-          <a:chExt cx="0" cy="0"/>
-        </a:xfrm>
-      </p:grpSpPr>
-      <p:sp>
-        <p:nvSpPr>
-          <p:cNvPr id="2" name="Title 1"/>
-          <p:cNvSpPr>
-            <a:spLocks noGrp="1"/>
-          </p:cNvSpPr>
-          <p:nvPr>
-            <p:ph type="title"/>
-          </p:nvPr>
-        </p:nvSpPr>
-        <p:spPr/>
-        <p:txBody>
-          <a:bodyPr/>
-          <a:lstStyle/>
-          <a:p>
-            <a:r>
-              <a:rPr lang="nb-NO" dirty="0" smtClean="0"/>
-              <a:t>DIPS </a:t>
-            </a:r>
-            <a:r>
-              <a:rPr lang="nb-NO" dirty="0" err="1" smtClean="0"/>
-              <a:t>DeliveryPackages</a:t>
-            </a:r>
-            <a:endParaRPr lang="nb-NO" dirty="0"/>
-          </a:p>
-        </p:txBody>
-      </p:sp>
-      <p:sp>
-        <p:nvSpPr>
-          <p:cNvPr id="3" name="Content Placeholder 2"/>
-          <p:cNvSpPr>
-            <a:spLocks noGrp="1"/>
-          </p:cNvSpPr>
-          <p:nvPr>
-            <p:ph idx="1"/>
-          </p:nvPr>
-        </p:nvSpPr>
-        <p:spPr/>
-        <p:txBody>
-          <a:bodyPr/>
-          <a:lstStyle/>
-          <a:p>
-            <a:r>
-              <a:rPr lang="nb-NO" dirty="0" smtClean="0"/>
-              <a:t>A </a:t>
-            </a:r>
-            <a:r>
-              <a:rPr lang="nb-NO" dirty="0" err="1" smtClean="0"/>
-              <a:t>collection</a:t>
-            </a:r>
-            <a:r>
-              <a:rPr lang="nb-NO" dirty="0" smtClean="0"/>
-              <a:t> </a:t>
-            </a:r>
-            <a:r>
-              <a:rPr lang="nb-NO" dirty="0" err="1" smtClean="0"/>
-              <a:t>of</a:t>
-            </a:r>
-            <a:r>
-              <a:rPr lang="nb-NO" dirty="0" smtClean="0"/>
-              <a:t> </a:t>
-            </a:r>
-            <a:r>
-              <a:rPr lang="nb-NO" dirty="0" err="1" smtClean="0"/>
-              <a:t>chocolatey</a:t>
-            </a:r>
-            <a:r>
-              <a:rPr lang="nb-NO" dirty="0" smtClean="0"/>
-              <a:t> </a:t>
-            </a:r>
-            <a:r>
-              <a:rPr lang="nb-NO" dirty="0" err="1" smtClean="0"/>
-              <a:t>packages</a:t>
-            </a:r>
-            <a:r>
-              <a:rPr lang="nb-NO" dirty="0" smtClean="0"/>
-              <a:t> for an Arena Client, Server, etc. </a:t>
-            </a:r>
-            <a:r>
-              <a:rPr lang="nb-NO" dirty="0" err="1" smtClean="0"/>
-              <a:t>installation</a:t>
-            </a:r>
-            <a:endParaRPr lang="nb-NO" dirty="0" smtClean="0"/>
-          </a:p>
-          <a:p>
-            <a:r>
-              <a:rPr lang="nb-NO" dirty="0" err="1" smtClean="0"/>
-              <a:t>Zip</a:t>
-            </a:r>
-            <a:r>
-              <a:rPr lang="nb-NO" dirty="0" smtClean="0"/>
-              <a:t> </a:t>
-            </a:r>
-            <a:r>
-              <a:rPr lang="nb-NO" dirty="0" err="1" smtClean="0"/>
-              <a:t>archive</a:t>
-            </a:r>
-            <a:r>
-              <a:rPr lang="nb-NO" dirty="0" smtClean="0"/>
-              <a:t> </a:t>
-            </a:r>
-            <a:r>
-              <a:rPr lang="nb-NO" dirty="0" err="1" smtClean="0"/>
-              <a:t>containing</a:t>
-            </a:r>
-            <a:r>
-              <a:rPr lang="nb-NO" dirty="0" smtClean="0"/>
-              <a:t> </a:t>
-            </a:r>
-            <a:r>
-              <a:rPr lang="nb-NO" dirty="0" err="1" smtClean="0"/>
-              <a:t>chocolatey</a:t>
-            </a:r>
-            <a:r>
-              <a:rPr lang="nb-NO" dirty="0" smtClean="0"/>
-              <a:t> </a:t>
-            </a:r>
-            <a:r>
-              <a:rPr lang="nb-NO" dirty="0" err="1" smtClean="0"/>
-              <a:t>packages</a:t>
-            </a:r>
-            <a:r>
-              <a:rPr lang="nb-NO" dirty="0" smtClean="0"/>
-              <a:t> (offline </a:t>
-            </a:r>
-            <a:r>
-              <a:rPr lang="nb-NO" dirty="0" err="1" smtClean="0"/>
-              <a:t>source</a:t>
-            </a:r>
-            <a:r>
-              <a:rPr lang="nb-NO" dirty="0" smtClean="0"/>
-              <a:t>), </a:t>
-            </a:r>
-            <a:r>
-              <a:rPr lang="nb-NO" dirty="0" err="1" smtClean="0"/>
-              <a:t>parameterfiles</a:t>
-            </a:r>
-            <a:r>
-              <a:rPr lang="nb-NO" dirty="0" smtClean="0"/>
-              <a:t>, and </a:t>
-            </a:r>
-            <a:r>
-              <a:rPr lang="nb-NO" dirty="0" err="1" smtClean="0"/>
-              <a:t>setup</a:t>
-            </a:r>
-            <a:r>
-              <a:rPr lang="nb-NO" dirty="0" smtClean="0"/>
-              <a:t> scripts to </a:t>
-            </a:r>
-            <a:r>
-              <a:rPr lang="nb-NO" dirty="0" err="1" smtClean="0"/>
-              <a:t>ease</a:t>
-            </a:r>
-            <a:r>
-              <a:rPr lang="nb-NO" dirty="0" smtClean="0"/>
-              <a:t> </a:t>
-            </a:r>
-            <a:r>
-              <a:rPr lang="nb-NO" dirty="0" err="1" smtClean="0"/>
-              <a:t>the</a:t>
-            </a:r>
-            <a:r>
-              <a:rPr lang="nb-NO" dirty="0" smtClean="0"/>
-              <a:t> </a:t>
-            </a:r>
-            <a:r>
-              <a:rPr lang="nb-NO" dirty="0" err="1" smtClean="0"/>
-              <a:t>installation</a:t>
-            </a:r>
-            <a:r>
-              <a:rPr lang="nb-NO" dirty="0" smtClean="0"/>
-              <a:t>.</a:t>
-            </a:r>
-          </a:p>
-        </p:txBody>
-      </p:sp>
-    </p:spTree>
-    <p:extLst>
-      <p:ext uri="{BB962C8B-B14F-4D97-AF65-F5344CB8AC3E}">
-        <p14:creationId xmlns:p14="http://schemas.microsoft.com/office/powerpoint/2010/main" val="1891317082"/>
-      </p:ext>
-    </p:extLst>
-  </p:cSld>
-  <p:clrMapOvr>
-    <a:masterClrMapping/>
-  </p:clrMapOvr>
-</p:sld>
-</file>
-
 <file path=ppt/slides/slide53.xml><?xml version="1.0" encoding="utf-8"?>
 <p:sld xmlns:a="http://schemas.openxmlformats.org/drawingml/2006/main" xmlns:r="http://schemas.openxmlformats.org/officeDocument/2006/relationships" xmlns:p="http://schemas.openxmlformats.org/presentationml/2006/main">
   <p:cSld>
@@ -12353,9 +12569,14 @@
           <a:lstStyle/>
           <a:p>
             <a:r>
-              <a:rPr lang="nb-NO" dirty="0"/>
-              <a:t>Setup.ps1</a:t>
-            </a:r>
+              <a:rPr lang="nb-NO" dirty="0" smtClean="0"/>
+              <a:t>DIPS </a:t>
+            </a:r>
+            <a:r>
+              <a:rPr lang="nb-NO" dirty="0" err="1" smtClean="0"/>
+              <a:t>DeliveryPackages</a:t>
+            </a:r>
+            <a:endParaRPr lang="nb-NO" dirty="0"/>
           </a:p>
         </p:txBody>
       </p:sp>
@@ -12376,118 +12597,142 @@
           <a:p>
             <a:r>
               <a:rPr lang="nb-NO" dirty="0" smtClean="0"/>
-              <a:t>Reads </a:t>
-            </a:r>
-            <a:r>
-              <a:rPr lang="nb-NO" dirty="0" err="1" smtClean="0"/>
-              <a:t>install_parameters.config</a:t>
-            </a:r>
-            <a:r>
-              <a:rPr lang="nb-NO" dirty="0" smtClean="0"/>
-              <a:t> and </a:t>
-            </a:r>
-            <a:r>
-              <a:rPr lang="nb-NO" dirty="0" err="1" smtClean="0"/>
-              <a:t>parameterMappings.config</a:t>
+              <a:t>A </a:t>
+            </a:r>
+            <a:r>
+              <a:rPr lang="nb-NO" dirty="0" err="1" smtClean="0"/>
+              <a:t>collection</a:t>
+            </a:r>
+            <a:r>
+              <a:rPr lang="nb-NO" dirty="0" smtClean="0"/>
+              <a:t> </a:t>
+            </a:r>
+            <a:r>
+              <a:rPr lang="nb-NO" dirty="0" err="1" smtClean="0"/>
+              <a:t>of</a:t>
+            </a:r>
+            <a:r>
+              <a:rPr lang="nb-NO" dirty="0" smtClean="0"/>
+              <a:t> </a:t>
+            </a:r>
+            <a:r>
+              <a:rPr lang="nb-NO" dirty="0" err="1" smtClean="0"/>
+              <a:t>chocolatey</a:t>
+            </a:r>
+            <a:r>
+              <a:rPr lang="nb-NO" dirty="0" smtClean="0"/>
+              <a:t> </a:t>
+            </a:r>
+            <a:r>
+              <a:rPr lang="nb-NO" dirty="0" err="1" smtClean="0"/>
+              <a:t>packages</a:t>
+            </a:r>
+            <a:r>
+              <a:rPr lang="nb-NO" dirty="0" smtClean="0"/>
+              <a:t> for an Arena Client, Server, etc. </a:t>
+            </a:r>
+            <a:r>
+              <a:rPr lang="nb-NO" dirty="0" err="1" smtClean="0"/>
+              <a:t>installation</a:t>
             </a:r>
             <a:endParaRPr lang="nb-NO" dirty="0" smtClean="0"/>
           </a:p>
           <a:p>
             <a:r>
-              <a:rPr lang="nb-NO" dirty="0" smtClean="0"/>
-              <a:t>Writes final-</a:t>
-            </a:r>
-            <a:r>
-              <a:rPr lang="nb-NO" dirty="0" err="1" smtClean="0"/>
-              <a:t>packages.config</a:t>
-            </a:r>
-            <a:r>
-              <a:rPr lang="nb-NO" dirty="0" smtClean="0"/>
-              <a:t>, </a:t>
-            </a:r>
-            <a:r>
-              <a:rPr lang="nb-NO" dirty="0" err="1" smtClean="0"/>
-              <a:t>which</a:t>
-            </a:r>
-            <a:r>
-              <a:rPr lang="nb-NO" dirty="0" smtClean="0"/>
-              <a:t> </a:t>
-            </a:r>
-            <a:r>
-              <a:rPr lang="nb-NO" dirty="0" err="1" smtClean="0"/>
-              <a:t>will</a:t>
-            </a:r>
-            <a:r>
-              <a:rPr lang="nb-NO" dirty="0" smtClean="0"/>
-              <a:t> </a:t>
-            </a:r>
-            <a:r>
-              <a:rPr lang="nb-NO" dirty="0" err="1" smtClean="0"/>
-              <a:t>set</a:t>
-            </a:r>
-            <a:r>
-              <a:rPr lang="nb-NO" dirty="0" smtClean="0"/>
-              <a:t> parameters for </a:t>
-            </a:r>
-            <a:r>
-              <a:rPr lang="nb-NO" dirty="0" err="1" smtClean="0"/>
-              <a:t>each</a:t>
-            </a:r>
-            <a:r>
-              <a:rPr lang="nb-NO" dirty="0" smtClean="0"/>
-              <a:t> </a:t>
-            </a:r>
-            <a:r>
-              <a:rPr lang="nb-NO" dirty="0" err="1" smtClean="0"/>
-              <a:t>individual</a:t>
-            </a:r>
-            <a:r>
-              <a:rPr lang="nb-NO" dirty="0" smtClean="0"/>
-              <a:t> </a:t>
-            </a:r>
-            <a:r>
-              <a:rPr lang="nb-NO" dirty="0" err="1" smtClean="0"/>
-              <a:t>package</a:t>
-            </a:r>
-            <a:endParaRPr lang="nb-NO" dirty="0" smtClean="0"/>
-          </a:p>
-          <a:p>
-            <a:r>
-              <a:rPr lang="nb-NO" dirty="0" err="1" smtClean="0"/>
-              <a:t>Executes</a:t>
-            </a:r>
-            <a:r>
-              <a:rPr lang="nb-NO" dirty="0" smtClean="0"/>
-              <a:t>: </a:t>
-            </a:r>
-            <a:r>
-              <a:rPr lang="nb-NO" dirty="0" err="1" smtClean="0"/>
-              <a:t>choco</a:t>
-            </a:r>
-            <a:r>
-              <a:rPr lang="nb-NO" dirty="0" smtClean="0"/>
-              <a:t> </a:t>
-            </a:r>
-            <a:r>
-              <a:rPr lang="nb-NO" dirty="0" err="1" smtClean="0"/>
-              <a:t>install</a:t>
-            </a:r>
-            <a:r>
-              <a:rPr lang="nb-NO" dirty="0" smtClean="0"/>
-              <a:t> final-</a:t>
-            </a:r>
-            <a:r>
-              <a:rPr lang="nb-NO" dirty="0" err="1" smtClean="0"/>
-              <a:t>packages.config</a:t>
-            </a:r>
-            <a:endParaRPr lang="nb-NO" dirty="0"/>
+              <a:rPr lang="nb-NO" dirty="0" err="1" smtClean="0"/>
+              <a:t>Zip</a:t>
+            </a:r>
+            <a:r>
+              <a:rPr lang="nb-NO" dirty="0" smtClean="0"/>
+              <a:t> </a:t>
+            </a:r>
+            <a:r>
+              <a:rPr lang="nb-NO" dirty="0" err="1" smtClean="0"/>
+              <a:t>archive</a:t>
+            </a:r>
+            <a:r>
+              <a:rPr lang="nb-NO" dirty="0" smtClean="0"/>
+              <a:t> </a:t>
+            </a:r>
+            <a:r>
+              <a:rPr lang="nb-NO" dirty="0" err="1" smtClean="0"/>
+              <a:t>containing</a:t>
+            </a:r>
+            <a:r>
+              <a:rPr lang="nb-NO" dirty="0" smtClean="0"/>
+              <a:t> </a:t>
+            </a:r>
+            <a:r>
+              <a:rPr lang="nb-NO" dirty="0" err="1" smtClean="0"/>
+              <a:t>chocolatey</a:t>
+            </a:r>
+            <a:r>
+              <a:rPr lang="nb-NO" dirty="0" smtClean="0"/>
+              <a:t> </a:t>
+            </a:r>
+            <a:r>
+              <a:rPr lang="nb-NO" dirty="0" err="1" smtClean="0"/>
+              <a:t>packages</a:t>
+            </a:r>
+            <a:r>
+              <a:rPr lang="nb-NO" dirty="0" smtClean="0"/>
+              <a:t> (offline </a:t>
+            </a:r>
+            <a:r>
+              <a:rPr lang="nb-NO" dirty="0" err="1" smtClean="0"/>
+              <a:t>source</a:t>
+            </a:r>
+            <a:r>
+              <a:rPr lang="nb-NO" dirty="0" smtClean="0"/>
+              <a:t>), </a:t>
+            </a:r>
+            <a:r>
+              <a:rPr lang="nb-NO" dirty="0" err="1" smtClean="0"/>
+              <a:t>parameterfiles</a:t>
+            </a:r>
+            <a:r>
+              <a:rPr lang="nb-NO" dirty="0" smtClean="0"/>
+              <a:t>, and </a:t>
+            </a:r>
+            <a:r>
+              <a:rPr lang="nb-NO" dirty="0" err="1" smtClean="0"/>
+              <a:t>setup</a:t>
+            </a:r>
+            <a:r>
+              <a:rPr lang="nb-NO" dirty="0" smtClean="0"/>
+              <a:t> scripts to </a:t>
+            </a:r>
+            <a:r>
+              <a:rPr lang="nb-NO" dirty="0" err="1" smtClean="0"/>
+              <a:t>ease</a:t>
+            </a:r>
+            <a:r>
+              <a:rPr lang="nb-NO" dirty="0" smtClean="0"/>
+              <a:t> </a:t>
+            </a:r>
+            <a:r>
+              <a:rPr lang="nb-NO" dirty="0" err="1" smtClean="0"/>
+              <a:t>the</a:t>
+            </a:r>
+            <a:r>
+              <a:rPr lang="nb-NO" dirty="0" smtClean="0"/>
+              <a:t> </a:t>
+            </a:r>
+            <a:r>
+              <a:rPr lang="nb-NO" dirty="0" err="1" smtClean="0"/>
+              <a:t>installation</a:t>
+            </a:r>
+            <a:r>
+              <a:rPr lang="nb-NO" dirty="0" smtClean="0"/>
+              <a:t>.</a:t>
+            </a:r>
           </a:p>
         </p:txBody>
       </p:sp>
     </p:spTree>
     <p:extLst>
       <p:ext uri="{BB962C8B-B14F-4D97-AF65-F5344CB8AC3E}">
-        <p14:creationId xmlns:p14="http://schemas.microsoft.com/office/powerpoint/2010/main" val="1214730080"/>
+        <p14:creationId xmlns:p14="http://schemas.microsoft.com/office/powerpoint/2010/main" val="1891317082"/>
       </p:ext>
     </p:extLst>
   </p:cSld>
@@ -12530,10 +12775,9 @@
           <a:lstStyle/>
           <a:p>
             <a:r>
-              <a:rPr lang="nb-NO" dirty="0" smtClean="0"/>
-              <a:t>Database</a:t>
-            </a:r>
-            <a:endParaRPr lang="nb-NO" dirty="0"/>
+              <a:rPr lang="nb-NO" dirty="0"/>
+              <a:t>Setup.ps1</a:t>
+            </a:r>
           </a:p>
         </p:txBody>
       </p:sp>
@@ -12554,127 +12798,58 @@
           <a:p>
             <a:r>
               <a:rPr lang="nb-NO" dirty="0" smtClean="0"/>
-              <a:t>Chocolatey is not a </a:t>
-            </a:r>
-            <a:r>
-              <a:rPr lang="nb-NO" dirty="0" err="1" smtClean="0"/>
-              <a:t>tool</a:t>
-            </a:r>
-            <a:r>
-              <a:rPr lang="nb-NO" dirty="0" smtClean="0"/>
-              <a:t> </a:t>
-            </a:r>
-            <a:r>
-              <a:rPr lang="nb-NO" dirty="0" err="1" smtClean="0"/>
-              <a:t>that</a:t>
-            </a:r>
-            <a:r>
-              <a:rPr lang="nb-NO" dirty="0" smtClean="0"/>
-              <a:t> is </a:t>
-            </a:r>
-            <a:r>
-              <a:rPr lang="nb-NO" dirty="0" err="1" smtClean="0"/>
-              <a:t>designed</a:t>
-            </a:r>
-            <a:r>
-              <a:rPr lang="nb-NO" dirty="0" smtClean="0"/>
-              <a:t> to be used database</a:t>
-            </a:r>
-          </a:p>
-          <a:p>
-            <a:r>
-              <a:rPr lang="nb-NO" dirty="0" smtClean="0"/>
-              <a:t>DIPS </a:t>
-            </a:r>
-            <a:r>
-              <a:rPr lang="nb-NO" dirty="0" err="1" smtClean="0"/>
-              <a:t>proprietary</a:t>
-            </a:r>
-            <a:r>
-              <a:rPr lang="nb-NO" dirty="0" smtClean="0"/>
-              <a:t> </a:t>
-            </a:r>
-            <a:r>
-              <a:rPr lang="nb-NO" dirty="0" err="1" smtClean="0"/>
-              <a:t>usage</a:t>
+              <a:t>Reads </a:t>
+            </a:r>
+            <a:r>
+              <a:rPr lang="nb-NO" dirty="0" err="1" smtClean="0"/>
+              <a:t>install_parameters.config</a:t>
+            </a:r>
+            <a:r>
+              <a:rPr lang="nb-NO" dirty="0" smtClean="0"/>
+              <a:t> and </a:t>
+            </a:r>
+            <a:r>
+              <a:rPr lang="nb-NO" dirty="0" err="1" smtClean="0"/>
+              <a:t>parameterMappings.config</a:t>
             </a:r>
             <a:endParaRPr lang="nb-NO" dirty="0" smtClean="0"/>
           </a:p>
           <a:p>
             <a:r>
-              <a:rPr lang="nb-NO" dirty="0" err="1" smtClean="0"/>
-              <a:t>Choosed</a:t>
-            </a:r>
-            <a:r>
-              <a:rPr lang="nb-NO" dirty="0" smtClean="0"/>
-              <a:t> </a:t>
-            </a:r>
-            <a:r>
-              <a:rPr lang="nb-NO" dirty="0" err="1" smtClean="0"/>
-              <a:t>because</a:t>
-            </a:r>
-            <a:r>
-              <a:rPr lang="nb-NO" dirty="0" smtClean="0"/>
-              <a:t> </a:t>
-            </a:r>
-            <a:r>
-              <a:rPr lang="nb-NO" dirty="0" err="1" smtClean="0"/>
-              <a:t>we</a:t>
-            </a:r>
-            <a:r>
-              <a:rPr lang="nb-NO" dirty="0" smtClean="0"/>
-              <a:t> </a:t>
-            </a:r>
-            <a:r>
-              <a:rPr lang="nb-NO" dirty="0" err="1" smtClean="0"/>
-              <a:t>needed</a:t>
-            </a:r>
-            <a:r>
-              <a:rPr lang="nb-NO" dirty="0" smtClean="0"/>
-              <a:t> </a:t>
-            </a:r>
-            <a:r>
-              <a:rPr lang="nb-NO" dirty="0" err="1" smtClean="0"/>
-              <a:t>something</a:t>
-            </a:r>
-            <a:r>
-              <a:rPr lang="nb-NO" dirty="0" smtClean="0"/>
-              <a:t> </a:t>
-            </a:r>
-            <a:r>
-              <a:rPr lang="nb-NO" dirty="0" err="1" smtClean="0"/>
-              <a:t>that</a:t>
-            </a:r>
-            <a:r>
-              <a:rPr lang="nb-NO" dirty="0" smtClean="0"/>
-              <a:t>:</a:t>
-            </a:r>
-          </a:p>
-          <a:p>
-            <a:pPr lvl="1"/>
-            <a:r>
-              <a:rPr lang="nb-NO" dirty="0" err="1" smtClean="0"/>
-              <a:t>Packages</a:t>
-            </a:r>
-            <a:r>
-              <a:rPr lang="nb-NO" dirty="0" smtClean="0"/>
-              <a:t> </a:t>
-            </a:r>
-            <a:r>
-              <a:rPr lang="nb-NO" dirty="0" err="1" smtClean="0"/>
-              <a:t>upgrade</a:t>
-            </a:r>
-            <a:r>
-              <a:rPr lang="nb-NO" dirty="0" smtClean="0"/>
-              <a:t> (</a:t>
-            </a:r>
-            <a:r>
-              <a:rPr lang="nb-NO" dirty="0" err="1" smtClean="0"/>
-              <a:t>dupfiles</a:t>
-            </a:r>
-            <a:r>
-              <a:rPr lang="nb-NO" dirty="0" smtClean="0"/>
-              <a:t>) for </a:t>
+              <a:rPr lang="nb-NO" dirty="0" smtClean="0"/>
+              <a:t>Writes final-</a:t>
+            </a:r>
+            <a:r>
+              <a:rPr lang="nb-NO" dirty="0" err="1" smtClean="0"/>
+              <a:t>packages.config</a:t>
+            </a:r>
+            <a:r>
+              <a:rPr lang="nb-NO" dirty="0" smtClean="0"/>
+              <a:t>, </a:t>
+            </a:r>
+            <a:r>
+              <a:rPr lang="nb-NO" dirty="0" err="1" smtClean="0"/>
+              <a:t>which</a:t>
+            </a:r>
+            <a:r>
+              <a:rPr lang="nb-NO" dirty="0" smtClean="0"/>
+              <a:t> </a:t>
+            </a:r>
+            <a:r>
+              <a:rPr lang="nb-NO" dirty="0" err="1" smtClean="0"/>
+              <a:t>will</a:t>
+            </a:r>
+            <a:r>
+              <a:rPr lang="nb-NO" dirty="0" smtClean="0"/>
+              <a:t> </a:t>
+            </a:r>
+            <a:r>
+              <a:rPr lang="nb-NO" dirty="0" err="1" smtClean="0"/>
+              <a:t>set</a:t>
+            </a:r>
+            <a:r>
+              <a:rPr lang="nb-NO" dirty="0" smtClean="0"/>
+              <a:t> parameters for </a:t>
             </a:r>
             <a:r>
               <a:rPr lang="nb-NO" dirty="0" err="1" smtClean="0"/>
@@ -12686,37 +12861,47 @@
             </a:r>
             <a:r>
               <a:rPr lang="nb-NO" dirty="0" err="1" smtClean="0"/>
-              <a:t>programpackage</a:t>
-            </a:r>
-            <a:r>
-              <a:rPr lang="nb-NO" dirty="0" smtClean="0"/>
-              <a:t> (</a:t>
-            </a:r>
-            <a:r>
-              <a:rPr lang="nb-NO" dirty="0" err="1" smtClean="0"/>
-              <a:t>artifacts</a:t>
-            </a:r>
-            <a:r>
-              <a:rPr lang="nb-NO" dirty="0" smtClean="0"/>
-              <a:t>)</a:t>
-            </a:r>
-          </a:p>
-          <a:p>
-            <a:pPr lvl="1"/>
-            <a:r>
-              <a:rPr lang="nb-NO" dirty="0" smtClean="0"/>
-              <a:t>Handles </a:t>
-            </a:r>
-            <a:r>
-              <a:rPr lang="nb-NO" dirty="0" err="1" smtClean="0"/>
-              <a:t>dependencies</a:t>
+              <a:t>individual</a:t>
+            </a:r>
+            <a:r>
+              <a:rPr lang="nb-NO" dirty="0" smtClean="0"/>
+              <a:t> </a:t>
+            </a:r>
+            <a:r>
+              <a:rPr lang="nb-NO" dirty="0" err="1" smtClean="0"/>
+              <a:t>package</a:t>
             </a:r>
             <a:endParaRPr lang="nb-NO" dirty="0" smtClean="0"/>
           </a:p>
           <a:p>
-            <a:pPr marL="457200" lvl="1" indent="0">
-              <a:buNone/>
-            </a:pPr>
+            <a:r>
+              <a:rPr lang="nb-NO" dirty="0" err="1" smtClean="0"/>
+              <a:t>Executes</a:t>
+            </a:r>
+            <a:r>
+              <a:rPr lang="nb-NO" dirty="0" smtClean="0"/>
+              <a:t>: </a:t>
+            </a:r>
+            <a:r>
+              <a:rPr lang="nb-NO" dirty="0" err="1" smtClean="0"/>
+              <a:t>choco</a:t>
+            </a:r>
+            <a:r>
+              <a:rPr lang="nb-NO" dirty="0" smtClean="0"/>
+              <a:t> </a:t>
+            </a:r>
+            <a:r>
+              <a:rPr lang="nb-NO" dirty="0" err="1" smtClean="0"/>
+              <a:t>install</a:t>
+            </a:r>
+            <a:r>
+              <a:rPr lang="nb-NO" dirty="0" smtClean="0"/>
+              <a:t> final-</a:t>
+            </a:r>
+            <a:r>
+              <a:rPr lang="nb-NO" dirty="0" err="1" smtClean="0"/>
+              <a:t>packages.config</a:t>
+            </a:r>
             <a:endParaRPr lang="nb-NO" dirty="0"/>
           </a:p>
         </p:txBody>
@@ -12724,7 +12909,7 @@
     </p:spTree>
     <p:extLst>
       <p:ext uri="{BB962C8B-B14F-4D97-AF65-F5344CB8AC3E}">
-        <p14:creationId xmlns:p14="http://schemas.microsoft.com/office/powerpoint/2010/main" val="1922523215"/>
+        <p14:creationId xmlns:p14="http://schemas.microsoft.com/office/powerpoint/2010/main" val="1214730080"/>
       </p:ext>
     </p:extLst>
   </p:cSld>
@@ -12786,10 +12971,38 @@
         </p:nvSpPr>
         <p:spPr/>
         <p:txBody>
-          <a:bodyPr>
-            <a:normAutofit lnSpcReduction="10000"/>
-          </a:bodyPr>
-          <a:lstStyle/>
+          <a:bodyPr/>
+          <a:lstStyle/>
+          <a:p>
+            <a:r>
+              <a:rPr lang="nb-NO" dirty="0" smtClean="0"/>
+              <a:t>Chocolatey is not a </a:t>
+            </a:r>
+            <a:r>
+              <a:rPr lang="nb-NO" dirty="0" err="1" smtClean="0"/>
+              <a:t>tool</a:t>
+            </a:r>
+            <a:r>
+              <a:rPr lang="nb-NO" dirty="0" smtClean="0"/>
+              <a:t> </a:t>
+            </a:r>
+            <a:r>
+              <a:rPr lang="nb-NO" dirty="0" err="1" smtClean="0"/>
+              <a:t>that</a:t>
+            </a:r>
+            <a:r>
+              <a:rPr lang="nb-NO" dirty="0" smtClean="0"/>
+              <a:t> is </a:t>
+            </a:r>
+            <a:r>
+              <a:rPr lang="nb-NO" dirty="0" err="1" smtClean="0"/>
+              <a:t>designed</a:t>
+            </a:r>
+            <a:r>
+              <a:rPr lang="nb-NO" dirty="0" smtClean="0"/>
+              <a:t> to be used database</a:t>
+            </a:r>
+          </a:p>
           <a:p>
             <a:r>
               <a:rPr lang="nb-NO" dirty="0" smtClean="0"/>
@@ -12797,62 +13010,34 @@
             </a:r>
             <a:r>
               <a:rPr lang="nb-NO" dirty="0" err="1" smtClean="0"/>
-              <a:t>Chocolateypackages</a:t>
-            </a:r>
-            <a:r>
-              <a:rPr lang="nb-NO" dirty="0" smtClean="0"/>
-              <a:t> for database is a </a:t>
-            </a:r>
-            <a:r>
-              <a:rPr lang="nb-NO" dirty="0" err="1" smtClean="0"/>
-              <a:t>highly</a:t>
-            </a:r>
-            <a:r>
-              <a:rPr lang="nb-NO" dirty="0" smtClean="0"/>
-              <a:t> </a:t>
-            </a:r>
-            <a:r>
-              <a:rPr lang="nb-NO" dirty="0" err="1" smtClean="0"/>
               <a:t>proprietary</a:t>
             </a:r>
             <a:r>
               <a:rPr lang="nb-NO" dirty="0" smtClean="0"/>
-              <a:t> and </a:t>
-            </a:r>
-            <a:r>
-              <a:rPr lang="nb-NO" dirty="0" err="1" smtClean="0"/>
-              <a:t>customized</a:t>
-            </a:r>
-            <a:r>
-              <a:rPr lang="nb-NO" dirty="0" smtClean="0"/>
-              <a:t> </a:t>
-            </a:r>
-            <a:r>
-              <a:rPr lang="nb-NO" dirty="0" err="1" smtClean="0"/>
-              <a:t>solution</a:t>
-            </a:r>
-            <a:endParaRPr lang="nb-NO" dirty="0"/>
-          </a:p>
-          <a:p>
-            <a:r>
-              <a:rPr lang="nb-NO" dirty="0" smtClean="0"/>
-              <a:t>No </a:t>
-            </a:r>
-            <a:r>
-              <a:rPr lang="nb-NO" dirty="0" err="1" smtClean="0"/>
-              <a:t>one</a:t>
-            </a:r>
-            <a:r>
-              <a:rPr lang="nb-NO" dirty="0" smtClean="0"/>
-              <a:t> </a:t>
-            </a:r>
-            <a:r>
-              <a:rPr lang="nb-NO" dirty="0" err="1" smtClean="0"/>
-              <a:t>else</a:t>
-            </a:r>
-            <a:r>
-              <a:rPr lang="nb-NO" dirty="0" smtClean="0"/>
-              <a:t> as far as </a:t>
+              <a:t> </a:t>
+            </a:r>
+            <a:r>
+              <a:rPr lang="nb-NO" dirty="0" err="1" smtClean="0"/>
+              <a:t>usage</a:t>
+            </a:r>
+            <a:endParaRPr lang="nb-NO" dirty="0" smtClean="0"/>
+          </a:p>
+          <a:p>
+            <a:r>
+              <a:rPr lang="nb-NO" dirty="0" err="1" smtClean="0"/>
+              <a:t>Choosed</a:t>
+            </a:r>
+            <a:r>
+              <a:rPr lang="nb-NO" dirty="0" smtClean="0"/>
+              <a:t> </a:t>
+            </a:r>
+            <a:r>
+              <a:rPr lang="nb-NO" dirty="0" err="1" smtClean="0"/>
+              <a:t>because</a:t>
+            </a:r>
+            <a:r>
+              <a:rPr lang="nb-NO" dirty="0" smtClean="0"/>
+              <a:t> </a:t>
             </a:r>
             <a:r>
               <a:rPr lang="nb-NO" dirty="0" err="1" smtClean="0"/>
@@ -12864,45 +13049,15 @@
             </a:r>
             <a:r>
               <a:rPr lang="nb-NO" dirty="0" err="1" smtClean="0"/>
-              <a:t>know</a:t>
-            </a:r>
-            <a:r>
-              <a:rPr lang="nb-NO" dirty="0" smtClean="0"/>
-              <a:t> </a:t>
-            </a:r>
-            <a:r>
-              <a:rPr lang="nb-NO" dirty="0" err="1" smtClean="0"/>
-              <a:t>uses</a:t>
-            </a:r>
-            <a:r>
-              <a:rPr lang="nb-NO" dirty="0" smtClean="0"/>
-              <a:t> </a:t>
-            </a:r>
-            <a:r>
-              <a:rPr lang="nb-NO" dirty="0" err="1" smtClean="0"/>
-              <a:t>chocolatey</a:t>
-            </a:r>
-            <a:r>
-              <a:rPr lang="nb-NO" dirty="0" smtClean="0"/>
-              <a:t> for database</a:t>
-            </a:r>
-          </a:p>
-          <a:p>
-            <a:r>
-              <a:rPr lang="nb-NO" dirty="0" smtClean="0"/>
-              <a:t>Chocolatey is </a:t>
-            </a:r>
-            <a:r>
-              <a:rPr lang="nb-NO" dirty="0" err="1" smtClean="0"/>
-              <a:t>intended</a:t>
-            </a:r>
-            <a:r>
-              <a:rPr lang="nb-NO" dirty="0" smtClean="0"/>
-              <a:t> for </a:t>
-            </a:r>
-            <a:r>
-              <a:rPr lang="nb-NO" dirty="0" err="1" smtClean="0"/>
-              <a:t>software</a:t>
+              <a:t>needed</a:t>
+            </a:r>
+            <a:r>
+              <a:rPr lang="nb-NO" dirty="0" smtClean="0"/>
+              <a:t> </a:t>
+            </a:r>
+            <a:r>
+              <a:rPr lang="nb-NO" dirty="0" err="1" smtClean="0"/>
+              <a:t>something</a:t>
             </a:r>
             <a:r>
               <a:rPr lang="nb-NO" dirty="0" smtClean="0"/>
@@ -12914,203 +13069,76 @@
             </a:r>
             <a:r>
               <a:rPr lang="nb-NO" dirty="0" smtClean="0"/>
-              <a:t> is </a:t>
-            </a:r>
-            <a:r>
-              <a:rPr lang="nb-NO" dirty="0" err="1" smtClean="0"/>
-              <a:t>installed</a:t>
-            </a:r>
-            <a:r>
-              <a:rPr lang="nb-NO" dirty="0" smtClean="0"/>
-              <a:t> to disk, not database</a:t>
-            </a:r>
-          </a:p>
-          <a:p>
-            <a:r>
-              <a:rPr lang="nb-NO" dirty="0">
-                <a:hlinkClick r:id="rId2"/>
-              </a:rPr>
-              <a:t>https://</a:t>
-            </a:r>
-            <a:r>
-              <a:rPr lang="nb-NO" dirty="0" smtClean="0">
-                <a:hlinkClick r:id="rId2"/>
-              </a:rPr>
-              <a:t>wiki/Database-Chocolateypackages</a:t>
+              <a:t>:</a:t>
+            </a:r>
+          </a:p>
+          <a:p>
+            <a:pPr lvl="1"/>
+            <a:r>
+              <a:rPr lang="nb-NO" dirty="0" err="1" smtClean="0"/>
+              <a:t>Packages</a:t>
+            </a:r>
+            <a:r>
+              <a:rPr lang="nb-NO" dirty="0" smtClean="0"/>
+              <a:t> </a:t>
+            </a:r>
+            <a:r>
+              <a:rPr lang="nb-NO" dirty="0" err="1" smtClean="0"/>
+              <a:t>upgrade</a:t>
+            </a:r>
+            <a:r>
+              <a:rPr lang="nb-NO" dirty="0" smtClean="0"/>
+              <a:t> (</a:t>
+            </a:r>
+            <a:r>
+              <a:rPr lang="nb-NO" dirty="0" err="1" smtClean="0"/>
+              <a:t>dupfiles</a:t>
+            </a:r>
+            <a:r>
+              <a:rPr lang="nb-NO" dirty="0" smtClean="0"/>
+              <a:t>) for </a:t>
+            </a:r>
+            <a:r>
+              <a:rPr lang="nb-NO" dirty="0" err="1" smtClean="0"/>
+              <a:t>each</a:t>
+            </a:r>
+            <a:r>
+              <a:rPr lang="nb-NO" dirty="0" smtClean="0"/>
+              <a:t> </a:t>
+            </a:r>
+            <a:r>
+              <a:rPr lang="nb-NO" dirty="0" err="1" smtClean="0"/>
+              <a:t>programpackage</a:t>
+            </a:r>
+            <a:r>
+              <a:rPr lang="nb-NO" dirty="0" smtClean="0"/>
+              <a:t> (</a:t>
+            </a:r>
+            <a:r>
+              <a:rPr lang="nb-NO" dirty="0" err="1" smtClean="0"/>
+              <a:t>artifacts</a:t>
+            </a:r>
+            <a:r>
+              <a:rPr lang="nb-NO" dirty="0" smtClean="0"/>
+              <a:t>)</a:t>
+            </a:r>
+          </a:p>
+          <a:p>
+            <a:pPr lvl="1"/>
+            <a:r>
+              <a:rPr lang="nb-NO" dirty="0" smtClean="0"/>
+              <a:t>Handles </a:t>
+            </a:r>
+            <a:r>
+              <a:rPr lang="nb-NO" dirty="0" err="1" smtClean="0"/>
+              <a:t>dependencies</a:t>
             </a:r>
             <a:endParaRPr lang="nb-NO" dirty="0" smtClean="0"/>
           </a:p>
           <a:p>
-            <a:r>
-              <a:rPr lang="nb-NO" dirty="0" smtClean="0"/>
-              <a:t>Databases </a:t>
-            </a:r>
-            <a:r>
-              <a:rPr lang="nb-NO" dirty="0" err="1" smtClean="0"/>
-              <a:t>cannot</a:t>
-            </a:r>
-            <a:r>
-              <a:rPr lang="nb-NO" dirty="0" smtClean="0"/>
-              <a:t> be </a:t>
-            </a:r>
-            <a:r>
-              <a:rPr lang="nb-NO" dirty="0" err="1" smtClean="0"/>
-              <a:t>upgraded</a:t>
-            </a:r>
-            <a:r>
-              <a:rPr lang="nb-NO" dirty="0" smtClean="0"/>
-              <a:t> by </a:t>
-            </a:r>
-            <a:r>
-              <a:rPr lang="nb-NO" dirty="0" err="1" smtClean="0"/>
-              <a:t>installing</a:t>
-            </a:r>
-            <a:r>
-              <a:rPr lang="nb-NO" dirty="0" smtClean="0"/>
-              <a:t> </a:t>
-            </a:r>
-            <a:r>
-              <a:rPr lang="nb-NO" dirty="0" err="1" smtClean="0"/>
-              <a:t>chocolatey</a:t>
-            </a:r>
-            <a:r>
-              <a:rPr lang="nb-NO" dirty="0" smtClean="0"/>
-              <a:t> </a:t>
-            </a:r>
-            <a:r>
-              <a:rPr lang="nb-NO" dirty="0" err="1" smtClean="0"/>
-              <a:t>packages</a:t>
-            </a:r>
-            <a:r>
-              <a:rPr lang="nb-NO" dirty="0" smtClean="0"/>
-              <a:t> to disk. A </a:t>
-            </a:r>
-            <a:r>
-              <a:rPr lang="nb-NO" dirty="0" err="1" smtClean="0"/>
-              <a:t>custom</a:t>
-            </a:r>
-            <a:r>
-              <a:rPr lang="nb-NO" dirty="0" smtClean="0"/>
-              <a:t> </a:t>
-            </a:r>
-            <a:r>
-              <a:rPr lang="nb-NO" dirty="0" err="1" smtClean="0"/>
-              <a:t>tool</a:t>
-            </a:r>
-            <a:r>
-              <a:rPr lang="nb-NO" dirty="0" smtClean="0"/>
-              <a:t> is </a:t>
-            </a:r>
-            <a:r>
-              <a:rPr lang="nb-NO" dirty="0" err="1" smtClean="0"/>
-              <a:t>required</a:t>
-            </a:r>
-            <a:r>
-              <a:rPr lang="nb-NO" dirty="0" smtClean="0"/>
-              <a:t> to </a:t>
-            </a:r>
-            <a:r>
-              <a:rPr lang="nb-NO" dirty="0" err="1" smtClean="0"/>
-              <a:t>mirror</a:t>
-            </a:r>
-            <a:r>
-              <a:rPr lang="nb-NO" dirty="0" smtClean="0"/>
-              <a:t> </a:t>
-            </a:r>
-            <a:r>
-              <a:rPr lang="nb-NO" dirty="0" err="1" smtClean="0"/>
-              <a:t>the</a:t>
-            </a:r>
-            <a:r>
-              <a:rPr lang="nb-NO" dirty="0"/>
-              <a:t> </a:t>
-            </a:r>
-            <a:r>
-              <a:rPr lang="nb-NO" dirty="0" err="1" smtClean="0"/>
-              <a:t>packages</a:t>
-            </a:r>
-            <a:r>
-              <a:rPr lang="nb-NO" dirty="0" smtClean="0"/>
-              <a:t> in </a:t>
-            </a:r>
-            <a:r>
-              <a:rPr lang="nb-NO" dirty="0" err="1" smtClean="0"/>
-              <a:t>the</a:t>
-            </a:r>
-            <a:r>
-              <a:rPr lang="nb-NO" dirty="0" smtClean="0"/>
-              <a:t> database to disk so </a:t>
-            </a:r>
-            <a:r>
-              <a:rPr lang="nb-NO" dirty="0" err="1" smtClean="0"/>
-              <a:t>that</a:t>
-            </a:r>
-            <a:r>
-              <a:rPr lang="nb-NO" dirty="0" smtClean="0"/>
-              <a:t> </a:t>
-            </a:r>
-            <a:r>
-              <a:rPr lang="nb-NO" dirty="0" err="1" smtClean="0"/>
-              <a:t>chocolatey</a:t>
-            </a:r>
-            <a:r>
-              <a:rPr lang="nb-NO" dirty="0" smtClean="0"/>
-              <a:t> </a:t>
-            </a:r>
-            <a:r>
-              <a:rPr lang="nb-NO" dirty="0" err="1" smtClean="0"/>
-              <a:t>can</a:t>
-            </a:r>
-            <a:r>
-              <a:rPr lang="nb-NO" dirty="0" smtClean="0"/>
-              <a:t> </a:t>
-            </a:r>
-            <a:r>
-              <a:rPr lang="nb-NO" dirty="0" err="1" smtClean="0"/>
-              <a:t>work</a:t>
-            </a:r>
-            <a:r>
-              <a:rPr lang="nb-NO" dirty="0" smtClean="0"/>
-              <a:t> </a:t>
-            </a:r>
-            <a:r>
-              <a:rPr lang="nb-NO" dirty="0" err="1" smtClean="0"/>
-              <a:t>with</a:t>
-            </a:r>
-            <a:r>
-              <a:rPr lang="nb-NO" dirty="0" smtClean="0"/>
-              <a:t> it.</a:t>
-            </a:r>
-          </a:p>
-          <a:p>
-            <a:r>
-              <a:rPr lang="nb-NO" dirty="0" err="1" smtClean="0"/>
-              <a:t>Std</a:t>
-            </a:r>
-            <a:r>
-              <a:rPr lang="nb-NO" dirty="0" smtClean="0"/>
-              <a:t> </a:t>
-            </a:r>
-            <a:r>
-              <a:rPr lang="nb-NO" dirty="0" err="1" smtClean="0"/>
-              <a:t>chocolatey</a:t>
-            </a:r>
-            <a:r>
-              <a:rPr lang="nb-NO" dirty="0" smtClean="0"/>
-              <a:t> </a:t>
-            </a:r>
-            <a:r>
-              <a:rPr lang="nb-NO" dirty="0" err="1" smtClean="0"/>
-              <a:t>package</a:t>
-            </a:r>
-            <a:r>
-              <a:rPr lang="nb-NO" dirty="0" smtClean="0"/>
-              <a:t>: </a:t>
-            </a:r>
-            <a:r>
-              <a:rPr lang="nb-NO" dirty="0" err="1" smtClean="0"/>
-              <a:t>dips-dbupgrade</a:t>
-            </a:r>
+            <a:pPr marL="457200" lvl="1" indent="0">
+              <a:buNone/>
+            </a:pPr>
             <a:endParaRPr lang="nb-NO" dirty="0"/>
           </a:p>
         </p:txBody>
@@ -13118,7 +13146,7 @@
     </p:spTree>
     <p:extLst>
       <p:ext uri="{BB962C8B-B14F-4D97-AF65-F5344CB8AC3E}">
-        <p14:creationId xmlns:p14="http://schemas.microsoft.com/office/powerpoint/2010/main" val="3276979433"/>
+        <p14:creationId xmlns:p14="http://schemas.microsoft.com/office/powerpoint/2010/main" val="1922523215"/>
       </p:ext>
     </p:extLst>
   </p:cSld>
@@ -13161,191 +13189,349 @@
           <a:lstStyle/>
           <a:p>
             <a:r>
+              <a:rPr lang="nb-NO" dirty="0" smtClean="0"/>
+              <a:t>Database</a:t>
+            </a:r>
+            <a:endParaRPr lang="nb-NO" dirty="0"/>
+          </a:p>
+        </p:txBody>
+      </p:sp>
+      <p:sp>
+        <p:nvSpPr>
+          <p:cNvPr id="3" name="Content Placeholder 2"/>
+          <p:cNvSpPr>
+            <a:spLocks noGrp="1"/>
+          </p:cNvSpPr>
+          <p:nvPr>
+            <p:ph idx="1"/>
+          </p:nvPr>
+        </p:nvSpPr>
+        <p:spPr/>
+        <p:txBody>
+          <a:bodyPr>
+            <a:normAutofit lnSpcReduction="10000"/>
+          </a:bodyPr>
+          <a:lstStyle/>
+          <a:p>
+            <a:r>
+              <a:rPr lang="nb-NO" dirty="0" smtClean="0"/>
+              <a:t>DIPS </a:t>
+            </a:r>
+            <a:r>
+              <a:rPr lang="nb-NO" dirty="0" err="1" smtClean="0"/>
+              <a:t>Chocolateypackages</a:t>
+            </a:r>
+            <a:r>
+              <a:rPr lang="nb-NO" dirty="0" smtClean="0"/>
+              <a:t> for database is a </a:t>
+            </a:r>
+            <a:r>
+              <a:rPr lang="nb-NO" dirty="0" err="1" smtClean="0"/>
+              <a:t>highly</a:t>
+            </a:r>
+            <a:r>
+              <a:rPr lang="nb-NO" dirty="0" smtClean="0"/>
+              <a:t> </a:t>
+            </a:r>
+            <a:r>
+              <a:rPr lang="nb-NO" dirty="0" err="1" smtClean="0"/>
+              <a:t>proprietary</a:t>
+            </a:r>
+            <a:r>
+              <a:rPr lang="nb-NO" dirty="0" smtClean="0"/>
+              <a:t> and </a:t>
+            </a:r>
+            <a:r>
+              <a:rPr lang="nb-NO" dirty="0" err="1" smtClean="0"/>
+              <a:t>customized</a:t>
+            </a:r>
+            <a:r>
+              <a:rPr lang="nb-NO" dirty="0" smtClean="0"/>
+              <a:t> </a:t>
+            </a:r>
+            <a:r>
+              <a:rPr lang="nb-NO" dirty="0" err="1" smtClean="0"/>
+              <a:t>solution</a:t>
+            </a:r>
+            <a:endParaRPr lang="nb-NO" dirty="0"/>
+          </a:p>
+          <a:p>
+            <a:r>
+              <a:rPr lang="nb-NO" dirty="0" smtClean="0"/>
+              <a:t>No </a:t>
+            </a:r>
+            <a:r>
+              <a:rPr lang="nb-NO" dirty="0" err="1" smtClean="0"/>
+              <a:t>one</a:t>
+            </a:r>
+            <a:r>
+              <a:rPr lang="nb-NO" dirty="0" smtClean="0"/>
+              <a:t> </a:t>
+            </a:r>
+            <a:r>
+              <a:rPr lang="nb-NO" dirty="0" err="1" smtClean="0"/>
+              <a:t>else</a:t>
+            </a:r>
+            <a:r>
+              <a:rPr lang="nb-NO" dirty="0" smtClean="0"/>
+              <a:t> as far as </a:t>
+            </a:r>
+            <a:r>
+              <a:rPr lang="nb-NO" dirty="0" err="1" smtClean="0"/>
+              <a:t>we</a:t>
+            </a:r>
+            <a:r>
+              <a:rPr lang="nb-NO" dirty="0" smtClean="0"/>
+              <a:t> </a:t>
+            </a:r>
+            <a:r>
+              <a:rPr lang="nb-NO" dirty="0" err="1" smtClean="0"/>
+              <a:t>know</a:t>
+            </a:r>
+            <a:r>
+              <a:rPr lang="nb-NO" dirty="0" smtClean="0"/>
+              <a:t> </a:t>
+            </a:r>
+            <a:r>
+              <a:rPr lang="nb-NO" dirty="0" err="1" smtClean="0"/>
+              <a:t>uses</a:t>
+            </a:r>
+            <a:r>
+              <a:rPr lang="nb-NO" dirty="0" smtClean="0"/>
+              <a:t> </a:t>
+            </a:r>
+            <a:r>
+              <a:rPr lang="nb-NO" dirty="0" err="1" smtClean="0"/>
+              <a:t>chocolatey</a:t>
+            </a:r>
+            <a:r>
+              <a:rPr lang="nb-NO" dirty="0" smtClean="0"/>
+              <a:t> for database</a:t>
+            </a:r>
+          </a:p>
+          <a:p>
+            <a:r>
+              <a:rPr lang="nb-NO" dirty="0" smtClean="0"/>
+              <a:t>Chocolatey is </a:t>
+            </a:r>
+            <a:r>
+              <a:rPr lang="nb-NO" dirty="0" err="1" smtClean="0"/>
+              <a:t>intended</a:t>
+            </a:r>
+            <a:r>
+              <a:rPr lang="nb-NO" dirty="0" smtClean="0"/>
+              <a:t> for </a:t>
+            </a:r>
+            <a:r>
+              <a:rPr lang="nb-NO" dirty="0" err="1" smtClean="0"/>
+              <a:t>software</a:t>
+            </a:r>
+            <a:r>
+              <a:rPr lang="nb-NO" dirty="0" smtClean="0"/>
+              <a:t> </a:t>
+            </a:r>
+            <a:r>
+              <a:rPr lang="nb-NO" dirty="0" err="1" smtClean="0"/>
+              <a:t>that</a:t>
+            </a:r>
+            <a:r>
+              <a:rPr lang="nb-NO" dirty="0" smtClean="0"/>
+              <a:t> is </a:t>
+            </a:r>
+            <a:r>
+              <a:rPr lang="nb-NO" dirty="0" err="1" smtClean="0"/>
+              <a:t>installed</a:t>
+            </a:r>
+            <a:r>
+              <a:rPr lang="nb-NO" dirty="0" smtClean="0"/>
+              <a:t> to disk, not database</a:t>
+            </a:r>
+          </a:p>
+          <a:p>
+            <a:r>
+              <a:rPr lang="nb-NO" dirty="0">
+                <a:hlinkClick r:id="rId2"/>
+              </a:rPr>
+              <a:t>https://</a:t>
+            </a:r>
+            <a:r>
+              <a:rPr lang="nb-NO" dirty="0" smtClean="0">
+                <a:hlinkClick r:id="rId2"/>
+              </a:rPr>
+              <a:t>wiki/Database-Chocolateypackages</a:t>
+            </a:r>
+            <a:endParaRPr lang="nb-NO" dirty="0" smtClean="0"/>
+          </a:p>
+          <a:p>
+            <a:r>
+              <a:rPr lang="nb-NO" dirty="0" smtClean="0"/>
+              <a:t>Databases </a:t>
+            </a:r>
+            <a:r>
+              <a:rPr lang="nb-NO" dirty="0" err="1" smtClean="0"/>
+              <a:t>cannot</a:t>
+            </a:r>
+            <a:r>
+              <a:rPr lang="nb-NO" dirty="0" smtClean="0"/>
+              <a:t> be </a:t>
+            </a:r>
+            <a:r>
+              <a:rPr lang="nb-NO" dirty="0" err="1" smtClean="0"/>
+              <a:t>upgraded</a:t>
+            </a:r>
+            <a:r>
+              <a:rPr lang="nb-NO" dirty="0" smtClean="0"/>
+              <a:t> by </a:t>
+            </a:r>
+            <a:r>
+              <a:rPr lang="nb-NO" dirty="0" err="1" smtClean="0"/>
+              <a:t>installing</a:t>
+            </a:r>
+            <a:r>
+              <a:rPr lang="nb-NO" dirty="0" smtClean="0"/>
+              <a:t> </a:t>
+            </a:r>
+            <a:r>
+              <a:rPr lang="nb-NO" dirty="0" err="1" smtClean="0"/>
+              <a:t>chocolatey</a:t>
+            </a:r>
+            <a:r>
+              <a:rPr lang="nb-NO" dirty="0" smtClean="0"/>
+              <a:t> </a:t>
+            </a:r>
+            <a:r>
+              <a:rPr lang="nb-NO" dirty="0" err="1" smtClean="0"/>
+              <a:t>packages</a:t>
+            </a:r>
+            <a:r>
+              <a:rPr lang="nb-NO" dirty="0" smtClean="0"/>
+              <a:t> to disk. A </a:t>
+            </a:r>
+            <a:r>
+              <a:rPr lang="nb-NO" dirty="0" err="1" smtClean="0"/>
+              <a:t>custom</a:t>
+            </a:r>
+            <a:r>
+              <a:rPr lang="nb-NO" dirty="0" smtClean="0"/>
+              <a:t> </a:t>
+            </a:r>
+            <a:r>
+              <a:rPr lang="nb-NO" dirty="0" err="1" smtClean="0"/>
+              <a:t>tool</a:t>
+            </a:r>
+            <a:r>
+              <a:rPr lang="nb-NO" dirty="0" smtClean="0"/>
+              <a:t> is </a:t>
+            </a:r>
+            <a:r>
+              <a:rPr lang="nb-NO" dirty="0" err="1" smtClean="0"/>
+              <a:t>required</a:t>
+            </a:r>
+            <a:r>
+              <a:rPr lang="nb-NO" dirty="0" smtClean="0"/>
+              <a:t> to </a:t>
+            </a:r>
+            <a:r>
+              <a:rPr lang="nb-NO" dirty="0" err="1" smtClean="0"/>
+              <a:t>mirror</a:t>
+            </a:r>
+            <a:r>
+              <a:rPr lang="nb-NO" dirty="0" smtClean="0"/>
+              <a:t> </a:t>
+            </a:r>
+            <a:r>
+              <a:rPr lang="nb-NO" dirty="0" err="1" smtClean="0"/>
+              <a:t>the</a:t>
+            </a:r>
+            <a:r>
+              <a:rPr lang="nb-NO" dirty="0"/>
+              <a:t> </a:t>
+            </a:r>
+            <a:r>
+              <a:rPr lang="nb-NO" dirty="0" err="1" smtClean="0"/>
+              <a:t>packages</a:t>
+            </a:r>
+            <a:r>
+              <a:rPr lang="nb-NO" dirty="0" smtClean="0"/>
+              <a:t> in </a:t>
+            </a:r>
+            <a:r>
+              <a:rPr lang="nb-NO" dirty="0" err="1" smtClean="0"/>
+              <a:t>the</a:t>
+            </a:r>
+            <a:r>
+              <a:rPr lang="nb-NO" dirty="0" smtClean="0"/>
+              <a:t> database to disk so </a:t>
+            </a:r>
+            <a:r>
+              <a:rPr lang="nb-NO" dirty="0" err="1" smtClean="0"/>
+              <a:t>that</a:t>
+            </a:r>
+            <a:r>
+              <a:rPr lang="nb-NO" dirty="0" smtClean="0"/>
+              <a:t> </a:t>
+            </a:r>
+            <a:r>
+              <a:rPr lang="nb-NO" dirty="0" err="1" smtClean="0"/>
+              <a:t>chocolatey</a:t>
+            </a:r>
+            <a:r>
+              <a:rPr lang="nb-NO" dirty="0" smtClean="0"/>
+              <a:t> </a:t>
+            </a:r>
+            <a:r>
+              <a:rPr lang="nb-NO" dirty="0" err="1" smtClean="0"/>
+              <a:t>can</a:t>
+            </a:r>
+            <a:r>
+              <a:rPr lang="nb-NO" dirty="0" smtClean="0"/>
+              <a:t> </a:t>
+            </a:r>
+            <a:r>
+              <a:rPr lang="nb-NO" dirty="0" err="1" smtClean="0"/>
+              <a:t>work</a:t>
+            </a:r>
+            <a:r>
+              <a:rPr lang="nb-NO" dirty="0" smtClean="0"/>
+              <a:t> </a:t>
+            </a:r>
+            <a:r>
+              <a:rPr lang="nb-NO" dirty="0" err="1" smtClean="0"/>
+              <a:t>with</a:t>
+            </a:r>
+            <a:r>
+              <a:rPr lang="nb-NO" dirty="0" smtClean="0"/>
+              <a:t> it.</a:t>
+            </a:r>
+          </a:p>
+          <a:p>
+            <a:r>
+              <a:rPr lang="nb-NO" dirty="0" err="1" smtClean="0"/>
+              <a:t>Std</a:t>
+            </a:r>
+            <a:r>
+              <a:rPr lang="nb-NO" dirty="0" smtClean="0"/>
+              <a:t> </a:t>
+            </a:r>
+            <a:r>
+              <a:rPr lang="nb-NO" dirty="0" err="1" smtClean="0"/>
+              <a:t>chocolatey</a:t>
+            </a:r>
+            <a:r>
+              <a:rPr lang="nb-NO" dirty="0" smtClean="0"/>
+              <a:t> </a:t>
+            </a:r>
+            <a:r>
+              <a:rPr lang="nb-NO" dirty="0" err="1" smtClean="0"/>
+              <a:t>package</a:t>
+            </a:r>
+            <a:r>
+              <a:rPr lang="nb-NO" dirty="0" smtClean="0"/>
+              <a:t>: </a:t>
+            </a:r>
+            <a:r>
               <a:rPr lang="nb-NO" dirty="0" err="1" smtClean="0"/>
               <a:t>dips-dbupgrade</a:t>
-            </a:r>
-            <a:endParaRPr lang="nb-NO" dirty="0"/>
-          </a:p>
-        </p:txBody>
-      </p:sp>
-      <p:sp>
-        <p:nvSpPr>
-          <p:cNvPr id="3" name="Content Placeholder 2"/>
-          <p:cNvSpPr>
-            <a:spLocks noGrp="1"/>
-          </p:cNvSpPr>
-          <p:nvPr>
-            <p:ph idx="1"/>
-          </p:nvPr>
-        </p:nvSpPr>
-        <p:spPr/>
-        <p:txBody>
-          <a:bodyPr/>
-          <a:lstStyle/>
-          <a:p>
-            <a:r>
-              <a:rPr lang="nb-NO" dirty="0" err="1" smtClean="0"/>
-              <a:t>dips-dbupgrade</a:t>
-            </a:r>
-            <a:r>
-              <a:rPr lang="nb-NO" dirty="0" smtClean="0"/>
-              <a:t> is a </a:t>
-            </a:r>
-            <a:r>
-              <a:rPr lang="nb-NO" dirty="0" err="1" smtClean="0"/>
-              <a:t>chocolateypackage</a:t>
-            </a:r>
-            <a:r>
-              <a:rPr lang="nb-NO" dirty="0" smtClean="0"/>
-              <a:t> </a:t>
-            </a:r>
-            <a:r>
-              <a:rPr lang="nb-NO" dirty="0" err="1" smtClean="0"/>
-              <a:t>that</a:t>
-            </a:r>
-            <a:r>
-              <a:rPr lang="nb-NO" dirty="0" smtClean="0"/>
-              <a:t> </a:t>
-            </a:r>
-            <a:r>
-              <a:rPr lang="nb-NO" dirty="0" err="1" smtClean="0"/>
-              <a:t>installs</a:t>
-            </a:r>
-            <a:r>
-              <a:rPr lang="nb-NO" dirty="0" smtClean="0"/>
-              <a:t> a </a:t>
-            </a:r>
-            <a:r>
-              <a:rPr lang="nb-NO" dirty="0" err="1" smtClean="0"/>
-              <a:t>powershell</a:t>
-            </a:r>
-            <a:r>
-              <a:rPr lang="nb-NO" dirty="0" smtClean="0"/>
-              <a:t> </a:t>
-            </a:r>
-            <a:r>
-              <a:rPr lang="nb-NO" dirty="0" err="1" smtClean="0"/>
-              <a:t>module</a:t>
-            </a:r>
-            <a:r>
-              <a:rPr lang="nb-NO" dirty="0" smtClean="0"/>
-              <a:t> </a:t>
-            </a:r>
-            <a:r>
-              <a:rPr lang="nb-NO" dirty="0" err="1" smtClean="0"/>
-              <a:t>name</a:t>
-            </a:r>
-            <a:r>
-              <a:rPr lang="nb-NO" dirty="0" smtClean="0"/>
-              <a:t> </a:t>
-            </a:r>
-            <a:r>
-              <a:rPr lang="nb-NO" dirty="0" err="1" smtClean="0"/>
-              <a:t>DIPSDBupgrade</a:t>
-            </a:r>
-            <a:r>
-              <a:rPr lang="nb-NO" dirty="0" smtClean="0"/>
-              <a:t>.</a:t>
-            </a:r>
-          </a:p>
-          <a:p>
-            <a:r>
-              <a:rPr lang="nb-NO" dirty="0" smtClean="0"/>
-              <a:t>The </a:t>
-            </a:r>
-            <a:r>
-              <a:rPr lang="nb-NO" dirty="0" err="1" smtClean="0"/>
-              <a:t>module</a:t>
-            </a:r>
-            <a:r>
-              <a:rPr lang="nb-NO" dirty="0" smtClean="0"/>
-              <a:t> </a:t>
-            </a:r>
-            <a:r>
-              <a:rPr lang="nb-NO" dirty="0" err="1" smtClean="0"/>
-              <a:t>contains</a:t>
-            </a:r>
-            <a:r>
-              <a:rPr lang="nb-NO" dirty="0" smtClean="0"/>
-              <a:t> </a:t>
-            </a:r>
-            <a:r>
-              <a:rPr lang="nb-NO" dirty="0" err="1" smtClean="0"/>
-              <a:t>the</a:t>
-            </a:r>
-            <a:r>
-              <a:rPr lang="nb-NO" dirty="0" smtClean="0"/>
-              <a:t> </a:t>
-            </a:r>
-            <a:r>
-              <a:rPr lang="nb-NO" dirty="0" err="1" smtClean="0"/>
-              <a:t>function</a:t>
-            </a:r>
-            <a:r>
-              <a:rPr lang="nb-NO" dirty="0" smtClean="0"/>
-              <a:t>: </a:t>
-            </a:r>
-            <a:r>
-              <a:rPr lang="nb-NO" dirty="0" err="1" smtClean="0"/>
-              <a:t>Install-Databasepackages</a:t>
-            </a:r>
-            <a:endParaRPr lang="nb-NO" dirty="0" smtClean="0"/>
-          </a:p>
-          <a:p>
-            <a:endParaRPr lang="nb-NO" dirty="0"/>
-          </a:p>
-          <a:p>
-            <a:r>
-              <a:rPr lang="nb-NO" dirty="0" err="1" smtClean="0"/>
-              <a:t>Install-DatabasePackages</a:t>
-            </a:r>
-            <a:r>
-              <a:rPr lang="nb-NO" dirty="0" smtClean="0"/>
-              <a:t> –</a:t>
-            </a:r>
-            <a:r>
-              <a:rPr lang="nb-NO" dirty="0" err="1" smtClean="0"/>
-              <a:t>Packages</a:t>
-            </a:r>
-            <a:r>
-              <a:rPr lang="nb-NO" dirty="0" smtClean="0"/>
-              <a:t> </a:t>
-            </a:r>
-            <a:r>
-              <a:rPr lang="nb-NO" dirty="0" err="1" smtClean="0"/>
-              <a:t>packageId</a:t>
-            </a:r>
-            <a:r>
-              <a:rPr lang="nb-NO" dirty="0" smtClean="0"/>
-              <a:t> –Source c:\temp –Database vd-dbbuild10/</a:t>
-            </a:r>
-            <a:r>
-              <a:rPr lang="nb-NO" dirty="0" err="1" smtClean="0"/>
-              <a:t>dips</a:t>
-            </a:r>
-            <a:r>
-              <a:rPr lang="nb-NO" dirty="0" smtClean="0"/>
-              <a:t> –</a:t>
-            </a:r>
-            <a:r>
-              <a:rPr lang="nb-NO" dirty="0" err="1" smtClean="0"/>
-              <a:t>InstallDir</a:t>
-            </a:r>
-            <a:r>
-              <a:rPr lang="nb-NO" dirty="0" smtClean="0"/>
-              <a:t> c:\temp –</a:t>
-            </a:r>
-            <a:r>
-              <a:rPr lang="nb-NO" dirty="0" err="1" smtClean="0"/>
-              <a:t>Password</a:t>
-            </a:r>
-            <a:r>
-              <a:rPr lang="nb-NO" dirty="0" smtClean="0"/>
-              <a:t> </a:t>
-            </a:r>
-            <a:r>
-              <a:rPr lang="nb-NO" dirty="0" err="1" smtClean="0"/>
-              <a:t>oracle</a:t>
             </a:r>
             <a:endParaRPr lang="nb-NO" dirty="0"/>
           </a:p>
@@ -13354,7 +13540,7 @@
     </p:spTree>
     <p:extLst>
       <p:ext uri="{BB962C8B-B14F-4D97-AF65-F5344CB8AC3E}">
-        <p14:creationId xmlns:p14="http://schemas.microsoft.com/office/powerpoint/2010/main" val="3039931082"/>
+        <p14:creationId xmlns:p14="http://schemas.microsoft.com/office/powerpoint/2010/main" val="3276979433"/>
       </p:ext>
     </p:extLst>
   </p:cSld>
@@ -13397,8 +13583,28 @@
           <a:lstStyle/>
           <a:p>
             <a:r>
-              <a:rPr lang="nb-NO" dirty="0" err="1" smtClean="0"/>
-              <a:t>Install-DatabasePackages</a:t>
+              <a:rPr lang="nb-NO" dirty="0" smtClean="0"/>
+              <a:t>A </a:t>
+            </a:r>
+            <a:r>
+              <a:rPr lang="nb-NO" dirty="0" err="1" smtClean="0"/>
+              <a:t>look</a:t>
+            </a:r>
+            <a:r>
+              <a:rPr lang="nb-NO" dirty="0" smtClean="0"/>
+              <a:t> at a database </a:t>
+            </a:r>
+            <a:r>
+              <a:rPr lang="nb-NO" dirty="0" err="1" smtClean="0"/>
+              <a:t>chocolatey</a:t>
+            </a:r>
+            <a:r>
+              <a:rPr lang="nb-NO" dirty="0" smtClean="0"/>
+              <a:t> </a:t>
+            </a:r>
+            <a:r>
+              <a:rPr lang="nb-NO" dirty="0" err="1" smtClean="0"/>
+              <a:t>package</a:t>
             </a:r>
             <a:endParaRPr lang="nb-NO" dirty="0"/>
           </a:p>
@@ -13416,373 +13622,30 @@
         </p:nvSpPr>
         <p:spPr/>
         <p:txBody>
-          <a:bodyPr>
-            <a:normAutofit lnSpcReduction="10000"/>
-          </a:bodyPr>
-          <a:lstStyle/>
-          <a:p>
-            <a:pPr marL="514350" indent="-514350">
-              <a:buFont typeface="+mj-lt"/>
-              <a:buAutoNum type="arabicPeriod"/>
-            </a:pPr>
-            <a:r>
-              <a:rPr lang="nb-NO" dirty="0" smtClean="0"/>
-              <a:t>Tests </a:t>
-            </a:r>
-            <a:r>
-              <a:rPr lang="nb-NO" dirty="0" err="1" smtClean="0"/>
-              <a:t>that</a:t>
-            </a:r>
-            <a:r>
-              <a:rPr lang="nb-NO" dirty="0" smtClean="0"/>
-              <a:t> </a:t>
-            </a:r>
-            <a:r>
-              <a:rPr lang="nb-NO" dirty="0" err="1" smtClean="0"/>
-              <a:t>the</a:t>
-            </a:r>
-            <a:r>
-              <a:rPr lang="nb-NO" dirty="0" smtClean="0"/>
-              <a:t> </a:t>
-            </a:r>
-            <a:r>
-              <a:rPr lang="nb-NO" dirty="0" err="1" smtClean="0"/>
-              <a:t>specified</a:t>
-            </a:r>
-            <a:r>
-              <a:rPr lang="nb-NO" dirty="0" smtClean="0"/>
-              <a:t> database </a:t>
-            </a:r>
-            <a:r>
-              <a:rPr lang="nb-NO" dirty="0" err="1" smtClean="0"/>
-              <a:t>can</a:t>
-            </a:r>
-            <a:r>
-              <a:rPr lang="nb-NO" dirty="0" smtClean="0"/>
-              <a:t> be </a:t>
-            </a:r>
-            <a:r>
-              <a:rPr lang="nb-NO" dirty="0" err="1" smtClean="0"/>
-              <a:t>connected</a:t>
-            </a:r>
-            <a:r>
-              <a:rPr lang="nb-NO" dirty="0" smtClean="0"/>
-              <a:t> to and </a:t>
-            </a:r>
-            <a:r>
-              <a:rPr lang="nb-NO" dirty="0" err="1" smtClean="0"/>
-              <a:t>that</a:t>
-            </a:r>
-            <a:r>
-              <a:rPr lang="nb-NO" dirty="0" smtClean="0"/>
-              <a:t> it is a DIPS database (</a:t>
-            </a:r>
-            <a:r>
-              <a:rPr lang="nb-NO" dirty="0" err="1" smtClean="0"/>
-              <a:t>i.e</a:t>
-            </a:r>
-            <a:r>
-              <a:rPr lang="nb-NO" dirty="0" smtClean="0"/>
-              <a:t> not a </a:t>
-            </a:r>
-            <a:r>
-              <a:rPr lang="nb-NO" dirty="0" err="1" smtClean="0"/>
-              <a:t>datamart</a:t>
-            </a:r>
-            <a:r>
-              <a:rPr lang="nb-NO" dirty="0" smtClean="0"/>
-              <a:t>)</a:t>
-            </a:r>
-          </a:p>
-          <a:p>
-            <a:pPr marL="514350" indent="-514350">
-              <a:buFont typeface="+mj-lt"/>
-              <a:buAutoNum type="arabicPeriod"/>
-            </a:pPr>
-            <a:r>
-              <a:rPr lang="nb-NO" dirty="0" err="1" smtClean="0"/>
-              <a:t>Executes</a:t>
-            </a:r>
-            <a:r>
-              <a:rPr lang="nb-NO" dirty="0" smtClean="0"/>
-              <a:t> </a:t>
-            </a:r>
-            <a:r>
-              <a:rPr lang="nb-NO" dirty="0" err="1" smtClean="0"/>
-              <a:t>prerequsites</a:t>
-            </a:r>
-            <a:r>
-              <a:rPr lang="nb-NO" dirty="0" smtClean="0"/>
-              <a:t> tests (</a:t>
-            </a:r>
-            <a:r>
-              <a:rPr lang="nb-NO" dirty="0" err="1" smtClean="0"/>
-              <a:t>dupconsole</a:t>
-            </a:r>
-            <a:r>
-              <a:rPr lang="nb-NO" dirty="0" smtClean="0"/>
-              <a:t>, </a:t>
-            </a:r>
-            <a:r>
-              <a:rPr lang="nb-NO" dirty="0" err="1" smtClean="0"/>
-              <a:t>path</a:t>
-            </a:r>
-            <a:r>
-              <a:rPr lang="nb-NO" dirty="0" smtClean="0"/>
-              <a:t>)</a:t>
-            </a:r>
-          </a:p>
-          <a:p>
-            <a:pPr marL="514350" indent="-514350">
-              <a:buFont typeface="+mj-lt"/>
-              <a:buAutoNum type="arabicPeriod"/>
-            </a:pPr>
-            <a:r>
-              <a:rPr lang="nb-NO" dirty="0" err="1" smtClean="0"/>
-              <a:t>Creates</a:t>
-            </a:r>
-            <a:r>
-              <a:rPr lang="nb-NO" dirty="0" smtClean="0"/>
-              <a:t> a </a:t>
-            </a:r>
-            <a:r>
-              <a:rPr lang="nb-NO" dirty="0" err="1" smtClean="0"/>
-              <a:t>new</a:t>
-            </a:r>
-            <a:r>
-              <a:rPr lang="nb-NO" dirty="0" smtClean="0"/>
-              <a:t> folder </a:t>
-            </a:r>
-            <a:r>
-              <a:rPr lang="nb-NO" dirty="0" err="1" smtClean="0"/>
-              <a:t>inside</a:t>
-            </a:r>
-            <a:r>
-              <a:rPr lang="nb-NO" dirty="0" smtClean="0"/>
-              <a:t> </a:t>
-            </a:r>
-            <a:r>
-              <a:rPr lang="nb-NO" dirty="0" err="1" smtClean="0"/>
-              <a:t>installDir</a:t>
-            </a:r>
-            <a:r>
-              <a:rPr lang="nb-NO" dirty="0" smtClean="0"/>
-              <a:t>: vd-dbbuild10-dips-20190610-101010</a:t>
-            </a:r>
-          </a:p>
-          <a:p>
-            <a:pPr marL="514350" indent="-514350">
-              <a:buFont typeface="+mj-lt"/>
-              <a:buAutoNum type="arabicPeriod"/>
-            </a:pPr>
-            <a:r>
-              <a:rPr lang="nb-NO" dirty="0" smtClean="0"/>
-              <a:t>Sets </a:t>
-            </a:r>
-            <a:r>
-              <a:rPr lang="nb-NO" dirty="0" err="1" smtClean="0"/>
-              <a:t>chocolatey</a:t>
-            </a:r>
-            <a:r>
-              <a:rPr lang="nb-NO" dirty="0" smtClean="0"/>
-              <a:t> to </a:t>
-            </a:r>
-            <a:r>
-              <a:rPr lang="nb-NO" dirty="0" err="1" smtClean="0"/>
-              <a:t>work</a:t>
-            </a:r>
-            <a:r>
-              <a:rPr lang="nb-NO" dirty="0" smtClean="0"/>
-              <a:t> </a:t>
-            </a:r>
-            <a:r>
-              <a:rPr lang="nb-NO" dirty="0" err="1" smtClean="0"/>
-              <a:t>with</a:t>
-            </a:r>
-            <a:r>
-              <a:rPr lang="nb-NO" dirty="0" smtClean="0"/>
-              <a:t> </a:t>
-            </a:r>
-            <a:r>
-              <a:rPr lang="nb-NO" dirty="0" err="1" smtClean="0"/>
-              <a:t>this</a:t>
-            </a:r>
-            <a:r>
-              <a:rPr lang="nb-NO" dirty="0" smtClean="0"/>
-              <a:t> </a:t>
-            </a:r>
-            <a:r>
-              <a:rPr lang="nb-NO" dirty="0" err="1" smtClean="0"/>
-              <a:t>directory</a:t>
-            </a:r>
-            <a:r>
-              <a:rPr lang="nb-NO" dirty="0" smtClean="0"/>
-              <a:t> as </a:t>
-            </a:r>
-            <a:r>
-              <a:rPr lang="nb-NO" dirty="0" err="1" smtClean="0"/>
-              <a:t>its</a:t>
-            </a:r>
-            <a:r>
-              <a:rPr lang="nb-NO" dirty="0" smtClean="0"/>
-              <a:t> </a:t>
-            </a:r>
-            <a:r>
-              <a:rPr lang="nb-NO" dirty="0" err="1" smtClean="0"/>
-              <a:t>working</a:t>
-            </a:r>
-            <a:r>
-              <a:rPr lang="nb-NO" dirty="0" smtClean="0"/>
-              <a:t> </a:t>
-            </a:r>
-            <a:r>
-              <a:rPr lang="nb-NO" dirty="0" err="1" smtClean="0"/>
-              <a:t>directory</a:t>
-            </a:r>
-            <a:r>
-              <a:rPr lang="nb-NO" dirty="0" smtClean="0"/>
-              <a:t> (i.e. like a </a:t>
-            </a:r>
-            <a:r>
-              <a:rPr lang="nb-NO" dirty="0" err="1" smtClean="0"/>
-              <a:t>clean</a:t>
-            </a:r>
-            <a:r>
-              <a:rPr lang="nb-NO" dirty="0" smtClean="0"/>
-              <a:t> </a:t>
-            </a:r>
-            <a:r>
-              <a:rPr lang="nb-NO" dirty="0" err="1" smtClean="0"/>
-              <a:t>machine</a:t>
-            </a:r>
-            <a:r>
-              <a:rPr lang="nb-NO" dirty="0" smtClean="0"/>
-              <a:t>)</a:t>
-            </a:r>
-          </a:p>
-          <a:p>
-            <a:pPr marL="514350" indent="-514350">
-              <a:buFont typeface="+mj-lt"/>
-              <a:buAutoNum type="arabicPeriod"/>
-            </a:pPr>
-            <a:r>
-              <a:rPr lang="nb-NO" dirty="0" err="1" smtClean="0"/>
-              <a:t>Querries</a:t>
-            </a:r>
-            <a:r>
-              <a:rPr lang="nb-NO" dirty="0" smtClean="0"/>
-              <a:t> </a:t>
-            </a:r>
-            <a:r>
-              <a:rPr lang="nb-NO" dirty="0" err="1" smtClean="0"/>
-              <a:t>the</a:t>
-            </a:r>
-            <a:r>
-              <a:rPr lang="nb-NO" dirty="0" smtClean="0"/>
-              <a:t> database for all </a:t>
-            </a:r>
-            <a:r>
-              <a:rPr lang="nb-NO" dirty="0" err="1" smtClean="0"/>
-              <a:t>installed</a:t>
-            </a:r>
-            <a:r>
-              <a:rPr lang="nb-NO" dirty="0" smtClean="0"/>
-              <a:t> </a:t>
-            </a:r>
-            <a:r>
-              <a:rPr lang="nb-NO" dirty="0" err="1" smtClean="0"/>
-              <a:t>packages</a:t>
+          <a:bodyPr/>
+          <a:lstStyle/>
+          <a:p>
+            <a:r>
+              <a:rPr lang="nb-NO" dirty="0" err="1" smtClean="0"/>
+              <a:t>Dupfiles</a:t>
             </a:r>
             <a:endParaRPr lang="nb-NO" dirty="0" smtClean="0"/>
           </a:p>
           <a:p>
-            <a:pPr marL="514350" indent="-514350">
-              <a:buFont typeface="+mj-lt"/>
-              <a:buAutoNum type="arabicPeriod"/>
-            </a:pPr>
-            <a:r>
-              <a:rPr lang="nb-NO" dirty="0" err="1" smtClean="0"/>
-              <a:t>Creates</a:t>
-            </a:r>
-            <a:r>
-              <a:rPr lang="nb-NO" dirty="0" smtClean="0"/>
-              <a:t> a </a:t>
-            </a:r>
-            <a:r>
-              <a:rPr lang="nb-NO" dirty="0" err="1" smtClean="0"/>
-              <a:t>representation</a:t>
-            </a:r>
-            <a:r>
-              <a:rPr lang="nb-NO" dirty="0" smtClean="0"/>
-              <a:t> </a:t>
-            </a:r>
-            <a:r>
-              <a:rPr lang="nb-NO" dirty="0" err="1" smtClean="0"/>
-              <a:t>of</a:t>
-            </a:r>
-            <a:r>
-              <a:rPr lang="nb-NO" dirty="0" smtClean="0"/>
-              <a:t> all </a:t>
-            </a:r>
-            <a:r>
-              <a:rPr lang="nb-NO" dirty="0" err="1" smtClean="0"/>
-              <a:t>the</a:t>
-            </a:r>
-            <a:r>
-              <a:rPr lang="nb-NO" dirty="0" smtClean="0"/>
-              <a:t> </a:t>
-            </a:r>
-            <a:r>
-              <a:rPr lang="nb-NO" dirty="0" err="1" smtClean="0"/>
-              <a:t>packages</a:t>
-            </a:r>
-            <a:r>
-              <a:rPr lang="nb-NO" dirty="0" smtClean="0"/>
-              <a:t> in </a:t>
-            </a:r>
-            <a:r>
-              <a:rPr lang="nb-NO" dirty="0" err="1" smtClean="0"/>
-              <a:t>the</a:t>
-            </a:r>
-            <a:r>
-              <a:rPr lang="nb-NO" dirty="0" smtClean="0"/>
-              <a:t> database in :$</a:t>
-            </a:r>
-            <a:r>
-              <a:rPr lang="nb-NO" dirty="0" err="1" smtClean="0"/>
-              <a:t>InstallDir</a:t>
-            </a:r>
-            <a:r>
-              <a:rPr lang="nb-NO" dirty="0" smtClean="0"/>
-              <a:t>\database-date-time\</a:t>
-            </a:r>
-            <a:r>
-              <a:rPr lang="nb-NO" dirty="0" err="1" smtClean="0"/>
-              <a:t>choco</a:t>
-            </a:r>
-            <a:r>
-              <a:rPr lang="nb-NO" dirty="0" smtClean="0"/>
-              <a:t>\</a:t>
-            </a:r>
-            <a:r>
-              <a:rPr lang="nb-NO" dirty="0" err="1" smtClean="0"/>
-              <a:t>chocolatey</a:t>
-            </a:r>
-            <a:r>
-              <a:rPr lang="nb-NO" dirty="0" smtClean="0"/>
-              <a:t>\</a:t>
-            </a:r>
-            <a:r>
-              <a:rPr lang="nb-NO" dirty="0" err="1" smtClean="0"/>
-              <a:t>lib</a:t>
-            </a:r>
-            <a:endParaRPr lang="nb-NO" dirty="0" smtClean="0"/>
-          </a:p>
-          <a:p>
-            <a:pPr marL="514350" indent="-514350">
-              <a:buFont typeface="+mj-lt"/>
-              <a:buAutoNum type="arabicPeriod"/>
-            </a:pPr>
+            <a:r>
+              <a:rPr lang="nb-NO" dirty="0" err="1" smtClean="0"/>
+              <a:t>Json</a:t>
+            </a:r>
+            <a:r>
+              <a:rPr lang="nb-NO" dirty="0" smtClean="0"/>
+              <a:t>-file</a:t>
+            </a:r>
+          </a:p>
+          <a:p>
+            <a:r>
+              <a:rPr lang="nb-NO" dirty="0" smtClean="0"/>
+              <a:t>chocolateyInstall.ps1</a:t>
+            </a:r>
             <a:endParaRPr lang="nb-NO" dirty="0"/>
           </a:p>
         </p:txBody>
@@ -13790,7 +13653,7 @@
     </p:spTree>
     <p:extLst>
       <p:ext uri="{BB962C8B-B14F-4D97-AF65-F5344CB8AC3E}">
-        <p14:creationId xmlns:p14="http://schemas.microsoft.com/office/powerpoint/2010/main" val="1604630973"/>
+        <p14:creationId xmlns:p14="http://schemas.microsoft.com/office/powerpoint/2010/main" val="117989733"/>
       </p:ext>
     </p:extLst>
   </p:cSld>
@@ -13834,456 +13697,199 @@
           <a:p>
             <a:r>
               <a:rPr lang="nb-NO" dirty="0" err="1" smtClean="0"/>
+              <a:t>dips-dbupgrade</a:t>
+            </a:r>
+            <a:endParaRPr lang="nb-NO" dirty="0"/>
+          </a:p>
+        </p:txBody>
+      </p:sp>
+      <p:sp>
+        <p:nvSpPr>
+          <p:cNvPr id="3" name="Content Placeholder 2"/>
+          <p:cNvSpPr>
+            <a:spLocks noGrp="1"/>
+          </p:cNvSpPr>
+          <p:nvPr>
+            <p:ph idx="1"/>
+          </p:nvPr>
+        </p:nvSpPr>
+        <p:spPr/>
+        <p:txBody>
+          <a:bodyPr/>
+          <a:lstStyle/>
+          <a:p>
+            <a:r>
+              <a:rPr lang="nb-NO" dirty="0" err="1" smtClean="0"/>
+              <a:t>dips-dbupgrade</a:t>
+            </a:r>
+            <a:r>
+              <a:rPr lang="nb-NO" dirty="0" smtClean="0"/>
+              <a:t> is a </a:t>
+            </a:r>
+            <a:r>
+              <a:rPr lang="nb-NO" dirty="0" err="1" smtClean="0"/>
+              <a:t>chocolateypackage</a:t>
+            </a:r>
+            <a:r>
+              <a:rPr lang="nb-NO" dirty="0" smtClean="0"/>
+              <a:t> </a:t>
+            </a:r>
+            <a:r>
+              <a:rPr lang="nb-NO" dirty="0" err="1" smtClean="0"/>
+              <a:t>that</a:t>
+            </a:r>
+            <a:r>
+              <a:rPr lang="nb-NO" dirty="0" smtClean="0"/>
+              <a:t> </a:t>
+            </a:r>
+            <a:r>
+              <a:rPr lang="nb-NO" dirty="0" err="1" smtClean="0"/>
+              <a:t>installs</a:t>
+            </a:r>
+            <a:r>
+              <a:rPr lang="nb-NO" dirty="0" smtClean="0"/>
+              <a:t> a </a:t>
+            </a:r>
+            <a:r>
+              <a:rPr lang="nb-NO" dirty="0" err="1" smtClean="0"/>
+              <a:t>powershell</a:t>
+            </a:r>
+            <a:r>
+              <a:rPr lang="nb-NO" dirty="0" smtClean="0"/>
+              <a:t> </a:t>
+            </a:r>
+            <a:r>
+              <a:rPr lang="nb-NO" dirty="0" err="1" smtClean="0"/>
+              <a:t>module</a:t>
+            </a:r>
+            <a:r>
+              <a:rPr lang="nb-NO" dirty="0" smtClean="0"/>
+              <a:t> </a:t>
+            </a:r>
+            <a:r>
+              <a:rPr lang="nb-NO" dirty="0" err="1" smtClean="0"/>
+              <a:t>name</a:t>
+            </a:r>
+            <a:r>
+              <a:rPr lang="nb-NO" dirty="0" smtClean="0"/>
+              <a:t> </a:t>
+            </a:r>
+            <a:r>
+              <a:rPr lang="nb-NO" dirty="0" err="1" smtClean="0"/>
+              <a:t>DIPSDBupgrade</a:t>
+            </a:r>
+            <a:r>
+              <a:rPr lang="nb-NO" dirty="0" smtClean="0"/>
+              <a:t>.</a:t>
+            </a:r>
+          </a:p>
+          <a:p>
+            <a:r>
+              <a:rPr lang="nb-NO" dirty="0" smtClean="0"/>
+              <a:t>The </a:t>
+            </a:r>
+            <a:r>
+              <a:rPr lang="nb-NO" dirty="0" err="1" smtClean="0"/>
+              <a:t>module</a:t>
+            </a:r>
+            <a:r>
+              <a:rPr lang="nb-NO" dirty="0" smtClean="0"/>
+              <a:t> </a:t>
+            </a:r>
+            <a:r>
+              <a:rPr lang="nb-NO" dirty="0" err="1" smtClean="0"/>
+              <a:t>contains</a:t>
+            </a:r>
+            <a:r>
+              <a:rPr lang="nb-NO" dirty="0" smtClean="0"/>
+              <a:t> </a:t>
+            </a:r>
+            <a:r>
+              <a:rPr lang="nb-NO" dirty="0" err="1" smtClean="0"/>
+              <a:t>the</a:t>
+            </a:r>
+            <a:r>
+              <a:rPr lang="nb-NO" dirty="0" smtClean="0"/>
+              <a:t> </a:t>
+            </a:r>
+            <a:r>
+              <a:rPr lang="nb-NO" dirty="0" err="1" smtClean="0"/>
+              <a:t>function</a:t>
+            </a:r>
+            <a:r>
+              <a:rPr lang="nb-NO" dirty="0" smtClean="0"/>
+              <a:t>: </a:t>
+            </a:r>
+            <a:r>
+              <a:rPr lang="nb-NO" dirty="0" err="1" smtClean="0"/>
+              <a:t>Install-Databasepackages</a:t>
+            </a:r>
+            <a:endParaRPr lang="nb-NO" dirty="0" smtClean="0"/>
+          </a:p>
+          <a:p>
+            <a:endParaRPr lang="nb-NO" dirty="0"/>
+          </a:p>
+          <a:p>
+            <a:r>
+              <a:rPr lang="nb-NO" dirty="0" err="1" smtClean="0"/>
               <a:t>Install-DatabasePackages</a:t>
             </a:r>
             <a:r>
               <a:rPr lang="nb-NO" dirty="0" smtClean="0"/>
-              <a:t> </a:t>
-            </a:r>
-            <a:r>
-              <a:rPr lang="nb-NO" dirty="0" err="1" smtClean="0"/>
-              <a:t>cont</a:t>
-            </a:r>
-            <a:r>
-              <a:rPr lang="nb-NO" dirty="0" smtClean="0"/>
-              <a:t>.</a:t>
+              <a:t> –</a:t>
+            </a:r>
+            <a:r>
+              <a:rPr lang="nb-NO" dirty="0" err="1" smtClean="0"/>
+              <a:t>Packages</a:t>
+            </a:r>
+            <a:r>
+              <a:rPr lang="nb-NO" dirty="0" smtClean="0"/>
+              <a:t> </a:t>
+            </a:r>
+            <a:r>
+              <a:rPr lang="nb-NO" dirty="0" err="1" smtClean="0"/>
+              <a:t>packageId</a:t>
+            </a:r>
+            <a:r>
+              <a:rPr lang="nb-NO" dirty="0" smtClean="0"/>
+              <a:t> –Source c:\temp –Database vd-dbbuild10/</a:t>
+            </a:r>
+            <a:r>
+              <a:rPr lang="nb-NO" dirty="0" err="1" smtClean="0"/>
+              <a:t>dips</a:t>
+            </a:r>
+            <a:r>
+              <a:rPr lang="nb-NO" dirty="0" smtClean="0"/>
+              <a:t> –</a:t>
+            </a:r>
+            <a:r>
+              <a:rPr lang="nb-NO" dirty="0" err="1" smtClean="0"/>
+              <a:t>InstallDir</a:t>
+            </a:r>
+            <a:r>
+              <a:rPr lang="nb-NO" dirty="0" smtClean="0"/>
+              <a:t> c:\temp –</a:t>
+            </a:r>
+            <a:r>
+              <a:rPr lang="nb-NO" dirty="0" err="1" smtClean="0"/>
+              <a:t>Password</a:t>
+            </a:r>
+            <a:r>
+              <a:rPr lang="nb-NO" dirty="0" smtClean="0"/>
+              <a:t> </a:t>
+            </a:r>
+            <a:r>
+              <a:rPr lang="nb-NO" dirty="0" err="1" smtClean="0"/>
+              <a:t>oracle</a:t>
             </a:r>
             <a:endParaRPr lang="nb-NO" dirty="0"/>
-          </a:p>
-        </p:txBody>
-      </p:sp>
-      <p:sp>
-        <p:nvSpPr>
-          <p:cNvPr id="3" name="Content Placeholder 2"/>
-          <p:cNvSpPr>
-            <a:spLocks noGrp="1"/>
-          </p:cNvSpPr>
-          <p:nvPr>
-            <p:ph idx="1"/>
-          </p:nvPr>
-        </p:nvSpPr>
-        <p:spPr/>
-        <p:txBody>
-          <a:bodyPr>
-            <a:normAutofit/>
-          </a:bodyPr>
-          <a:lstStyle/>
-          <a:p>
-            <a:pPr marL="514350" indent="-514350">
-              <a:buFont typeface="+mj-lt"/>
-              <a:buAutoNum type="arabicPeriod" startAt="7"/>
-            </a:pPr>
-            <a:r>
-              <a:rPr lang="nb-NO" dirty="0" err="1" smtClean="0"/>
-              <a:t>Installs</a:t>
-            </a:r>
-            <a:r>
-              <a:rPr lang="nb-NO" dirty="0" smtClean="0"/>
-              <a:t> </a:t>
-            </a:r>
-            <a:r>
-              <a:rPr lang="nb-NO" dirty="0" err="1"/>
-              <a:t>packages</a:t>
-            </a:r>
-            <a:r>
-              <a:rPr lang="nb-NO" dirty="0"/>
-              <a:t> </a:t>
-            </a:r>
-            <a:r>
-              <a:rPr lang="nb-NO" dirty="0" err="1"/>
-              <a:t>into</a:t>
-            </a:r>
-            <a:r>
-              <a:rPr lang="nb-NO" dirty="0"/>
-              <a:t> :$</a:t>
-            </a:r>
-            <a:r>
-              <a:rPr lang="nb-NO" dirty="0" err="1" smtClean="0"/>
-              <a:t>InstallDir</a:t>
-            </a:r>
-            <a:r>
-              <a:rPr lang="nb-NO" dirty="0" smtClean="0"/>
-              <a:t>\database-date-time\</a:t>
-            </a:r>
-            <a:r>
-              <a:rPr lang="nb-NO" dirty="0" err="1" smtClean="0"/>
-              <a:t>choco</a:t>
-            </a:r>
-            <a:r>
-              <a:rPr lang="nb-NO" dirty="0" smtClean="0"/>
-              <a:t>\</a:t>
-            </a:r>
-            <a:r>
-              <a:rPr lang="nb-NO" dirty="0" err="1" smtClean="0"/>
-              <a:t>lib</a:t>
-            </a:r>
-            <a:endParaRPr lang="nb-NO" dirty="0"/>
-          </a:p>
-          <a:p>
-            <a:pPr marL="514350" indent="-514350">
-              <a:buFont typeface="+mj-lt"/>
-              <a:buAutoNum type="arabicPeriod" startAt="7"/>
-            </a:pPr>
-            <a:r>
-              <a:rPr lang="nb-NO" dirty="0" err="1" smtClean="0"/>
-              <a:t>Each</a:t>
-            </a:r>
-            <a:r>
-              <a:rPr lang="nb-NO" dirty="0" smtClean="0"/>
-              <a:t> </a:t>
-            </a:r>
-            <a:r>
-              <a:rPr lang="nb-NO" dirty="0" err="1" smtClean="0"/>
-              <a:t>package</a:t>
-            </a:r>
-            <a:r>
-              <a:rPr lang="nb-NO" dirty="0" smtClean="0"/>
-              <a:t> has </a:t>
-            </a:r>
-            <a:r>
-              <a:rPr lang="nb-NO" dirty="0" err="1" smtClean="0"/>
-              <a:t>now</a:t>
-            </a:r>
-            <a:r>
-              <a:rPr lang="nb-NO" dirty="0" smtClean="0"/>
-              <a:t>:</a:t>
-            </a:r>
-          </a:p>
-          <a:p>
-            <a:pPr lvl="1"/>
-            <a:r>
-              <a:rPr lang="nb-NO" dirty="0" err="1" smtClean="0"/>
-              <a:t>installed</a:t>
-            </a:r>
-            <a:r>
-              <a:rPr lang="nb-NO" dirty="0" smtClean="0"/>
-              <a:t> </a:t>
-            </a:r>
-            <a:r>
-              <a:rPr lang="nb-NO" dirty="0" err="1" smtClean="0"/>
-              <a:t>its</a:t>
-            </a:r>
-            <a:r>
-              <a:rPr lang="nb-NO" dirty="0" smtClean="0"/>
-              <a:t> </a:t>
-            </a:r>
-            <a:r>
-              <a:rPr lang="nb-NO" dirty="0" err="1" smtClean="0"/>
-              <a:t>dups</a:t>
-            </a:r>
-            <a:r>
-              <a:rPr lang="nb-NO" dirty="0" smtClean="0"/>
-              <a:t> to $</a:t>
-            </a:r>
-            <a:r>
-              <a:rPr lang="nb-NO" dirty="0" err="1" smtClean="0"/>
-              <a:t>InstallDir</a:t>
-            </a:r>
-            <a:r>
-              <a:rPr lang="nb-NO" dirty="0" smtClean="0"/>
-              <a:t>\$database\</a:t>
-            </a:r>
-            <a:r>
-              <a:rPr lang="nb-NO" dirty="0" err="1" smtClean="0"/>
-              <a:t>dup</a:t>
-            </a:r>
-            <a:r>
-              <a:rPr lang="nb-NO" dirty="0" smtClean="0"/>
-              <a:t> </a:t>
-            </a:r>
-          </a:p>
-          <a:p>
-            <a:pPr lvl="1"/>
-            <a:r>
-              <a:rPr lang="nb-NO" dirty="0" err="1" smtClean="0"/>
-              <a:t>written</a:t>
-            </a:r>
-            <a:r>
-              <a:rPr lang="nb-NO" dirty="0" smtClean="0"/>
-              <a:t> a line in $</a:t>
-            </a:r>
-            <a:r>
-              <a:rPr lang="nb-NO" dirty="0" err="1"/>
-              <a:t>InstallDir</a:t>
-            </a:r>
-            <a:r>
-              <a:rPr lang="nb-NO" dirty="0"/>
-              <a:t>\$database\</a:t>
-            </a:r>
-            <a:r>
-              <a:rPr lang="nb-NO" dirty="0" err="1"/>
-              <a:t>json</a:t>
-            </a:r>
-            <a:r>
-              <a:rPr lang="nb-NO" dirty="0"/>
-              <a:t>\moduleOrder.txt</a:t>
-            </a:r>
-            <a:endParaRPr lang="nb-NO" dirty="0" smtClean="0"/>
-          </a:p>
-          <a:p>
-            <a:pPr lvl="1"/>
-            <a:r>
-              <a:rPr lang="nb-NO" dirty="0" err="1" smtClean="0"/>
-              <a:t>copied</a:t>
-            </a:r>
-            <a:r>
-              <a:rPr lang="nb-NO" dirty="0" smtClean="0"/>
-              <a:t> </a:t>
-            </a:r>
-            <a:r>
-              <a:rPr lang="nb-NO" dirty="0" err="1" smtClean="0"/>
-              <a:t>its</a:t>
-            </a:r>
-            <a:r>
-              <a:rPr lang="nb-NO" dirty="0" smtClean="0"/>
-              <a:t> </a:t>
-            </a:r>
-            <a:r>
-              <a:rPr lang="nb-NO" dirty="0" err="1" smtClean="0"/>
-              <a:t>json</a:t>
-            </a:r>
-            <a:r>
-              <a:rPr lang="nb-NO" dirty="0" smtClean="0"/>
-              <a:t> order file to </a:t>
-            </a:r>
-            <a:r>
-              <a:rPr lang="nb-NO" dirty="0"/>
-              <a:t>$</a:t>
-            </a:r>
-            <a:r>
-              <a:rPr lang="nb-NO" dirty="0" err="1"/>
-              <a:t>InstallDir</a:t>
-            </a:r>
-            <a:r>
-              <a:rPr lang="nb-NO" dirty="0"/>
-              <a:t>\$database\</a:t>
-            </a:r>
-            <a:r>
-              <a:rPr lang="nb-NO" dirty="0" err="1"/>
-              <a:t>json</a:t>
-            </a:r>
-            <a:r>
-              <a:rPr lang="nb-NO" dirty="0" smtClean="0"/>
-              <a:t>\</a:t>
-            </a:r>
-          </a:p>
-          <a:p>
-            <a:pPr marL="514350" indent="-514350">
-              <a:buFont typeface="+mj-lt"/>
-              <a:buAutoNum type="arabicPeriod" startAt="7"/>
-            </a:pPr>
-            <a:r>
-              <a:rPr lang="nb-NO" dirty="0" err="1" smtClean="0"/>
-              <a:t>Creates</a:t>
-            </a:r>
-            <a:r>
-              <a:rPr lang="nb-NO" dirty="0" smtClean="0"/>
-              <a:t> an </a:t>
-            </a:r>
-            <a:r>
-              <a:rPr lang="nb-NO" dirty="0" err="1" smtClean="0"/>
-              <a:t>ordered</a:t>
-            </a:r>
-            <a:r>
-              <a:rPr lang="nb-NO" dirty="0" smtClean="0"/>
-              <a:t> list </a:t>
-            </a:r>
-            <a:r>
-              <a:rPr lang="nb-NO" dirty="0" err="1" smtClean="0"/>
-              <a:t>of</a:t>
-            </a:r>
-            <a:r>
-              <a:rPr lang="nb-NO" dirty="0" smtClean="0"/>
-              <a:t> </a:t>
-            </a:r>
-            <a:r>
-              <a:rPr lang="nb-NO" dirty="0" err="1" smtClean="0"/>
-              <a:t>dupfiles</a:t>
-            </a:r>
-            <a:r>
-              <a:rPr lang="nb-NO" dirty="0" smtClean="0"/>
-              <a:t> </a:t>
-            </a:r>
-            <a:r>
-              <a:rPr lang="nb-NO" dirty="0" err="1" smtClean="0"/>
-              <a:t>based</a:t>
-            </a:r>
-            <a:r>
-              <a:rPr lang="nb-NO" dirty="0" smtClean="0"/>
-              <a:t> </a:t>
-            </a:r>
-            <a:r>
-              <a:rPr lang="nb-NO" dirty="0" err="1" smtClean="0"/>
-              <a:t>on</a:t>
-            </a:r>
-            <a:r>
-              <a:rPr lang="nb-NO" dirty="0" smtClean="0"/>
-              <a:t> all </a:t>
-            </a:r>
-            <a:r>
-              <a:rPr lang="nb-NO" dirty="0" err="1" smtClean="0"/>
-              <a:t>dup-order.json</a:t>
-            </a:r>
-            <a:r>
-              <a:rPr lang="nb-NO" dirty="0" smtClean="0"/>
-              <a:t> files</a:t>
-            </a:r>
-          </a:p>
-          <a:p>
-            <a:pPr marL="514350" indent="-514350">
-              <a:buFont typeface="+mj-lt"/>
-              <a:buAutoNum type="arabicPeriod" startAt="7"/>
-            </a:pPr>
-            <a:r>
-              <a:rPr lang="nb-NO" dirty="0" err="1" smtClean="0"/>
-              <a:t>Querries</a:t>
-            </a:r>
-            <a:r>
-              <a:rPr lang="nb-NO" dirty="0" smtClean="0"/>
-              <a:t> </a:t>
-            </a:r>
-            <a:r>
-              <a:rPr lang="nb-NO" dirty="0" err="1" smtClean="0"/>
-              <a:t>the</a:t>
-            </a:r>
-            <a:r>
-              <a:rPr lang="nb-NO" dirty="0" smtClean="0"/>
-              <a:t> database to </a:t>
-            </a:r>
-            <a:r>
-              <a:rPr lang="nb-NO" dirty="0" err="1" smtClean="0"/>
-              <a:t>find</a:t>
-            </a:r>
-            <a:r>
-              <a:rPr lang="nb-NO" dirty="0" smtClean="0"/>
-              <a:t> </a:t>
-            </a:r>
-            <a:r>
-              <a:rPr lang="nb-NO" dirty="0" err="1" smtClean="0"/>
-              <a:t>if</a:t>
-            </a:r>
-            <a:r>
-              <a:rPr lang="nb-NO" dirty="0" smtClean="0"/>
-              <a:t> all </a:t>
-            </a:r>
-            <a:r>
-              <a:rPr lang="nb-NO" dirty="0" err="1" smtClean="0"/>
-              <a:t>these</a:t>
-            </a:r>
-            <a:r>
-              <a:rPr lang="nb-NO" dirty="0" smtClean="0"/>
-              <a:t> </a:t>
-            </a:r>
-            <a:r>
-              <a:rPr lang="nb-NO" dirty="0" err="1" smtClean="0"/>
-              <a:t>dupfiles</a:t>
-            </a:r>
-            <a:r>
-              <a:rPr lang="nb-NO" dirty="0" smtClean="0"/>
-              <a:t> must be </a:t>
-            </a:r>
-            <a:r>
-              <a:rPr lang="nb-NO" dirty="0" err="1" smtClean="0"/>
-              <a:t>executed</a:t>
-            </a:r>
-            <a:endParaRPr lang="nb-NO" dirty="0" smtClean="0"/>
-          </a:p>
-          <a:p>
-            <a:pPr marL="514350" indent="-514350">
-              <a:buFont typeface="+mj-lt"/>
-              <a:buAutoNum type="arabicPeriod" startAt="7"/>
-            </a:pPr>
-            <a:r>
-              <a:rPr lang="nb-NO" dirty="0" err="1" smtClean="0"/>
-              <a:t>Executes</a:t>
-            </a:r>
-            <a:r>
-              <a:rPr lang="nb-NO" dirty="0" smtClean="0"/>
-              <a:t> </a:t>
-            </a:r>
-            <a:r>
-              <a:rPr lang="nb-NO" dirty="0" err="1" smtClean="0"/>
-              <a:t>dupfiles</a:t>
-            </a:r>
-            <a:r>
-              <a:rPr lang="nb-NO" dirty="0" smtClean="0"/>
-              <a:t> </a:t>
-            </a:r>
-            <a:r>
-              <a:rPr lang="nb-NO" dirty="0" err="1" smtClean="0"/>
-              <a:t>using</a:t>
-            </a:r>
-            <a:r>
-              <a:rPr lang="nb-NO" dirty="0" smtClean="0"/>
-              <a:t> </a:t>
-            </a:r>
-            <a:r>
-              <a:rPr lang="nb-NO" dirty="0" err="1" smtClean="0"/>
-              <a:t>dupconsole</a:t>
-            </a:r>
-            <a:r>
-              <a:rPr lang="nb-NO" dirty="0" smtClean="0"/>
-              <a:t> and runs </a:t>
-            </a:r>
-            <a:r>
-              <a:rPr lang="nb-NO" dirty="0" err="1" smtClean="0"/>
-              <a:t>dwdba</a:t>
-            </a:r>
-            <a:r>
-              <a:rPr lang="nb-NO" dirty="0" smtClean="0"/>
-              <a:t> </a:t>
-            </a:r>
-            <a:r>
-              <a:rPr lang="nb-NO" dirty="0" err="1" smtClean="0"/>
-              <a:t>after</a:t>
-            </a:r>
-            <a:r>
-              <a:rPr lang="nb-NO" dirty="0" smtClean="0"/>
-              <a:t> </a:t>
-            </a:r>
-            <a:r>
-              <a:rPr lang="nb-NO" dirty="0" err="1" smtClean="0"/>
-              <a:t>each</a:t>
-            </a:r>
-            <a:r>
-              <a:rPr lang="nb-NO" dirty="0" smtClean="0"/>
-              <a:t> </a:t>
-            </a:r>
-            <a:r>
-              <a:rPr lang="nb-NO" dirty="0" err="1" smtClean="0"/>
-              <a:t>dup</a:t>
-            </a:r>
-            <a:r>
-              <a:rPr lang="nb-NO" dirty="0" smtClean="0"/>
-              <a:t> to </a:t>
-            </a:r>
-            <a:r>
-              <a:rPr lang="nb-NO" dirty="0" err="1" smtClean="0"/>
-              <a:t>generate</a:t>
-            </a:r>
-            <a:r>
-              <a:rPr lang="nb-NO" dirty="0" smtClean="0"/>
-              <a:t> triggers and </a:t>
-            </a:r>
-            <a:r>
-              <a:rPr lang="nb-NO" dirty="0" err="1" smtClean="0"/>
-              <a:t>views</a:t>
-            </a:r>
-            <a:endParaRPr lang="nb-NO" dirty="0"/>
-          </a:p>
-          <a:p>
-            <a:pPr marL="514350" indent="-514350">
-              <a:buFont typeface="+mj-lt"/>
-              <a:buAutoNum type="arabicPeriod" startAt="7"/>
-            </a:pPr>
-            <a:endParaRPr lang="nb-NO" dirty="0" smtClean="0"/>
           </a:p>
         </p:txBody>
       </p:sp>
     </p:spTree>
     <p:extLst>
       <p:ext uri="{BB962C8B-B14F-4D97-AF65-F5344CB8AC3E}">
-        <p14:creationId xmlns:p14="http://schemas.microsoft.com/office/powerpoint/2010/main" val="2789536597"/>
+        <p14:creationId xmlns:p14="http://schemas.microsoft.com/office/powerpoint/2010/main" val="3039931082"/>
       </p:ext>
     </p:extLst>
   </p:cSld>
@@ -14326,20 +13932,8 @@
           <a:lstStyle/>
           <a:p>
             <a:r>
-              <a:rPr lang="nb-NO" dirty="0" smtClean="0"/>
-              <a:t>Database </a:t>
-            </a:r>
-            <a:r>
-              <a:rPr lang="nb-NO" dirty="0" err="1" smtClean="0"/>
-              <a:t>package</a:t>
-            </a:r>
-            <a:r>
-              <a:rPr lang="nb-NO" dirty="0" smtClean="0"/>
-              <a:t> </a:t>
-            </a:r>
-            <a:r>
-              <a:rPr lang="nb-NO" dirty="0" err="1" smtClean="0"/>
-              <a:t>versioning</a:t>
+              <a:rPr lang="nb-NO" dirty="0" err="1" smtClean="0"/>
+              <a:t>Install-DatabasePackages</a:t>
             </a:r>
             <a:endParaRPr lang="nb-NO" dirty="0"/>
           </a:p>
@@ -14357,233 +13951,381 @@
         </p:nvSpPr>
         <p:spPr/>
         <p:txBody>
-          <a:bodyPr/>
-          <a:lstStyle/>
-          <a:p>
-            <a:pPr marL="0" indent="0">
-              <a:buNone/>
+          <a:bodyPr>
+            <a:normAutofit lnSpcReduction="10000"/>
+          </a:bodyPr>
+          <a:lstStyle/>
+          <a:p>
+            <a:pPr marL="514350" indent="-514350">
+              <a:buFont typeface="+mj-lt"/>
+              <a:buAutoNum type="arabicPeriod"/>
             </a:pPr>
             <a:r>
               <a:rPr lang="nb-NO" dirty="0" smtClean="0"/>
-              <a:t>DIPS Arena </a:t>
-            </a:r>
-            <a:r>
-              <a:rPr lang="nb-NO" dirty="0" err="1" smtClean="0"/>
-              <a:t>framework</a:t>
-            </a:r>
-            <a:r>
-              <a:rPr lang="nb-NO" dirty="0" smtClean="0"/>
-              <a:t> for DIPS Arena 19.1.0</a:t>
-            </a:r>
-          </a:p>
-          <a:p>
-            <a:pPr marL="0" indent="0">
-              <a:buNone/>
+              <a:t>Tests </a:t>
+            </a:r>
+            <a:r>
+              <a:rPr lang="nb-NO" dirty="0" err="1" smtClean="0"/>
+              <a:t>that</a:t>
+            </a:r>
+            <a:r>
+              <a:rPr lang="nb-NO" dirty="0" smtClean="0"/>
+              <a:t> </a:t>
+            </a:r>
+            <a:r>
+              <a:rPr lang="nb-NO" dirty="0" err="1" smtClean="0"/>
+              <a:t>the</a:t>
+            </a:r>
+            <a:r>
+              <a:rPr lang="nb-NO" dirty="0" smtClean="0"/>
+              <a:t> </a:t>
+            </a:r>
+            <a:r>
+              <a:rPr lang="nb-NO" dirty="0" err="1" smtClean="0"/>
+              <a:t>specified</a:t>
+            </a:r>
+            <a:r>
+              <a:rPr lang="nb-NO" dirty="0" smtClean="0"/>
+              <a:t> database </a:t>
+            </a:r>
+            <a:r>
+              <a:rPr lang="nb-NO" dirty="0" err="1" smtClean="0"/>
+              <a:t>can</a:t>
+            </a:r>
+            <a:r>
+              <a:rPr lang="nb-NO" dirty="0" smtClean="0"/>
+              <a:t> be </a:t>
+            </a:r>
+            <a:r>
+              <a:rPr lang="nb-NO" dirty="0" err="1" smtClean="0"/>
+              <a:t>connected</a:t>
+            </a:r>
+            <a:r>
+              <a:rPr lang="nb-NO" dirty="0" smtClean="0"/>
+              <a:t> to and </a:t>
+            </a:r>
+            <a:r>
+              <a:rPr lang="nb-NO" dirty="0" err="1" smtClean="0"/>
+              <a:t>that</a:t>
+            </a:r>
+            <a:r>
+              <a:rPr lang="nb-NO" dirty="0" smtClean="0"/>
+              <a:t> it is a DIPS database (</a:t>
+            </a:r>
+            <a:r>
+              <a:rPr lang="nb-NO" dirty="0" err="1" smtClean="0"/>
+              <a:t>i.e</a:t>
+            </a:r>
+            <a:r>
+              <a:rPr lang="nb-NO" dirty="0" smtClean="0"/>
+              <a:t> not a </a:t>
+            </a:r>
+            <a:r>
+              <a:rPr lang="nb-NO" dirty="0" err="1" smtClean="0"/>
+              <a:t>datamart</a:t>
+            </a:r>
+            <a:r>
+              <a:rPr lang="nb-NO" dirty="0" smtClean="0"/>
+              <a:t>)</a:t>
+            </a:r>
+          </a:p>
+          <a:p>
+            <a:pPr marL="514350" indent="-514350">
+              <a:buFont typeface="+mj-lt"/>
+              <a:buAutoNum type="arabicPeriod"/>
             </a:pPr>
             <a:r>
-              <a:rPr lang="nb-NO" dirty="0" smtClean="0"/>
-              <a:t>A </a:t>
-            </a:r>
-            <a:r>
-              <a:rPr lang="nb-NO" dirty="0" err="1" smtClean="0"/>
-              <a:t>package</a:t>
-            </a:r>
-            <a:r>
-              <a:rPr lang="nb-NO" dirty="0" smtClean="0"/>
-              <a:t> has an id and a </a:t>
-            </a:r>
-            <a:r>
-              <a:rPr lang="nb-NO" dirty="0" err="1" smtClean="0"/>
-              <a:t>version</a:t>
+              <a:rPr lang="nb-NO" dirty="0" err="1" smtClean="0"/>
+              <a:t>Executes</a:t>
+            </a:r>
+            <a:r>
+              <a:rPr lang="nb-NO" dirty="0" smtClean="0"/>
+              <a:t> </a:t>
+            </a:r>
+            <a:r>
+              <a:rPr lang="nb-NO" dirty="0" err="1" smtClean="0"/>
+              <a:t>prerequsites</a:t>
+            </a:r>
+            <a:r>
+              <a:rPr lang="nb-NO" dirty="0" smtClean="0"/>
+              <a:t> tests (</a:t>
+            </a:r>
+            <a:r>
+              <a:rPr lang="nb-NO" dirty="0" err="1" smtClean="0"/>
+              <a:t>dupconsole</a:t>
+            </a:r>
+            <a:r>
+              <a:rPr lang="nb-NO" dirty="0" smtClean="0"/>
+              <a:t>, </a:t>
+            </a:r>
+            <a:r>
+              <a:rPr lang="nb-NO" dirty="0" err="1" smtClean="0"/>
+              <a:t>path</a:t>
+            </a:r>
+            <a:r>
+              <a:rPr lang="nb-NO" dirty="0" smtClean="0"/>
+              <a:t>)</a:t>
+            </a:r>
+          </a:p>
+          <a:p>
+            <a:pPr marL="514350" indent="-514350">
+              <a:buFont typeface="+mj-lt"/>
+              <a:buAutoNum type="arabicPeriod"/>
+            </a:pPr>
+            <a:r>
+              <a:rPr lang="nb-NO" dirty="0" err="1" smtClean="0"/>
+              <a:t>Creates</a:t>
+            </a:r>
+            <a:r>
+              <a:rPr lang="nb-NO" dirty="0" smtClean="0"/>
+              <a:t> a </a:t>
+            </a:r>
+            <a:r>
+              <a:rPr lang="nb-NO" dirty="0" err="1" smtClean="0"/>
+              <a:t>new</a:t>
+            </a:r>
+            <a:r>
+              <a:rPr lang="nb-NO" dirty="0" smtClean="0"/>
+              <a:t> folder </a:t>
+            </a:r>
+            <a:r>
+              <a:rPr lang="nb-NO" dirty="0" err="1" smtClean="0"/>
+              <a:t>inside</a:t>
+            </a:r>
+            <a:r>
+              <a:rPr lang="nb-NO" dirty="0" smtClean="0"/>
+              <a:t> </a:t>
+            </a:r>
+            <a:r>
+              <a:rPr lang="nb-NO" dirty="0" err="1" smtClean="0"/>
+              <a:t>installDir</a:t>
+            </a:r>
+            <a:r>
+              <a:rPr lang="nb-NO" dirty="0" smtClean="0"/>
+              <a:t>: vd-dbbuild10-dips-20190610-101010</a:t>
+            </a:r>
+          </a:p>
+          <a:p>
+            <a:pPr marL="514350" indent="-514350">
+              <a:buFont typeface="+mj-lt"/>
+              <a:buAutoNum type="arabicPeriod"/>
+            </a:pPr>
+            <a:r>
+              <a:rPr lang="nb-NO" dirty="0" smtClean="0"/>
+              <a:t>Sets </a:t>
+            </a:r>
+            <a:r>
+              <a:rPr lang="nb-NO" dirty="0" err="1" smtClean="0"/>
+              <a:t>chocolatey</a:t>
+            </a:r>
+            <a:r>
+              <a:rPr lang="nb-NO" dirty="0" smtClean="0"/>
+              <a:t> to </a:t>
+            </a:r>
+            <a:r>
+              <a:rPr lang="nb-NO" dirty="0" err="1" smtClean="0"/>
+              <a:t>work</a:t>
+            </a:r>
+            <a:r>
+              <a:rPr lang="nb-NO" dirty="0" smtClean="0"/>
+              <a:t> </a:t>
+            </a:r>
+            <a:r>
+              <a:rPr lang="nb-NO" dirty="0" err="1" smtClean="0"/>
+              <a:t>with</a:t>
+            </a:r>
+            <a:r>
+              <a:rPr lang="nb-NO" dirty="0" smtClean="0"/>
+              <a:t> </a:t>
+            </a:r>
+            <a:r>
+              <a:rPr lang="nb-NO" dirty="0" err="1" smtClean="0"/>
+              <a:t>this</a:t>
+            </a:r>
+            <a:r>
+              <a:rPr lang="nb-NO" dirty="0" smtClean="0"/>
+              <a:t> </a:t>
+            </a:r>
+            <a:r>
+              <a:rPr lang="nb-NO" dirty="0" err="1" smtClean="0"/>
+              <a:t>directory</a:t>
+            </a:r>
+            <a:r>
+              <a:rPr lang="nb-NO" dirty="0" smtClean="0"/>
+              <a:t> as </a:t>
+            </a:r>
+            <a:r>
+              <a:rPr lang="nb-NO" dirty="0" err="1" smtClean="0"/>
+              <a:t>its</a:t>
+            </a:r>
+            <a:r>
+              <a:rPr lang="nb-NO" dirty="0" smtClean="0"/>
+              <a:t> </a:t>
+            </a:r>
+            <a:r>
+              <a:rPr lang="nb-NO" dirty="0" err="1" smtClean="0"/>
+              <a:t>working</a:t>
+            </a:r>
+            <a:r>
+              <a:rPr lang="nb-NO" dirty="0" smtClean="0"/>
+              <a:t> </a:t>
+            </a:r>
+            <a:r>
+              <a:rPr lang="nb-NO" dirty="0" err="1" smtClean="0"/>
+              <a:t>directory</a:t>
+            </a:r>
+            <a:r>
+              <a:rPr lang="nb-NO" dirty="0" smtClean="0"/>
+              <a:t> (i.e. like a </a:t>
+            </a:r>
+            <a:r>
+              <a:rPr lang="nb-NO" dirty="0" err="1" smtClean="0"/>
+              <a:t>clean</a:t>
+            </a:r>
+            <a:r>
+              <a:rPr lang="nb-NO" dirty="0" smtClean="0"/>
+              <a:t> </a:t>
+            </a:r>
+            <a:r>
+              <a:rPr lang="nb-NO" dirty="0" err="1" smtClean="0"/>
+              <a:t>machine</a:t>
+            </a:r>
+            <a:r>
+              <a:rPr lang="nb-NO" dirty="0" smtClean="0"/>
+              <a:t>)</a:t>
+            </a:r>
+          </a:p>
+          <a:p>
+            <a:pPr marL="514350" indent="-514350">
+              <a:buFont typeface="+mj-lt"/>
+              <a:buAutoNum type="arabicPeriod"/>
+            </a:pPr>
+            <a:r>
+              <a:rPr lang="nb-NO" dirty="0" err="1" smtClean="0"/>
+              <a:t>Querries</a:t>
+            </a:r>
+            <a:r>
+              <a:rPr lang="nb-NO" dirty="0" smtClean="0"/>
+              <a:t> </a:t>
+            </a:r>
+            <a:r>
+              <a:rPr lang="nb-NO" dirty="0" err="1" smtClean="0"/>
+              <a:t>the</a:t>
+            </a:r>
+            <a:r>
+              <a:rPr lang="nb-NO" dirty="0" smtClean="0"/>
+              <a:t> database for all </a:t>
+            </a:r>
+            <a:r>
+              <a:rPr lang="nb-NO" dirty="0" err="1" smtClean="0"/>
+              <a:t>installed</a:t>
+            </a:r>
+            <a:r>
+              <a:rPr lang="nb-NO" dirty="0" smtClean="0"/>
+              <a:t> </a:t>
+            </a:r>
+            <a:r>
+              <a:rPr lang="nb-NO" dirty="0" err="1" smtClean="0"/>
+              <a:t>packages</a:t>
             </a:r>
             <a:endParaRPr lang="nb-NO" dirty="0" smtClean="0"/>
           </a:p>
           <a:p>
-            <a:pPr marL="0" indent="0">
-              <a:buNone/>
+            <a:pPr marL="514350" indent="-514350">
+              <a:buFont typeface="+mj-lt"/>
+              <a:buAutoNum type="arabicPeriod"/>
+            </a:pPr>
+            <a:r>
+              <a:rPr lang="nb-NO" dirty="0" err="1" smtClean="0"/>
+              <a:t>Creates</a:t>
+            </a:r>
+            <a:r>
+              <a:rPr lang="nb-NO" dirty="0" smtClean="0"/>
+              <a:t> a </a:t>
+            </a:r>
+            <a:r>
+              <a:rPr lang="nb-NO" dirty="0" err="1" smtClean="0"/>
+              <a:t>representation</a:t>
+            </a:r>
+            <a:r>
+              <a:rPr lang="nb-NO" dirty="0" smtClean="0"/>
+              <a:t> </a:t>
+            </a:r>
+            <a:r>
+              <a:rPr lang="nb-NO" dirty="0" err="1" smtClean="0"/>
+              <a:t>of</a:t>
+            </a:r>
+            <a:r>
+              <a:rPr lang="nb-NO" dirty="0" smtClean="0"/>
+              <a:t> all </a:t>
+            </a:r>
+            <a:r>
+              <a:rPr lang="nb-NO" dirty="0" err="1" smtClean="0"/>
+              <a:t>the</a:t>
+            </a:r>
+            <a:r>
+              <a:rPr lang="nb-NO" dirty="0" smtClean="0"/>
+              <a:t> </a:t>
+            </a:r>
+            <a:r>
+              <a:rPr lang="nb-NO" dirty="0" err="1" smtClean="0"/>
+              <a:t>packages</a:t>
+            </a:r>
+            <a:r>
+              <a:rPr lang="nb-NO" dirty="0" smtClean="0"/>
+              <a:t> in </a:t>
+            </a:r>
+            <a:r>
+              <a:rPr lang="nb-NO" dirty="0" err="1" smtClean="0"/>
+              <a:t>the</a:t>
+            </a:r>
+            <a:r>
+              <a:rPr lang="nb-NO" dirty="0" smtClean="0"/>
+              <a:t> database in :$</a:t>
+            </a:r>
+            <a:r>
+              <a:rPr lang="nb-NO" dirty="0" err="1" smtClean="0"/>
+              <a:t>InstallDir</a:t>
+            </a:r>
+            <a:r>
+              <a:rPr lang="nb-NO" dirty="0" smtClean="0"/>
+              <a:t>\database-date-time\</a:t>
+            </a:r>
+            <a:r>
+              <a:rPr lang="nb-NO" dirty="0" err="1" smtClean="0"/>
+              <a:t>choco</a:t>
+            </a:r>
+            <a:r>
+              <a:rPr lang="nb-NO" dirty="0" smtClean="0"/>
+              <a:t>\</a:t>
+            </a:r>
+            <a:r>
+              <a:rPr lang="nb-NO" dirty="0" err="1" smtClean="0"/>
+              <a:t>chocolatey</a:t>
+            </a:r>
+            <a:r>
+              <a:rPr lang="nb-NO" dirty="0" smtClean="0"/>
+              <a:t>\</a:t>
+            </a:r>
+            <a:r>
+              <a:rPr lang="nb-NO" dirty="0" err="1" smtClean="0"/>
+              <a:t>lib</a:t>
+            </a:r>
+            <a:endParaRPr lang="nb-NO" dirty="0" smtClean="0"/>
+          </a:p>
+          <a:p>
+            <a:pPr marL="514350" indent="-514350">
+              <a:buFont typeface="+mj-lt"/>
+              <a:buAutoNum type="arabicPeriod"/>
             </a:pPr>
             <a:endParaRPr lang="nb-NO" dirty="0"/>
-          </a:p>
-          <a:p>
-            <a:r>
-              <a:rPr lang="nb-NO" dirty="0" smtClean="0"/>
-              <a:t>id: </a:t>
-            </a:r>
-            <a:r>
-              <a:rPr lang="nb-NO" dirty="0" err="1" smtClean="0"/>
-              <a:t>dips</a:t>
-            </a:r>
-            <a:r>
-              <a:rPr lang="nb-NO" dirty="0" smtClean="0"/>
-              <a:t>-arena-</a:t>
-            </a:r>
-            <a:r>
-              <a:rPr lang="nb-NO" dirty="0" err="1" smtClean="0"/>
-              <a:t>framework</a:t>
-            </a:r>
-            <a:r>
-              <a:rPr lang="nb-NO" dirty="0" smtClean="0"/>
-              <a:t>-server 			</a:t>
-            </a:r>
-            <a:r>
-              <a:rPr lang="nb-NO" dirty="0" err="1" smtClean="0"/>
-              <a:t>version</a:t>
-            </a:r>
-            <a:r>
-              <a:rPr lang="nb-NO" dirty="0" smtClean="0"/>
-              <a:t> 19.1.0</a:t>
-            </a:r>
-          </a:p>
-          <a:p>
-            <a:r>
-              <a:rPr lang="nb-NO" dirty="0"/>
-              <a:t>id: </a:t>
-            </a:r>
-            <a:r>
-              <a:rPr lang="nb-NO" dirty="0" err="1" smtClean="0"/>
-              <a:t>dips</a:t>
-            </a:r>
-            <a:r>
-              <a:rPr lang="nb-NO" dirty="0" smtClean="0"/>
-              <a:t>-arena-</a:t>
-            </a:r>
-            <a:r>
-              <a:rPr lang="nb-NO" dirty="0" err="1" smtClean="0"/>
-              <a:t>framework</a:t>
-            </a:r>
-            <a:r>
-              <a:rPr lang="nb-NO" dirty="0" smtClean="0"/>
-              <a:t>-</a:t>
-            </a:r>
-            <a:r>
-              <a:rPr lang="nb-NO" dirty="0" err="1" smtClean="0"/>
-              <a:t>client</a:t>
-            </a:r>
-            <a:r>
-              <a:rPr lang="nb-NO" dirty="0" smtClean="0"/>
-              <a:t> 			</a:t>
-            </a:r>
-            <a:r>
-              <a:rPr lang="nb-NO" dirty="0" err="1" smtClean="0"/>
-              <a:t>version</a:t>
-            </a:r>
-            <a:r>
-              <a:rPr lang="nb-NO" dirty="0" smtClean="0"/>
-              <a:t> 19.1.0</a:t>
-            </a:r>
-          </a:p>
-          <a:p>
-            <a:r>
-              <a:rPr lang="nb-NO" dirty="0"/>
-              <a:t>id: </a:t>
-            </a:r>
-            <a:r>
-              <a:rPr lang="nb-NO" dirty="0" smtClean="0"/>
-              <a:t>dips-arena-framework-database-19.1.0 	</a:t>
-            </a:r>
-            <a:r>
-              <a:rPr lang="nb-NO" dirty="0" err="1" smtClean="0"/>
-              <a:t>version</a:t>
-            </a:r>
-            <a:r>
-              <a:rPr lang="nb-NO" dirty="0" smtClean="0"/>
-              <a:t> 1.0.0</a:t>
-            </a:r>
-          </a:p>
-          <a:p>
-            <a:pPr marL="0" indent="0">
-              <a:buNone/>
-            </a:pPr>
-            <a:endParaRPr lang="nb-NO" dirty="0"/>
-          </a:p>
-        </p:txBody>
-      </p:sp>
-      <p:sp>
-        <p:nvSpPr>
-          <p:cNvPr id="5" name="Oval 4"/>
-          <p:cNvSpPr/>
-          <p:nvPr/>
-        </p:nvSpPr>
-        <p:spPr>
-          <a:xfrm>
-            <a:off x="9235441" y="3277985"/>
-            <a:ext cx="1263534" cy="573578"/>
-          </a:xfrm>
-          <a:prstGeom prst="ellipse">
-            <a:avLst/>
-          </a:prstGeom>
-          <a:noFill/>
-        </p:spPr>
-        <p:style>
-          <a:lnRef idx="2">
-            <a:schemeClr val="accent1">
-              <a:shade val="50000"/>
-            </a:schemeClr>
-          </a:lnRef>
-          <a:fillRef idx="1">
-            <a:schemeClr val="accent1"/>
-          </a:fillRef>
-          <a:effectRef idx="0">
-            <a:schemeClr val="accent1"/>
-          </a:effectRef>
-          <a:fontRef idx="minor">
-            <a:schemeClr val="lt1"/>
-          </a:fontRef>
-        </p:style>
-        <p:txBody>
-          <a:bodyPr rtlCol="0" anchor="ctr"/>
-          <a:lstStyle/>
-          <a:p>
-            <a:pPr algn="ctr"/>
-            <a:endParaRPr lang="nb-NO"/>
-          </a:p>
-        </p:txBody>
-      </p:sp>
-      <p:sp>
-        <p:nvSpPr>
-          <p:cNvPr id="6" name="Oval 5"/>
-          <p:cNvSpPr/>
-          <p:nvPr/>
-        </p:nvSpPr>
-        <p:spPr>
-          <a:xfrm>
-            <a:off x="6229003" y="4300450"/>
-            <a:ext cx="1263534" cy="573578"/>
-          </a:xfrm>
-          <a:prstGeom prst="ellipse">
-            <a:avLst/>
-          </a:prstGeom>
-          <a:noFill/>
-        </p:spPr>
-        <p:style>
-          <a:lnRef idx="2">
-            <a:schemeClr val="accent1">
-              <a:shade val="50000"/>
-            </a:schemeClr>
-          </a:lnRef>
-          <a:fillRef idx="1">
-            <a:schemeClr val="accent1"/>
-          </a:fillRef>
-          <a:effectRef idx="0">
-            <a:schemeClr val="accent1"/>
-          </a:effectRef>
-          <a:fontRef idx="minor">
-            <a:schemeClr val="lt1"/>
-          </a:fontRef>
-        </p:style>
-        <p:txBody>
-          <a:bodyPr rtlCol="0" anchor="ctr"/>
-          <a:lstStyle/>
-          <a:p>
-            <a:pPr algn="ctr"/>
-            <a:endParaRPr lang="nb-NO"/>
           </a:p>
         </p:txBody>
       </p:sp>
     </p:spTree>
     <p:extLst>
       <p:ext uri="{BB962C8B-B14F-4D97-AF65-F5344CB8AC3E}">
-        <p14:creationId xmlns:p14="http://schemas.microsoft.com/office/powerpoint/2010/main" val="2151584767"/>
+        <p14:creationId xmlns:p14="http://schemas.microsoft.com/office/powerpoint/2010/main" val="1604630973"/>
       </p:ext>
     </p:extLst>
   </p:cSld>
@@ -14747,6 +14489,799 @@
           <a:lstStyle/>
           <a:p>
             <a:r>
+              <a:rPr lang="nb-NO" dirty="0" err="1" smtClean="0"/>
+              <a:t>Install-DatabasePackages</a:t>
+            </a:r>
+            <a:r>
+              <a:rPr lang="nb-NO" dirty="0" smtClean="0"/>
+              <a:t> </a:t>
+            </a:r>
+            <a:r>
+              <a:rPr lang="nb-NO" dirty="0" err="1" smtClean="0"/>
+              <a:t>cont</a:t>
+            </a:r>
+            <a:r>
+              <a:rPr lang="nb-NO" dirty="0" smtClean="0"/>
+              <a:t>.</a:t>
+            </a:r>
+            <a:endParaRPr lang="nb-NO" dirty="0"/>
+          </a:p>
+        </p:txBody>
+      </p:sp>
+      <p:sp>
+        <p:nvSpPr>
+          <p:cNvPr id="3" name="Content Placeholder 2"/>
+          <p:cNvSpPr>
+            <a:spLocks noGrp="1"/>
+          </p:cNvSpPr>
+          <p:nvPr>
+            <p:ph idx="1"/>
+          </p:nvPr>
+        </p:nvSpPr>
+        <p:spPr/>
+        <p:txBody>
+          <a:bodyPr>
+            <a:normAutofit/>
+          </a:bodyPr>
+          <a:lstStyle/>
+          <a:p>
+            <a:pPr marL="514350" indent="-514350">
+              <a:buFont typeface="+mj-lt"/>
+              <a:buAutoNum type="arabicPeriod" startAt="7"/>
+            </a:pPr>
+            <a:r>
+              <a:rPr lang="nb-NO" dirty="0" err="1" smtClean="0"/>
+              <a:t>Installs</a:t>
+            </a:r>
+            <a:r>
+              <a:rPr lang="nb-NO" dirty="0" smtClean="0"/>
+              <a:t> </a:t>
+            </a:r>
+            <a:r>
+              <a:rPr lang="nb-NO" dirty="0" err="1"/>
+              <a:t>packages</a:t>
+            </a:r>
+            <a:r>
+              <a:rPr lang="nb-NO" dirty="0"/>
+              <a:t> </a:t>
+            </a:r>
+            <a:r>
+              <a:rPr lang="nb-NO" dirty="0" err="1"/>
+              <a:t>into</a:t>
+            </a:r>
+            <a:r>
+              <a:rPr lang="nb-NO" dirty="0"/>
+              <a:t> :$</a:t>
+            </a:r>
+            <a:r>
+              <a:rPr lang="nb-NO" dirty="0" err="1" smtClean="0"/>
+              <a:t>InstallDir</a:t>
+            </a:r>
+            <a:r>
+              <a:rPr lang="nb-NO" dirty="0" smtClean="0"/>
+              <a:t>\database-date-time\</a:t>
+            </a:r>
+            <a:r>
+              <a:rPr lang="nb-NO" dirty="0" err="1" smtClean="0"/>
+              <a:t>choco</a:t>
+            </a:r>
+            <a:r>
+              <a:rPr lang="nb-NO" dirty="0" smtClean="0"/>
+              <a:t>\</a:t>
+            </a:r>
+            <a:r>
+              <a:rPr lang="nb-NO" dirty="0" err="1" smtClean="0"/>
+              <a:t>lib</a:t>
+            </a:r>
+            <a:endParaRPr lang="nb-NO" dirty="0"/>
+          </a:p>
+          <a:p>
+            <a:pPr marL="514350" indent="-514350">
+              <a:buFont typeface="+mj-lt"/>
+              <a:buAutoNum type="arabicPeriod" startAt="7"/>
+            </a:pPr>
+            <a:r>
+              <a:rPr lang="nb-NO" dirty="0" err="1" smtClean="0"/>
+              <a:t>Each</a:t>
+            </a:r>
+            <a:r>
+              <a:rPr lang="nb-NO" dirty="0" smtClean="0"/>
+              <a:t> </a:t>
+            </a:r>
+            <a:r>
+              <a:rPr lang="nb-NO" dirty="0" err="1" smtClean="0"/>
+              <a:t>package</a:t>
+            </a:r>
+            <a:r>
+              <a:rPr lang="nb-NO" dirty="0" smtClean="0"/>
+              <a:t> has </a:t>
+            </a:r>
+            <a:r>
+              <a:rPr lang="nb-NO" dirty="0" err="1" smtClean="0"/>
+              <a:t>now</a:t>
+            </a:r>
+            <a:r>
+              <a:rPr lang="nb-NO" dirty="0" smtClean="0"/>
+              <a:t>:</a:t>
+            </a:r>
+          </a:p>
+          <a:p>
+            <a:pPr lvl="1"/>
+            <a:r>
+              <a:rPr lang="nb-NO" dirty="0" err="1" smtClean="0"/>
+              <a:t>installed</a:t>
+            </a:r>
+            <a:r>
+              <a:rPr lang="nb-NO" dirty="0" smtClean="0"/>
+              <a:t> </a:t>
+            </a:r>
+            <a:r>
+              <a:rPr lang="nb-NO" dirty="0" err="1" smtClean="0"/>
+              <a:t>its</a:t>
+            </a:r>
+            <a:r>
+              <a:rPr lang="nb-NO" dirty="0" smtClean="0"/>
+              <a:t> </a:t>
+            </a:r>
+            <a:r>
+              <a:rPr lang="nb-NO" dirty="0" err="1" smtClean="0"/>
+              <a:t>dups</a:t>
+            </a:r>
+            <a:r>
+              <a:rPr lang="nb-NO" dirty="0" smtClean="0"/>
+              <a:t> to $</a:t>
+            </a:r>
+            <a:r>
+              <a:rPr lang="nb-NO" dirty="0" err="1" smtClean="0"/>
+              <a:t>InstallDir</a:t>
+            </a:r>
+            <a:r>
+              <a:rPr lang="nb-NO" dirty="0" smtClean="0"/>
+              <a:t>\$database\</a:t>
+            </a:r>
+            <a:r>
+              <a:rPr lang="nb-NO" dirty="0" err="1" smtClean="0"/>
+              <a:t>dup</a:t>
+            </a:r>
+            <a:r>
+              <a:rPr lang="nb-NO" dirty="0" smtClean="0"/>
+              <a:t> </a:t>
+            </a:r>
+          </a:p>
+          <a:p>
+            <a:pPr lvl="1"/>
+            <a:r>
+              <a:rPr lang="nb-NO" dirty="0" err="1" smtClean="0"/>
+              <a:t>written</a:t>
+            </a:r>
+            <a:r>
+              <a:rPr lang="nb-NO" dirty="0" smtClean="0"/>
+              <a:t> a line in $</a:t>
+            </a:r>
+            <a:r>
+              <a:rPr lang="nb-NO" dirty="0" err="1"/>
+              <a:t>InstallDir</a:t>
+            </a:r>
+            <a:r>
+              <a:rPr lang="nb-NO" dirty="0"/>
+              <a:t>\$database\</a:t>
+            </a:r>
+            <a:r>
+              <a:rPr lang="nb-NO" dirty="0" err="1"/>
+              <a:t>json</a:t>
+            </a:r>
+            <a:r>
+              <a:rPr lang="nb-NO" dirty="0"/>
+              <a:t>\moduleOrder.txt</a:t>
+            </a:r>
+            <a:endParaRPr lang="nb-NO" dirty="0" smtClean="0"/>
+          </a:p>
+          <a:p>
+            <a:pPr lvl="1"/>
+            <a:r>
+              <a:rPr lang="nb-NO" dirty="0" err="1" smtClean="0"/>
+              <a:t>copied</a:t>
+            </a:r>
+            <a:r>
+              <a:rPr lang="nb-NO" dirty="0" smtClean="0"/>
+              <a:t> </a:t>
+            </a:r>
+            <a:r>
+              <a:rPr lang="nb-NO" dirty="0" err="1" smtClean="0"/>
+              <a:t>its</a:t>
+            </a:r>
+            <a:r>
+              <a:rPr lang="nb-NO" dirty="0" smtClean="0"/>
+              <a:t> </a:t>
+            </a:r>
+            <a:r>
+              <a:rPr lang="nb-NO" dirty="0" err="1" smtClean="0"/>
+              <a:t>json</a:t>
+            </a:r>
+            <a:r>
+              <a:rPr lang="nb-NO" dirty="0" smtClean="0"/>
+              <a:t> order file to </a:t>
+            </a:r>
+            <a:r>
+              <a:rPr lang="nb-NO" dirty="0"/>
+              <a:t>$</a:t>
+            </a:r>
+            <a:r>
+              <a:rPr lang="nb-NO" dirty="0" err="1"/>
+              <a:t>InstallDir</a:t>
+            </a:r>
+            <a:r>
+              <a:rPr lang="nb-NO" dirty="0"/>
+              <a:t>\$database\</a:t>
+            </a:r>
+            <a:r>
+              <a:rPr lang="nb-NO" dirty="0" err="1"/>
+              <a:t>json</a:t>
+            </a:r>
+            <a:r>
+              <a:rPr lang="nb-NO" dirty="0" smtClean="0"/>
+              <a:t>\</a:t>
+            </a:r>
+          </a:p>
+          <a:p>
+            <a:pPr marL="514350" indent="-514350">
+              <a:buFont typeface="+mj-lt"/>
+              <a:buAutoNum type="arabicPeriod" startAt="7"/>
+            </a:pPr>
+            <a:r>
+              <a:rPr lang="nb-NO" dirty="0" err="1" smtClean="0"/>
+              <a:t>Creates</a:t>
+            </a:r>
+            <a:r>
+              <a:rPr lang="nb-NO" dirty="0" smtClean="0"/>
+              <a:t> an </a:t>
+            </a:r>
+            <a:r>
+              <a:rPr lang="nb-NO" dirty="0" err="1" smtClean="0"/>
+              <a:t>ordered</a:t>
+            </a:r>
+            <a:r>
+              <a:rPr lang="nb-NO" dirty="0" smtClean="0"/>
+              <a:t> list </a:t>
+            </a:r>
+            <a:r>
+              <a:rPr lang="nb-NO" dirty="0" err="1" smtClean="0"/>
+              <a:t>of</a:t>
+            </a:r>
+            <a:r>
+              <a:rPr lang="nb-NO" dirty="0" smtClean="0"/>
+              <a:t> </a:t>
+            </a:r>
+            <a:r>
+              <a:rPr lang="nb-NO" dirty="0" err="1" smtClean="0"/>
+              <a:t>dupfiles</a:t>
+            </a:r>
+            <a:r>
+              <a:rPr lang="nb-NO" dirty="0" smtClean="0"/>
+              <a:t> </a:t>
+            </a:r>
+            <a:r>
+              <a:rPr lang="nb-NO" dirty="0" err="1" smtClean="0"/>
+              <a:t>based</a:t>
+            </a:r>
+            <a:r>
+              <a:rPr lang="nb-NO" dirty="0" smtClean="0"/>
+              <a:t> </a:t>
+            </a:r>
+            <a:r>
+              <a:rPr lang="nb-NO" dirty="0" err="1" smtClean="0"/>
+              <a:t>on</a:t>
+            </a:r>
+            <a:r>
+              <a:rPr lang="nb-NO" dirty="0" smtClean="0"/>
+              <a:t> all </a:t>
+            </a:r>
+            <a:r>
+              <a:rPr lang="nb-NO" dirty="0" err="1" smtClean="0"/>
+              <a:t>dup-order.json</a:t>
+            </a:r>
+            <a:r>
+              <a:rPr lang="nb-NO" dirty="0" smtClean="0"/>
+              <a:t> files</a:t>
+            </a:r>
+          </a:p>
+          <a:p>
+            <a:pPr marL="514350" indent="-514350">
+              <a:buFont typeface="+mj-lt"/>
+              <a:buAutoNum type="arabicPeriod" startAt="7"/>
+            </a:pPr>
+            <a:r>
+              <a:rPr lang="nb-NO" dirty="0" err="1" smtClean="0"/>
+              <a:t>Querries</a:t>
+            </a:r>
+            <a:r>
+              <a:rPr lang="nb-NO" dirty="0" smtClean="0"/>
+              <a:t> </a:t>
+            </a:r>
+            <a:r>
+              <a:rPr lang="nb-NO" dirty="0" err="1" smtClean="0"/>
+              <a:t>the</a:t>
+            </a:r>
+            <a:r>
+              <a:rPr lang="nb-NO" dirty="0" smtClean="0"/>
+              <a:t> database to </a:t>
+            </a:r>
+            <a:r>
+              <a:rPr lang="nb-NO" dirty="0" err="1" smtClean="0"/>
+              <a:t>find</a:t>
+            </a:r>
+            <a:r>
+              <a:rPr lang="nb-NO" dirty="0" smtClean="0"/>
+              <a:t> </a:t>
+            </a:r>
+            <a:r>
+              <a:rPr lang="nb-NO" dirty="0" err="1" smtClean="0"/>
+              <a:t>if</a:t>
+            </a:r>
+            <a:r>
+              <a:rPr lang="nb-NO" dirty="0" smtClean="0"/>
+              <a:t> all </a:t>
+            </a:r>
+            <a:r>
+              <a:rPr lang="nb-NO" dirty="0" err="1" smtClean="0"/>
+              <a:t>these</a:t>
+            </a:r>
+            <a:r>
+              <a:rPr lang="nb-NO" dirty="0" smtClean="0"/>
+              <a:t> </a:t>
+            </a:r>
+            <a:r>
+              <a:rPr lang="nb-NO" dirty="0" err="1" smtClean="0"/>
+              <a:t>dupfiles</a:t>
+            </a:r>
+            <a:r>
+              <a:rPr lang="nb-NO" dirty="0" smtClean="0"/>
+              <a:t> must be </a:t>
+            </a:r>
+            <a:r>
+              <a:rPr lang="nb-NO" dirty="0" err="1" smtClean="0"/>
+              <a:t>executed</a:t>
+            </a:r>
+            <a:endParaRPr lang="nb-NO" dirty="0" smtClean="0"/>
+          </a:p>
+          <a:p>
+            <a:pPr marL="514350" indent="-514350">
+              <a:buFont typeface="+mj-lt"/>
+              <a:buAutoNum type="arabicPeriod" startAt="7"/>
+            </a:pPr>
+            <a:r>
+              <a:rPr lang="nb-NO" dirty="0" err="1" smtClean="0"/>
+              <a:t>Executes</a:t>
+            </a:r>
+            <a:r>
+              <a:rPr lang="nb-NO" dirty="0" smtClean="0"/>
+              <a:t> </a:t>
+            </a:r>
+            <a:r>
+              <a:rPr lang="nb-NO" dirty="0" err="1" smtClean="0"/>
+              <a:t>dupfiles</a:t>
+            </a:r>
+            <a:r>
+              <a:rPr lang="nb-NO" dirty="0" smtClean="0"/>
+              <a:t> </a:t>
+            </a:r>
+            <a:r>
+              <a:rPr lang="nb-NO" dirty="0" err="1" smtClean="0"/>
+              <a:t>using</a:t>
+            </a:r>
+            <a:r>
+              <a:rPr lang="nb-NO" dirty="0" smtClean="0"/>
+              <a:t> </a:t>
+            </a:r>
+            <a:r>
+              <a:rPr lang="nb-NO" dirty="0" err="1" smtClean="0"/>
+              <a:t>dupconsole</a:t>
+            </a:r>
+            <a:r>
+              <a:rPr lang="nb-NO" dirty="0" smtClean="0"/>
+              <a:t> and runs </a:t>
+            </a:r>
+            <a:r>
+              <a:rPr lang="nb-NO" dirty="0" err="1" smtClean="0"/>
+              <a:t>dwdba</a:t>
+            </a:r>
+            <a:r>
+              <a:rPr lang="nb-NO" dirty="0" smtClean="0"/>
+              <a:t> </a:t>
+            </a:r>
+            <a:r>
+              <a:rPr lang="nb-NO" dirty="0" err="1" smtClean="0"/>
+              <a:t>after</a:t>
+            </a:r>
+            <a:r>
+              <a:rPr lang="nb-NO" dirty="0" smtClean="0"/>
+              <a:t> </a:t>
+            </a:r>
+            <a:r>
+              <a:rPr lang="nb-NO" dirty="0" err="1" smtClean="0"/>
+              <a:t>each</a:t>
+            </a:r>
+            <a:r>
+              <a:rPr lang="nb-NO" dirty="0" smtClean="0"/>
+              <a:t> </a:t>
+            </a:r>
+            <a:r>
+              <a:rPr lang="nb-NO" dirty="0" err="1" smtClean="0"/>
+              <a:t>dup</a:t>
+            </a:r>
+            <a:r>
+              <a:rPr lang="nb-NO" dirty="0" smtClean="0"/>
+              <a:t> to </a:t>
+            </a:r>
+            <a:r>
+              <a:rPr lang="nb-NO" dirty="0" err="1" smtClean="0"/>
+              <a:t>generate</a:t>
+            </a:r>
+            <a:r>
+              <a:rPr lang="nb-NO" dirty="0" smtClean="0"/>
+              <a:t> triggers and </a:t>
+            </a:r>
+            <a:r>
+              <a:rPr lang="nb-NO" dirty="0" err="1" smtClean="0"/>
+              <a:t>views</a:t>
+            </a:r>
+            <a:endParaRPr lang="nb-NO" dirty="0"/>
+          </a:p>
+          <a:p>
+            <a:pPr marL="514350" indent="-514350">
+              <a:buFont typeface="+mj-lt"/>
+              <a:buAutoNum type="arabicPeriod" startAt="7"/>
+            </a:pPr>
+            <a:endParaRPr lang="nb-NO" dirty="0" smtClean="0"/>
+          </a:p>
+        </p:txBody>
+      </p:sp>
+    </p:spTree>
+    <p:extLst>
+      <p:ext uri="{BB962C8B-B14F-4D97-AF65-F5344CB8AC3E}">
+        <p14:creationId xmlns:p14="http://schemas.microsoft.com/office/powerpoint/2010/main" val="2789536597"/>
+      </p:ext>
+    </p:extLst>
+  </p:cSld>
+  <p:clrMapOvr>
+    <a:masterClrMapping/>
+  </p:clrMapOvr>
+</p:sld>
+</file>
+
+<file path=ppt/slides/slide61.xml><?xml version="1.0" encoding="utf-8"?>
+<p:sld xmlns:a="http://schemas.openxmlformats.org/drawingml/2006/main" xmlns:r="http://schemas.openxmlformats.org/officeDocument/2006/relationships" xmlns:p="http://schemas.openxmlformats.org/presentationml/2006/main">
+  <p:cSld>
+    <p:spTree>
+      <p:nvGrpSpPr>
+        <p:cNvPr id="1" name=""/>
+        <p:cNvGrpSpPr/>
+        <p:nvPr/>
+      </p:nvGrpSpPr>
+      <p:grpSpPr>
+        <a:xfrm>
+          <a:off x="0" y="0"/>
+          <a:ext cx="0" cy="0"/>
+          <a:chOff x="0" y="0"/>
+          <a:chExt cx="0" cy="0"/>
+        </a:xfrm>
+      </p:grpSpPr>
+      <p:sp>
+        <p:nvSpPr>
+          <p:cNvPr id="2" name="Title 1"/>
+          <p:cNvSpPr>
+            <a:spLocks noGrp="1"/>
+          </p:cNvSpPr>
+          <p:nvPr>
+            <p:ph type="title"/>
+          </p:nvPr>
+        </p:nvSpPr>
+        <p:spPr/>
+        <p:txBody>
+          <a:bodyPr/>
+          <a:lstStyle/>
+          <a:p>
+            <a:r>
+              <a:rPr lang="nb-NO" dirty="0" smtClean="0"/>
+              <a:t>Database </a:t>
+            </a:r>
+            <a:r>
+              <a:rPr lang="nb-NO" dirty="0" err="1" smtClean="0"/>
+              <a:t>package</a:t>
+            </a:r>
+            <a:r>
+              <a:rPr lang="nb-NO" dirty="0" smtClean="0"/>
+              <a:t> </a:t>
+            </a:r>
+            <a:r>
+              <a:rPr lang="nb-NO" dirty="0" err="1" smtClean="0"/>
+              <a:t>versioning</a:t>
+            </a:r>
+            <a:endParaRPr lang="nb-NO" dirty="0"/>
+          </a:p>
+        </p:txBody>
+      </p:sp>
+      <p:sp>
+        <p:nvSpPr>
+          <p:cNvPr id="3" name="Content Placeholder 2"/>
+          <p:cNvSpPr>
+            <a:spLocks noGrp="1"/>
+          </p:cNvSpPr>
+          <p:nvPr>
+            <p:ph idx="1"/>
+          </p:nvPr>
+        </p:nvSpPr>
+        <p:spPr/>
+        <p:txBody>
+          <a:bodyPr/>
+          <a:lstStyle/>
+          <a:p>
+            <a:pPr marL="0" indent="0">
+              <a:buNone/>
+            </a:pPr>
+            <a:r>
+              <a:rPr lang="nb-NO" dirty="0" smtClean="0"/>
+              <a:t>DIPS Arena </a:t>
+            </a:r>
+            <a:r>
+              <a:rPr lang="nb-NO" dirty="0" err="1" smtClean="0"/>
+              <a:t>framework</a:t>
+            </a:r>
+            <a:r>
+              <a:rPr lang="nb-NO" dirty="0" smtClean="0"/>
+              <a:t> for DIPS Arena 19.1.0</a:t>
+            </a:r>
+          </a:p>
+          <a:p>
+            <a:pPr marL="0" indent="0">
+              <a:buNone/>
+            </a:pPr>
+            <a:r>
+              <a:rPr lang="nb-NO" dirty="0" smtClean="0"/>
+              <a:t>A </a:t>
+            </a:r>
+            <a:r>
+              <a:rPr lang="nb-NO" dirty="0" err="1" smtClean="0"/>
+              <a:t>package</a:t>
+            </a:r>
+            <a:r>
+              <a:rPr lang="nb-NO" dirty="0" smtClean="0"/>
+              <a:t> has an id and a </a:t>
+            </a:r>
+            <a:r>
+              <a:rPr lang="nb-NO" dirty="0" err="1" smtClean="0"/>
+              <a:t>version</a:t>
+            </a:r>
+            <a:endParaRPr lang="nb-NO" dirty="0" smtClean="0"/>
+          </a:p>
+          <a:p>
+            <a:pPr marL="0" indent="0">
+              <a:buNone/>
+            </a:pPr>
+            <a:endParaRPr lang="nb-NO" dirty="0"/>
+          </a:p>
+          <a:p>
+            <a:r>
+              <a:rPr lang="nb-NO" dirty="0" smtClean="0"/>
+              <a:t>id: </a:t>
+            </a:r>
+            <a:r>
+              <a:rPr lang="nb-NO" dirty="0" err="1" smtClean="0"/>
+              <a:t>dips</a:t>
+            </a:r>
+            <a:r>
+              <a:rPr lang="nb-NO" dirty="0" smtClean="0"/>
+              <a:t>-arena-</a:t>
+            </a:r>
+            <a:r>
+              <a:rPr lang="nb-NO" dirty="0" err="1" smtClean="0"/>
+              <a:t>framework</a:t>
+            </a:r>
+            <a:r>
+              <a:rPr lang="nb-NO" dirty="0" smtClean="0"/>
+              <a:t>-server 			</a:t>
+            </a:r>
+            <a:r>
+              <a:rPr lang="nb-NO" dirty="0" err="1" smtClean="0"/>
+              <a:t>version</a:t>
+            </a:r>
+            <a:r>
+              <a:rPr lang="nb-NO" dirty="0" smtClean="0"/>
+              <a:t> 19.1.0</a:t>
+            </a:r>
+          </a:p>
+          <a:p>
+            <a:r>
+              <a:rPr lang="nb-NO" dirty="0"/>
+              <a:t>id: </a:t>
+            </a:r>
+            <a:r>
+              <a:rPr lang="nb-NO" dirty="0" err="1" smtClean="0"/>
+              <a:t>dips</a:t>
+            </a:r>
+            <a:r>
+              <a:rPr lang="nb-NO" dirty="0" smtClean="0"/>
+              <a:t>-arena-</a:t>
+            </a:r>
+            <a:r>
+              <a:rPr lang="nb-NO" dirty="0" err="1" smtClean="0"/>
+              <a:t>framework</a:t>
+            </a:r>
+            <a:r>
+              <a:rPr lang="nb-NO" dirty="0" smtClean="0"/>
+              <a:t>-</a:t>
+            </a:r>
+            <a:r>
+              <a:rPr lang="nb-NO" dirty="0" err="1" smtClean="0"/>
+              <a:t>client</a:t>
+            </a:r>
+            <a:r>
+              <a:rPr lang="nb-NO" dirty="0" smtClean="0"/>
+              <a:t> 			</a:t>
+            </a:r>
+            <a:r>
+              <a:rPr lang="nb-NO" dirty="0" err="1" smtClean="0"/>
+              <a:t>version</a:t>
+            </a:r>
+            <a:r>
+              <a:rPr lang="nb-NO" dirty="0" smtClean="0"/>
+              <a:t> 19.1.0</a:t>
+            </a:r>
+          </a:p>
+          <a:p>
+            <a:r>
+              <a:rPr lang="nb-NO" dirty="0"/>
+              <a:t>id: </a:t>
+            </a:r>
+            <a:r>
+              <a:rPr lang="nb-NO" dirty="0" smtClean="0"/>
+              <a:t>dips-arena-framework-database-19.1.0 	</a:t>
+            </a:r>
+            <a:r>
+              <a:rPr lang="nb-NO" dirty="0" err="1" smtClean="0"/>
+              <a:t>version</a:t>
+            </a:r>
+            <a:r>
+              <a:rPr lang="nb-NO" dirty="0" smtClean="0"/>
+              <a:t> 1.0.0</a:t>
+            </a:r>
+          </a:p>
+          <a:p>
+            <a:pPr marL="0" indent="0">
+              <a:buNone/>
+            </a:pPr>
+            <a:endParaRPr lang="nb-NO" dirty="0"/>
+          </a:p>
+        </p:txBody>
+      </p:sp>
+      <p:sp>
+        <p:nvSpPr>
+          <p:cNvPr id="5" name="Oval 4"/>
+          <p:cNvSpPr/>
+          <p:nvPr/>
+        </p:nvSpPr>
+        <p:spPr>
+          <a:xfrm>
+            <a:off x="9235441" y="3277985"/>
+            <a:ext cx="1263534" cy="573578"/>
+          </a:xfrm>
+          <a:prstGeom prst="ellipse">
+            <a:avLst/>
+          </a:prstGeom>
+          <a:noFill/>
+        </p:spPr>
+        <p:style>
+          <a:lnRef idx="2">
+            <a:schemeClr val="accent1">
+              <a:shade val="50000"/>
+            </a:schemeClr>
+          </a:lnRef>
+          <a:fillRef idx="1">
+            <a:schemeClr val="accent1"/>
+          </a:fillRef>
+          <a:effectRef idx="0">
+            <a:schemeClr val="accent1"/>
+          </a:effectRef>
+          <a:fontRef idx="minor">
+            <a:schemeClr val="lt1"/>
+          </a:fontRef>
+        </p:style>
+        <p:txBody>
+          <a:bodyPr rtlCol="0" anchor="ctr"/>
+          <a:lstStyle/>
+          <a:p>
+            <a:pPr algn="ctr"/>
+            <a:endParaRPr lang="nb-NO"/>
+          </a:p>
+        </p:txBody>
+      </p:sp>
+      <p:sp>
+        <p:nvSpPr>
+          <p:cNvPr id="6" name="Oval 5"/>
+          <p:cNvSpPr/>
+          <p:nvPr/>
+        </p:nvSpPr>
+        <p:spPr>
+          <a:xfrm>
+            <a:off x="6229003" y="4300450"/>
+            <a:ext cx="1263534" cy="573578"/>
+          </a:xfrm>
+          <a:prstGeom prst="ellipse">
+            <a:avLst/>
+          </a:prstGeom>
+          <a:noFill/>
+        </p:spPr>
+        <p:style>
+          <a:lnRef idx="2">
+            <a:schemeClr val="accent1">
+              <a:shade val="50000"/>
+            </a:schemeClr>
+          </a:lnRef>
+          <a:fillRef idx="1">
+            <a:schemeClr val="accent1"/>
+          </a:fillRef>
+          <a:effectRef idx="0">
+            <a:schemeClr val="accent1"/>
+          </a:effectRef>
+          <a:fontRef idx="minor">
+            <a:schemeClr val="lt1"/>
+          </a:fontRef>
+        </p:style>
+        <p:txBody>
+          <a:bodyPr rtlCol="0" anchor="ctr"/>
+          <a:lstStyle/>
+          <a:p>
+            <a:pPr algn="ctr"/>
+            <a:endParaRPr lang="nb-NO"/>
+          </a:p>
+        </p:txBody>
+      </p:sp>
+    </p:spTree>
+    <p:extLst>
+      <p:ext uri="{BB962C8B-B14F-4D97-AF65-F5344CB8AC3E}">
+        <p14:creationId xmlns:p14="http://schemas.microsoft.com/office/powerpoint/2010/main" val="2151584767"/>
+      </p:ext>
+    </p:extLst>
+  </p:cSld>
+  <p:clrMapOvr>
+    <a:masterClrMapping/>
+  </p:clrMapOvr>
+</p:sld>
+</file>
+
+<file path=ppt/slides/slide62.xml><?xml version="1.0" encoding="utf-8"?>
+<p:sld xmlns:a="http://schemas.openxmlformats.org/drawingml/2006/main" xmlns:r="http://schemas.openxmlformats.org/officeDocument/2006/relationships" xmlns:p="http://schemas.openxmlformats.org/presentationml/2006/main">
+  <p:cSld>
+    <p:spTree>
+      <p:nvGrpSpPr>
+        <p:cNvPr id="1" name=""/>
+        <p:cNvGrpSpPr/>
+        <p:nvPr/>
+      </p:nvGrpSpPr>
+      <p:grpSpPr>
+        <a:xfrm>
+          <a:off x="0" y="0"/>
+          <a:ext cx="0" cy="0"/>
+          <a:chOff x="0" y="0"/>
+          <a:chExt cx="0" cy="0"/>
+        </a:xfrm>
+      </p:grpSpPr>
+      <p:sp>
+        <p:nvSpPr>
+          <p:cNvPr id="2" name="Title 1"/>
+          <p:cNvSpPr>
+            <a:spLocks noGrp="1"/>
+          </p:cNvSpPr>
+          <p:nvPr>
+            <p:ph type="title"/>
+          </p:nvPr>
+        </p:nvSpPr>
+        <p:spPr/>
+        <p:txBody>
+          <a:bodyPr/>
+          <a:lstStyle/>
+          <a:p>
+            <a:r>
               <a:rPr lang="nb-NO" dirty="0"/>
               <a:t>Database </a:t>
             </a:r>
@@ -15094,7 +15629,7 @@
 </p:sld>
 </file>
 
-<file path=ppt/slides/slide61.xml><?xml version="1.0" encoding="utf-8"?>
+<file path=ppt/slides/slide63.xml><?xml version="1.0" encoding="utf-8"?>
 <p:sld xmlns:a="http://schemas.openxmlformats.org/drawingml/2006/main" xmlns:r="http://schemas.openxmlformats.org/officeDocument/2006/relationships" xmlns:p="http://schemas.openxmlformats.org/presentationml/2006/main">
   <p:cSld>
     <p:spTree>
@@ -15214,7 +15749,7 @@
 </p:sld>
 </file>
 
-<file path=ppt/slides/slide62.xml><?xml version="1.0" encoding="utf-8"?>
+<file path=ppt/slides/slide64.xml><?xml version="1.0" encoding="utf-8"?>
 <p:sld xmlns:a="http://schemas.openxmlformats.org/drawingml/2006/main" xmlns:r="http://schemas.openxmlformats.org/officeDocument/2006/relationships" xmlns:p="http://schemas.openxmlformats.org/presentationml/2006/main">
   <p:cSld>
     <p:spTree>
@@ -15434,7 +15969,7 @@
 </p:sld>
 </file>
 
-<file path=ppt/slides/slide63.xml><?xml version="1.0" encoding="utf-8"?>
+<file path=ppt/slides/slide65.xml><?xml version="1.0" encoding="utf-8"?>
 <p:sld xmlns:a="http://schemas.openxmlformats.org/drawingml/2006/main" xmlns:r="http://schemas.openxmlformats.org/officeDocument/2006/relationships" xmlns:p="http://schemas.openxmlformats.org/presentationml/2006/main">
   <p:cSld>
     <p:spTree>
@@ -15912,7 +16447,7 @@
 </p:sld>
 </file>
 
-<file path=ppt/slides/slide64.xml><?xml version="1.0" encoding="utf-8"?>
+<file path=ppt/slides/slide66.xml><?xml version="1.0" encoding="utf-8"?>
 <p:sld xmlns:a="http://schemas.openxmlformats.org/drawingml/2006/main" xmlns:r="http://schemas.openxmlformats.org/officeDocument/2006/relationships" xmlns:p="http://schemas.openxmlformats.org/presentationml/2006/main">
   <p:cSld>
     <p:spTree>
@@ -16518,7 +17053,7 @@
 </p:sld>
 </file>
 
-<file path=ppt/slides/slide65.xml><?xml version="1.0" encoding="utf-8"?>
+<file path=ppt/slides/slide67.xml><?xml version="1.0" encoding="utf-8"?>
 <p:sld xmlns:a="http://schemas.openxmlformats.org/drawingml/2006/main" xmlns:r="http://schemas.openxmlformats.org/officeDocument/2006/relationships" xmlns:p="http://schemas.openxmlformats.org/presentationml/2006/main">
   <p:cSld>
     <p:spTree>
@@ -16768,7 +17303,7 @@
 </p:sld>
 </file>
 
-<file path=ppt/slides/slide66.xml><?xml version="1.0" encoding="utf-8"?>
+<file path=ppt/slides/slide68.xml><?xml version="1.0" encoding="utf-8"?>
 <p:sld xmlns:a="http://schemas.openxmlformats.org/drawingml/2006/main" xmlns:r="http://schemas.openxmlformats.org/officeDocument/2006/relationships" xmlns:p="http://schemas.openxmlformats.org/presentationml/2006/main">
   <p:cSld>
     <p:spTree>
